--- a/assets/img/vision/concept/axis_angle_rotation/axis_angle_rotation.pptx
+++ b/assets/img/vision/concept/axis_angle_rotation/axis_angle_rotation.pptx
@@ -6,6 +6,9 @@
   </p:sldMasterIdLst>
   <p:sldIdLst>
     <p:sldId id="256" r:id="rId2"/>
+    <p:sldId id="257" r:id="rId3"/>
+    <p:sldId id="258" r:id="rId4"/>
+    <p:sldId id="259" r:id="rId5"/>
   </p:sldIdLst>
   <p:sldSz cx="12192000" cy="6858000"/>
   <p:notesSz cx="6858000" cy="9144000"/>
@@ -270,7 +273,7 @@
           <a:p>
             <a:fld id="{6FD87DA4-F2F6-4932-8726-65DB9545054F}" type="datetimeFigureOut">
               <a:rPr lang="ko-KR" altLang="en-US" smtClean="0"/>
-              <a:t>2023-04-09</a:t>
+              <a:t>2023-04-23</a:t>
             </a:fld>
             <a:endParaRPr lang="ko-KR" altLang="en-US"/>
           </a:p>
@@ -468,7 +471,7 @@
           <a:p>
             <a:fld id="{6FD87DA4-F2F6-4932-8726-65DB9545054F}" type="datetimeFigureOut">
               <a:rPr lang="ko-KR" altLang="en-US" smtClean="0"/>
-              <a:t>2023-04-09</a:t>
+              <a:t>2023-04-23</a:t>
             </a:fld>
             <a:endParaRPr lang="ko-KR" altLang="en-US"/>
           </a:p>
@@ -676,7 +679,7 @@
           <a:p>
             <a:fld id="{6FD87DA4-F2F6-4932-8726-65DB9545054F}" type="datetimeFigureOut">
               <a:rPr lang="ko-KR" altLang="en-US" smtClean="0"/>
-              <a:t>2023-04-09</a:t>
+              <a:t>2023-04-23</a:t>
             </a:fld>
             <a:endParaRPr lang="ko-KR" altLang="en-US"/>
           </a:p>
@@ -874,7 +877,7 @@
           <a:p>
             <a:fld id="{6FD87DA4-F2F6-4932-8726-65DB9545054F}" type="datetimeFigureOut">
               <a:rPr lang="ko-KR" altLang="en-US" smtClean="0"/>
-              <a:t>2023-04-09</a:t>
+              <a:t>2023-04-23</a:t>
             </a:fld>
             <a:endParaRPr lang="ko-KR" altLang="en-US"/>
           </a:p>
@@ -1149,7 +1152,7 @@
           <a:p>
             <a:fld id="{6FD87DA4-F2F6-4932-8726-65DB9545054F}" type="datetimeFigureOut">
               <a:rPr lang="ko-KR" altLang="en-US" smtClean="0"/>
-              <a:t>2023-04-09</a:t>
+              <a:t>2023-04-23</a:t>
             </a:fld>
             <a:endParaRPr lang="ko-KR" altLang="en-US"/>
           </a:p>
@@ -1414,7 +1417,7 @@
           <a:p>
             <a:fld id="{6FD87DA4-F2F6-4932-8726-65DB9545054F}" type="datetimeFigureOut">
               <a:rPr lang="ko-KR" altLang="en-US" smtClean="0"/>
-              <a:t>2023-04-09</a:t>
+              <a:t>2023-04-23</a:t>
             </a:fld>
             <a:endParaRPr lang="ko-KR" altLang="en-US"/>
           </a:p>
@@ -1826,7 +1829,7 @@
           <a:p>
             <a:fld id="{6FD87DA4-F2F6-4932-8726-65DB9545054F}" type="datetimeFigureOut">
               <a:rPr lang="ko-KR" altLang="en-US" smtClean="0"/>
-              <a:t>2023-04-09</a:t>
+              <a:t>2023-04-23</a:t>
             </a:fld>
             <a:endParaRPr lang="ko-KR" altLang="en-US"/>
           </a:p>
@@ -1967,7 +1970,7 @@
           <a:p>
             <a:fld id="{6FD87DA4-F2F6-4932-8726-65DB9545054F}" type="datetimeFigureOut">
               <a:rPr lang="ko-KR" altLang="en-US" smtClean="0"/>
-              <a:t>2023-04-09</a:t>
+              <a:t>2023-04-23</a:t>
             </a:fld>
             <a:endParaRPr lang="ko-KR" altLang="en-US"/>
           </a:p>
@@ -2080,7 +2083,7 @@
           <a:p>
             <a:fld id="{6FD87DA4-F2F6-4932-8726-65DB9545054F}" type="datetimeFigureOut">
               <a:rPr lang="ko-KR" altLang="en-US" smtClean="0"/>
-              <a:t>2023-04-09</a:t>
+              <a:t>2023-04-23</a:t>
             </a:fld>
             <a:endParaRPr lang="ko-KR" altLang="en-US"/>
           </a:p>
@@ -2391,7 +2394,7 @@
           <a:p>
             <a:fld id="{6FD87DA4-F2F6-4932-8726-65DB9545054F}" type="datetimeFigureOut">
               <a:rPr lang="ko-KR" altLang="en-US" smtClean="0"/>
-              <a:t>2023-04-09</a:t>
+              <a:t>2023-04-23</a:t>
             </a:fld>
             <a:endParaRPr lang="ko-KR" altLang="en-US"/>
           </a:p>
@@ -2679,7 +2682,7 @@
           <a:p>
             <a:fld id="{6FD87DA4-F2F6-4932-8726-65DB9545054F}" type="datetimeFigureOut">
               <a:rPr lang="ko-KR" altLang="en-US" smtClean="0"/>
-              <a:t>2023-04-09</a:t>
+              <a:t>2023-04-23</a:t>
             </a:fld>
             <a:endParaRPr lang="ko-KR" altLang="en-US"/>
           </a:p>
@@ -2920,7 +2923,7 @@
           <a:p>
             <a:fld id="{6FD87DA4-F2F6-4932-8726-65DB9545054F}" type="datetimeFigureOut">
               <a:rPr lang="ko-KR" altLang="en-US" smtClean="0"/>
-              <a:t>2023-04-09</a:t>
+              <a:t>2023-04-23</a:t>
             </a:fld>
             <a:endParaRPr lang="ko-KR" altLang="en-US"/>
           </a:p>
@@ -3352,9 +3355,9 @@
         <p:grpSpPr>
           <a:xfrm>
             <a:off x="797110" y="557505"/>
-            <a:ext cx="3221966" cy="3478621"/>
+            <a:ext cx="3364359" cy="3478621"/>
             <a:chOff x="1527360" y="481305"/>
-            <a:chExt cx="3221966" cy="3478621"/>
+            <a:chExt cx="3364359" cy="3478621"/>
           </a:xfrm>
         </p:grpSpPr>
         <p:cxnSp>
@@ -3776,12 +3779,12 @@
             <a:lstStyle/>
             <a:p>
               <a:pPr algn="ctr"/>
-              <a:endParaRPr lang="ko-KR" altLang="en-US"/>
+              <a:endParaRPr lang="ko-KR" altLang="en-US" dirty="0"/>
             </a:p>
           </p:txBody>
         </p:sp>
-        <mc:AlternateContent xmlns:mc="http://schemas.openxmlformats.org/markup-compatibility/2006">
-          <mc:Choice xmlns:a14="http://schemas.microsoft.com/office/drawing/2010/main" Requires="a14">
+        <mc:AlternateContent xmlns:mc="http://schemas.openxmlformats.org/markup-compatibility/2006" xmlns:a14="http://schemas.microsoft.com/office/drawing/2010/main">
+          <mc:Choice Requires="a14">
             <p:sp>
               <p:nvSpPr>
                 <p:cNvPr id="14" name="TextBox 13">
@@ -3810,6 +3813,7 @@
                 </a:bodyPr>
                 <a:lstStyle/>
                 <a:p>
+                  <a:pPr/>
                   <a14:m>
                     <m:oMathPara xmlns:m="http://schemas.openxmlformats.org/officeDocument/2006/math">
                       <m:oMathParaPr>
@@ -3830,7 +3834,7 @@
               </p:txBody>
             </p:sp>
           </mc:Choice>
-          <mc:Fallback>
+          <mc:Fallback xmlns="">
             <p:sp>
               <p:nvSpPr>
                 <p:cNvPr id="14" name="TextBox 13">
@@ -3934,8 +3938,8 @@
             </a:p>
           </p:txBody>
         </p:sp>
-        <mc:AlternateContent xmlns:mc="http://schemas.openxmlformats.org/markup-compatibility/2006">
-          <mc:Choice xmlns:a14="http://schemas.microsoft.com/office/drawing/2010/main" Requires="a14">
+        <mc:AlternateContent xmlns:mc="http://schemas.openxmlformats.org/markup-compatibility/2006" xmlns:a14="http://schemas.microsoft.com/office/drawing/2010/main">
+          <mc:Choice Requires="a14">
             <p:sp>
               <p:nvSpPr>
                 <p:cNvPr id="16" name="TextBox 15">
@@ -3964,6 +3968,7 @@
                 </a:bodyPr>
                 <a:lstStyle/>
                 <a:p>
+                  <a:pPr/>
                   <a14:m>
                     <m:oMathPara xmlns:m="http://schemas.openxmlformats.org/officeDocument/2006/math">
                       <m:oMathParaPr>
@@ -3984,7 +3989,7 @@
               </p:txBody>
             </p:sp>
           </mc:Choice>
-          <mc:Fallback>
+          <mc:Fallback xmlns="">
             <p:sp>
               <p:nvSpPr>
                 <p:cNvPr id="16" name="TextBox 15">
@@ -4029,8 +4034,8 @@
             </p:sp>
           </mc:Fallback>
         </mc:AlternateContent>
-        <mc:AlternateContent xmlns:mc="http://schemas.openxmlformats.org/markup-compatibility/2006">
-          <mc:Choice xmlns:a14="http://schemas.microsoft.com/office/drawing/2010/main" Requires="a14">
+        <mc:AlternateContent xmlns:mc="http://schemas.openxmlformats.org/markup-compatibility/2006" xmlns:a14="http://schemas.microsoft.com/office/drawing/2010/main">
+          <mc:Choice Requires="a14">
             <p:sp>
               <p:nvSpPr>
                 <p:cNvPr id="17" name="TextBox 16">
@@ -4059,6 +4064,7 @@
                 </a:bodyPr>
                 <a:lstStyle/>
                 <a:p>
+                  <a:pPr/>
                   <a14:m>
                     <m:oMathPara xmlns:m="http://schemas.openxmlformats.org/officeDocument/2006/math">
                       <m:oMathParaPr>
@@ -4085,7 +4091,7 @@
               </p:txBody>
             </p:sp>
           </mc:Choice>
-          <mc:Fallback>
+          <mc:Fallback xmlns="">
             <p:sp>
               <p:nvSpPr>
                 <p:cNvPr id="17" name="TextBox 16">
@@ -4182,8 +4188,8 @@
             </a:p>
           </p:txBody>
         </p:sp>
-        <mc:AlternateContent xmlns:mc="http://schemas.openxmlformats.org/markup-compatibility/2006">
-          <mc:Choice xmlns:a14="http://schemas.microsoft.com/office/drawing/2010/main" Requires="a14">
+        <mc:AlternateContent xmlns:mc="http://schemas.openxmlformats.org/markup-compatibility/2006" xmlns:a14="http://schemas.microsoft.com/office/drawing/2010/main">
+          <mc:Choice Requires="a14">
             <p:sp>
               <p:nvSpPr>
                 <p:cNvPr id="19" name="TextBox 18">
@@ -4212,6 +4218,7 @@
                 </a:bodyPr>
                 <a:lstStyle/>
                 <a:p>
+                  <a:pPr/>
                   <a14:m>
                     <m:oMathPara xmlns:m="http://schemas.openxmlformats.org/officeDocument/2006/math">
                       <m:oMathParaPr>
@@ -4244,7 +4251,7 @@
               </p:txBody>
             </p:sp>
           </mc:Choice>
-          <mc:Fallback>
+          <mc:Fallback xmlns="">
             <p:sp>
               <p:nvSpPr>
                 <p:cNvPr id="19" name="TextBox 18">
@@ -4289,8 +4296,8 @@
             </p:sp>
           </mc:Fallback>
         </mc:AlternateContent>
-        <mc:AlternateContent xmlns:mc="http://schemas.openxmlformats.org/markup-compatibility/2006">
-          <mc:Choice xmlns:a14="http://schemas.microsoft.com/office/drawing/2010/main" Requires="a14">
+        <mc:AlternateContent xmlns:mc="http://schemas.openxmlformats.org/markup-compatibility/2006" xmlns:a14="http://schemas.microsoft.com/office/drawing/2010/main">
+          <mc:Choice Requires="a14">
             <p:sp>
               <p:nvSpPr>
                 <p:cNvPr id="20" name="TextBox 19">
@@ -4319,6 +4326,7 @@
                 </a:bodyPr>
                 <a:lstStyle/>
                 <a:p>
+                  <a:pPr/>
                   <a14:m>
                     <m:oMathPara xmlns:m="http://schemas.openxmlformats.org/officeDocument/2006/math">
                       <m:oMathParaPr>
@@ -4351,7 +4359,7 @@
               </p:txBody>
             </p:sp>
           </mc:Choice>
-          <mc:Fallback>
+          <mc:Fallback xmlns="">
             <p:sp>
               <p:nvSpPr>
                 <p:cNvPr id="20" name="TextBox 19">
@@ -4396,8 +4404,8 @@
             </p:sp>
           </mc:Fallback>
         </mc:AlternateContent>
-        <mc:AlternateContent xmlns:mc="http://schemas.openxmlformats.org/markup-compatibility/2006">
-          <mc:Choice xmlns:a14="http://schemas.microsoft.com/office/drawing/2010/main" Requires="a14">
+        <mc:AlternateContent xmlns:mc="http://schemas.openxmlformats.org/markup-compatibility/2006" xmlns:a14="http://schemas.microsoft.com/office/drawing/2010/main">
+          <mc:Choice Requires="a14">
             <p:sp>
               <p:nvSpPr>
                 <p:cNvPr id="21" name="TextBox 20">
@@ -4426,6 +4434,7 @@
                 </a:bodyPr>
                 <a:lstStyle/>
                 <a:p>
+                  <a:pPr/>
                   <a14:m>
                     <m:oMathPara xmlns:m="http://schemas.openxmlformats.org/officeDocument/2006/math">
                       <m:oMathParaPr>
@@ -4464,7 +4473,7 @@
               </p:txBody>
             </p:sp>
           </mc:Choice>
-          <mc:Fallback>
+          <mc:Fallback xmlns="">
             <p:sp>
               <p:nvSpPr>
                 <p:cNvPr id="21" name="TextBox 20">
@@ -4525,7 +4534,7 @@
               </p:nvSpPr>
               <p:spPr>
                 <a:xfrm>
-                  <a:off x="4429943" y="2181692"/>
+                  <a:off x="4572336" y="2181692"/>
                   <a:ext cx="319383" cy="253916"/>
                 </a:xfrm>
                 <a:prstGeom prst="rect">
@@ -4539,6 +4548,7 @@
                 </a:bodyPr>
                 <a:lstStyle/>
                 <a:p>
+                  <a:pPr/>
                   <a14:m>
                     <m:oMathPara xmlns:m="http://schemas.openxmlformats.org/officeDocument/2006/math">
                       <m:oMathParaPr>
@@ -4576,7 +4586,7 @@
               </p:nvSpPr>
               <p:spPr>
                 <a:xfrm>
-                  <a:off x="4429943" y="2181692"/>
+                  <a:off x="4572336" y="2181692"/>
                   <a:ext cx="319383" cy="253916"/>
                 </a:xfrm>
                 <a:prstGeom prst="rect">
@@ -4620,7 +4630,7 @@
               </p:nvSpPr>
               <p:spPr>
                 <a:xfrm>
-                  <a:off x="3902100" y="1366404"/>
+                  <a:off x="3927208" y="1308528"/>
                   <a:ext cx="351378" cy="253916"/>
                 </a:xfrm>
                 <a:prstGeom prst="rect">
@@ -4634,6 +4644,7 @@
                 </a:bodyPr>
                 <a:lstStyle/>
                 <a:p>
+                  <a:pPr/>
                   <a14:m>
                     <m:oMathPara xmlns:m="http://schemas.openxmlformats.org/officeDocument/2006/math">
                       <m:oMathParaPr>
@@ -4677,7 +4688,7 @@
               </p:nvSpPr>
               <p:spPr>
                 <a:xfrm>
-                  <a:off x="3902100" y="1366404"/>
+                  <a:off x="3927208" y="1308528"/>
                   <a:ext cx="351378" cy="253916"/>
                 </a:xfrm>
                 <a:prstGeom prst="rect">
@@ -4706,10 +4717,7652 @@
           </mc:Fallback>
         </mc:AlternateContent>
       </p:grpSp>
+      <p:grpSp>
+        <p:nvGrpSpPr>
+          <p:cNvPr id="62" name="그룹 61">
+            <a:extLst>
+              <a:ext uri="{FF2B5EF4-FFF2-40B4-BE49-F238E27FC236}">
+                <a16:creationId xmlns:a16="http://schemas.microsoft.com/office/drawing/2014/main" id="{38102BA8-1A3A-E601-A4CF-1B0FBE53A9E5}"/>
+              </a:ext>
+            </a:extLst>
+          </p:cNvPr>
+          <p:cNvGrpSpPr/>
+          <p:nvPr/>
+        </p:nvGrpSpPr>
+        <p:grpSpPr>
+          <a:xfrm>
+            <a:off x="5242748" y="458582"/>
+            <a:ext cx="3221966" cy="3623403"/>
+            <a:chOff x="5311082" y="512871"/>
+            <a:chExt cx="3221966" cy="3623403"/>
+          </a:xfrm>
+        </p:grpSpPr>
+        <p:grpSp>
+          <p:nvGrpSpPr>
+            <p:cNvPr id="60" name="그룹 59">
+              <a:extLst>
+                <a:ext uri="{FF2B5EF4-FFF2-40B4-BE49-F238E27FC236}">
+                  <a16:creationId xmlns:a16="http://schemas.microsoft.com/office/drawing/2014/main" id="{ABDB3548-05E5-FD0A-E070-D0BBC2FD7295}"/>
+                </a:ext>
+              </a:extLst>
+            </p:cNvPr>
+            <p:cNvGrpSpPr/>
+            <p:nvPr/>
+          </p:nvGrpSpPr>
+          <p:grpSpPr>
+            <a:xfrm>
+              <a:off x="5311082" y="512871"/>
+              <a:ext cx="3221966" cy="3623403"/>
+              <a:chOff x="5222182" y="763149"/>
+              <a:chExt cx="3221966" cy="3623403"/>
+            </a:xfrm>
+          </p:grpSpPr>
+          <p:cxnSp>
+            <p:nvCxnSpPr>
+              <p:cNvPr id="57" name="직선 화살표 연결선 56">
+                <a:extLst>
+                  <a:ext uri="{FF2B5EF4-FFF2-40B4-BE49-F238E27FC236}">
+                    <a16:creationId xmlns:a16="http://schemas.microsoft.com/office/drawing/2014/main" id="{C6D6A71B-E235-AF55-F443-9004FA528730}"/>
+                  </a:ext>
+                </a:extLst>
+              </p:cNvPr>
+              <p:cNvCxnSpPr>
+                <a:cxnSpLocks/>
+              </p:cNvCxnSpPr>
+              <p:nvPr/>
+            </p:nvCxnSpPr>
+            <p:spPr>
+              <a:xfrm flipV="1">
+                <a:off x="6020984" y="1016651"/>
+                <a:ext cx="1139410" cy="3140915"/>
+              </a:xfrm>
+              <a:prstGeom prst="straightConnector1">
+                <a:avLst/>
+              </a:prstGeom>
+              <a:ln w="19050">
+                <a:tailEnd type="triangle"/>
+              </a:ln>
+            </p:spPr>
+            <p:style>
+              <a:lnRef idx="1">
+                <a:schemeClr val="accent2"/>
+              </a:lnRef>
+              <a:fillRef idx="0">
+                <a:schemeClr val="accent2"/>
+              </a:fillRef>
+              <a:effectRef idx="0">
+                <a:schemeClr val="accent2"/>
+              </a:effectRef>
+              <a:fontRef idx="minor">
+                <a:schemeClr val="tx1"/>
+              </a:fontRef>
+            </p:style>
+          </p:cxnSp>
+          <p:grpSp>
+            <p:nvGrpSpPr>
+              <p:cNvPr id="55" name="그룹 54">
+                <a:extLst>
+                  <a:ext uri="{FF2B5EF4-FFF2-40B4-BE49-F238E27FC236}">
+                    <a16:creationId xmlns:a16="http://schemas.microsoft.com/office/drawing/2014/main" id="{9CD37950-3443-D10F-FEE8-C70A1443B29D}"/>
+                  </a:ext>
+                </a:extLst>
+              </p:cNvPr>
+              <p:cNvGrpSpPr/>
+              <p:nvPr/>
+            </p:nvGrpSpPr>
+            <p:grpSpPr>
+              <a:xfrm>
+                <a:off x="5222182" y="1631480"/>
+                <a:ext cx="3221966" cy="2755072"/>
+                <a:chOff x="4816743" y="1408012"/>
+                <a:chExt cx="3221966" cy="2755072"/>
+              </a:xfrm>
+            </p:grpSpPr>
+            <p:cxnSp>
+              <p:nvCxnSpPr>
+                <p:cNvPr id="3" name="직선 화살표 연결선 2">
+                  <a:extLst>
+                    <a:ext uri="{FF2B5EF4-FFF2-40B4-BE49-F238E27FC236}">
+                      <a16:creationId xmlns:a16="http://schemas.microsoft.com/office/drawing/2014/main" id="{55324FF5-468C-3EA7-080C-621B5DC44D67}"/>
+                    </a:ext>
+                  </a:extLst>
+                </p:cNvPr>
+                <p:cNvCxnSpPr>
+                  <a:cxnSpLocks/>
+                  <a:stCxn id="28" idx="6"/>
+                  <a:endCxn id="30" idx="4"/>
+                </p:cNvCxnSpPr>
+                <p:nvPr/>
+              </p:nvCxnSpPr>
+              <p:spPr>
+                <a:xfrm flipV="1">
+                  <a:off x="5669884" y="2527730"/>
+                  <a:ext cx="2097603" cy="1398509"/>
+                </a:xfrm>
+                <a:prstGeom prst="straightConnector1">
+                  <a:avLst/>
+                </a:prstGeom>
+                <a:ln w="19050">
+                  <a:solidFill>
+                    <a:srgbClr val="0000FF"/>
+                  </a:solidFill>
+                  <a:tailEnd type="triangle"/>
+                </a:ln>
+              </p:spPr>
+              <p:style>
+                <a:lnRef idx="1">
+                  <a:schemeClr val="accent2"/>
+                </a:lnRef>
+                <a:fillRef idx="0">
+                  <a:schemeClr val="accent2"/>
+                </a:fillRef>
+                <a:effectRef idx="0">
+                  <a:schemeClr val="accent2"/>
+                </a:effectRef>
+                <a:fontRef idx="minor">
+                  <a:schemeClr val="tx1"/>
+                </a:fontRef>
+              </p:style>
+            </p:cxnSp>
+            <p:cxnSp>
+              <p:nvCxnSpPr>
+                <p:cNvPr id="25" name="직선 화살표 연결선 24">
+                  <a:extLst>
+                    <a:ext uri="{FF2B5EF4-FFF2-40B4-BE49-F238E27FC236}">
+                      <a16:creationId xmlns:a16="http://schemas.microsoft.com/office/drawing/2014/main" id="{077F5C8A-75A9-7C18-30D3-FEC27D5471D6}"/>
+                    </a:ext>
+                  </a:extLst>
+                </p:cNvPr>
+                <p:cNvCxnSpPr>
+                  <a:cxnSpLocks/>
+                  <a:stCxn id="28" idx="0"/>
+                  <a:endCxn id="36" idx="3"/>
+                </p:cNvCxnSpPr>
+                <p:nvPr/>
+              </p:nvCxnSpPr>
+              <p:spPr>
+                <a:xfrm flipV="1">
+                  <a:off x="5631785" y="2079376"/>
+                  <a:ext cx="660336" cy="1808763"/>
+                </a:xfrm>
+                <a:prstGeom prst="straightConnector1">
+                  <a:avLst/>
+                </a:prstGeom>
+                <a:ln w="19050">
+                  <a:solidFill>
+                    <a:srgbClr val="00B050"/>
+                  </a:solidFill>
+                  <a:tailEnd type="triangle"/>
+                </a:ln>
+              </p:spPr>
+              <p:style>
+                <a:lnRef idx="1">
+                  <a:schemeClr val="accent2"/>
+                </a:lnRef>
+                <a:fillRef idx="0">
+                  <a:schemeClr val="accent2"/>
+                </a:fillRef>
+                <a:effectRef idx="0">
+                  <a:schemeClr val="accent2"/>
+                </a:effectRef>
+                <a:fontRef idx="minor">
+                  <a:schemeClr val="tx1"/>
+                </a:fontRef>
+              </p:style>
+            </p:cxnSp>
+            <p:cxnSp>
+              <p:nvCxnSpPr>
+                <p:cNvPr id="27" name="직선 화살표 연결선 26">
+                  <a:extLst>
+                    <a:ext uri="{FF2B5EF4-FFF2-40B4-BE49-F238E27FC236}">
+                      <a16:creationId xmlns:a16="http://schemas.microsoft.com/office/drawing/2014/main" id="{14E9E7A3-0A93-6EA6-6170-D4A2EFE94C1E}"/>
+                    </a:ext>
+                  </a:extLst>
+                </p:cNvPr>
+                <p:cNvCxnSpPr>
+                  <a:cxnSpLocks/>
+                  <a:stCxn id="36" idx="6"/>
+                </p:cNvCxnSpPr>
+                <p:nvPr/>
+              </p:nvCxnSpPr>
+              <p:spPr>
+                <a:xfrm>
+                  <a:off x="6357161" y="2052436"/>
+                  <a:ext cx="1428036" cy="385785"/>
+                </a:xfrm>
+                <a:prstGeom prst="straightConnector1">
+                  <a:avLst/>
+                </a:prstGeom>
+                <a:ln w="19050">
+                  <a:tailEnd type="triangle"/>
+                </a:ln>
+              </p:spPr>
+              <p:style>
+                <a:lnRef idx="1">
+                  <a:schemeClr val="dk1"/>
+                </a:lnRef>
+                <a:fillRef idx="0">
+                  <a:schemeClr val="dk1"/>
+                </a:fillRef>
+                <a:effectRef idx="0">
+                  <a:schemeClr val="dk1"/>
+                </a:effectRef>
+                <a:fontRef idx="minor">
+                  <a:schemeClr val="tx1"/>
+                </a:fontRef>
+              </p:style>
+            </p:cxnSp>
+            <p:sp>
+              <p:nvSpPr>
+                <p:cNvPr id="28" name="타원 27">
+                  <a:extLst>
+                    <a:ext uri="{FF2B5EF4-FFF2-40B4-BE49-F238E27FC236}">
+                      <a16:creationId xmlns:a16="http://schemas.microsoft.com/office/drawing/2014/main" id="{93F62366-FD32-06C2-ABF0-9BC39C249A38}"/>
+                    </a:ext>
+                  </a:extLst>
+                </p:cNvPr>
+                <p:cNvSpPr/>
+                <p:nvPr/>
+              </p:nvSpPr>
+              <p:spPr>
+                <a:xfrm>
+                  <a:off x="5593685" y="3888139"/>
+                  <a:ext cx="76199" cy="76199"/>
+                </a:xfrm>
+                <a:prstGeom prst="ellipse">
+                  <a:avLst/>
+                </a:prstGeom>
+                <a:ln>
+                  <a:noFill/>
+                </a:ln>
+              </p:spPr>
+              <p:style>
+                <a:lnRef idx="2">
+                  <a:schemeClr val="accent2">
+                    <a:shade val="50000"/>
+                  </a:schemeClr>
+                </a:lnRef>
+                <a:fillRef idx="1">
+                  <a:schemeClr val="accent2"/>
+                </a:fillRef>
+                <a:effectRef idx="0">
+                  <a:schemeClr val="accent2"/>
+                </a:effectRef>
+                <a:fontRef idx="minor">
+                  <a:schemeClr val="lt1"/>
+                </a:fontRef>
+              </p:style>
+              <p:txBody>
+                <a:bodyPr rtlCol="0" anchor="ctr"/>
+                <a:lstStyle/>
+                <a:p>
+                  <a:pPr algn="ctr"/>
+                  <a:endParaRPr lang="ko-KR" altLang="en-US"/>
+                </a:p>
+              </p:txBody>
+            </p:sp>
+            <p:sp>
+              <p:nvSpPr>
+                <p:cNvPr id="29" name="타원 28">
+                  <a:extLst>
+                    <a:ext uri="{FF2B5EF4-FFF2-40B4-BE49-F238E27FC236}">
+                      <a16:creationId xmlns:a16="http://schemas.microsoft.com/office/drawing/2014/main" id="{8139C91D-570C-0798-6B79-1819C08DBD38}"/>
+                    </a:ext>
+                  </a:extLst>
+                </p:cNvPr>
+                <p:cNvSpPr/>
+                <p:nvPr/>
+              </p:nvSpPr>
+              <p:spPr>
+                <a:xfrm rot="882798">
+                  <a:off x="4816743" y="1408012"/>
+                  <a:ext cx="3004920" cy="1288849"/>
+                </a:xfrm>
+                <a:prstGeom prst="ellipse">
+                  <a:avLst/>
+                </a:prstGeom>
+                <a:noFill/>
+                <a:ln w="19050">
+                  <a:solidFill>
+                    <a:schemeClr val="tx1"/>
+                  </a:solidFill>
+                  <a:prstDash val="sysDash"/>
+                </a:ln>
+              </p:spPr>
+              <p:style>
+                <a:lnRef idx="2">
+                  <a:schemeClr val="accent1">
+                    <a:shade val="50000"/>
+                  </a:schemeClr>
+                </a:lnRef>
+                <a:fillRef idx="1">
+                  <a:schemeClr val="accent1"/>
+                </a:fillRef>
+                <a:effectRef idx="0">
+                  <a:schemeClr val="accent1"/>
+                </a:effectRef>
+                <a:fontRef idx="minor">
+                  <a:schemeClr val="lt1"/>
+                </a:fontRef>
+              </p:style>
+              <p:txBody>
+                <a:bodyPr rtlCol="0" anchor="ctr"/>
+                <a:lstStyle/>
+                <a:p>
+                  <a:pPr algn="ctr"/>
+                  <a:endParaRPr lang="ko-KR" altLang="en-US" dirty="0"/>
+                </a:p>
+              </p:txBody>
+            </p:sp>
+            <p:sp>
+              <p:nvSpPr>
+                <p:cNvPr id="30" name="타원 29">
+                  <a:extLst>
+                    <a:ext uri="{FF2B5EF4-FFF2-40B4-BE49-F238E27FC236}">
+                      <a16:creationId xmlns:a16="http://schemas.microsoft.com/office/drawing/2014/main" id="{085A25B7-3145-387C-DE8B-015C6A9E84EE}"/>
+                    </a:ext>
+                  </a:extLst>
+                </p:cNvPr>
+                <p:cNvSpPr/>
+                <p:nvPr/>
+              </p:nvSpPr>
+              <p:spPr>
+                <a:xfrm>
+                  <a:off x="7729387" y="2451531"/>
+                  <a:ext cx="76199" cy="76199"/>
+                </a:xfrm>
+                <a:prstGeom prst="ellipse">
+                  <a:avLst/>
+                </a:prstGeom>
+                <a:solidFill>
+                  <a:srgbClr val="0000FF"/>
+                </a:solidFill>
+                <a:ln>
+                  <a:noFill/>
+                </a:ln>
+              </p:spPr>
+              <p:style>
+                <a:lnRef idx="2">
+                  <a:schemeClr val="accent2">
+                    <a:shade val="50000"/>
+                  </a:schemeClr>
+                </a:lnRef>
+                <a:fillRef idx="1">
+                  <a:schemeClr val="accent2"/>
+                </a:fillRef>
+                <a:effectRef idx="0">
+                  <a:schemeClr val="accent2"/>
+                </a:effectRef>
+                <a:fontRef idx="minor">
+                  <a:schemeClr val="lt1"/>
+                </a:fontRef>
+              </p:style>
+              <p:txBody>
+                <a:bodyPr rtlCol="0" anchor="ctr"/>
+                <a:lstStyle/>
+                <a:p>
+                  <a:pPr algn="ctr"/>
+                  <a:endParaRPr lang="ko-KR" altLang="en-US"/>
+                </a:p>
+              </p:txBody>
+            </p:sp>
+            <mc:AlternateContent xmlns:mc="http://schemas.openxmlformats.org/markup-compatibility/2006">
+              <mc:Choice xmlns:a14="http://schemas.microsoft.com/office/drawing/2010/main" Requires="a14">
+                <p:sp>
+                  <p:nvSpPr>
+                    <p:cNvPr id="34" name="TextBox 33">
+                      <a:extLst>
+                        <a:ext uri="{FF2B5EF4-FFF2-40B4-BE49-F238E27FC236}">
+                          <a16:creationId xmlns:a16="http://schemas.microsoft.com/office/drawing/2014/main" id="{0E4F6D38-1AFF-1B33-FE98-5D00FB5666B2}"/>
+                        </a:ext>
+                      </a:extLst>
+                    </p:cNvPr>
+                    <p:cNvSpPr txBox="1"/>
+                    <p:nvPr/>
+                  </p:nvSpPr>
+                  <p:spPr>
+                    <a:xfrm>
+                      <a:off x="5417286" y="3909168"/>
+                      <a:ext cx="327397" cy="253916"/>
+                    </a:xfrm>
+                    <a:prstGeom prst="rect">
+                      <a:avLst/>
+                    </a:prstGeom>
+                    <a:noFill/>
+                  </p:spPr>
+                  <p:txBody>
+                    <a:bodyPr wrap="none" rtlCol="0">
+                      <a:spAutoFit/>
+                    </a:bodyPr>
+                    <a:lstStyle/>
+                    <a:p>
+                      <a:pPr/>
+                      <a14:m>
+                        <m:oMathPara xmlns:m="http://schemas.openxmlformats.org/officeDocument/2006/math">
+                          <m:oMathParaPr>
+                            <m:jc m:val="centerGroup"/>
+                          </m:oMathParaPr>
+                          <m:oMath xmlns:m="http://schemas.openxmlformats.org/officeDocument/2006/math">
+                            <m:r>
+                              <a:rPr lang="en-US" altLang="ko-KR" sz="1050" b="0" i="1" smtClean="0">
+                                <a:latin typeface="Cambria Math" panose="02040503050406030204" pitchFamily="18" charset="0"/>
+                              </a:rPr>
+                              <m:t>𝑂</m:t>
+                            </m:r>
+                          </m:oMath>
+                        </m:oMathPara>
+                      </a14:m>
+                      <a:endParaRPr lang="ko-KR" altLang="en-US" sz="1050" dirty="0"/>
+                    </a:p>
+                  </p:txBody>
+                </p:sp>
+              </mc:Choice>
+              <mc:Fallback>
+                <p:sp>
+                  <p:nvSpPr>
+                    <p:cNvPr id="34" name="TextBox 33">
+                      <a:extLst>
+                        <a:ext uri="{FF2B5EF4-FFF2-40B4-BE49-F238E27FC236}">
+                          <a16:creationId xmlns:a16="http://schemas.microsoft.com/office/drawing/2014/main" id="{0E4F6D38-1AFF-1B33-FE98-5D00FB5666B2}"/>
+                        </a:ext>
+                      </a:extLst>
+                    </p:cNvPr>
+                    <p:cNvSpPr txBox="1">
+                      <a:spLocks noRot="1" noChangeAspect="1" noMove="1" noResize="1" noEditPoints="1" noAdjustHandles="1" noChangeArrowheads="1" noChangeShapeType="1" noTextEdit="1"/>
+                    </p:cNvSpPr>
+                    <p:nvPr/>
+                  </p:nvSpPr>
+                  <p:spPr>
+                    <a:xfrm>
+                      <a:off x="5417286" y="3909168"/>
+                      <a:ext cx="327397" cy="253916"/>
+                    </a:xfrm>
+                    <a:prstGeom prst="rect">
+                      <a:avLst/>
+                    </a:prstGeom>
+                    <a:blipFill>
+                      <a:blip r:embed="rId10"/>
+                      <a:stretch>
+                        <a:fillRect/>
+                      </a:stretch>
+                    </a:blipFill>
+                  </p:spPr>
+                  <p:txBody>
+                    <a:bodyPr/>
+                    <a:lstStyle/>
+                    <a:p>
+                      <a:r>
+                        <a:rPr lang="ko-KR" altLang="en-US">
+                          <a:noFill/>
+                        </a:rPr>
+                        <a:t> </a:t>
+                      </a:r>
+                    </a:p>
+                  </p:txBody>
+                </p:sp>
+              </mc:Fallback>
+            </mc:AlternateContent>
+            <mc:AlternateContent xmlns:mc="http://schemas.openxmlformats.org/markup-compatibility/2006">
+              <mc:Choice xmlns:a14="http://schemas.microsoft.com/office/drawing/2010/main" Requires="a14">
+                <p:sp>
+                  <p:nvSpPr>
+                    <p:cNvPr id="35" name="TextBox 34">
+                      <a:extLst>
+                        <a:ext uri="{FF2B5EF4-FFF2-40B4-BE49-F238E27FC236}">
+                          <a16:creationId xmlns:a16="http://schemas.microsoft.com/office/drawing/2014/main" id="{BE507219-2139-2296-816F-EF0FDD107CE6}"/>
+                        </a:ext>
+                      </a:extLst>
+                    </p:cNvPr>
+                    <p:cNvSpPr txBox="1"/>
+                    <p:nvPr/>
+                  </p:nvSpPr>
+                  <p:spPr>
+                    <a:xfrm>
+                      <a:off x="5926287" y="1885847"/>
+                      <a:ext cx="359394" cy="253916"/>
+                    </a:xfrm>
+                    <a:prstGeom prst="rect">
+                      <a:avLst/>
+                    </a:prstGeom>
+                    <a:noFill/>
+                  </p:spPr>
+                  <p:txBody>
+                    <a:bodyPr wrap="none" rtlCol="0">
+                      <a:spAutoFit/>
+                    </a:bodyPr>
+                    <a:lstStyle/>
+                    <a:p>
+                      <a:pPr/>
+                      <a14:m>
+                        <m:oMathPara xmlns:m="http://schemas.openxmlformats.org/officeDocument/2006/math">
+                          <m:oMathParaPr>
+                            <m:jc m:val="centerGroup"/>
+                          </m:oMathParaPr>
+                          <m:oMath xmlns:m="http://schemas.openxmlformats.org/officeDocument/2006/math">
+                            <m:r>
+                              <a:rPr lang="en-US" altLang="ko-KR" sz="1050" b="0" i="1" smtClean="0">
+                                <a:latin typeface="Cambria Math" panose="02040503050406030204" pitchFamily="18" charset="0"/>
+                              </a:rPr>
+                              <m:t>𝑂</m:t>
+                            </m:r>
+                            <m:r>
+                              <a:rPr lang="en-US" altLang="ko-KR" sz="1050" b="0" i="1" smtClean="0">
+                                <a:latin typeface="Cambria Math" panose="02040503050406030204" pitchFamily="18" charset="0"/>
+                              </a:rPr>
+                              <m:t>′</m:t>
+                            </m:r>
+                          </m:oMath>
+                        </m:oMathPara>
+                      </a14:m>
+                      <a:endParaRPr lang="ko-KR" altLang="en-US" sz="1050" dirty="0"/>
+                    </a:p>
+                  </p:txBody>
+                </p:sp>
+              </mc:Choice>
+              <mc:Fallback>
+                <p:sp>
+                  <p:nvSpPr>
+                    <p:cNvPr id="35" name="TextBox 34">
+                      <a:extLst>
+                        <a:ext uri="{FF2B5EF4-FFF2-40B4-BE49-F238E27FC236}">
+                          <a16:creationId xmlns:a16="http://schemas.microsoft.com/office/drawing/2014/main" id="{BE507219-2139-2296-816F-EF0FDD107CE6}"/>
+                        </a:ext>
+                      </a:extLst>
+                    </p:cNvPr>
+                    <p:cNvSpPr txBox="1">
+                      <a:spLocks noRot="1" noChangeAspect="1" noMove="1" noResize="1" noEditPoints="1" noAdjustHandles="1" noChangeArrowheads="1" noChangeShapeType="1" noTextEdit="1"/>
+                    </p:cNvSpPr>
+                    <p:nvPr/>
+                  </p:nvSpPr>
+                  <p:spPr>
+                    <a:xfrm>
+                      <a:off x="5926287" y="1885847"/>
+                      <a:ext cx="359394" cy="253916"/>
+                    </a:xfrm>
+                    <a:prstGeom prst="rect">
+                      <a:avLst/>
+                    </a:prstGeom>
+                    <a:blipFill>
+                      <a:blip r:embed="rId11"/>
+                      <a:stretch>
+                        <a:fillRect/>
+                      </a:stretch>
+                    </a:blipFill>
+                  </p:spPr>
+                  <p:txBody>
+                    <a:bodyPr/>
+                    <a:lstStyle/>
+                    <a:p>
+                      <a:r>
+                        <a:rPr lang="ko-KR" altLang="en-US">
+                          <a:noFill/>
+                        </a:rPr>
+                        <a:t> </a:t>
+                      </a:r>
+                    </a:p>
+                  </p:txBody>
+                </p:sp>
+              </mc:Fallback>
+            </mc:AlternateContent>
+            <p:sp>
+              <p:nvSpPr>
+                <p:cNvPr id="36" name="타원 35">
+                  <a:extLst>
+                    <a:ext uri="{FF2B5EF4-FFF2-40B4-BE49-F238E27FC236}">
+                      <a16:creationId xmlns:a16="http://schemas.microsoft.com/office/drawing/2014/main" id="{A0E98F5F-331A-D306-BA35-AB75A2163E81}"/>
+                    </a:ext>
+                  </a:extLst>
+                </p:cNvPr>
+                <p:cNvSpPr/>
+                <p:nvPr/>
+              </p:nvSpPr>
+              <p:spPr>
+                <a:xfrm>
+                  <a:off x="6280962" y="2014336"/>
+                  <a:ext cx="76199" cy="76199"/>
+                </a:xfrm>
+                <a:prstGeom prst="ellipse">
+                  <a:avLst/>
+                </a:prstGeom>
+                <a:solidFill>
+                  <a:schemeClr val="tx1"/>
+                </a:solidFill>
+                <a:ln>
+                  <a:noFill/>
+                </a:ln>
+              </p:spPr>
+              <p:style>
+                <a:lnRef idx="2">
+                  <a:schemeClr val="accent2">
+                    <a:shade val="50000"/>
+                  </a:schemeClr>
+                </a:lnRef>
+                <a:fillRef idx="1">
+                  <a:schemeClr val="accent2"/>
+                </a:fillRef>
+                <a:effectRef idx="0">
+                  <a:schemeClr val="accent2"/>
+                </a:effectRef>
+                <a:fontRef idx="minor">
+                  <a:schemeClr val="lt1"/>
+                </a:fontRef>
+              </p:style>
+              <p:txBody>
+                <a:bodyPr rtlCol="0" anchor="ctr"/>
+                <a:lstStyle/>
+                <a:p>
+                  <a:pPr algn="ctr"/>
+                  <a:endParaRPr lang="ko-KR" altLang="en-US"/>
+                </a:p>
+              </p:txBody>
+            </p:sp>
+            <mc:AlternateContent xmlns:mc="http://schemas.openxmlformats.org/markup-compatibility/2006">
+              <mc:Choice xmlns:a14="http://schemas.microsoft.com/office/drawing/2010/main" Requires="a14">
+                <p:sp>
+                  <p:nvSpPr>
+                    <p:cNvPr id="37" name="TextBox 36">
+                      <a:extLst>
+                        <a:ext uri="{FF2B5EF4-FFF2-40B4-BE49-F238E27FC236}">
+                          <a16:creationId xmlns:a16="http://schemas.microsoft.com/office/drawing/2014/main" id="{D2D4233C-857F-20F9-F518-EA31E84A985D}"/>
+                        </a:ext>
+                      </a:extLst>
+                    </p:cNvPr>
+                    <p:cNvSpPr txBox="1"/>
+                    <p:nvPr/>
+                  </p:nvSpPr>
+                  <p:spPr>
+                    <a:xfrm>
+                      <a:off x="5481636" y="3397485"/>
+                      <a:ext cx="224097" cy="253916"/>
+                    </a:xfrm>
+                    <a:prstGeom prst="rect">
+                      <a:avLst/>
+                    </a:prstGeom>
+                    <a:noFill/>
+                  </p:spPr>
+                  <p:txBody>
+                    <a:bodyPr wrap="square" rtlCol="0">
+                      <a:spAutoFit/>
+                    </a:bodyPr>
+                    <a:lstStyle/>
+                    <a:p>
+                      <a:pPr algn="ctr"/>
+                      <a14:m>
+                        <m:oMathPara xmlns:m="http://schemas.openxmlformats.org/officeDocument/2006/math">
+                          <m:oMathParaPr>
+                            <m:jc m:val="center"/>
+                          </m:oMathParaPr>
+                          <m:oMath xmlns:m="http://schemas.openxmlformats.org/officeDocument/2006/math">
+                            <m:r>
+                              <a:rPr lang="en-US" altLang="ko-KR" sz="1050" b="0" i="1" smtClean="0">
+                                <a:latin typeface="Cambria Math" panose="02040503050406030204" pitchFamily="18" charset="0"/>
+                              </a:rPr>
+                              <m:t> </m:t>
+                            </m:r>
+                            <m:acc>
+                              <m:accPr>
+                                <m:chr m:val="̂"/>
+                                <m:ctrlPr>
+                                  <a:rPr lang="en-US" altLang="ko-KR" sz="1050" b="0" i="1" smtClean="0">
+                                    <a:latin typeface="Cambria Math" panose="02040503050406030204" pitchFamily="18" charset="0"/>
+                                  </a:rPr>
+                                </m:ctrlPr>
+                              </m:accPr>
+                              <m:e>
+                                <m:r>
+                                  <a:rPr lang="en-US" altLang="ko-KR" sz="1050" b="0" i="1" smtClean="0">
+                                    <a:latin typeface="Cambria Math" panose="02040503050406030204" pitchFamily="18" charset="0"/>
+                                  </a:rPr>
+                                  <m:t>𝑛</m:t>
+                                </m:r>
+                              </m:e>
+                            </m:acc>
+                          </m:oMath>
+                        </m:oMathPara>
+                      </a14:m>
+                      <a:endParaRPr lang="ko-KR" altLang="en-US" sz="1050" dirty="0"/>
+                    </a:p>
+                  </p:txBody>
+                </p:sp>
+              </mc:Choice>
+              <mc:Fallback>
+                <p:sp>
+                  <p:nvSpPr>
+                    <p:cNvPr id="37" name="TextBox 36">
+                      <a:extLst>
+                        <a:ext uri="{FF2B5EF4-FFF2-40B4-BE49-F238E27FC236}">
+                          <a16:creationId xmlns:a16="http://schemas.microsoft.com/office/drawing/2014/main" id="{D2D4233C-857F-20F9-F518-EA31E84A985D}"/>
+                        </a:ext>
+                      </a:extLst>
+                    </p:cNvPr>
+                    <p:cNvSpPr txBox="1">
+                      <a:spLocks noRot="1" noChangeAspect="1" noMove="1" noResize="1" noEditPoints="1" noAdjustHandles="1" noChangeArrowheads="1" noChangeShapeType="1" noTextEdit="1"/>
+                    </p:cNvSpPr>
+                    <p:nvPr/>
+                  </p:nvSpPr>
+                  <p:spPr>
+                    <a:xfrm>
+                      <a:off x="5481636" y="3397485"/>
+                      <a:ext cx="224097" cy="253916"/>
+                    </a:xfrm>
+                    <a:prstGeom prst="rect">
+                      <a:avLst/>
+                    </a:prstGeom>
+                    <a:blipFill>
+                      <a:blip r:embed="rId12"/>
+                      <a:stretch>
+                        <a:fillRect/>
+                      </a:stretch>
+                    </a:blipFill>
+                  </p:spPr>
+                  <p:txBody>
+                    <a:bodyPr/>
+                    <a:lstStyle/>
+                    <a:p>
+                      <a:r>
+                        <a:rPr lang="ko-KR" altLang="en-US">
+                          <a:noFill/>
+                        </a:rPr>
+                        <a:t> </a:t>
+                      </a:r>
+                    </a:p>
+                  </p:txBody>
+                </p:sp>
+              </mc:Fallback>
+            </mc:AlternateContent>
+            <mc:AlternateContent xmlns:mc="http://schemas.openxmlformats.org/markup-compatibility/2006">
+              <mc:Choice xmlns:a14="http://schemas.microsoft.com/office/drawing/2010/main" Requires="a14">
+                <p:sp>
+                  <p:nvSpPr>
+                    <p:cNvPr id="38" name="TextBox 37">
+                      <a:extLst>
+                        <a:ext uri="{FF2B5EF4-FFF2-40B4-BE49-F238E27FC236}">
+                          <a16:creationId xmlns:a16="http://schemas.microsoft.com/office/drawing/2014/main" id="{67D39F17-894B-C155-D187-D6FB6CACB65C}"/>
+                        </a:ext>
+                      </a:extLst>
+                    </p:cNvPr>
+                    <p:cNvSpPr txBox="1"/>
+                    <p:nvPr/>
+                  </p:nvSpPr>
+                  <p:spPr>
+                    <a:xfrm>
+                      <a:off x="6886606" y="3064130"/>
+                      <a:ext cx="313099" cy="253916"/>
+                    </a:xfrm>
+                    <a:prstGeom prst="rect">
+                      <a:avLst/>
+                    </a:prstGeom>
+                    <a:noFill/>
+                  </p:spPr>
+                  <p:txBody>
+                    <a:bodyPr wrap="none" rtlCol="0">
+                      <a:spAutoFit/>
+                    </a:bodyPr>
+                    <a:lstStyle/>
+                    <a:p>
+                      <a:pPr/>
+                      <a14:m>
+                        <m:oMathPara xmlns:m="http://schemas.openxmlformats.org/officeDocument/2006/math">
+                          <m:oMathParaPr>
+                            <m:jc m:val="centerGroup"/>
+                          </m:oMathParaPr>
+                          <m:oMath xmlns:m="http://schemas.openxmlformats.org/officeDocument/2006/math">
+                            <m:acc>
+                              <m:accPr>
+                                <m:chr m:val="⃗"/>
+                                <m:ctrlPr>
+                                  <a:rPr lang="en-US" altLang="ko-KR" sz="1050" b="0" i="1" smtClean="0">
+                                    <a:latin typeface="Cambria Math" panose="02040503050406030204" pitchFamily="18" charset="0"/>
+                                  </a:rPr>
+                                </m:ctrlPr>
+                              </m:accPr>
+                              <m:e>
+                                <m:r>
+                                  <a:rPr lang="en-US" altLang="ko-KR" sz="1050" b="0" i="1" smtClean="0">
+                                    <a:latin typeface="Cambria Math" panose="02040503050406030204" pitchFamily="18" charset="0"/>
+                                  </a:rPr>
+                                  <m:t>𝑢</m:t>
+                                </m:r>
+                              </m:e>
+                            </m:acc>
+                          </m:oMath>
+                        </m:oMathPara>
+                      </a14:m>
+                      <a:endParaRPr lang="ko-KR" altLang="en-US" sz="1050" dirty="0"/>
+                    </a:p>
+                  </p:txBody>
+                </p:sp>
+              </mc:Choice>
+              <mc:Fallback>
+                <p:sp>
+                  <p:nvSpPr>
+                    <p:cNvPr id="38" name="TextBox 37">
+                      <a:extLst>
+                        <a:ext uri="{FF2B5EF4-FFF2-40B4-BE49-F238E27FC236}">
+                          <a16:creationId xmlns:a16="http://schemas.microsoft.com/office/drawing/2014/main" id="{67D39F17-894B-C155-D187-D6FB6CACB65C}"/>
+                        </a:ext>
+                      </a:extLst>
+                    </p:cNvPr>
+                    <p:cNvSpPr txBox="1">
+                      <a:spLocks noRot="1" noChangeAspect="1" noMove="1" noResize="1" noEditPoints="1" noAdjustHandles="1" noChangeArrowheads="1" noChangeShapeType="1" noTextEdit="1"/>
+                    </p:cNvSpPr>
+                    <p:nvPr/>
+                  </p:nvSpPr>
+                  <p:spPr>
+                    <a:xfrm>
+                      <a:off x="6886606" y="3064130"/>
+                      <a:ext cx="313099" cy="253916"/>
+                    </a:xfrm>
+                    <a:prstGeom prst="rect">
+                      <a:avLst/>
+                    </a:prstGeom>
+                    <a:blipFill>
+                      <a:blip r:embed="rId13"/>
+                      <a:stretch>
+                        <a:fillRect/>
+                      </a:stretch>
+                    </a:blipFill>
+                  </p:spPr>
+                  <p:txBody>
+                    <a:bodyPr/>
+                    <a:lstStyle/>
+                    <a:p>
+                      <a:r>
+                        <a:rPr lang="ko-KR" altLang="en-US">
+                          <a:noFill/>
+                        </a:rPr>
+                        <a:t> </a:t>
+                      </a:r>
+                    </a:p>
+                  </p:txBody>
+                </p:sp>
+              </mc:Fallback>
+            </mc:AlternateContent>
+            <mc:AlternateContent xmlns:mc="http://schemas.openxmlformats.org/markup-compatibility/2006">
+              <mc:Choice xmlns:a14="http://schemas.microsoft.com/office/drawing/2010/main" Requires="a14">
+                <p:sp>
+                  <p:nvSpPr>
+                    <p:cNvPr id="40" name="TextBox 39">
+                      <a:extLst>
+                        <a:ext uri="{FF2B5EF4-FFF2-40B4-BE49-F238E27FC236}">
+                          <a16:creationId xmlns:a16="http://schemas.microsoft.com/office/drawing/2014/main" id="{2A3B3911-C803-22B5-B786-1D0DF7D643E4}"/>
+                        </a:ext>
+                      </a:extLst>
+                    </p:cNvPr>
+                    <p:cNvSpPr txBox="1"/>
+                    <p:nvPr/>
+                  </p:nvSpPr>
+                  <p:spPr>
+                    <a:xfrm>
+                      <a:off x="7719326" y="2384850"/>
+                      <a:ext cx="319383" cy="253916"/>
+                    </a:xfrm>
+                    <a:prstGeom prst="rect">
+                      <a:avLst/>
+                    </a:prstGeom>
+                    <a:noFill/>
+                  </p:spPr>
+                  <p:txBody>
+                    <a:bodyPr wrap="none" rtlCol="0">
+                      <a:spAutoFit/>
+                    </a:bodyPr>
+                    <a:lstStyle/>
+                    <a:p>
+                      <a:pPr/>
+                      <a14:m>
+                        <m:oMathPara xmlns:m="http://schemas.openxmlformats.org/officeDocument/2006/math">
+                          <m:oMathParaPr>
+                            <m:jc m:val="centerGroup"/>
+                          </m:oMathParaPr>
+                          <m:oMath xmlns:m="http://schemas.openxmlformats.org/officeDocument/2006/math">
+                            <m:r>
+                              <a:rPr lang="en-US" altLang="ko-KR" sz="1050" b="0" i="1" smtClean="0">
+                                <a:latin typeface="Cambria Math" panose="02040503050406030204" pitchFamily="18" charset="0"/>
+                              </a:rPr>
+                              <m:t>𝑃</m:t>
+                            </m:r>
+                          </m:oMath>
+                        </m:oMathPara>
+                      </a14:m>
+                      <a:endParaRPr lang="ko-KR" altLang="en-US" sz="1050" dirty="0"/>
+                    </a:p>
+                  </p:txBody>
+                </p:sp>
+              </mc:Choice>
+              <mc:Fallback>
+                <p:sp>
+                  <p:nvSpPr>
+                    <p:cNvPr id="40" name="TextBox 39">
+                      <a:extLst>
+                        <a:ext uri="{FF2B5EF4-FFF2-40B4-BE49-F238E27FC236}">
+                          <a16:creationId xmlns:a16="http://schemas.microsoft.com/office/drawing/2014/main" id="{2A3B3911-C803-22B5-B786-1D0DF7D643E4}"/>
+                        </a:ext>
+                      </a:extLst>
+                    </p:cNvPr>
+                    <p:cNvSpPr txBox="1">
+                      <a:spLocks noRot="1" noChangeAspect="1" noMove="1" noResize="1" noEditPoints="1" noAdjustHandles="1" noChangeArrowheads="1" noChangeShapeType="1" noTextEdit="1"/>
+                    </p:cNvSpPr>
+                    <p:nvPr/>
+                  </p:nvSpPr>
+                  <p:spPr>
+                    <a:xfrm>
+                      <a:off x="7719326" y="2384850"/>
+                      <a:ext cx="319383" cy="253916"/>
+                    </a:xfrm>
+                    <a:prstGeom prst="rect">
+                      <a:avLst/>
+                    </a:prstGeom>
+                    <a:blipFill>
+                      <a:blip r:embed="rId14"/>
+                      <a:stretch>
+                        <a:fillRect/>
+                      </a:stretch>
+                    </a:blipFill>
+                  </p:spPr>
+                  <p:txBody>
+                    <a:bodyPr/>
+                    <a:lstStyle/>
+                    <a:p>
+                      <a:r>
+                        <a:rPr lang="ko-KR" altLang="en-US">
+                          <a:noFill/>
+                        </a:rPr>
+                        <a:t> </a:t>
+                      </a:r>
+                    </a:p>
+                  </p:txBody>
+                </p:sp>
+              </mc:Fallback>
+            </mc:AlternateContent>
+            <p:cxnSp>
+              <p:nvCxnSpPr>
+                <p:cNvPr id="45" name="직선 화살표 연결선 44">
+                  <a:extLst>
+                    <a:ext uri="{FF2B5EF4-FFF2-40B4-BE49-F238E27FC236}">
+                      <a16:creationId xmlns:a16="http://schemas.microsoft.com/office/drawing/2014/main" id="{0ABCAC05-57BB-DFFB-C289-88C7106FCDA8}"/>
+                    </a:ext>
+                  </a:extLst>
+                </p:cNvPr>
+                <p:cNvCxnSpPr>
+                  <a:cxnSpLocks/>
+                  <a:stCxn id="28" idx="0"/>
+                </p:cNvCxnSpPr>
+                <p:nvPr/>
+              </p:nvCxnSpPr>
+              <p:spPr>
+                <a:xfrm flipV="1">
+                  <a:off x="5631785" y="3226984"/>
+                  <a:ext cx="239843" cy="661155"/>
+                </a:xfrm>
+                <a:prstGeom prst="straightConnector1">
+                  <a:avLst/>
+                </a:prstGeom>
+                <a:ln w="19050">
+                  <a:tailEnd type="triangle"/>
+                </a:ln>
+              </p:spPr>
+              <p:style>
+                <a:lnRef idx="1">
+                  <a:schemeClr val="accent2"/>
+                </a:lnRef>
+                <a:fillRef idx="0">
+                  <a:schemeClr val="accent2"/>
+                </a:fillRef>
+                <a:effectRef idx="0">
+                  <a:schemeClr val="accent2"/>
+                </a:effectRef>
+                <a:fontRef idx="minor">
+                  <a:schemeClr val="tx1"/>
+                </a:fontRef>
+              </p:style>
+            </p:cxnSp>
+            <mc:AlternateContent xmlns:mc="http://schemas.openxmlformats.org/markup-compatibility/2006">
+              <mc:Choice xmlns:a14="http://schemas.microsoft.com/office/drawing/2010/main" Requires="a14">
+                <p:sp>
+                  <p:nvSpPr>
+                    <p:cNvPr id="54" name="TextBox 53">
+                      <a:extLst>
+                        <a:ext uri="{FF2B5EF4-FFF2-40B4-BE49-F238E27FC236}">
+                          <a16:creationId xmlns:a16="http://schemas.microsoft.com/office/drawing/2014/main" id="{727FA4EB-53E6-F22D-5448-CF70247CC97B}"/>
+                        </a:ext>
+                      </a:extLst>
+                    </p:cNvPr>
+                    <p:cNvSpPr txBox="1"/>
+                    <p:nvPr/>
+                  </p:nvSpPr>
+                  <p:spPr>
+                    <a:xfrm>
+                      <a:off x="4885949" y="2760860"/>
+                      <a:ext cx="1222544" cy="253916"/>
+                    </a:xfrm>
+                    <a:prstGeom prst="rect">
+                      <a:avLst/>
+                    </a:prstGeom>
+                    <a:noFill/>
+                  </p:spPr>
+                  <p:txBody>
+                    <a:bodyPr wrap="square" rtlCol="0">
+                      <a:spAutoFit/>
+                    </a:bodyPr>
+                    <a:lstStyle/>
+                    <a:p>
+                      <a:pPr algn="ctr"/>
+                      <a14:m>
+                        <m:oMathPara xmlns:m="http://schemas.openxmlformats.org/officeDocument/2006/math">
+                          <m:oMathParaPr>
+                            <m:jc m:val="center"/>
+                          </m:oMathParaPr>
+                          <m:oMath xmlns:m="http://schemas.openxmlformats.org/officeDocument/2006/math">
+                            <m:acc>
+                              <m:accPr>
+                                <m:chr m:val="⃗"/>
+                                <m:ctrlPr>
+                                  <a:rPr lang="en-US" altLang="ko-KR" sz="1050" b="0" i="1" smtClean="0">
+                                    <a:solidFill>
+                                      <a:schemeClr val="tx1"/>
+                                    </a:solidFill>
+                                    <a:latin typeface="Cambria Math" panose="02040503050406030204" pitchFamily="18" charset="0"/>
+                                  </a:rPr>
+                                </m:ctrlPr>
+                              </m:accPr>
+                              <m:e>
+                                <m:r>
+                                  <a:rPr lang="en-US" altLang="ko-KR" sz="1050" b="0" i="1" smtClean="0">
+                                    <a:solidFill>
+                                      <a:schemeClr val="tx1"/>
+                                    </a:solidFill>
+                                    <a:latin typeface="Cambria Math" panose="02040503050406030204" pitchFamily="18" charset="0"/>
+                                  </a:rPr>
+                                  <m:t>𝑣</m:t>
+                                </m:r>
+                              </m:e>
+                            </m:acc>
+                            <m:r>
+                              <a:rPr lang="en-US" altLang="ko-KR" sz="1050" b="0" i="1" smtClean="0">
+                                <a:solidFill>
+                                  <a:schemeClr val="tx1"/>
+                                </a:solidFill>
+                                <a:latin typeface="Cambria Math" panose="02040503050406030204" pitchFamily="18" charset="0"/>
+                              </a:rPr>
+                              <m:t>=</m:t>
+                            </m:r>
+                            <m:d>
+                              <m:dPr>
+                                <m:ctrlPr>
+                                  <a:rPr lang="en-US" altLang="ko-KR" sz="1050" b="0" i="1" smtClean="0">
+                                    <a:solidFill>
+                                      <a:schemeClr val="tx1"/>
+                                    </a:solidFill>
+                                    <a:latin typeface="Cambria Math" panose="02040503050406030204" pitchFamily="18" charset="0"/>
+                                  </a:rPr>
+                                </m:ctrlPr>
+                              </m:dPr>
+                              <m:e>
+                                <m:acc>
+                                  <m:accPr>
+                                    <m:chr m:val="⃗"/>
+                                    <m:ctrlPr>
+                                      <a:rPr lang="en-US" altLang="ko-KR" sz="1050" b="0" i="1" smtClean="0">
+                                        <a:solidFill>
+                                          <a:schemeClr val="tx1"/>
+                                        </a:solidFill>
+                                        <a:latin typeface="Cambria Math" panose="02040503050406030204" pitchFamily="18" charset="0"/>
+                                      </a:rPr>
+                                    </m:ctrlPr>
+                                  </m:accPr>
+                                  <m:e>
+                                    <m:r>
+                                      <a:rPr lang="en-US" altLang="ko-KR" sz="1050" b="0" i="1" smtClean="0">
+                                        <a:solidFill>
+                                          <a:schemeClr val="tx1"/>
+                                        </a:solidFill>
+                                        <a:latin typeface="Cambria Math" panose="02040503050406030204" pitchFamily="18" charset="0"/>
+                                      </a:rPr>
+                                      <m:t>𝑢</m:t>
+                                    </m:r>
+                                  </m:e>
+                                </m:acc>
+                                <m:r>
+                                  <a:rPr lang="en-US" altLang="ko-KR" sz="1050" b="0" i="1" smtClean="0">
+                                    <a:solidFill>
+                                      <a:schemeClr val="tx1"/>
+                                    </a:solidFill>
+                                    <a:latin typeface="Cambria Math" panose="02040503050406030204" pitchFamily="18" charset="0"/>
+                                  </a:rPr>
+                                  <m:t>⋅</m:t>
+                                </m:r>
+                                <m:acc>
+                                  <m:accPr>
+                                    <m:chr m:val="̂"/>
+                                    <m:ctrlPr>
+                                      <a:rPr lang="en-US" altLang="ko-KR" sz="1050" b="0" i="1" smtClean="0">
+                                        <a:solidFill>
+                                          <a:schemeClr val="tx1"/>
+                                        </a:solidFill>
+                                        <a:latin typeface="Cambria Math" panose="02040503050406030204" pitchFamily="18" charset="0"/>
+                                      </a:rPr>
+                                    </m:ctrlPr>
+                                  </m:accPr>
+                                  <m:e>
+                                    <m:r>
+                                      <a:rPr lang="en-US" altLang="ko-KR" sz="1050" b="0" i="1" smtClean="0">
+                                        <a:solidFill>
+                                          <a:schemeClr val="tx1"/>
+                                        </a:solidFill>
+                                        <a:latin typeface="Cambria Math" panose="02040503050406030204" pitchFamily="18" charset="0"/>
+                                      </a:rPr>
+                                      <m:t>𝑛</m:t>
+                                    </m:r>
+                                  </m:e>
+                                </m:acc>
+                              </m:e>
+                            </m:d>
+                            <m:r>
+                              <a:rPr lang="en-US" altLang="ko-KR" sz="1050" b="0" i="1" smtClean="0">
+                                <a:solidFill>
+                                  <a:schemeClr val="tx1"/>
+                                </a:solidFill>
+                                <a:latin typeface="Cambria Math" panose="02040503050406030204" pitchFamily="18" charset="0"/>
+                              </a:rPr>
+                              <m:t>⋅</m:t>
+                            </m:r>
+                            <m:acc>
+                              <m:accPr>
+                                <m:chr m:val="̂"/>
+                                <m:ctrlPr>
+                                  <a:rPr lang="en-US" altLang="ko-KR" sz="1050" i="1">
+                                    <a:solidFill>
+                                      <a:schemeClr val="tx1"/>
+                                    </a:solidFill>
+                                    <a:latin typeface="Cambria Math" panose="02040503050406030204" pitchFamily="18" charset="0"/>
+                                  </a:rPr>
+                                </m:ctrlPr>
+                              </m:accPr>
+                              <m:e>
+                                <m:r>
+                                  <a:rPr lang="en-US" altLang="ko-KR" sz="1050" i="1">
+                                    <a:solidFill>
+                                      <a:schemeClr val="tx1"/>
+                                    </a:solidFill>
+                                    <a:latin typeface="Cambria Math" panose="02040503050406030204" pitchFamily="18" charset="0"/>
+                                  </a:rPr>
+                                  <m:t>𝑛</m:t>
+                                </m:r>
+                              </m:e>
+                            </m:acc>
+                          </m:oMath>
+                        </m:oMathPara>
+                      </a14:m>
+                      <a:endParaRPr lang="ko-KR" altLang="en-US" sz="1050" dirty="0">
+                        <a:solidFill>
+                          <a:schemeClr val="tx1"/>
+                        </a:solidFill>
+                      </a:endParaRPr>
+                    </a:p>
+                  </p:txBody>
+                </p:sp>
+              </mc:Choice>
+              <mc:Fallback>
+                <p:sp>
+                  <p:nvSpPr>
+                    <p:cNvPr id="54" name="TextBox 53">
+                      <a:extLst>
+                        <a:ext uri="{FF2B5EF4-FFF2-40B4-BE49-F238E27FC236}">
+                          <a16:creationId xmlns:a16="http://schemas.microsoft.com/office/drawing/2014/main" id="{727FA4EB-53E6-F22D-5448-CF70247CC97B}"/>
+                        </a:ext>
+                      </a:extLst>
+                    </p:cNvPr>
+                    <p:cNvSpPr txBox="1">
+                      <a:spLocks noRot="1" noChangeAspect="1" noMove="1" noResize="1" noEditPoints="1" noAdjustHandles="1" noChangeArrowheads="1" noChangeShapeType="1" noTextEdit="1"/>
+                    </p:cNvSpPr>
+                    <p:nvPr/>
+                  </p:nvSpPr>
+                  <p:spPr>
+                    <a:xfrm>
+                      <a:off x="4885949" y="2760860"/>
+                      <a:ext cx="1222544" cy="253916"/>
+                    </a:xfrm>
+                    <a:prstGeom prst="rect">
+                      <a:avLst/>
+                    </a:prstGeom>
+                    <a:blipFill>
+                      <a:blip r:embed="rId15"/>
+                      <a:stretch>
+                        <a:fillRect t="-2439"/>
+                      </a:stretch>
+                    </a:blipFill>
+                  </p:spPr>
+                  <p:txBody>
+                    <a:bodyPr/>
+                    <a:lstStyle/>
+                    <a:p>
+                      <a:r>
+                        <a:rPr lang="ko-KR" altLang="en-US">
+                          <a:noFill/>
+                        </a:rPr>
+                        <a:t> </a:t>
+                      </a:r>
+                    </a:p>
+                  </p:txBody>
+                </p:sp>
+              </mc:Fallback>
+            </mc:AlternateContent>
+          </p:grpSp>
+          <mc:AlternateContent xmlns:mc="http://schemas.openxmlformats.org/markup-compatibility/2006">
+            <mc:Choice xmlns:a14="http://schemas.microsoft.com/office/drawing/2010/main" Requires="a14">
+              <p:sp>
+                <p:nvSpPr>
+                  <p:cNvPr id="59" name="TextBox 58">
+                    <a:extLst>
+                      <a:ext uri="{FF2B5EF4-FFF2-40B4-BE49-F238E27FC236}">
+                        <a16:creationId xmlns:a16="http://schemas.microsoft.com/office/drawing/2014/main" id="{13430470-633C-8E36-ABAE-4F2F800DFC25}"/>
+                      </a:ext>
+                    </a:extLst>
+                  </p:cNvPr>
+                  <p:cNvSpPr txBox="1"/>
+                  <p:nvPr/>
+                </p:nvSpPr>
+                <p:spPr>
+                  <a:xfrm>
+                    <a:off x="7076769" y="763149"/>
+                    <a:ext cx="224097" cy="253916"/>
+                  </a:xfrm>
+                  <a:prstGeom prst="rect">
+                    <a:avLst/>
+                  </a:prstGeom>
+                  <a:noFill/>
+                </p:spPr>
+                <p:txBody>
+                  <a:bodyPr wrap="square" rtlCol="0">
+                    <a:spAutoFit/>
+                  </a:bodyPr>
+                  <a:lstStyle/>
+                  <a:p>
+                    <a:pPr algn="ctr"/>
+                    <a14:m>
+                      <m:oMathPara xmlns:m="http://schemas.openxmlformats.org/officeDocument/2006/math">
+                        <m:oMathParaPr>
+                          <m:jc m:val="center"/>
+                        </m:oMathParaPr>
+                        <m:oMath xmlns:m="http://schemas.openxmlformats.org/officeDocument/2006/math">
+                          <m:acc>
+                            <m:accPr>
+                              <m:chr m:val="⃗"/>
+                              <m:ctrlPr>
+                                <a:rPr lang="en-US" altLang="ko-KR" sz="1050" b="0" i="1" smtClean="0">
+                                  <a:latin typeface="Cambria Math" panose="02040503050406030204" pitchFamily="18" charset="0"/>
+                                </a:rPr>
+                              </m:ctrlPr>
+                            </m:accPr>
+                            <m:e>
+                              <m:r>
+                                <a:rPr lang="en-US" altLang="ko-KR" sz="1050" b="0" i="1" smtClean="0">
+                                  <a:latin typeface="Cambria Math" panose="02040503050406030204" pitchFamily="18" charset="0"/>
+                                </a:rPr>
+                                <m:t>𝑛</m:t>
+                              </m:r>
+                            </m:e>
+                          </m:acc>
+                        </m:oMath>
+                      </m:oMathPara>
+                    </a14:m>
+                    <a:endParaRPr lang="ko-KR" altLang="en-US" sz="1050" dirty="0"/>
+                  </a:p>
+                </p:txBody>
+              </p:sp>
+            </mc:Choice>
+            <mc:Fallback>
+              <p:sp>
+                <p:nvSpPr>
+                  <p:cNvPr id="59" name="TextBox 58">
+                    <a:extLst>
+                      <a:ext uri="{FF2B5EF4-FFF2-40B4-BE49-F238E27FC236}">
+                        <a16:creationId xmlns:a16="http://schemas.microsoft.com/office/drawing/2014/main" id="{13430470-633C-8E36-ABAE-4F2F800DFC25}"/>
+                      </a:ext>
+                    </a:extLst>
+                  </p:cNvPr>
+                  <p:cNvSpPr txBox="1">
+                    <a:spLocks noRot="1" noChangeAspect="1" noMove="1" noResize="1" noEditPoints="1" noAdjustHandles="1" noChangeArrowheads="1" noChangeShapeType="1" noTextEdit="1"/>
+                  </p:cNvSpPr>
+                  <p:nvPr/>
+                </p:nvSpPr>
+                <p:spPr>
+                  <a:xfrm>
+                    <a:off x="7076769" y="763149"/>
+                    <a:ext cx="224097" cy="253916"/>
+                  </a:xfrm>
+                  <a:prstGeom prst="rect">
+                    <a:avLst/>
+                  </a:prstGeom>
+                  <a:blipFill>
+                    <a:blip r:embed="rId16"/>
+                    <a:stretch>
+                      <a:fillRect/>
+                    </a:stretch>
+                  </a:blipFill>
+                </p:spPr>
+                <p:txBody>
+                  <a:bodyPr/>
+                  <a:lstStyle/>
+                  <a:p>
+                    <a:r>
+                      <a:rPr lang="ko-KR" altLang="en-US">
+                        <a:noFill/>
+                      </a:rPr>
+                      <a:t> </a:t>
+                    </a:r>
+                  </a:p>
+                </p:txBody>
+              </p:sp>
+            </mc:Fallback>
+          </mc:AlternateContent>
+        </p:grpSp>
+        <mc:AlternateContent xmlns:mc="http://schemas.openxmlformats.org/markup-compatibility/2006">
+          <mc:Choice xmlns:a14="http://schemas.microsoft.com/office/drawing/2010/main" Requires="a14">
+            <p:sp>
+              <p:nvSpPr>
+                <p:cNvPr id="61" name="TextBox 60">
+                  <a:extLst>
+                    <a:ext uri="{FF2B5EF4-FFF2-40B4-BE49-F238E27FC236}">
+                      <a16:creationId xmlns:a16="http://schemas.microsoft.com/office/drawing/2014/main" id="{9DD86EBC-472B-4B68-8929-333212CBC880}"/>
+                    </a:ext>
+                  </a:extLst>
+                </p:cNvPr>
+                <p:cNvSpPr txBox="1"/>
+                <p:nvPr/>
+              </p:nvSpPr>
+              <p:spPr>
+                <a:xfrm>
+                  <a:off x="7269764" y="1925477"/>
+                  <a:ext cx="580544" cy="253916"/>
+                </a:xfrm>
+                <a:prstGeom prst="rect">
+                  <a:avLst/>
+                </a:prstGeom>
+                <a:noFill/>
+              </p:spPr>
+              <p:txBody>
+                <a:bodyPr wrap="none" rtlCol="0">
+                  <a:spAutoFit/>
+                </a:bodyPr>
+                <a:lstStyle/>
+                <a:p>
+                  <a:pPr/>
+                  <a14:m>
+                    <m:oMathPara xmlns:m="http://schemas.openxmlformats.org/officeDocument/2006/math">
+                      <m:oMathParaPr>
+                        <m:jc m:val="centerGroup"/>
+                      </m:oMathParaPr>
+                      <m:oMath xmlns:m="http://schemas.openxmlformats.org/officeDocument/2006/math">
+                        <m:acc>
+                          <m:accPr>
+                            <m:chr m:val="⃗"/>
+                            <m:ctrlPr>
+                              <a:rPr lang="en-US" altLang="ko-KR" sz="1050" b="0" i="1" smtClean="0">
+                                <a:latin typeface="Cambria Math" panose="02040503050406030204" pitchFamily="18" charset="0"/>
+                              </a:rPr>
+                            </m:ctrlPr>
+                          </m:accPr>
+                          <m:e>
+                            <m:r>
+                              <a:rPr lang="en-US" altLang="ko-KR" sz="1050" b="0" i="1" smtClean="0">
+                                <a:latin typeface="Cambria Math" panose="02040503050406030204" pitchFamily="18" charset="0"/>
+                              </a:rPr>
+                              <m:t>𝑢</m:t>
+                            </m:r>
+                          </m:e>
+                        </m:acc>
+                        <m:r>
+                          <a:rPr lang="en-US" altLang="ko-KR" sz="1050" b="0" i="1" smtClean="0">
+                            <a:latin typeface="Cambria Math" panose="02040503050406030204" pitchFamily="18" charset="0"/>
+                          </a:rPr>
+                          <m:t> −</m:t>
+                        </m:r>
+                        <m:acc>
+                          <m:accPr>
+                            <m:chr m:val="⃗"/>
+                            <m:ctrlPr>
+                              <a:rPr lang="en-US" altLang="ko-KR" sz="1050" b="0" i="1" smtClean="0">
+                                <a:latin typeface="Cambria Math" panose="02040503050406030204" pitchFamily="18" charset="0"/>
+                              </a:rPr>
+                            </m:ctrlPr>
+                          </m:accPr>
+                          <m:e>
+                            <m:r>
+                              <a:rPr lang="en-US" altLang="ko-KR" sz="1050" b="0" i="1" smtClean="0">
+                                <a:latin typeface="Cambria Math" panose="02040503050406030204" pitchFamily="18" charset="0"/>
+                              </a:rPr>
+                              <m:t>𝑣</m:t>
+                            </m:r>
+                          </m:e>
+                        </m:acc>
+                      </m:oMath>
+                    </m:oMathPara>
+                  </a14:m>
+                  <a:endParaRPr lang="ko-KR" altLang="en-US" sz="1050" dirty="0"/>
+                </a:p>
+              </p:txBody>
+            </p:sp>
+          </mc:Choice>
+          <mc:Fallback>
+            <p:sp>
+              <p:nvSpPr>
+                <p:cNvPr id="61" name="TextBox 60">
+                  <a:extLst>
+                    <a:ext uri="{FF2B5EF4-FFF2-40B4-BE49-F238E27FC236}">
+                      <a16:creationId xmlns:a16="http://schemas.microsoft.com/office/drawing/2014/main" id="{9DD86EBC-472B-4B68-8929-333212CBC880}"/>
+                    </a:ext>
+                  </a:extLst>
+                </p:cNvPr>
+                <p:cNvSpPr txBox="1">
+                  <a:spLocks noRot="1" noChangeAspect="1" noMove="1" noResize="1" noEditPoints="1" noAdjustHandles="1" noChangeArrowheads="1" noChangeShapeType="1" noTextEdit="1"/>
+                </p:cNvSpPr>
+                <p:nvPr/>
+              </p:nvSpPr>
+              <p:spPr>
+                <a:xfrm>
+                  <a:off x="7269764" y="1925477"/>
+                  <a:ext cx="580544" cy="253916"/>
+                </a:xfrm>
+                <a:prstGeom prst="rect">
+                  <a:avLst/>
+                </a:prstGeom>
+                <a:blipFill>
+                  <a:blip r:embed="rId17"/>
+                  <a:stretch>
+                    <a:fillRect t="-2381" r="-17708"/>
+                  </a:stretch>
+                </a:blipFill>
+              </p:spPr>
+              <p:txBody>
+                <a:bodyPr/>
+                <a:lstStyle/>
+                <a:p>
+                  <a:r>
+                    <a:rPr lang="ko-KR" altLang="en-US">
+                      <a:noFill/>
+                    </a:rPr>
+                    <a:t> </a:t>
+                  </a:r>
+                </a:p>
+              </p:txBody>
+            </p:sp>
+          </mc:Fallback>
+        </mc:AlternateContent>
+      </p:grpSp>
     </p:spTree>
     <p:extLst>
       <p:ext uri="{BB962C8B-B14F-4D97-AF65-F5344CB8AC3E}">
         <p14:creationId xmlns:p14="http://schemas.microsoft.com/office/powerpoint/2010/main" val="799332533"/>
+      </p:ext>
+    </p:extLst>
+  </p:cSld>
+  <p:clrMapOvr>
+    <a:masterClrMapping/>
+  </p:clrMapOvr>
+</p:sld>
+</file>
+
+<file path=ppt/slides/slide2.xml><?xml version="1.0" encoding="utf-8"?>
+<p:sld xmlns:a="http://schemas.openxmlformats.org/drawingml/2006/main" xmlns:r="http://schemas.openxmlformats.org/officeDocument/2006/relationships" xmlns:p="http://schemas.openxmlformats.org/presentationml/2006/main">
+  <p:cSld>
+    <p:spTree>
+      <p:nvGrpSpPr>
+        <p:cNvPr id="1" name=""/>
+        <p:cNvGrpSpPr/>
+        <p:nvPr/>
+      </p:nvGrpSpPr>
+      <p:grpSpPr>
+        <a:xfrm>
+          <a:off x="0" y="0"/>
+          <a:ext cx="0" cy="0"/>
+          <a:chOff x="0" y="0"/>
+          <a:chExt cx="0" cy="0"/>
+        </a:xfrm>
+      </p:grpSpPr>
+      <p:grpSp>
+        <p:nvGrpSpPr>
+          <p:cNvPr id="20" name="그룹 19">
+            <a:extLst>
+              <a:ext uri="{FF2B5EF4-FFF2-40B4-BE49-F238E27FC236}">
+                <a16:creationId xmlns:a16="http://schemas.microsoft.com/office/drawing/2014/main" id="{54B325DB-F4A0-59E5-1EEC-50D2B41FF943}"/>
+              </a:ext>
+            </a:extLst>
+          </p:cNvPr>
+          <p:cNvGrpSpPr/>
+          <p:nvPr/>
+        </p:nvGrpSpPr>
+        <p:grpSpPr>
+          <a:xfrm>
+            <a:off x="468999" y="411849"/>
+            <a:ext cx="3151676" cy="2834271"/>
+            <a:chOff x="1813929" y="655689"/>
+            <a:chExt cx="3151676" cy="2834271"/>
+          </a:xfrm>
+        </p:grpSpPr>
+        <p:grpSp>
+          <p:nvGrpSpPr>
+            <p:cNvPr id="14" name="그룹 13">
+              <a:extLst>
+                <a:ext uri="{FF2B5EF4-FFF2-40B4-BE49-F238E27FC236}">
+                  <a16:creationId xmlns:a16="http://schemas.microsoft.com/office/drawing/2014/main" id="{802A3AEF-D4E4-1117-917A-2DFAEA0660B5}"/>
+                </a:ext>
+              </a:extLst>
+            </p:cNvPr>
+            <p:cNvGrpSpPr/>
+            <p:nvPr/>
+          </p:nvGrpSpPr>
+          <p:grpSpPr>
+            <a:xfrm>
+              <a:off x="1813929" y="655689"/>
+              <a:ext cx="2834271" cy="2834271"/>
+              <a:chOff x="4458069" y="1791069"/>
+              <a:chExt cx="3275861" cy="3275861"/>
+            </a:xfrm>
+          </p:grpSpPr>
+          <p:sp>
+            <p:nvSpPr>
+              <p:cNvPr id="4" name="타원 3">
+                <a:extLst>
+                  <a:ext uri="{FF2B5EF4-FFF2-40B4-BE49-F238E27FC236}">
+                    <a16:creationId xmlns:a16="http://schemas.microsoft.com/office/drawing/2014/main" id="{737EFB53-FF5E-3F9A-9040-B130A43E6F2D}"/>
+                  </a:ext>
+                </a:extLst>
+              </p:cNvPr>
+              <p:cNvSpPr/>
+              <p:nvPr/>
+            </p:nvSpPr>
+            <p:spPr>
+              <a:xfrm>
+                <a:off x="4458069" y="1791069"/>
+                <a:ext cx="3275861" cy="3275861"/>
+              </a:xfrm>
+              <a:prstGeom prst="ellipse">
+                <a:avLst/>
+              </a:prstGeom>
+              <a:noFill/>
+              <a:ln w="19050">
+                <a:solidFill>
+                  <a:schemeClr val="tx1"/>
+                </a:solidFill>
+                <a:prstDash val="sysDash"/>
+              </a:ln>
+            </p:spPr>
+            <p:style>
+              <a:lnRef idx="2">
+                <a:schemeClr val="accent1">
+                  <a:shade val="50000"/>
+                </a:schemeClr>
+              </a:lnRef>
+              <a:fillRef idx="1">
+                <a:schemeClr val="accent1"/>
+              </a:fillRef>
+              <a:effectRef idx="0">
+                <a:schemeClr val="accent1"/>
+              </a:effectRef>
+              <a:fontRef idx="minor">
+                <a:schemeClr val="lt1"/>
+              </a:fontRef>
+            </p:style>
+            <p:txBody>
+              <a:bodyPr rtlCol="0" anchor="ctr"/>
+              <a:lstStyle/>
+              <a:p>
+                <a:pPr algn="ctr"/>
+                <a:endParaRPr lang="ko-KR" altLang="en-US" dirty="0"/>
+              </a:p>
+            </p:txBody>
+          </p:sp>
+          <p:cxnSp>
+            <p:nvCxnSpPr>
+              <p:cNvPr id="5" name="직선 화살표 연결선 4">
+                <a:extLst>
+                  <a:ext uri="{FF2B5EF4-FFF2-40B4-BE49-F238E27FC236}">
+                    <a16:creationId xmlns:a16="http://schemas.microsoft.com/office/drawing/2014/main" id="{284C98D4-E2BA-459E-747B-AD5B5EC04F05}"/>
+                  </a:ext>
+                </a:extLst>
+              </p:cNvPr>
+              <p:cNvCxnSpPr>
+                <a:cxnSpLocks/>
+              </p:cNvCxnSpPr>
+              <p:nvPr/>
+            </p:nvCxnSpPr>
+            <p:spPr>
+              <a:xfrm flipV="1">
+                <a:off x="6096000" y="2157274"/>
+                <a:ext cx="1023891" cy="1271726"/>
+              </a:xfrm>
+              <a:prstGeom prst="straightConnector1">
+                <a:avLst/>
+              </a:prstGeom>
+              <a:ln w="19050">
+                <a:tailEnd type="triangle"/>
+              </a:ln>
+            </p:spPr>
+            <p:style>
+              <a:lnRef idx="1">
+                <a:schemeClr val="dk1"/>
+              </a:lnRef>
+              <a:fillRef idx="0">
+                <a:schemeClr val="dk1"/>
+              </a:fillRef>
+              <a:effectRef idx="0">
+                <a:schemeClr val="dk1"/>
+              </a:effectRef>
+              <a:fontRef idx="minor">
+                <a:schemeClr val="tx1"/>
+              </a:fontRef>
+            </p:style>
+          </p:cxnSp>
+          <p:cxnSp>
+            <p:nvCxnSpPr>
+              <p:cNvPr id="8" name="직선 화살표 연결선 7">
+                <a:extLst>
+                  <a:ext uri="{FF2B5EF4-FFF2-40B4-BE49-F238E27FC236}">
+                    <a16:creationId xmlns:a16="http://schemas.microsoft.com/office/drawing/2014/main" id="{CE08E542-D0A6-3D33-F50B-CEB42D0EDDC8}"/>
+                  </a:ext>
+                </a:extLst>
+              </p:cNvPr>
+              <p:cNvCxnSpPr>
+                <a:cxnSpLocks/>
+                <a:endCxn id="4" idx="6"/>
+              </p:cNvCxnSpPr>
+              <p:nvPr/>
+            </p:nvCxnSpPr>
+            <p:spPr>
+              <a:xfrm>
+                <a:off x="6096000" y="3428999"/>
+                <a:ext cx="1637930" cy="1"/>
+              </a:xfrm>
+              <a:prstGeom prst="straightConnector1">
+                <a:avLst/>
+              </a:prstGeom>
+              <a:ln w="19050">
+                <a:tailEnd type="triangle"/>
+              </a:ln>
+            </p:spPr>
+            <p:style>
+              <a:lnRef idx="1">
+                <a:schemeClr val="dk1"/>
+              </a:lnRef>
+              <a:fillRef idx="0">
+                <a:schemeClr val="dk1"/>
+              </a:fillRef>
+              <a:effectRef idx="0">
+                <a:schemeClr val="dk1"/>
+              </a:effectRef>
+              <a:fontRef idx="minor">
+                <a:schemeClr val="tx1"/>
+              </a:fontRef>
+            </p:style>
+          </p:cxnSp>
+          <mc:AlternateContent xmlns:mc="http://schemas.openxmlformats.org/markup-compatibility/2006">
+            <mc:Choice xmlns:a14="http://schemas.microsoft.com/office/drawing/2010/main" Requires="a14">
+              <p:sp>
+                <p:nvSpPr>
+                  <p:cNvPr id="11" name="TextBox 10">
+                    <a:extLst>
+                      <a:ext uri="{FF2B5EF4-FFF2-40B4-BE49-F238E27FC236}">
+                        <a16:creationId xmlns:a16="http://schemas.microsoft.com/office/drawing/2014/main" id="{67454C8F-ECF2-4CED-7156-929FF016B1CF}"/>
+                      </a:ext>
+                    </a:extLst>
+                  </p:cNvPr>
+                  <p:cNvSpPr txBox="1"/>
+                  <p:nvPr/>
+                </p:nvSpPr>
+                <p:spPr>
+                  <a:xfrm>
+                    <a:off x="6625700" y="3487428"/>
+                    <a:ext cx="711862" cy="307777"/>
+                  </a:xfrm>
+                  <a:prstGeom prst="rect">
+                    <a:avLst/>
+                  </a:prstGeom>
+                  <a:noFill/>
+                </p:spPr>
+                <p:txBody>
+                  <a:bodyPr wrap="none" rtlCol="0">
+                    <a:spAutoFit/>
+                  </a:bodyPr>
+                  <a:lstStyle/>
+                  <a:p>
+                    <a:pPr/>
+                    <a14:m>
+                      <m:oMathPara xmlns:m="http://schemas.openxmlformats.org/officeDocument/2006/math">
+                        <m:oMathParaPr>
+                          <m:jc m:val="centerGroup"/>
+                        </m:oMathParaPr>
+                        <m:oMath xmlns:m="http://schemas.openxmlformats.org/officeDocument/2006/math">
+                          <m:acc>
+                            <m:accPr>
+                              <m:chr m:val="⃗"/>
+                              <m:ctrlPr>
+                                <a:rPr lang="en-US" altLang="ko-KR" sz="1400" b="0" i="1" smtClean="0">
+                                  <a:latin typeface="Cambria Math" panose="02040503050406030204" pitchFamily="18" charset="0"/>
+                                </a:rPr>
+                              </m:ctrlPr>
+                            </m:accPr>
+                            <m:e>
+                              <m:r>
+                                <a:rPr lang="en-US" altLang="ko-KR" sz="1400" b="0" i="1" smtClean="0">
+                                  <a:latin typeface="Cambria Math" panose="02040503050406030204" pitchFamily="18" charset="0"/>
+                                </a:rPr>
+                                <m:t>𝑢</m:t>
+                              </m:r>
+                            </m:e>
+                          </m:acc>
+                          <m:r>
+                            <a:rPr lang="en-US" altLang="ko-KR" sz="1400" b="0" i="1" smtClean="0">
+                              <a:latin typeface="Cambria Math" panose="02040503050406030204" pitchFamily="18" charset="0"/>
+                            </a:rPr>
+                            <m:t> −</m:t>
+                          </m:r>
+                          <m:acc>
+                            <m:accPr>
+                              <m:chr m:val="⃗"/>
+                              <m:ctrlPr>
+                                <a:rPr lang="en-US" altLang="ko-KR" sz="1400" b="0" i="1" smtClean="0">
+                                  <a:latin typeface="Cambria Math" panose="02040503050406030204" pitchFamily="18" charset="0"/>
+                                </a:rPr>
+                              </m:ctrlPr>
+                            </m:accPr>
+                            <m:e>
+                              <m:r>
+                                <a:rPr lang="en-US" altLang="ko-KR" sz="1400" b="0" i="1" smtClean="0">
+                                  <a:latin typeface="Cambria Math" panose="02040503050406030204" pitchFamily="18" charset="0"/>
+                                </a:rPr>
+                                <m:t>𝑣</m:t>
+                              </m:r>
+                            </m:e>
+                          </m:acc>
+                        </m:oMath>
+                      </m:oMathPara>
+                    </a14:m>
+                    <a:endParaRPr lang="ko-KR" altLang="en-US" sz="1400" dirty="0"/>
+                  </a:p>
+                </p:txBody>
+              </p:sp>
+            </mc:Choice>
+            <mc:Fallback>
+              <p:sp>
+                <p:nvSpPr>
+                  <p:cNvPr id="11" name="TextBox 10">
+                    <a:extLst>
+                      <a:ext uri="{FF2B5EF4-FFF2-40B4-BE49-F238E27FC236}">
+                        <a16:creationId xmlns:a16="http://schemas.microsoft.com/office/drawing/2014/main" id="{67454C8F-ECF2-4CED-7156-929FF016B1CF}"/>
+                      </a:ext>
+                    </a:extLst>
+                  </p:cNvPr>
+                  <p:cNvSpPr txBox="1">
+                    <a:spLocks noRot="1" noChangeAspect="1" noMove="1" noResize="1" noEditPoints="1" noAdjustHandles="1" noChangeArrowheads="1" noChangeShapeType="1" noTextEdit="1"/>
+                  </p:cNvSpPr>
+                  <p:nvPr/>
+                </p:nvSpPr>
+                <p:spPr>
+                  <a:xfrm>
+                    <a:off x="6625700" y="3487428"/>
+                    <a:ext cx="711862" cy="307777"/>
+                  </a:xfrm>
+                  <a:prstGeom prst="rect">
+                    <a:avLst/>
+                  </a:prstGeom>
+                  <a:blipFill>
+                    <a:blip r:embed="rId2"/>
+                    <a:stretch>
+                      <a:fillRect t="-9091" r="-35644" b="-4545"/>
+                    </a:stretch>
+                  </a:blipFill>
+                </p:spPr>
+                <p:txBody>
+                  <a:bodyPr/>
+                  <a:lstStyle/>
+                  <a:p>
+                    <a:r>
+                      <a:rPr lang="ko-KR" altLang="en-US">
+                        <a:noFill/>
+                      </a:rPr>
+                      <a:t> </a:t>
+                    </a:r>
+                  </a:p>
+                </p:txBody>
+              </p:sp>
+            </mc:Fallback>
+          </mc:AlternateContent>
+          <mc:AlternateContent xmlns:mc="http://schemas.openxmlformats.org/markup-compatibility/2006">
+            <mc:Choice xmlns:a14="http://schemas.microsoft.com/office/drawing/2010/main" Requires="a14">
+              <p:sp>
+                <p:nvSpPr>
+                  <p:cNvPr id="12" name="TextBox 11">
+                    <a:extLst>
+                      <a:ext uri="{FF2B5EF4-FFF2-40B4-BE49-F238E27FC236}">
+                        <a16:creationId xmlns:a16="http://schemas.microsoft.com/office/drawing/2014/main" id="{728D9B97-83DB-FC92-BC64-9A9AC0EE5239}"/>
+                      </a:ext>
+                    </a:extLst>
+                  </p:cNvPr>
+                  <p:cNvSpPr txBox="1"/>
+                  <p:nvPr/>
+                </p:nvSpPr>
+                <p:spPr>
+                  <a:xfrm>
+                    <a:off x="6418822" y="3036431"/>
+                    <a:ext cx="378245" cy="338554"/>
+                  </a:xfrm>
+                  <a:prstGeom prst="rect">
+                    <a:avLst/>
+                  </a:prstGeom>
+                  <a:noFill/>
+                </p:spPr>
+                <p:txBody>
+                  <a:bodyPr wrap="none" rtlCol="0">
+                    <a:spAutoFit/>
+                  </a:bodyPr>
+                  <a:lstStyle/>
+                  <a:p>
+                    <a:pPr/>
+                    <a14:m>
+                      <m:oMathPara xmlns:m="http://schemas.openxmlformats.org/officeDocument/2006/math">
+                        <m:oMathParaPr>
+                          <m:jc m:val="centerGroup"/>
+                        </m:oMathParaPr>
+                        <m:oMath xmlns:m="http://schemas.openxmlformats.org/officeDocument/2006/math">
+                          <m:r>
+                            <a:rPr lang="en-US" altLang="ko-KR" sz="1600" b="0" i="1" smtClean="0">
+                              <a:latin typeface="Cambria Math" panose="02040503050406030204" pitchFamily="18" charset="0"/>
+                            </a:rPr>
+                            <m:t>𝜃</m:t>
+                          </m:r>
+                        </m:oMath>
+                      </m:oMathPara>
+                    </a14:m>
+                    <a:endParaRPr lang="ko-KR" altLang="en-US" sz="1600" dirty="0"/>
+                  </a:p>
+                </p:txBody>
+              </p:sp>
+            </mc:Choice>
+            <mc:Fallback>
+              <p:sp>
+                <p:nvSpPr>
+                  <p:cNvPr id="12" name="TextBox 11">
+                    <a:extLst>
+                      <a:ext uri="{FF2B5EF4-FFF2-40B4-BE49-F238E27FC236}">
+                        <a16:creationId xmlns:a16="http://schemas.microsoft.com/office/drawing/2014/main" id="{728D9B97-83DB-FC92-BC64-9A9AC0EE5239}"/>
+                      </a:ext>
+                    </a:extLst>
+                  </p:cNvPr>
+                  <p:cNvSpPr txBox="1">
+                    <a:spLocks noRot="1" noChangeAspect="1" noMove="1" noResize="1" noEditPoints="1" noAdjustHandles="1" noChangeArrowheads="1" noChangeShapeType="1" noTextEdit="1"/>
+                  </p:cNvSpPr>
+                  <p:nvPr/>
+                </p:nvSpPr>
+                <p:spPr>
+                  <a:xfrm>
+                    <a:off x="6418822" y="3036431"/>
+                    <a:ext cx="378245" cy="338554"/>
+                  </a:xfrm>
+                  <a:prstGeom prst="rect">
+                    <a:avLst/>
+                  </a:prstGeom>
+                  <a:blipFill>
+                    <a:blip r:embed="rId3"/>
+                    <a:stretch>
+                      <a:fillRect b="-10417"/>
+                    </a:stretch>
+                  </a:blipFill>
+                </p:spPr>
+                <p:txBody>
+                  <a:bodyPr/>
+                  <a:lstStyle/>
+                  <a:p>
+                    <a:r>
+                      <a:rPr lang="ko-KR" altLang="en-US">
+                        <a:noFill/>
+                      </a:rPr>
+                      <a:t> </a:t>
+                    </a:r>
+                  </a:p>
+                </p:txBody>
+              </p:sp>
+            </mc:Fallback>
+          </mc:AlternateContent>
+          <p:sp>
+            <p:nvSpPr>
+              <p:cNvPr id="13" name="부분 원형 12">
+                <a:extLst>
+                  <a:ext uri="{FF2B5EF4-FFF2-40B4-BE49-F238E27FC236}">
+                    <a16:creationId xmlns:a16="http://schemas.microsoft.com/office/drawing/2014/main" id="{A91DD783-875A-548D-0AEB-7B780838142F}"/>
+                  </a:ext>
+                </a:extLst>
+              </p:cNvPr>
+              <p:cNvSpPr/>
+              <p:nvPr/>
+            </p:nvSpPr>
+            <p:spPr>
+              <a:xfrm rot="5818006">
+                <a:off x="5783596" y="3237311"/>
+                <a:ext cx="624807" cy="383378"/>
+              </a:xfrm>
+              <a:prstGeom prst="pie">
+                <a:avLst>
+                  <a:gd name="adj1" fmla="val 12785602"/>
+                  <a:gd name="adj2" fmla="val 15745783"/>
+                </a:avLst>
+              </a:prstGeom>
+              <a:noFill/>
+              <a:ln>
+                <a:solidFill>
+                  <a:schemeClr val="tx1"/>
+                </a:solidFill>
+              </a:ln>
+            </p:spPr>
+            <p:style>
+              <a:lnRef idx="2">
+                <a:schemeClr val="accent1">
+                  <a:shade val="50000"/>
+                </a:schemeClr>
+              </a:lnRef>
+              <a:fillRef idx="1">
+                <a:schemeClr val="accent1"/>
+              </a:fillRef>
+              <a:effectRef idx="0">
+                <a:schemeClr val="accent1"/>
+              </a:effectRef>
+              <a:fontRef idx="minor">
+                <a:schemeClr val="lt1"/>
+              </a:fontRef>
+            </p:style>
+            <p:txBody>
+              <a:bodyPr rtlCol="0" anchor="ctr"/>
+              <a:lstStyle/>
+              <a:p>
+                <a:pPr algn="ctr"/>
+                <a:endParaRPr lang="ko-KR" altLang="en-US">
+                  <a:solidFill>
+                    <a:schemeClr val="tx1"/>
+                  </a:solidFill>
+                </a:endParaRPr>
+              </a:p>
+            </p:txBody>
+          </p:sp>
+        </p:grpSp>
+        <mc:AlternateContent xmlns:mc="http://schemas.openxmlformats.org/markup-compatibility/2006">
+          <mc:Choice xmlns:a14="http://schemas.microsoft.com/office/drawing/2010/main" Requires="a14">
+            <p:sp>
+              <p:nvSpPr>
+                <p:cNvPr id="15" name="TextBox 14">
+                  <a:extLst>
+                    <a:ext uri="{FF2B5EF4-FFF2-40B4-BE49-F238E27FC236}">
+                      <a16:creationId xmlns:a16="http://schemas.microsoft.com/office/drawing/2014/main" id="{C4CB5565-2D65-B38D-FD33-4507E5FE0F1E}"/>
+                    </a:ext>
+                  </a:extLst>
+                </p:cNvPr>
+                <p:cNvSpPr txBox="1"/>
+                <p:nvPr/>
+              </p:nvSpPr>
+              <p:spPr>
+                <a:xfrm>
+                  <a:off x="4646222" y="1945866"/>
+                  <a:ext cx="319383" cy="253916"/>
+                </a:xfrm>
+                <a:prstGeom prst="rect">
+                  <a:avLst/>
+                </a:prstGeom>
+                <a:noFill/>
+              </p:spPr>
+              <p:txBody>
+                <a:bodyPr wrap="none" rtlCol="0">
+                  <a:spAutoFit/>
+                </a:bodyPr>
+                <a:lstStyle/>
+                <a:p>
+                  <a:pPr/>
+                  <a14:m>
+                    <m:oMathPara xmlns:m="http://schemas.openxmlformats.org/officeDocument/2006/math">
+                      <m:oMathParaPr>
+                        <m:jc m:val="centerGroup"/>
+                      </m:oMathParaPr>
+                      <m:oMath xmlns:m="http://schemas.openxmlformats.org/officeDocument/2006/math">
+                        <m:r>
+                          <a:rPr lang="en-US" altLang="ko-KR" sz="1050" b="0" i="1" smtClean="0">
+                            <a:latin typeface="Cambria Math" panose="02040503050406030204" pitchFamily="18" charset="0"/>
+                          </a:rPr>
+                          <m:t>𝑃</m:t>
+                        </m:r>
+                      </m:oMath>
+                    </m:oMathPara>
+                  </a14:m>
+                  <a:endParaRPr lang="ko-KR" altLang="en-US" sz="1050" dirty="0"/>
+                </a:p>
+              </p:txBody>
+            </p:sp>
+          </mc:Choice>
+          <mc:Fallback>
+            <p:sp>
+              <p:nvSpPr>
+                <p:cNvPr id="15" name="TextBox 14">
+                  <a:extLst>
+                    <a:ext uri="{FF2B5EF4-FFF2-40B4-BE49-F238E27FC236}">
+                      <a16:creationId xmlns:a16="http://schemas.microsoft.com/office/drawing/2014/main" id="{C4CB5565-2D65-B38D-FD33-4507E5FE0F1E}"/>
+                    </a:ext>
+                  </a:extLst>
+                </p:cNvPr>
+                <p:cNvSpPr txBox="1">
+                  <a:spLocks noRot="1" noChangeAspect="1" noMove="1" noResize="1" noEditPoints="1" noAdjustHandles="1" noChangeArrowheads="1" noChangeShapeType="1" noTextEdit="1"/>
+                </p:cNvSpPr>
+                <p:nvPr/>
+              </p:nvSpPr>
+              <p:spPr>
+                <a:xfrm>
+                  <a:off x="4646222" y="1945866"/>
+                  <a:ext cx="319383" cy="253916"/>
+                </a:xfrm>
+                <a:prstGeom prst="rect">
+                  <a:avLst/>
+                </a:prstGeom>
+                <a:blipFill>
+                  <a:blip r:embed="rId4"/>
+                  <a:stretch>
+                    <a:fillRect/>
+                  </a:stretch>
+                </a:blipFill>
+              </p:spPr>
+              <p:txBody>
+                <a:bodyPr/>
+                <a:lstStyle/>
+                <a:p>
+                  <a:r>
+                    <a:rPr lang="ko-KR" altLang="en-US">
+                      <a:noFill/>
+                    </a:rPr>
+                    <a:t> </a:t>
+                  </a:r>
+                </a:p>
+              </p:txBody>
+            </p:sp>
+          </mc:Fallback>
+        </mc:AlternateContent>
+        <mc:AlternateContent xmlns:mc="http://schemas.openxmlformats.org/markup-compatibility/2006">
+          <mc:Choice xmlns:a14="http://schemas.microsoft.com/office/drawing/2010/main" Requires="a14">
+            <p:sp>
+              <p:nvSpPr>
+                <p:cNvPr id="16" name="TextBox 15">
+                  <a:extLst>
+                    <a:ext uri="{FF2B5EF4-FFF2-40B4-BE49-F238E27FC236}">
+                      <a16:creationId xmlns:a16="http://schemas.microsoft.com/office/drawing/2014/main" id="{E057A001-3C5F-6A53-7E75-37DCE06613EC}"/>
+                    </a:ext>
+                  </a:extLst>
+                </p:cNvPr>
+                <p:cNvSpPr txBox="1"/>
+                <p:nvPr/>
+              </p:nvSpPr>
+              <p:spPr>
+                <a:xfrm>
+                  <a:off x="4059463" y="701366"/>
+                  <a:ext cx="351378" cy="253916"/>
+                </a:xfrm>
+                <a:prstGeom prst="rect">
+                  <a:avLst/>
+                </a:prstGeom>
+                <a:noFill/>
+              </p:spPr>
+              <p:txBody>
+                <a:bodyPr wrap="none" rtlCol="0">
+                  <a:spAutoFit/>
+                </a:bodyPr>
+                <a:lstStyle/>
+                <a:p>
+                  <a:pPr/>
+                  <a14:m>
+                    <m:oMathPara xmlns:m="http://schemas.openxmlformats.org/officeDocument/2006/math">
+                      <m:oMathParaPr>
+                        <m:jc m:val="centerGroup"/>
+                      </m:oMathParaPr>
+                      <m:oMath xmlns:m="http://schemas.openxmlformats.org/officeDocument/2006/math">
+                        <m:r>
+                          <a:rPr lang="en-US" altLang="ko-KR" sz="1050" b="0" i="1" smtClean="0">
+                            <a:latin typeface="Cambria Math" panose="02040503050406030204" pitchFamily="18" charset="0"/>
+                          </a:rPr>
+                          <m:t>𝑃</m:t>
+                        </m:r>
+                        <m:r>
+                          <a:rPr lang="en-US" altLang="ko-KR" sz="1050" b="0" i="1" smtClean="0">
+                            <a:latin typeface="Cambria Math" panose="02040503050406030204" pitchFamily="18" charset="0"/>
+                          </a:rPr>
+                          <m:t>′</m:t>
+                        </m:r>
+                      </m:oMath>
+                    </m:oMathPara>
+                  </a14:m>
+                  <a:endParaRPr lang="ko-KR" altLang="en-US" sz="1050" dirty="0"/>
+                </a:p>
+              </p:txBody>
+            </p:sp>
+          </mc:Choice>
+          <mc:Fallback>
+            <p:sp>
+              <p:nvSpPr>
+                <p:cNvPr id="16" name="TextBox 15">
+                  <a:extLst>
+                    <a:ext uri="{FF2B5EF4-FFF2-40B4-BE49-F238E27FC236}">
+                      <a16:creationId xmlns:a16="http://schemas.microsoft.com/office/drawing/2014/main" id="{E057A001-3C5F-6A53-7E75-37DCE06613EC}"/>
+                    </a:ext>
+                  </a:extLst>
+                </p:cNvPr>
+                <p:cNvSpPr txBox="1">
+                  <a:spLocks noRot="1" noChangeAspect="1" noMove="1" noResize="1" noEditPoints="1" noAdjustHandles="1" noChangeArrowheads="1" noChangeShapeType="1" noTextEdit="1"/>
+                </p:cNvSpPr>
+                <p:nvPr/>
+              </p:nvSpPr>
+              <p:spPr>
+                <a:xfrm>
+                  <a:off x="4059463" y="701366"/>
+                  <a:ext cx="351378" cy="253916"/>
+                </a:xfrm>
+                <a:prstGeom prst="rect">
+                  <a:avLst/>
+                </a:prstGeom>
+                <a:blipFill>
+                  <a:blip r:embed="rId5"/>
+                  <a:stretch>
+                    <a:fillRect/>
+                  </a:stretch>
+                </a:blipFill>
+              </p:spPr>
+              <p:txBody>
+                <a:bodyPr/>
+                <a:lstStyle/>
+                <a:p>
+                  <a:r>
+                    <a:rPr lang="ko-KR" altLang="en-US">
+                      <a:noFill/>
+                    </a:rPr>
+                    <a:t> </a:t>
+                  </a:r>
+                </a:p>
+              </p:txBody>
+            </p:sp>
+          </mc:Fallback>
+        </mc:AlternateContent>
+        <mc:AlternateContent xmlns:mc="http://schemas.openxmlformats.org/markup-compatibility/2006">
+          <mc:Choice xmlns:a14="http://schemas.microsoft.com/office/drawing/2010/main" Requires="a14">
+            <p:sp>
+              <p:nvSpPr>
+                <p:cNvPr id="17" name="TextBox 16">
+                  <a:extLst>
+                    <a:ext uri="{FF2B5EF4-FFF2-40B4-BE49-F238E27FC236}">
+                      <a16:creationId xmlns:a16="http://schemas.microsoft.com/office/drawing/2014/main" id="{257B8F41-BDE3-62D1-0348-6B2C16E01BA6}"/>
+                    </a:ext>
+                  </a:extLst>
+                </p:cNvPr>
+                <p:cNvSpPr txBox="1"/>
+                <p:nvPr/>
+              </p:nvSpPr>
+              <p:spPr>
+                <a:xfrm>
+                  <a:off x="2913660" y="1992587"/>
+                  <a:ext cx="359394" cy="253916"/>
+                </a:xfrm>
+                <a:prstGeom prst="rect">
+                  <a:avLst/>
+                </a:prstGeom>
+                <a:noFill/>
+              </p:spPr>
+              <p:txBody>
+                <a:bodyPr wrap="none" rtlCol="0">
+                  <a:spAutoFit/>
+                </a:bodyPr>
+                <a:lstStyle/>
+                <a:p>
+                  <a:pPr/>
+                  <a14:m>
+                    <m:oMathPara xmlns:m="http://schemas.openxmlformats.org/officeDocument/2006/math">
+                      <m:oMathParaPr>
+                        <m:jc m:val="centerGroup"/>
+                      </m:oMathParaPr>
+                      <m:oMath xmlns:m="http://schemas.openxmlformats.org/officeDocument/2006/math">
+                        <m:r>
+                          <a:rPr lang="en-US" altLang="ko-KR" sz="1050" b="0" i="1" smtClean="0">
+                            <a:latin typeface="Cambria Math" panose="02040503050406030204" pitchFamily="18" charset="0"/>
+                          </a:rPr>
+                          <m:t>𝑂</m:t>
+                        </m:r>
+                        <m:r>
+                          <a:rPr lang="en-US" altLang="ko-KR" sz="1050" b="0" i="1" smtClean="0">
+                            <a:latin typeface="Cambria Math" panose="02040503050406030204" pitchFamily="18" charset="0"/>
+                          </a:rPr>
+                          <m:t>′</m:t>
+                        </m:r>
+                      </m:oMath>
+                    </m:oMathPara>
+                  </a14:m>
+                  <a:endParaRPr lang="ko-KR" altLang="en-US" sz="1050" dirty="0"/>
+                </a:p>
+              </p:txBody>
+            </p:sp>
+          </mc:Choice>
+          <mc:Fallback>
+            <p:sp>
+              <p:nvSpPr>
+                <p:cNvPr id="17" name="TextBox 16">
+                  <a:extLst>
+                    <a:ext uri="{FF2B5EF4-FFF2-40B4-BE49-F238E27FC236}">
+                      <a16:creationId xmlns:a16="http://schemas.microsoft.com/office/drawing/2014/main" id="{257B8F41-BDE3-62D1-0348-6B2C16E01BA6}"/>
+                    </a:ext>
+                  </a:extLst>
+                </p:cNvPr>
+                <p:cNvSpPr txBox="1">
+                  <a:spLocks noRot="1" noChangeAspect="1" noMove="1" noResize="1" noEditPoints="1" noAdjustHandles="1" noChangeArrowheads="1" noChangeShapeType="1" noTextEdit="1"/>
+                </p:cNvSpPr>
+                <p:nvPr/>
+              </p:nvSpPr>
+              <p:spPr>
+                <a:xfrm>
+                  <a:off x="2913660" y="1992587"/>
+                  <a:ext cx="359394" cy="253916"/>
+                </a:xfrm>
+                <a:prstGeom prst="rect">
+                  <a:avLst/>
+                </a:prstGeom>
+                <a:blipFill>
+                  <a:blip r:embed="rId6"/>
+                  <a:stretch>
+                    <a:fillRect/>
+                  </a:stretch>
+                </a:blipFill>
+              </p:spPr>
+              <p:txBody>
+                <a:bodyPr/>
+                <a:lstStyle/>
+                <a:p>
+                  <a:r>
+                    <a:rPr lang="ko-KR" altLang="en-US">
+                      <a:noFill/>
+                    </a:rPr>
+                    <a:t> </a:t>
+                  </a:r>
+                </a:p>
+              </p:txBody>
+            </p:sp>
+          </mc:Fallback>
+        </mc:AlternateContent>
+        <p:sp>
+          <p:nvSpPr>
+            <p:cNvPr id="18" name="타원 17">
+              <a:extLst>
+                <a:ext uri="{FF2B5EF4-FFF2-40B4-BE49-F238E27FC236}">
+                  <a16:creationId xmlns:a16="http://schemas.microsoft.com/office/drawing/2014/main" id="{F6D8357A-4A17-02CC-2040-46A346B3C3E7}"/>
+                </a:ext>
+              </a:extLst>
+            </p:cNvPr>
+            <p:cNvSpPr/>
+            <p:nvPr/>
+          </p:nvSpPr>
+          <p:spPr>
+            <a:xfrm>
+              <a:off x="4616374" y="2034724"/>
+              <a:ext cx="76199" cy="76199"/>
+            </a:xfrm>
+            <a:prstGeom prst="ellipse">
+              <a:avLst/>
+            </a:prstGeom>
+            <a:solidFill>
+              <a:srgbClr val="0000FF"/>
+            </a:solidFill>
+            <a:ln>
+              <a:noFill/>
+            </a:ln>
+          </p:spPr>
+          <p:style>
+            <a:lnRef idx="2">
+              <a:schemeClr val="accent2">
+                <a:shade val="50000"/>
+              </a:schemeClr>
+            </a:lnRef>
+            <a:fillRef idx="1">
+              <a:schemeClr val="accent2"/>
+            </a:fillRef>
+            <a:effectRef idx="0">
+              <a:schemeClr val="accent2"/>
+            </a:effectRef>
+            <a:fontRef idx="minor">
+              <a:schemeClr val="lt1"/>
+            </a:fontRef>
+          </p:style>
+          <p:txBody>
+            <a:bodyPr rtlCol="0" anchor="ctr"/>
+            <a:lstStyle/>
+            <a:p>
+              <a:pPr algn="ctr"/>
+              <a:endParaRPr lang="ko-KR" altLang="en-US"/>
+            </a:p>
+          </p:txBody>
+        </p:sp>
+        <p:sp>
+          <p:nvSpPr>
+            <p:cNvPr id="19" name="타원 18">
+              <a:extLst>
+                <a:ext uri="{FF2B5EF4-FFF2-40B4-BE49-F238E27FC236}">
+                  <a16:creationId xmlns:a16="http://schemas.microsoft.com/office/drawing/2014/main" id="{F4C3E061-76FC-8D2F-E100-AEEF0A3537C1}"/>
+                </a:ext>
+              </a:extLst>
+            </p:cNvPr>
+            <p:cNvSpPr/>
+            <p:nvPr/>
+          </p:nvSpPr>
+          <p:spPr>
+            <a:xfrm>
+              <a:off x="4083597" y="929666"/>
+              <a:ext cx="76199" cy="76199"/>
+            </a:xfrm>
+            <a:prstGeom prst="ellipse">
+              <a:avLst/>
+            </a:prstGeom>
+            <a:solidFill>
+              <a:srgbClr val="FF0000"/>
+            </a:solidFill>
+            <a:ln>
+              <a:noFill/>
+            </a:ln>
+          </p:spPr>
+          <p:style>
+            <a:lnRef idx="2">
+              <a:schemeClr val="accent2">
+                <a:shade val="50000"/>
+              </a:schemeClr>
+            </a:lnRef>
+            <a:fillRef idx="1">
+              <a:schemeClr val="accent2"/>
+            </a:fillRef>
+            <a:effectRef idx="0">
+              <a:schemeClr val="accent2"/>
+            </a:effectRef>
+            <a:fontRef idx="minor">
+              <a:schemeClr val="lt1"/>
+            </a:fontRef>
+          </p:style>
+          <p:txBody>
+            <a:bodyPr rtlCol="0" anchor="ctr"/>
+            <a:lstStyle/>
+            <a:p>
+              <a:pPr algn="ctr"/>
+              <a:endParaRPr lang="ko-KR" altLang="en-US"/>
+            </a:p>
+          </p:txBody>
+        </p:sp>
+      </p:grpSp>
+      <p:cxnSp>
+        <p:nvCxnSpPr>
+          <p:cNvPr id="34" name="직선 화살표 연결선 33">
+            <a:extLst>
+              <a:ext uri="{FF2B5EF4-FFF2-40B4-BE49-F238E27FC236}">
+                <a16:creationId xmlns:a16="http://schemas.microsoft.com/office/drawing/2014/main" id="{3ED3CC65-8D45-47DD-C3AD-53FDB6BB9D93}"/>
+              </a:ext>
+            </a:extLst>
+          </p:cNvPr>
+          <p:cNvCxnSpPr>
+            <a:cxnSpLocks/>
+          </p:cNvCxnSpPr>
+          <p:nvPr/>
+        </p:nvCxnSpPr>
+        <p:spPr>
+          <a:xfrm flipV="1">
+            <a:off x="6231364" y="762025"/>
+            <a:ext cx="4765" cy="1066958"/>
+          </a:xfrm>
+          <a:prstGeom prst="straightConnector1">
+            <a:avLst/>
+          </a:prstGeom>
+          <a:ln w="19050">
+            <a:tailEnd type="triangle"/>
+          </a:ln>
+        </p:spPr>
+        <p:style>
+          <a:lnRef idx="1">
+            <a:schemeClr val="dk1"/>
+          </a:lnRef>
+          <a:fillRef idx="0">
+            <a:schemeClr val="dk1"/>
+          </a:fillRef>
+          <a:effectRef idx="0">
+            <a:schemeClr val="dk1"/>
+          </a:effectRef>
+          <a:fontRef idx="minor">
+            <a:schemeClr val="tx1"/>
+          </a:fontRef>
+        </p:style>
+      </p:cxnSp>
+      <p:grpSp>
+        <p:nvGrpSpPr>
+          <p:cNvPr id="21" name="그룹 20">
+            <a:extLst>
+              <a:ext uri="{FF2B5EF4-FFF2-40B4-BE49-F238E27FC236}">
+                <a16:creationId xmlns:a16="http://schemas.microsoft.com/office/drawing/2014/main" id="{6C789D3F-8486-7C34-8FC9-2A7AE6E88DF4}"/>
+              </a:ext>
+            </a:extLst>
+          </p:cNvPr>
+          <p:cNvGrpSpPr/>
+          <p:nvPr/>
+        </p:nvGrpSpPr>
+        <p:grpSpPr>
+          <a:xfrm>
+            <a:off x="3918443" y="411849"/>
+            <a:ext cx="3151679" cy="2834271"/>
+            <a:chOff x="1813926" y="655689"/>
+            <a:chExt cx="3151679" cy="2834271"/>
+          </a:xfrm>
+        </p:grpSpPr>
+        <p:grpSp>
+          <p:nvGrpSpPr>
+            <p:cNvPr id="22" name="그룹 21">
+              <a:extLst>
+                <a:ext uri="{FF2B5EF4-FFF2-40B4-BE49-F238E27FC236}">
+                  <a16:creationId xmlns:a16="http://schemas.microsoft.com/office/drawing/2014/main" id="{4A47EC68-7391-8096-9C83-F9E2A5006EFB}"/>
+                </a:ext>
+              </a:extLst>
+            </p:cNvPr>
+            <p:cNvGrpSpPr/>
+            <p:nvPr/>
+          </p:nvGrpSpPr>
+          <p:grpSpPr>
+            <a:xfrm>
+              <a:off x="1813926" y="655689"/>
+              <a:ext cx="2834269" cy="2834271"/>
+              <a:chOff x="4458069" y="1791069"/>
+              <a:chExt cx="3275861" cy="3275861"/>
+            </a:xfrm>
+          </p:grpSpPr>
+          <p:sp>
+            <p:nvSpPr>
+              <p:cNvPr id="28" name="타원 27">
+                <a:extLst>
+                  <a:ext uri="{FF2B5EF4-FFF2-40B4-BE49-F238E27FC236}">
+                    <a16:creationId xmlns:a16="http://schemas.microsoft.com/office/drawing/2014/main" id="{66E6DE77-2F42-CC8B-0831-4C6C487B1882}"/>
+                  </a:ext>
+                </a:extLst>
+              </p:cNvPr>
+              <p:cNvSpPr/>
+              <p:nvPr/>
+            </p:nvSpPr>
+            <p:spPr>
+              <a:xfrm>
+                <a:off x="4458069" y="1791069"/>
+                <a:ext cx="3275861" cy="3275861"/>
+              </a:xfrm>
+              <a:prstGeom prst="ellipse">
+                <a:avLst/>
+              </a:prstGeom>
+              <a:noFill/>
+              <a:ln w="19050">
+                <a:solidFill>
+                  <a:schemeClr val="tx1"/>
+                </a:solidFill>
+                <a:prstDash val="sysDash"/>
+              </a:ln>
+            </p:spPr>
+            <p:style>
+              <a:lnRef idx="2">
+                <a:schemeClr val="accent1">
+                  <a:shade val="50000"/>
+                </a:schemeClr>
+              </a:lnRef>
+              <a:fillRef idx="1">
+                <a:schemeClr val="accent1"/>
+              </a:fillRef>
+              <a:effectRef idx="0">
+                <a:schemeClr val="accent1"/>
+              </a:effectRef>
+              <a:fontRef idx="minor">
+                <a:schemeClr val="lt1"/>
+              </a:fontRef>
+            </p:style>
+            <p:txBody>
+              <a:bodyPr rtlCol="0" anchor="ctr"/>
+              <a:lstStyle/>
+              <a:p>
+                <a:pPr algn="ctr"/>
+                <a:endParaRPr lang="ko-KR" altLang="en-US" dirty="0"/>
+              </a:p>
+            </p:txBody>
+          </p:sp>
+          <p:cxnSp>
+            <p:nvCxnSpPr>
+              <p:cNvPr id="29" name="직선 화살표 연결선 28">
+                <a:extLst>
+                  <a:ext uri="{FF2B5EF4-FFF2-40B4-BE49-F238E27FC236}">
+                    <a16:creationId xmlns:a16="http://schemas.microsoft.com/office/drawing/2014/main" id="{BC190038-94FB-5827-92F5-D29BB692C542}"/>
+                  </a:ext>
+                </a:extLst>
+              </p:cNvPr>
+              <p:cNvCxnSpPr>
+                <a:cxnSpLocks/>
+              </p:cNvCxnSpPr>
+              <p:nvPr/>
+            </p:nvCxnSpPr>
+            <p:spPr>
+              <a:xfrm flipV="1">
+                <a:off x="6096000" y="2157274"/>
+                <a:ext cx="1023891" cy="1271726"/>
+              </a:xfrm>
+              <a:prstGeom prst="straightConnector1">
+                <a:avLst/>
+              </a:prstGeom>
+              <a:ln w="19050">
+                <a:tailEnd type="triangle"/>
+              </a:ln>
+            </p:spPr>
+            <p:style>
+              <a:lnRef idx="1">
+                <a:schemeClr val="dk1"/>
+              </a:lnRef>
+              <a:fillRef idx="0">
+                <a:schemeClr val="dk1"/>
+              </a:fillRef>
+              <a:effectRef idx="0">
+                <a:schemeClr val="dk1"/>
+              </a:effectRef>
+              <a:fontRef idx="minor">
+                <a:schemeClr val="tx1"/>
+              </a:fontRef>
+            </p:style>
+          </p:cxnSp>
+          <p:cxnSp>
+            <p:nvCxnSpPr>
+              <p:cNvPr id="30" name="직선 화살표 연결선 29">
+                <a:extLst>
+                  <a:ext uri="{FF2B5EF4-FFF2-40B4-BE49-F238E27FC236}">
+                    <a16:creationId xmlns:a16="http://schemas.microsoft.com/office/drawing/2014/main" id="{471BA75F-FF6A-AADB-5016-2D6BA00C3838}"/>
+                  </a:ext>
+                </a:extLst>
+              </p:cNvPr>
+              <p:cNvCxnSpPr>
+                <a:cxnSpLocks/>
+              </p:cNvCxnSpPr>
+              <p:nvPr/>
+            </p:nvCxnSpPr>
+            <p:spPr>
+              <a:xfrm>
+                <a:off x="6096000" y="3428999"/>
+                <a:ext cx="1002394" cy="0"/>
+              </a:xfrm>
+              <a:prstGeom prst="straightConnector1">
+                <a:avLst/>
+              </a:prstGeom>
+              <a:ln w="19050">
+                <a:tailEnd type="triangle"/>
+              </a:ln>
+            </p:spPr>
+            <p:style>
+              <a:lnRef idx="1">
+                <a:schemeClr val="dk1"/>
+              </a:lnRef>
+              <a:fillRef idx="0">
+                <a:schemeClr val="dk1"/>
+              </a:fillRef>
+              <a:effectRef idx="0">
+                <a:schemeClr val="dk1"/>
+              </a:effectRef>
+              <a:fontRef idx="minor">
+                <a:schemeClr val="tx1"/>
+              </a:fontRef>
+            </p:style>
+          </p:cxnSp>
+          <mc:AlternateContent xmlns:mc="http://schemas.openxmlformats.org/markup-compatibility/2006">
+            <mc:Choice xmlns:a14="http://schemas.microsoft.com/office/drawing/2010/main" Requires="a14">
+              <p:sp>
+                <p:nvSpPr>
+                  <p:cNvPr id="31" name="TextBox 30">
+                    <a:extLst>
+                      <a:ext uri="{FF2B5EF4-FFF2-40B4-BE49-F238E27FC236}">
+                        <a16:creationId xmlns:a16="http://schemas.microsoft.com/office/drawing/2014/main" id="{3FF99EAC-AEC2-CA31-4105-30E25E02A902}"/>
+                      </a:ext>
+                    </a:extLst>
+                  </p:cNvPr>
+                  <p:cNvSpPr txBox="1"/>
+                  <p:nvPr/>
+                </p:nvSpPr>
+                <p:spPr>
+                  <a:xfrm>
+                    <a:off x="5936841" y="3442061"/>
+                    <a:ext cx="1354367" cy="293477"/>
+                  </a:xfrm>
+                  <a:prstGeom prst="rect">
+                    <a:avLst/>
+                  </a:prstGeom>
+                  <a:noFill/>
+                </p:spPr>
+                <p:txBody>
+                  <a:bodyPr wrap="none" rtlCol="0">
+                    <a:spAutoFit/>
+                  </a:bodyPr>
+                  <a:lstStyle/>
+                  <a:p>
+                    <a:pPr/>
+                    <a14:m>
+                      <m:oMathPara xmlns:m="http://schemas.openxmlformats.org/officeDocument/2006/math">
+                        <m:oMathParaPr>
+                          <m:jc m:val="centerGroup"/>
+                        </m:oMathParaPr>
+                        <m:oMath xmlns:m="http://schemas.openxmlformats.org/officeDocument/2006/math">
+                          <m:func>
+                            <m:funcPr>
+                              <m:ctrlPr>
+                                <a:rPr lang="en-US" altLang="ko-KR" sz="1050" b="0" i="1" smtClean="0">
+                                  <a:latin typeface="Cambria Math" panose="02040503050406030204" pitchFamily="18" charset="0"/>
+                                </a:rPr>
+                              </m:ctrlPr>
+                            </m:funcPr>
+                            <m:fName>
+                              <m:r>
+                                <m:rPr>
+                                  <m:sty m:val="p"/>
+                                </m:rPr>
+                                <a:rPr lang="en-US" altLang="ko-KR" sz="1050" i="0" smtClean="0">
+                                  <a:latin typeface="Cambria Math" panose="02040503050406030204" pitchFamily="18" charset="0"/>
+                                </a:rPr>
+                                <m:t>cos</m:t>
+                              </m:r>
+                            </m:fName>
+                            <m:e>
+                              <m:r>
+                                <a:rPr lang="en-US" altLang="ko-KR" sz="1050" b="0" i="1" smtClean="0">
+                                  <a:latin typeface="Cambria Math" panose="02040503050406030204" pitchFamily="18" charset="0"/>
+                                </a:rPr>
+                                <m:t>(</m:t>
+                              </m:r>
+                              <m:r>
+                                <a:rPr lang="en-US" altLang="ko-KR" sz="1050" b="0" i="1" smtClean="0">
+                                  <a:latin typeface="Cambria Math" panose="02040503050406030204" pitchFamily="18" charset="0"/>
+                                </a:rPr>
+                                <m:t>𝜃</m:t>
+                              </m:r>
+                              <m:r>
+                                <a:rPr lang="en-US" altLang="ko-KR" sz="1050" b="0" i="1" smtClean="0">
+                                  <a:latin typeface="Cambria Math" panose="02040503050406030204" pitchFamily="18" charset="0"/>
+                                </a:rPr>
+                                <m:t>)</m:t>
+                              </m:r>
+                            </m:e>
+                          </m:func>
+                          <m:r>
+                            <a:rPr lang="en-US" altLang="ko-KR" sz="1050" b="0" i="1" smtClean="0">
+                              <a:latin typeface="Cambria Math" panose="02040503050406030204" pitchFamily="18" charset="0"/>
+                            </a:rPr>
+                            <m:t>⋅(</m:t>
+                          </m:r>
+                          <m:acc>
+                            <m:accPr>
+                              <m:chr m:val="⃗"/>
+                              <m:ctrlPr>
+                                <a:rPr lang="en-US" altLang="ko-KR" sz="1050" b="0" i="1" smtClean="0">
+                                  <a:latin typeface="Cambria Math" panose="02040503050406030204" pitchFamily="18" charset="0"/>
+                                </a:rPr>
+                              </m:ctrlPr>
+                            </m:accPr>
+                            <m:e>
+                              <m:r>
+                                <a:rPr lang="en-US" altLang="ko-KR" sz="1050" b="0" i="1" smtClean="0">
+                                  <a:latin typeface="Cambria Math" panose="02040503050406030204" pitchFamily="18" charset="0"/>
+                                </a:rPr>
+                                <m:t>𝑢</m:t>
+                              </m:r>
+                            </m:e>
+                          </m:acc>
+                          <m:r>
+                            <a:rPr lang="en-US" altLang="ko-KR" sz="1050" b="0" i="1" smtClean="0">
+                              <a:latin typeface="Cambria Math" panose="02040503050406030204" pitchFamily="18" charset="0"/>
+                            </a:rPr>
+                            <m:t> −</m:t>
+                          </m:r>
+                          <m:acc>
+                            <m:accPr>
+                              <m:chr m:val="⃗"/>
+                              <m:ctrlPr>
+                                <a:rPr lang="en-US" altLang="ko-KR" sz="1050" b="0" i="1" smtClean="0">
+                                  <a:latin typeface="Cambria Math" panose="02040503050406030204" pitchFamily="18" charset="0"/>
+                                </a:rPr>
+                              </m:ctrlPr>
+                            </m:accPr>
+                            <m:e>
+                              <m:r>
+                                <a:rPr lang="en-US" altLang="ko-KR" sz="1050" b="0" i="1" smtClean="0">
+                                  <a:latin typeface="Cambria Math" panose="02040503050406030204" pitchFamily="18" charset="0"/>
+                                </a:rPr>
+                                <m:t>𝑣</m:t>
+                              </m:r>
+                            </m:e>
+                          </m:acc>
+                          <m:r>
+                            <a:rPr lang="en-US" altLang="ko-KR" sz="1050" b="0" i="1" smtClean="0">
+                              <a:latin typeface="Cambria Math" panose="02040503050406030204" pitchFamily="18" charset="0"/>
+                            </a:rPr>
+                            <m:t>)</m:t>
+                          </m:r>
+                        </m:oMath>
+                      </m:oMathPara>
+                    </a14:m>
+                    <a:endParaRPr lang="ko-KR" altLang="en-US" sz="1050" dirty="0"/>
+                  </a:p>
+                </p:txBody>
+              </p:sp>
+            </mc:Choice>
+            <mc:Fallback>
+              <p:sp>
+                <p:nvSpPr>
+                  <p:cNvPr id="31" name="TextBox 30">
+                    <a:extLst>
+                      <a:ext uri="{FF2B5EF4-FFF2-40B4-BE49-F238E27FC236}">
+                        <a16:creationId xmlns:a16="http://schemas.microsoft.com/office/drawing/2014/main" id="{3FF99EAC-AEC2-CA31-4105-30E25E02A902}"/>
+                      </a:ext>
+                    </a:extLst>
+                  </p:cNvPr>
+                  <p:cNvSpPr txBox="1">
+                    <a:spLocks noRot="1" noChangeAspect="1" noMove="1" noResize="1" noEditPoints="1" noAdjustHandles="1" noChangeArrowheads="1" noChangeShapeType="1" noTextEdit="1"/>
+                  </p:cNvSpPr>
+                  <p:nvPr/>
+                </p:nvSpPr>
+                <p:spPr>
+                  <a:xfrm>
+                    <a:off x="5936841" y="3442061"/>
+                    <a:ext cx="1354367" cy="293477"/>
+                  </a:xfrm>
+                  <a:prstGeom prst="rect">
+                    <a:avLst/>
+                  </a:prstGeom>
+                  <a:blipFill>
+                    <a:blip r:embed="rId7"/>
+                    <a:stretch>
+                      <a:fillRect t="-2381" r="-4167" b="-4762"/>
+                    </a:stretch>
+                  </a:blipFill>
+                </p:spPr>
+                <p:txBody>
+                  <a:bodyPr/>
+                  <a:lstStyle/>
+                  <a:p>
+                    <a:r>
+                      <a:rPr lang="ko-KR" altLang="en-US">
+                        <a:noFill/>
+                      </a:rPr>
+                      <a:t> </a:t>
+                    </a:r>
+                  </a:p>
+                </p:txBody>
+              </p:sp>
+            </mc:Fallback>
+          </mc:AlternateContent>
+          <mc:AlternateContent xmlns:mc="http://schemas.openxmlformats.org/markup-compatibility/2006">
+            <mc:Choice xmlns:a14="http://schemas.microsoft.com/office/drawing/2010/main" Requires="a14">
+              <p:sp>
+                <p:nvSpPr>
+                  <p:cNvPr id="32" name="TextBox 31">
+                    <a:extLst>
+                      <a:ext uri="{FF2B5EF4-FFF2-40B4-BE49-F238E27FC236}">
+                        <a16:creationId xmlns:a16="http://schemas.microsoft.com/office/drawing/2014/main" id="{A1F490B2-2A8E-B9A0-9CA2-715975C16C54}"/>
+                      </a:ext>
+                    </a:extLst>
+                  </p:cNvPr>
+                  <p:cNvSpPr txBox="1"/>
+                  <p:nvPr/>
+                </p:nvSpPr>
+                <p:spPr>
+                  <a:xfrm>
+                    <a:off x="6418822" y="3036431"/>
+                    <a:ext cx="378245" cy="338554"/>
+                  </a:xfrm>
+                  <a:prstGeom prst="rect">
+                    <a:avLst/>
+                  </a:prstGeom>
+                  <a:noFill/>
+                </p:spPr>
+                <p:txBody>
+                  <a:bodyPr wrap="none" rtlCol="0">
+                    <a:spAutoFit/>
+                  </a:bodyPr>
+                  <a:lstStyle/>
+                  <a:p>
+                    <a:pPr/>
+                    <a14:m>
+                      <m:oMathPara xmlns:m="http://schemas.openxmlformats.org/officeDocument/2006/math">
+                        <m:oMathParaPr>
+                          <m:jc m:val="centerGroup"/>
+                        </m:oMathParaPr>
+                        <m:oMath xmlns:m="http://schemas.openxmlformats.org/officeDocument/2006/math">
+                          <m:r>
+                            <a:rPr lang="en-US" altLang="ko-KR" sz="1600" b="0" i="1" smtClean="0">
+                              <a:latin typeface="Cambria Math" panose="02040503050406030204" pitchFamily="18" charset="0"/>
+                            </a:rPr>
+                            <m:t>𝜃</m:t>
+                          </m:r>
+                        </m:oMath>
+                      </m:oMathPara>
+                    </a14:m>
+                    <a:endParaRPr lang="ko-KR" altLang="en-US" sz="1600" dirty="0"/>
+                  </a:p>
+                </p:txBody>
+              </p:sp>
+            </mc:Choice>
+            <mc:Fallback>
+              <p:sp>
+                <p:nvSpPr>
+                  <p:cNvPr id="32" name="TextBox 31">
+                    <a:extLst>
+                      <a:ext uri="{FF2B5EF4-FFF2-40B4-BE49-F238E27FC236}">
+                        <a16:creationId xmlns:a16="http://schemas.microsoft.com/office/drawing/2014/main" id="{A1F490B2-2A8E-B9A0-9CA2-715975C16C54}"/>
+                      </a:ext>
+                    </a:extLst>
+                  </p:cNvPr>
+                  <p:cNvSpPr txBox="1">
+                    <a:spLocks noRot="1" noChangeAspect="1" noMove="1" noResize="1" noEditPoints="1" noAdjustHandles="1" noChangeArrowheads="1" noChangeShapeType="1" noTextEdit="1"/>
+                  </p:cNvSpPr>
+                  <p:nvPr/>
+                </p:nvSpPr>
+                <p:spPr>
+                  <a:xfrm>
+                    <a:off x="6418822" y="3036431"/>
+                    <a:ext cx="378245" cy="338554"/>
+                  </a:xfrm>
+                  <a:prstGeom prst="rect">
+                    <a:avLst/>
+                  </a:prstGeom>
+                  <a:blipFill>
+                    <a:blip r:embed="rId8"/>
+                    <a:stretch>
+                      <a:fillRect b="-10417"/>
+                    </a:stretch>
+                  </a:blipFill>
+                </p:spPr>
+                <p:txBody>
+                  <a:bodyPr/>
+                  <a:lstStyle/>
+                  <a:p>
+                    <a:r>
+                      <a:rPr lang="ko-KR" altLang="en-US">
+                        <a:noFill/>
+                      </a:rPr>
+                      <a:t> </a:t>
+                    </a:r>
+                  </a:p>
+                </p:txBody>
+              </p:sp>
+            </mc:Fallback>
+          </mc:AlternateContent>
+          <p:sp>
+            <p:nvSpPr>
+              <p:cNvPr id="33" name="부분 원형 32">
+                <a:extLst>
+                  <a:ext uri="{FF2B5EF4-FFF2-40B4-BE49-F238E27FC236}">
+                    <a16:creationId xmlns:a16="http://schemas.microsoft.com/office/drawing/2014/main" id="{2CD8E2ED-DE66-9789-A57A-1AE564B26020}"/>
+                  </a:ext>
+                </a:extLst>
+              </p:cNvPr>
+              <p:cNvSpPr/>
+              <p:nvPr/>
+            </p:nvSpPr>
+            <p:spPr>
+              <a:xfrm rot="5818006">
+                <a:off x="5783596" y="3237311"/>
+                <a:ext cx="624807" cy="383378"/>
+              </a:xfrm>
+              <a:prstGeom prst="pie">
+                <a:avLst>
+                  <a:gd name="adj1" fmla="val 12785602"/>
+                  <a:gd name="adj2" fmla="val 15745783"/>
+                </a:avLst>
+              </a:prstGeom>
+              <a:noFill/>
+              <a:ln>
+                <a:solidFill>
+                  <a:schemeClr val="tx1"/>
+                </a:solidFill>
+              </a:ln>
+            </p:spPr>
+            <p:style>
+              <a:lnRef idx="2">
+                <a:schemeClr val="accent1">
+                  <a:shade val="50000"/>
+                </a:schemeClr>
+              </a:lnRef>
+              <a:fillRef idx="1">
+                <a:schemeClr val="accent1"/>
+              </a:fillRef>
+              <a:effectRef idx="0">
+                <a:schemeClr val="accent1"/>
+              </a:effectRef>
+              <a:fontRef idx="minor">
+                <a:schemeClr val="lt1"/>
+              </a:fontRef>
+            </p:style>
+            <p:txBody>
+              <a:bodyPr rtlCol="0" anchor="ctr"/>
+              <a:lstStyle/>
+              <a:p>
+                <a:pPr algn="ctr"/>
+                <a:endParaRPr lang="ko-KR" altLang="en-US">
+                  <a:solidFill>
+                    <a:schemeClr val="tx1"/>
+                  </a:solidFill>
+                </a:endParaRPr>
+              </a:p>
+            </p:txBody>
+          </p:sp>
+        </p:grpSp>
+        <mc:AlternateContent xmlns:mc="http://schemas.openxmlformats.org/markup-compatibility/2006">
+          <mc:Choice xmlns:a14="http://schemas.microsoft.com/office/drawing/2010/main" Requires="a14">
+            <p:sp>
+              <p:nvSpPr>
+                <p:cNvPr id="23" name="TextBox 22">
+                  <a:extLst>
+                    <a:ext uri="{FF2B5EF4-FFF2-40B4-BE49-F238E27FC236}">
+                      <a16:creationId xmlns:a16="http://schemas.microsoft.com/office/drawing/2014/main" id="{BB0D1E75-12BC-8809-AD0D-FD2052ECCC6D}"/>
+                    </a:ext>
+                  </a:extLst>
+                </p:cNvPr>
+                <p:cNvSpPr txBox="1"/>
+                <p:nvPr/>
+              </p:nvSpPr>
+              <p:spPr>
+                <a:xfrm>
+                  <a:off x="4646222" y="1945866"/>
+                  <a:ext cx="319383" cy="253916"/>
+                </a:xfrm>
+                <a:prstGeom prst="rect">
+                  <a:avLst/>
+                </a:prstGeom>
+                <a:noFill/>
+              </p:spPr>
+              <p:txBody>
+                <a:bodyPr wrap="none" rtlCol="0">
+                  <a:spAutoFit/>
+                </a:bodyPr>
+                <a:lstStyle/>
+                <a:p>
+                  <a:pPr/>
+                  <a14:m>
+                    <m:oMathPara xmlns:m="http://schemas.openxmlformats.org/officeDocument/2006/math">
+                      <m:oMathParaPr>
+                        <m:jc m:val="centerGroup"/>
+                      </m:oMathParaPr>
+                      <m:oMath xmlns:m="http://schemas.openxmlformats.org/officeDocument/2006/math">
+                        <m:r>
+                          <a:rPr lang="en-US" altLang="ko-KR" sz="1050" b="0" i="1" smtClean="0">
+                            <a:latin typeface="Cambria Math" panose="02040503050406030204" pitchFamily="18" charset="0"/>
+                          </a:rPr>
+                          <m:t>𝑃</m:t>
+                        </m:r>
+                      </m:oMath>
+                    </m:oMathPara>
+                  </a14:m>
+                  <a:endParaRPr lang="ko-KR" altLang="en-US" sz="1050" dirty="0"/>
+                </a:p>
+              </p:txBody>
+            </p:sp>
+          </mc:Choice>
+          <mc:Fallback>
+            <p:sp>
+              <p:nvSpPr>
+                <p:cNvPr id="23" name="TextBox 22">
+                  <a:extLst>
+                    <a:ext uri="{FF2B5EF4-FFF2-40B4-BE49-F238E27FC236}">
+                      <a16:creationId xmlns:a16="http://schemas.microsoft.com/office/drawing/2014/main" id="{BB0D1E75-12BC-8809-AD0D-FD2052ECCC6D}"/>
+                    </a:ext>
+                  </a:extLst>
+                </p:cNvPr>
+                <p:cNvSpPr txBox="1">
+                  <a:spLocks noRot="1" noChangeAspect="1" noMove="1" noResize="1" noEditPoints="1" noAdjustHandles="1" noChangeArrowheads="1" noChangeShapeType="1" noTextEdit="1"/>
+                </p:cNvSpPr>
+                <p:nvPr/>
+              </p:nvSpPr>
+              <p:spPr>
+                <a:xfrm>
+                  <a:off x="4646222" y="1945866"/>
+                  <a:ext cx="319383" cy="253916"/>
+                </a:xfrm>
+                <a:prstGeom prst="rect">
+                  <a:avLst/>
+                </a:prstGeom>
+                <a:blipFill>
+                  <a:blip r:embed="rId9"/>
+                  <a:stretch>
+                    <a:fillRect/>
+                  </a:stretch>
+                </a:blipFill>
+              </p:spPr>
+              <p:txBody>
+                <a:bodyPr/>
+                <a:lstStyle/>
+                <a:p>
+                  <a:r>
+                    <a:rPr lang="ko-KR" altLang="en-US">
+                      <a:noFill/>
+                    </a:rPr>
+                    <a:t> </a:t>
+                  </a:r>
+                </a:p>
+              </p:txBody>
+            </p:sp>
+          </mc:Fallback>
+        </mc:AlternateContent>
+        <mc:AlternateContent xmlns:mc="http://schemas.openxmlformats.org/markup-compatibility/2006">
+          <mc:Choice xmlns:a14="http://schemas.microsoft.com/office/drawing/2010/main" Requires="a14">
+            <p:sp>
+              <p:nvSpPr>
+                <p:cNvPr id="24" name="TextBox 23">
+                  <a:extLst>
+                    <a:ext uri="{FF2B5EF4-FFF2-40B4-BE49-F238E27FC236}">
+                      <a16:creationId xmlns:a16="http://schemas.microsoft.com/office/drawing/2014/main" id="{EC4A448C-1094-C0FB-87E3-C3D23755BA3E}"/>
+                    </a:ext>
+                  </a:extLst>
+                </p:cNvPr>
+                <p:cNvSpPr txBox="1"/>
+                <p:nvPr/>
+              </p:nvSpPr>
+              <p:spPr>
+                <a:xfrm>
+                  <a:off x="4059463" y="701366"/>
+                  <a:ext cx="351378" cy="253916"/>
+                </a:xfrm>
+                <a:prstGeom prst="rect">
+                  <a:avLst/>
+                </a:prstGeom>
+                <a:noFill/>
+              </p:spPr>
+              <p:txBody>
+                <a:bodyPr wrap="none" rtlCol="0">
+                  <a:spAutoFit/>
+                </a:bodyPr>
+                <a:lstStyle/>
+                <a:p>
+                  <a:pPr/>
+                  <a14:m>
+                    <m:oMathPara xmlns:m="http://schemas.openxmlformats.org/officeDocument/2006/math">
+                      <m:oMathParaPr>
+                        <m:jc m:val="centerGroup"/>
+                      </m:oMathParaPr>
+                      <m:oMath xmlns:m="http://schemas.openxmlformats.org/officeDocument/2006/math">
+                        <m:r>
+                          <a:rPr lang="en-US" altLang="ko-KR" sz="1050" b="0" i="1" smtClean="0">
+                            <a:latin typeface="Cambria Math" panose="02040503050406030204" pitchFamily="18" charset="0"/>
+                          </a:rPr>
+                          <m:t>𝑃</m:t>
+                        </m:r>
+                        <m:r>
+                          <a:rPr lang="en-US" altLang="ko-KR" sz="1050" b="0" i="1" smtClean="0">
+                            <a:latin typeface="Cambria Math" panose="02040503050406030204" pitchFamily="18" charset="0"/>
+                          </a:rPr>
+                          <m:t>′</m:t>
+                        </m:r>
+                      </m:oMath>
+                    </m:oMathPara>
+                  </a14:m>
+                  <a:endParaRPr lang="ko-KR" altLang="en-US" sz="1050" dirty="0"/>
+                </a:p>
+              </p:txBody>
+            </p:sp>
+          </mc:Choice>
+          <mc:Fallback>
+            <p:sp>
+              <p:nvSpPr>
+                <p:cNvPr id="24" name="TextBox 23">
+                  <a:extLst>
+                    <a:ext uri="{FF2B5EF4-FFF2-40B4-BE49-F238E27FC236}">
+                      <a16:creationId xmlns:a16="http://schemas.microsoft.com/office/drawing/2014/main" id="{EC4A448C-1094-C0FB-87E3-C3D23755BA3E}"/>
+                    </a:ext>
+                  </a:extLst>
+                </p:cNvPr>
+                <p:cNvSpPr txBox="1">
+                  <a:spLocks noRot="1" noChangeAspect="1" noMove="1" noResize="1" noEditPoints="1" noAdjustHandles="1" noChangeArrowheads="1" noChangeShapeType="1" noTextEdit="1"/>
+                </p:cNvSpPr>
+                <p:nvPr/>
+              </p:nvSpPr>
+              <p:spPr>
+                <a:xfrm>
+                  <a:off x="4059463" y="701366"/>
+                  <a:ext cx="351378" cy="253916"/>
+                </a:xfrm>
+                <a:prstGeom prst="rect">
+                  <a:avLst/>
+                </a:prstGeom>
+                <a:blipFill>
+                  <a:blip r:embed="rId5"/>
+                  <a:stretch>
+                    <a:fillRect/>
+                  </a:stretch>
+                </a:blipFill>
+              </p:spPr>
+              <p:txBody>
+                <a:bodyPr/>
+                <a:lstStyle/>
+                <a:p>
+                  <a:r>
+                    <a:rPr lang="ko-KR" altLang="en-US">
+                      <a:noFill/>
+                    </a:rPr>
+                    <a:t> </a:t>
+                  </a:r>
+                </a:p>
+              </p:txBody>
+            </p:sp>
+          </mc:Fallback>
+        </mc:AlternateContent>
+        <mc:AlternateContent xmlns:mc="http://schemas.openxmlformats.org/markup-compatibility/2006">
+          <mc:Choice xmlns:a14="http://schemas.microsoft.com/office/drawing/2010/main" Requires="a14">
+            <p:sp>
+              <p:nvSpPr>
+                <p:cNvPr id="25" name="TextBox 24">
+                  <a:extLst>
+                    <a:ext uri="{FF2B5EF4-FFF2-40B4-BE49-F238E27FC236}">
+                      <a16:creationId xmlns:a16="http://schemas.microsoft.com/office/drawing/2014/main" id="{C6CFAEB5-A111-EC8B-393A-481A158FC02D}"/>
+                    </a:ext>
+                  </a:extLst>
+                </p:cNvPr>
+                <p:cNvSpPr txBox="1"/>
+                <p:nvPr/>
+              </p:nvSpPr>
+              <p:spPr>
+                <a:xfrm>
+                  <a:off x="2913660" y="1992587"/>
+                  <a:ext cx="359394" cy="253916"/>
+                </a:xfrm>
+                <a:prstGeom prst="rect">
+                  <a:avLst/>
+                </a:prstGeom>
+                <a:noFill/>
+              </p:spPr>
+              <p:txBody>
+                <a:bodyPr wrap="none" rtlCol="0">
+                  <a:spAutoFit/>
+                </a:bodyPr>
+                <a:lstStyle/>
+                <a:p>
+                  <a:pPr/>
+                  <a14:m>
+                    <m:oMathPara xmlns:m="http://schemas.openxmlformats.org/officeDocument/2006/math">
+                      <m:oMathParaPr>
+                        <m:jc m:val="centerGroup"/>
+                      </m:oMathParaPr>
+                      <m:oMath xmlns:m="http://schemas.openxmlformats.org/officeDocument/2006/math">
+                        <m:r>
+                          <a:rPr lang="en-US" altLang="ko-KR" sz="1050" b="0" i="1" smtClean="0">
+                            <a:latin typeface="Cambria Math" panose="02040503050406030204" pitchFamily="18" charset="0"/>
+                          </a:rPr>
+                          <m:t>𝑂</m:t>
+                        </m:r>
+                        <m:r>
+                          <a:rPr lang="en-US" altLang="ko-KR" sz="1050" b="0" i="1" smtClean="0">
+                            <a:latin typeface="Cambria Math" panose="02040503050406030204" pitchFamily="18" charset="0"/>
+                          </a:rPr>
+                          <m:t>′</m:t>
+                        </m:r>
+                      </m:oMath>
+                    </m:oMathPara>
+                  </a14:m>
+                  <a:endParaRPr lang="ko-KR" altLang="en-US" sz="1050" dirty="0"/>
+                </a:p>
+              </p:txBody>
+            </p:sp>
+          </mc:Choice>
+          <mc:Fallback>
+            <p:sp>
+              <p:nvSpPr>
+                <p:cNvPr id="25" name="TextBox 24">
+                  <a:extLst>
+                    <a:ext uri="{FF2B5EF4-FFF2-40B4-BE49-F238E27FC236}">
+                      <a16:creationId xmlns:a16="http://schemas.microsoft.com/office/drawing/2014/main" id="{C6CFAEB5-A111-EC8B-393A-481A158FC02D}"/>
+                    </a:ext>
+                  </a:extLst>
+                </p:cNvPr>
+                <p:cNvSpPr txBox="1">
+                  <a:spLocks noRot="1" noChangeAspect="1" noMove="1" noResize="1" noEditPoints="1" noAdjustHandles="1" noChangeArrowheads="1" noChangeShapeType="1" noTextEdit="1"/>
+                </p:cNvSpPr>
+                <p:nvPr/>
+              </p:nvSpPr>
+              <p:spPr>
+                <a:xfrm>
+                  <a:off x="2913660" y="1992587"/>
+                  <a:ext cx="359394" cy="253916"/>
+                </a:xfrm>
+                <a:prstGeom prst="rect">
+                  <a:avLst/>
+                </a:prstGeom>
+                <a:blipFill>
+                  <a:blip r:embed="rId6"/>
+                  <a:stretch>
+                    <a:fillRect/>
+                  </a:stretch>
+                </a:blipFill>
+              </p:spPr>
+              <p:txBody>
+                <a:bodyPr/>
+                <a:lstStyle/>
+                <a:p>
+                  <a:r>
+                    <a:rPr lang="ko-KR" altLang="en-US">
+                      <a:noFill/>
+                    </a:rPr>
+                    <a:t> </a:t>
+                  </a:r>
+                </a:p>
+              </p:txBody>
+            </p:sp>
+          </mc:Fallback>
+        </mc:AlternateContent>
+        <p:sp>
+          <p:nvSpPr>
+            <p:cNvPr id="26" name="타원 25">
+              <a:extLst>
+                <a:ext uri="{FF2B5EF4-FFF2-40B4-BE49-F238E27FC236}">
+                  <a16:creationId xmlns:a16="http://schemas.microsoft.com/office/drawing/2014/main" id="{2146B41C-32F6-6A4C-945F-47356CDD110C}"/>
+                </a:ext>
+              </a:extLst>
+            </p:cNvPr>
+            <p:cNvSpPr/>
+            <p:nvPr/>
+          </p:nvSpPr>
+          <p:spPr>
+            <a:xfrm>
+              <a:off x="4616374" y="2034724"/>
+              <a:ext cx="76199" cy="76199"/>
+            </a:xfrm>
+            <a:prstGeom prst="ellipse">
+              <a:avLst/>
+            </a:prstGeom>
+            <a:solidFill>
+              <a:srgbClr val="0000FF"/>
+            </a:solidFill>
+            <a:ln>
+              <a:noFill/>
+            </a:ln>
+          </p:spPr>
+          <p:style>
+            <a:lnRef idx="2">
+              <a:schemeClr val="accent2">
+                <a:shade val="50000"/>
+              </a:schemeClr>
+            </a:lnRef>
+            <a:fillRef idx="1">
+              <a:schemeClr val="accent2"/>
+            </a:fillRef>
+            <a:effectRef idx="0">
+              <a:schemeClr val="accent2"/>
+            </a:effectRef>
+            <a:fontRef idx="minor">
+              <a:schemeClr val="lt1"/>
+            </a:fontRef>
+          </p:style>
+          <p:txBody>
+            <a:bodyPr rtlCol="0" anchor="ctr"/>
+            <a:lstStyle/>
+            <a:p>
+              <a:pPr algn="ctr"/>
+              <a:endParaRPr lang="ko-KR" altLang="en-US"/>
+            </a:p>
+          </p:txBody>
+        </p:sp>
+        <p:sp>
+          <p:nvSpPr>
+            <p:cNvPr id="27" name="타원 26">
+              <a:extLst>
+                <a:ext uri="{FF2B5EF4-FFF2-40B4-BE49-F238E27FC236}">
+                  <a16:creationId xmlns:a16="http://schemas.microsoft.com/office/drawing/2014/main" id="{B39A4F12-4490-B076-5663-F7D3442BCD95}"/>
+                </a:ext>
+              </a:extLst>
+            </p:cNvPr>
+            <p:cNvSpPr/>
+            <p:nvPr/>
+          </p:nvSpPr>
+          <p:spPr>
+            <a:xfrm>
+              <a:off x="4083597" y="929666"/>
+              <a:ext cx="76199" cy="76199"/>
+            </a:xfrm>
+            <a:prstGeom prst="ellipse">
+              <a:avLst/>
+            </a:prstGeom>
+            <a:solidFill>
+              <a:srgbClr val="FF0000"/>
+            </a:solidFill>
+            <a:ln>
+              <a:noFill/>
+            </a:ln>
+          </p:spPr>
+          <p:style>
+            <a:lnRef idx="2">
+              <a:schemeClr val="accent2">
+                <a:shade val="50000"/>
+              </a:schemeClr>
+            </a:lnRef>
+            <a:fillRef idx="1">
+              <a:schemeClr val="accent2"/>
+            </a:fillRef>
+            <a:effectRef idx="0">
+              <a:schemeClr val="accent2"/>
+            </a:effectRef>
+            <a:fontRef idx="minor">
+              <a:schemeClr val="lt1"/>
+            </a:fontRef>
+          </p:style>
+          <p:txBody>
+            <a:bodyPr rtlCol="0" anchor="ctr"/>
+            <a:lstStyle/>
+            <a:p>
+              <a:pPr algn="ctr"/>
+              <a:endParaRPr lang="ko-KR" altLang="en-US"/>
+            </a:p>
+          </p:txBody>
+        </p:sp>
+        <p:sp>
+          <p:nvSpPr>
+            <p:cNvPr id="40" name="타원 39">
+              <a:extLst>
+                <a:ext uri="{FF2B5EF4-FFF2-40B4-BE49-F238E27FC236}">
+                  <a16:creationId xmlns:a16="http://schemas.microsoft.com/office/drawing/2014/main" id="{57BA5198-660C-1F05-77AD-E50231707D1A}"/>
+                </a:ext>
+              </a:extLst>
+            </p:cNvPr>
+            <p:cNvSpPr/>
+            <p:nvPr/>
+          </p:nvSpPr>
+          <p:spPr>
+            <a:xfrm>
+              <a:off x="4088747" y="2034724"/>
+              <a:ext cx="76199" cy="76199"/>
+            </a:xfrm>
+            <a:prstGeom prst="ellipse">
+              <a:avLst/>
+            </a:prstGeom>
+            <a:solidFill>
+              <a:schemeClr val="accent6">
+                <a:lumMod val="75000"/>
+              </a:schemeClr>
+            </a:solidFill>
+            <a:ln>
+              <a:noFill/>
+            </a:ln>
+          </p:spPr>
+          <p:style>
+            <a:lnRef idx="2">
+              <a:schemeClr val="accent2">
+                <a:shade val="50000"/>
+              </a:schemeClr>
+            </a:lnRef>
+            <a:fillRef idx="1">
+              <a:schemeClr val="accent2"/>
+            </a:fillRef>
+            <a:effectRef idx="0">
+              <a:schemeClr val="accent2"/>
+            </a:effectRef>
+            <a:fontRef idx="minor">
+              <a:schemeClr val="lt1"/>
+            </a:fontRef>
+          </p:style>
+          <p:txBody>
+            <a:bodyPr rtlCol="0" anchor="ctr"/>
+            <a:lstStyle/>
+            <a:p>
+              <a:pPr algn="ctr"/>
+              <a:endParaRPr lang="ko-KR" altLang="en-US"/>
+            </a:p>
+          </p:txBody>
+        </p:sp>
+      </p:grpSp>
+    </p:spTree>
+    <p:extLst>
+      <p:ext uri="{BB962C8B-B14F-4D97-AF65-F5344CB8AC3E}">
+        <p14:creationId xmlns:p14="http://schemas.microsoft.com/office/powerpoint/2010/main" val="913155639"/>
+      </p:ext>
+    </p:extLst>
+  </p:cSld>
+  <p:clrMapOvr>
+    <a:masterClrMapping/>
+  </p:clrMapOvr>
+</p:sld>
+</file>
+
+<file path=ppt/slides/slide3.xml><?xml version="1.0" encoding="utf-8"?>
+<p:sld xmlns:a="http://schemas.openxmlformats.org/drawingml/2006/main" xmlns:r="http://schemas.openxmlformats.org/officeDocument/2006/relationships" xmlns:p="http://schemas.openxmlformats.org/presentationml/2006/main">
+  <p:cSld>
+    <p:spTree>
+      <p:nvGrpSpPr>
+        <p:cNvPr id="1" name=""/>
+        <p:cNvGrpSpPr/>
+        <p:nvPr/>
+      </p:nvGrpSpPr>
+      <p:grpSpPr>
+        <a:xfrm>
+          <a:off x="0" y="0"/>
+          <a:ext cx="0" cy="0"/>
+          <a:chOff x="0" y="0"/>
+          <a:chExt cx="0" cy="0"/>
+        </a:xfrm>
+      </p:grpSpPr>
+      <p:grpSp>
+        <p:nvGrpSpPr>
+          <p:cNvPr id="84" name="그룹 83">
+            <a:extLst>
+              <a:ext uri="{FF2B5EF4-FFF2-40B4-BE49-F238E27FC236}">
+                <a16:creationId xmlns:a16="http://schemas.microsoft.com/office/drawing/2014/main" id="{5D3DD4C1-0C0D-30CF-BE7C-32009D0DD3C8}"/>
+              </a:ext>
+            </a:extLst>
+          </p:cNvPr>
+          <p:cNvGrpSpPr/>
+          <p:nvPr/>
+        </p:nvGrpSpPr>
+        <p:grpSpPr>
+          <a:xfrm>
+            <a:off x="804730" y="449872"/>
+            <a:ext cx="6941421" cy="3478621"/>
+            <a:chOff x="804730" y="449872"/>
+            <a:chExt cx="6941421" cy="3478621"/>
+          </a:xfrm>
+        </p:grpSpPr>
+        <p:grpSp>
+          <p:nvGrpSpPr>
+            <p:cNvPr id="55" name="그룹 54">
+              <a:extLst>
+                <a:ext uri="{FF2B5EF4-FFF2-40B4-BE49-F238E27FC236}">
+                  <a16:creationId xmlns:a16="http://schemas.microsoft.com/office/drawing/2014/main" id="{268C7196-EE35-873D-1923-F9F5BAE116AC}"/>
+                </a:ext>
+              </a:extLst>
+            </p:cNvPr>
+            <p:cNvGrpSpPr/>
+            <p:nvPr/>
+          </p:nvGrpSpPr>
+          <p:grpSpPr>
+            <a:xfrm>
+              <a:off x="804730" y="449872"/>
+              <a:ext cx="3278978" cy="3478621"/>
+              <a:chOff x="766630" y="1045185"/>
+              <a:chExt cx="3278978" cy="3478621"/>
+            </a:xfrm>
+          </p:grpSpPr>
+          <p:cxnSp>
+            <p:nvCxnSpPr>
+              <p:cNvPr id="25" name="직선 화살표 연결선 24">
+                <a:extLst>
+                  <a:ext uri="{FF2B5EF4-FFF2-40B4-BE49-F238E27FC236}">
+                    <a16:creationId xmlns:a16="http://schemas.microsoft.com/office/drawing/2014/main" id="{32E487C3-2864-E621-D68D-973FCBC05AFC}"/>
+                  </a:ext>
+                </a:extLst>
+              </p:cNvPr>
+              <p:cNvCxnSpPr>
+                <a:cxnSpLocks/>
+                <a:stCxn id="30" idx="6"/>
+                <a:endCxn id="32" idx="4"/>
+              </p:cNvCxnSpPr>
+              <p:nvPr/>
+            </p:nvCxnSpPr>
+            <p:spPr>
+              <a:xfrm flipV="1">
+                <a:off x="1619771" y="2888452"/>
+                <a:ext cx="2097603" cy="1398509"/>
+              </a:xfrm>
+              <a:prstGeom prst="straightConnector1">
+                <a:avLst/>
+              </a:prstGeom>
+              <a:ln w="19050">
+                <a:solidFill>
+                  <a:srgbClr val="0000FF"/>
+                </a:solidFill>
+                <a:tailEnd type="triangle"/>
+              </a:ln>
+            </p:spPr>
+            <p:style>
+              <a:lnRef idx="1">
+                <a:schemeClr val="accent2"/>
+              </a:lnRef>
+              <a:fillRef idx="0">
+                <a:schemeClr val="accent2"/>
+              </a:fillRef>
+              <a:effectRef idx="0">
+                <a:schemeClr val="accent2"/>
+              </a:effectRef>
+              <a:fontRef idx="minor">
+                <a:schemeClr val="tx1"/>
+              </a:fontRef>
+            </p:style>
+          </p:cxnSp>
+          <p:cxnSp>
+            <p:nvCxnSpPr>
+              <p:cNvPr id="29" name="직선 화살표 연결선 28">
+                <a:extLst>
+                  <a:ext uri="{FF2B5EF4-FFF2-40B4-BE49-F238E27FC236}">
+                    <a16:creationId xmlns:a16="http://schemas.microsoft.com/office/drawing/2014/main" id="{66D51003-094E-8474-556F-FE6EEC7874B2}"/>
+                  </a:ext>
+                </a:extLst>
+              </p:cNvPr>
+              <p:cNvCxnSpPr>
+                <a:cxnSpLocks/>
+                <a:stCxn id="38" idx="6"/>
+                <a:endCxn id="32" idx="2"/>
+              </p:cNvCxnSpPr>
+              <p:nvPr/>
+            </p:nvCxnSpPr>
+            <p:spPr>
+              <a:xfrm>
+                <a:off x="2307048" y="2413158"/>
+                <a:ext cx="1372226" cy="437195"/>
+              </a:xfrm>
+              <a:prstGeom prst="straightConnector1">
+                <a:avLst/>
+              </a:prstGeom>
+              <a:ln w="19050">
+                <a:tailEnd type="triangle"/>
+              </a:ln>
+            </p:spPr>
+            <p:style>
+              <a:lnRef idx="1">
+                <a:schemeClr val="dk1"/>
+              </a:lnRef>
+              <a:fillRef idx="0">
+                <a:schemeClr val="dk1"/>
+              </a:fillRef>
+              <a:effectRef idx="0">
+                <a:schemeClr val="dk1"/>
+              </a:effectRef>
+              <a:fontRef idx="minor">
+                <a:schemeClr val="tx1"/>
+              </a:fontRef>
+            </p:style>
+          </p:cxnSp>
+          <p:sp>
+            <p:nvSpPr>
+              <p:cNvPr id="30" name="타원 29">
+                <a:extLst>
+                  <a:ext uri="{FF2B5EF4-FFF2-40B4-BE49-F238E27FC236}">
+                    <a16:creationId xmlns:a16="http://schemas.microsoft.com/office/drawing/2014/main" id="{8E930047-A1BE-A34E-7D6D-FBF04C9F507D}"/>
+                  </a:ext>
+                </a:extLst>
+              </p:cNvPr>
+              <p:cNvSpPr/>
+              <p:nvPr/>
+            </p:nvSpPr>
+            <p:spPr>
+              <a:xfrm>
+                <a:off x="1543572" y="4248861"/>
+                <a:ext cx="76199" cy="76199"/>
+              </a:xfrm>
+              <a:prstGeom prst="ellipse">
+                <a:avLst/>
+              </a:prstGeom>
+              <a:ln>
+                <a:noFill/>
+              </a:ln>
+            </p:spPr>
+            <p:style>
+              <a:lnRef idx="2">
+                <a:schemeClr val="accent2">
+                  <a:shade val="50000"/>
+                </a:schemeClr>
+              </a:lnRef>
+              <a:fillRef idx="1">
+                <a:schemeClr val="accent2"/>
+              </a:fillRef>
+              <a:effectRef idx="0">
+                <a:schemeClr val="accent2"/>
+              </a:effectRef>
+              <a:fontRef idx="minor">
+                <a:schemeClr val="lt1"/>
+              </a:fontRef>
+            </p:style>
+            <p:txBody>
+              <a:bodyPr rtlCol="0" anchor="ctr"/>
+              <a:lstStyle/>
+              <a:p>
+                <a:pPr algn="ctr"/>
+                <a:endParaRPr lang="ko-KR" altLang="en-US"/>
+              </a:p>
+            </p:txBody>
+          </p:sp>
+          <p:sp>
+            <p:nvSpPr>
+              <p:cNvPr id="31" name="타원 30">
+                <a:extLst>
+                  <a:ext uri="{FF2B5EF4-FFF2-40B4-BE49-F238E27FC236}">
+                    <a16:creationId xmlns:a16="http://schemas.microsoft.com/office/drawing/2014/main" id="{585FBA72-9034-12B2-B307-F43BC84E87BA}"/>
+                  </a:ext>
+                </a:extLst>
+              </p:cNvPr>
+              <p:cNvSpPr/>
+              <p:nvPr/>
+            </p:nvSpPr>
+            <p:spPr>
+              <a:xfrm rot="882798">
+                <a:off x="766630" y="1768734"/>
+                <a:ext cx="3004920" cy="1288849"/>
+              </a:xfrm>
+              <a:prstGeom prst="ellipse">
+                <a:avLst/>
+              </a:prstGeom>
+              <a:noFill/>
+              <a:ln w="19050">
+                <a:solidFill>
+                  <a:schemeClr val="tx1"/>
+                </a:solidFill>
+                <a:prstDash val="sysDash"/>
+              </a:ln>
+            </p:spPr>
+            <p:style>
+              <a:lnRef idx="2">
+                <a:schemeClr val="accent1">
+                  <a:shade val="50000"/>
+                </a:schemeClr>
+              </a:lnRef>
+              <a:fillRef idx="1">
+                <a:schemeClr val="accent1"/>
+              </a:fillRef>
+              <a:effectRef idx="0">
+                <a:schemeClr val="accent1"/>
+              </a:effectRef>
+              <a:fontRef idx="minor">
+                <a:schemeClr val="lt1"/>
+              </a:fontRef>
+            </p:style>
+            <p:txBody>
+              <a:bodyPr rtlCol="0" anchor="ctr"/>
+              <a:lstStyle/>
+              <a:p>
+                <a:pPr algn="ctr"/>
+                <a:endParaRPr lang="ko-KR" altLang="en-US" dirty="0"/>
+              </a:p>
+            </p:txBody>
+          </p:sp>
+          <p:sp>
+            <p:nvSpPr>
+              <p:cNvPr id="32" name="타원 31">
+                <a:extLst>
+                  <a:ext uri="{FF2B5EF4-FFF2-40B4-BE49-F238E27FC236}">
+                    <a16:creationId xmlns:a16="http://schemas.microsoft.com/office/drawing/2014/main" id="{C0841437-470B-5540-54A8-554B04A4A621}"/>
+                  </a:ext>
+                </a:extLst>
+              </p:cNvPr>
+              <p:cNvSpPr/>
+              <p:nvPr/>
+            </p:nvSpPr>
+            <p:spPr>
+              <a:xfrm>
+                <a:off x="3679274" y="2812253"/>
+                <a:ext cx="76199" cy="76199"/>
+              </a:xfrm>
+              <a:prstGeom prst="ellipse">
+                <a:avLst/>
+              </a:prstGeom>
+              <a:solidFill>
+                <a:srgbClr val="0000FF"/>
+              </a:solidFill>
+              <a:ln>
+                <a:noFill/>
+              </a:ln>
+            </p:spPr>
+            <p:style>
+              <a:lnRef idx="2">
+                <a:schemeClr val="accent2">
+                  <a:shade val="50000"/>
+                </a:schemeClr>
+              </a:lnRef>
+              <a:fillRef idx="1">
+                <a:schemeClr val="accent2"/>
+              </a:fillRef>
+              <a:effectRef idx="0">
+                <a:schemeClr val="accent2"/>
+              </a:effectRef>
+              <a:fontRef idx="minor">
+                <a:schemeClr val="lt1"/>
+              </a:fontRef>
+            </p:style>
+            <p:txBody>
+              <a:bodyPr rtlCol="0" anchor="ctr"/>
+              <a:lstStyle/>
+              <a:p>
+                <a:pPr algn="ctr"/>
+                <a:endParaRPr lang="ko-KR" altLang="en-US"/>
+              </a:p>
+            </p:txBody>
+          </p:sp>
+          <mc:AlternateContent xmlns:mc="http://schemas.openxmlformats.org/markup-compatibility/2006">
+            <mc:Choice xmlns:a14="http://schemas.microsoft.com/office/drawing/2010/main" Requires="a14">
+              <p:sp>
+                <p:nvSpPr>
+                  <p:cNvPr id="36" name="TextBox 35">
+                    <a:extLst>
+                      <a:ext uri="{FF2B5EF4-FFF2-40B4-BE49-F238E27FC236}">
+                        <a16:creationId xmlns:a16="http://schemas.microsoft.com/office/drawing/2014/main" id="{B790D30E-45B9-6740-CA3E-EDDF737C69FB}"/>
+                      </a:ext>
+                    </a:extLst>
+                  </p:cNvPr>
+                  <p:cNvSpPr txBox="1"/>
+                  <p:nvPr/>
+                </p:nvSpPr>
+                <p:spPr>
+                  <a:xfrm>
+                    <a:off x="1367173" y="4269890"/>
+                    <a:ext cx="327397" cy="253916"/>
+                  </a:xfrm>
+                  <a:prstGeom prst="rect">
+                    <a:avLst/>
+                  </a:prstGeom>
+                  <a:noFill/>
+                </p:spPr>
+                <p:txBody>
+                  <a:bodyPr wrap="none" rtlCol="0">
+                    <a:spAutoFit/>
+                  </a:bodyPr>
+                  <a:lstStyle/>
+                  <a:p>
+                    <a:pPr/>
+                    <a14:m>
+                      <m:oMathPara xmlns:m="http://schemas.openxmlformats.org/officeDocument/2006/math">
+                        <m:oMathParaPr>
+                          <m:jc m:val="centerGroup"/>
+                        </m:oMathParaPr>
+                        <m:oMath xmlns:m="http://schemas.openxmlformats.org/officeDocument/2006/math">
+                          <m:r>
+                            <a:rPr lang="en-US" altLang="ko-KR" sz="1050" b="0" i="1" smtClean="0">
+                              <a:latin typeface="Cambria Math" panose="02040503050406030204" pitchFamily="18" charset="0"/>
+                            </a:rPr>
+                            <m:t>𝑂</m:t>
+                          </m:r>
+                        </m:oMath>
+                      </m:oMathPara>
+                    </a14:m>
+                    <a:endParaRPr lang="ko-KR" altLang="en-US" sz="1050" dirty="0"/>
+                  </a:p>
+                </p:txBody>
+              </p:sp>
+            </mc:Choice>
+            <mc:Fallback>
+              <p:sp>
+                <p:nvSpPr>
+                  <p:cNvPr id="36" name="TextBox 35">
+                    <a:extLst>
+                      <a:ext uri="{FF2B5EF4-FFF2-40B4-BE49-F238E27FC236}">
+                        <a16:creationId xmlns:a16="http://schemas.microsoft.com/office/drawing/2014/main" id="{B790D30E-45B9-6740-CA3E-EDDF737C69FB}"/>
+                      </a:ext>
+                    </a:extLst>
+                  </p:cNvPr>
+                  <p:cNvSpPr txBox="1">
+                    <a:spLocks noRot="1" noChangeAspect="1" noMove="1" noResize="1" noEditPoints="1" noAdjustHandles="1" noChangeArrowheads="1" noChangeShapeType="1" noTextEdit="1"/>
+                  </p:cNvSpPr>
+                  <p:nvPr/>
+                </p:nvSpPr>
+                <p:spPr>
+                  <a:xfrm>
+                    <a:off x="1367173" y="4269890"/>
+                    <a:ext cx="327397" cy="253916"/>
+                  </a:xfrm>
+                  <a:prstGeom prst="rect">
+                    <a:avLst/>
+                  </a:prstGeom>
+                  <a:blipFill>
+                    <a:blip r:embed="rId2"/>
+                    <a:stretch>
+                      <a:fillRect/>
+                    </a:stretch>
+                  </a:blipFill>
+                </p:spPr>
+                <p:txBody>
+                  <a:bodyPr/>
+                  <a:lstStyle/>
+                  <a:p>
+                    <a:r>
+                      <a:rPr lang="ko-KR" altLang="en-US">
+                        <a:noFill/>
+                      </a:rPr>
+                      <a:t> </a:t>
+                    </a:r>
+                  </a:p>
+                </p:txBody>
+              </p:sp>
+            </mc:Fallback>
+          </mc:AlternateContent>
+          <mc:AlternateContent xmlns:mc="http://schemas.openxmlformats.org/markup-compatibility/2006">
+            <mc:Choice xmlns:a14="http://schemas.microsoft.com/office/drawing/2010/main" Requires="a14">
+              <p:sp>
+                <p:nvSpPr>
+                  <p:cNvPr id="37" name="TextBox 36">
+                    <a:extLst>
+                      <a:ext uri="{FF2B5EF4-FFF2-40B4-BE49-F238E27FC236}">
+                        <a16:creationId xmlns:a16="http://schemas.microsoft.com/office/drawing/2014/main" id="{79343A31-0DA8-D2EF-1F97-10435B32F249}"/>
+                      </a:ext>
+                    </a:extLst>
+                  </p:cNvPr>
+                  <p:cNvSpPr txBox="1"/>
+                  <p:nvPr/>
+                </p:nvSpPr>
+                <p:spPr>
+                  <a:xfrm>
+                    <a:off x="1876174" y="2246569"/>
+                    <a:ext cx="359394" cy="253916"/>
+                  </a:xfrm>
+                  <a:prstGeom prst="rect">
+                    <a:avLst/>
+                  </a:prstGeom>
+                  <a:noFill/>
+                </p:spPr>
+                <p:txBody>
+                  <a:bodyPr wrap="none" rtlCol="0">
+                    <a:spAutoFit/>
+                  </a:bodyPr>
+                  <a:lstStyle/>
+                  <a:p>
+                    <a:pPr/>
+                    <a14:m>
+                      <m:oMathPara xmlns:m="http://schemas.openxmlformats.org/officeDocument/2006/math">
+                        <m:oMathParaPr>
+                          <m:jc m:val="centerGroup"/>
+                        </m:oMathParaPr>
+                        <m:oMath xmlns:m="http://schemas.openxmlformats.org/officeDocument/2006/math">
+                          <m:r>
+                            <a:rPr lang="en-US" altLang="ko-KR" sz="1050" b="0" i="1" smtClean="0">
+                              <a:latin typeface="Cambria Math" panose="02040503050406030204" pitchFamily="18" charset="0"/>
+                            </a:rPr>
+                            <m:t>𝑂</m:t>
+                          </m:r>
+                          <m:r>
+                            <a:rPr lang="en-US" altLang="ko-KR" sz="1050" b="0" i="1" smtClean="0">
+                              <a:latin typeface="Cambria Math" panose="02040503050406030204" pitchFamily="18" charset="0"/>
+                            </a:rPr>
+                            <m:t>′</m:t>
+                          </m:r>
+                        </m:oMath>
+                      </m:oMathPara>
+                    </a14:m>
+                    <a:endParaRPr lang="ko-KR" altLang="en-US" sz="1050" dirty="0"/>
+                  </a:p>
+                </p:txBody>
+              </p:sp>
+            </mc:Choice>
+            <mc:Fallback>
+              <p:sp>
+                <p:nvSpPr>
+                  <p:cNvPr id="37" name="TextBox 36">
+                    <a:extLst>
+                      <a:ext uri="{FF2B5EF4-FFF2-40B4-BE49-F238E27FC236}">
+                        <a16:creationId xmlns:a16="http://schemas.microsoft.com/office/drawing/2014/main" id="{79343A31-0DA8-D2EF-1F97-10435B32F249}"/>
+                      </a:ext>
+                    </a:extLst>
+                  </p:cNvPr>
+                  <p:cNvSpPr txBox="1">
+                    <a:spLocks noRot="1" noChangeAspect="1" noMove="1" noResize="1" noEditPoints="1" noAdjustHandles="1" noChangeArrowheads="1" noChangeShapeType="1" noTextEdit="1"/>
+                  </p:cNvSpPr>
+                  <p:nvPr/>
+                </p:nvSpPr>
+                <p:spPr>
+                  <a:xfrm>
+                    <a:off x="1876174" y="2246569"/>
+                    <a:ext cx="359394" cy="253916"/>
+                  </a:xfrm>
+                  <a:prstGeom prst="rect">
+                    <a:avLst/>
+                  </a:prstGeom>
+                  <a:blipFill>
+                    <a:blip r:embed="rId3"/>
+                    <a:stretch>
+                      <a:fillRect/>
+                    </a:stretch>
+                  </a:blipFill>
+                </p:spPr>
+                <p:txBody>
+                  <a:bodyPr/>
+                  <a:lstStyle/>
+                  <a:p>
+                    <a:r>
+                      <a:rPr lang="ko-KR" altLang="en-US">
+                        <a:noFill/>
+                      </a:rPr>
+                      <a:t> </a:t>
+                    </a:r>
+                  </a:p>
+                </p:txBody>
+              </p:sp>
+            </mc:Fallback>
+          </mc:AlternateContent>
+          <p:sp>
+            <p:nvSpPr>
+              <p:cNvPr id="38" name="타원 37">
+                <a:extLst>
+                  <a:ext uri="{FF2B5EF4-FFF2-40B4-BE49-F238E27FC236}">
+                    <a16:creationId xmlns:a16="http://schemas.microsoft.com/office/drawing/2014/main" id="{E5C5605D-A395-6E95-8FD3-BF5F707C9BA3}"/>
+                  </a:ext>
+                </a:extLst>
+              </p:cNvPr>
+              <p:cNvSpPr/>
+              <p:nvPr/>
+            </p:nvSpPr>
+            <p:spPr>
+              <a:xfrm>
+                <a:off x="2230849" y="2375058"/>
+                <a:ext cx="76199" cy="76199"/>
+              </a:xfrm>
+              <a:prstGeom prst="ellipse">
+                <a:avLst/>
+              </a:prstGeom>
+              <a:solidFill>
+                <a:schemeClr val="tx1"/>
+              </a:solidFill>
+              <a:ln>
+                <a:noFill/>
+              </a:ln>
+            </p:spPr>
+            <p:style>
+              <a:lnRef idx="2">
+                <a:schemeClr val="accent2">
+                  <a:shade val="50000"/>
+                </a:schemeClr>
+              </a:lnRef>
+              <a:fillRef idx="1">
+                <a:schemeClr val="accent2"/>
+              </a:fillRef>
+              <a:effectRef idx="0">
+                <a:schemeClr val="accent2"/>
+              </a:effectRef>
+              <a:fontRef idx="minor">
+                <a:schemeClr val="lt1"/>
+              </a:fontRef>
+            </p:style>
+            <p:txBody>
+              <a:bodyPr rtlCol="0" anchor="ctr"/>
+              <a:lstStyle/>
+              <a:p>
+                <a:pPr algn="ctr"/>
+                <a:endParaRPr lang="ko-KR" altLang="en-US"/>
+              </a:p>
+            </p:txBody>
+          </p:sp>
+          <mc:AlternateContent xmlns:mc="http://schemas.openxmlformats.org/markup-compatibility/2006">
+            <mc:Choice xmlns:a14="http://schemas.microsoft.com/office/drawing/2010/main" Requires="a14">
+              <p:sp>
+                <p:nvSpPr>
+                  <p:cNvPr id="39" name="TextBox 38">
+                    <a:extLst>
+                      <a:ext uri="{FF2B5EF4-FFF2-40B4-BE49-F238E27FC236}">
+                        <a16:creationId xmlns:a16="http://schemas.microsoft.com/office/drawing/2014/main" id="{8B7232B5-3110-4413-F95F-7B48F884FD2A}"/>
+                      </a:ext>
+                    </a:extLst>
+                  </p:cNvPr>
+                  <p:cNvSpPr txBox="1"/>
+                  <p:nvPr/>
+                </p:nvSpPr>
+                <p:spPr>
+                  <a:xfrm>
+                    <a:off x="2544619" y="1045185"/>
+                    <a:ext cx="312008" cy="253916"/>
+                  </a:xfrm>
+                  <a:prstGeom prst="rect">
+                    <a:avLst/>
+                  </a:prstGeom>
+                  <a:noFill/>
+                </p:spPr>
+                <p:txBody>
+                  <a:bodyPr wrap="none" rtlCol="0">
+                    <a:spAutoFit/>
+                  </a:bodyPr>
+                  <a:lstStyle/>
+                  <a:p>
+                    <a:pPr/>
+                    <a14:m>
+                      <m:oMathPara xmlns:m="http://schemas.openxmlformats.org/officeDocument/2006/math">
+                        <m:oMathParaPr>
+                          <m:jc m:val="centerGroup"/>
+                        </m:oMathParaPr>
+                        <m:oMath xmlns:m="http://schemas.openxmlformats.org/officeDocument/2006/math">
+                          <m:acc>
+                            <m:accPr>
+                              <m:chr m:val="⃗"/>
+                              <m:ctrlPr>
+                                <a:rPr lang="en-US" altLang="ko-KR" sz="1050" b="0" i="1" smtClean="0">
+                                  <a:latin typeface="Cambria Math" panose="02040503050406030204" pitchFamily="18" charset="0"/>
+                                </a:rPr>
+                              </m:ctrlPr>
+                            </m:accPr>
+                            <m:e>
+                              <m:r>
+                                <a:rPr lang="en-US" altLang="ko-KR" sz="1050" b="0" i="1" smtClean="0">
+                                  <a:latin typeface="Cambria Math" panose="02040503050406030204" pitchFamily="18" charset="0"/>
+                                </a:rPr>
+                                <m:t>𝑛</m:t>
+                              </m:r>
+                            </m:e>
+                          </m:acc>
+                        </m:oMath>
+                      </m:oMathPara>
+                    </a14:m>
+                    <a:endParaRPr lang="ko-KR" altLang="en-US" sz="1050" dirty="0"/>
+                  </a:p>
+                </p:txBody>
+              </p:sp>
+            </mc:Choice>
+            <mc:Fallback>
+              <p:sp>
+                <p:nvSpPr>
+                  <p:cNvPr id="39" name="TextBox 38">
+                    <a:extLst>
+                      <a:ext uri="{FF2B5EF4-FFF2-40B4-BE49-F238E27FC236}">
+                        <a16:creationId xmlns:a16="http://schemas.microsoft.com/office/drawing/2014/main" id="{8B7232B5-3110-4413-F95F-7B48F884FD2A}"/>
+                      </a:ext>
+                    </a:extLst>
+                  </p:cNvPr>
+                  <p:cNvSpPr txBox="1">
+                    <a:spLocks noRot="1" noChangeAspect="1" noMove="1" noResize="1" noEditPoints="1" noAdjustHandles="1" noChangeArrowheads="1" noChangeShapeType="1" noTextEdit="1"/>
+                  </p:cNvSpPr>
+                  <p:nvPr/>
+                </p:nvSpPr>
+                <p:spPr>
+                  <a:xfrm>
+                    <a:off x="2544619" y="1045185"/>
+                    <a:ext cx="312008" cy="253916"/>
+                  </a:xfrm>
+                  <a:prstGeom prst="rect">
+                    <a:avLst/>
+                  </a:prstGeom>
+                  <a:blipFill>
+                    <a:blip r:embed="rId4"/>
+                    <a:stretch>
+                      <a:fillRect/>
+                    </a:stretch>
+                  </a:blipFill>
+                </p:spPr>
+                <p:txBody>
+                  <a:bodyPr/>
+                  <a:lstStyle/>
+                  <a:p>
+                    <a:r>
+                      <a:rPr lang="ko-KR" altLang="en-US">
+                        <a:noFill/>
+                      </a:rPr>
+                      <a:t> </a:t>
+                    </a:r>
+                  </a:p>
+                </p:txBody>
+              </p:sp>
+            </mc:Fallback>
+          </mc:AlternateContent>
+          <mc:AlternateContent xmlns:mc="http://schemas.openxmlformats.org/markup-compatibility/2006">
+            <mc:Choice xmlns:a14="http://schemas.microsoft.com/office/drawing/2010/main" Requires="a14">
+              <p:sp>
+                <p:nvSpPr>
+                  <p:cNvPr id="40" name="TextBox 39">
+                    <a:extLst>
+                      <a:ext uri="{FF2B5EF4-FFF2-40B4-BE49-F238E27FC236}">
+                        <a16:creationId xmlns:a16="http://schemas.microsoft.com/office/drawing/2014/main" id="{03259B4A-DB09-6685-2996-78ACE8B54E4B}"/>
+                      </a:ext>
+                    </a:extLst>
+                  </p:cNvPr>
+                  <p:cNvSpPr txBox="1"/>
+                  <p:nvPr/>
+                </p:nvSpPr>
+                <p:spPr>
+                  <a:xfrm>
+                    <a:off x="2836493" y="3424852"/>
+                    <a:ext cx="313099" cy="253916"/>
+                  </a:xfrm>
+                  <a:prstGeom prst="rect">
+                    <a:avLst/>
+                  </a:prstGeom>
+                  <a:noFill/>
+                </p:spPr>
+                <p:txBody>
+                  <a:bodyPr wrap="none" rtlCol="0">
+                    <a:spAutoFit/>
+                  </a:bodyPr>
+                  <a:lstStyle/>
+                  <a:p>
+                    <a:pPr/>
+                    <a14:m>
+                      <m:oMathPara xmlns:m="http://schemas.openxmlformats.org/officeDocument/2006/math">
+                        <m:oMathParaPr>
+                          <m:jc m:val="centerGroup"/>
+                        </m:oMathParaPr>
+                        <m:oMath xmlns:m="http://schemas.openxmlformats.org/officeDocument/2006/math">
+                          <m:acc>
+                            <m:accPr>
+                              <m:chr m:val="⃗"/>
+                              <m:ctrlPr>
+                                <a:rPr lang="en-US" altLang="ko-KR" sz="1050" b="0" i="1" smtClean="0">
+                                  <a:latin typeface="Cambria Math" panose="02040503050406030204" pitchFamily="18" charset="0"/>
+                                </a:rPr>
+                              </m:ctrlPr>
+                            </m:accPr>
+                            <m:e>
+                              <m:r>
+                                <a:rPr lang="en-US" altLang="ko-KR" sz="1050" b="0" i="1" smtClean="0">
+                                  <a:latin typeface="Cambria Math" panose="02040503050406030204" pitchFamily="18" charset="0"/>
+                                </a:rPr>
+                                <m:t>𝑢</m:t>
+                              </m:r>
+                            </m:e>
+                          </m:acc>
+                        </m:oMath>
+                      </m:oMathPara>
+                    </a14:m>
+                    <a:endParaRPr lang="ko-KR" altLang="en-US" sz="1050" dirty="0"/>
+                  </a:p>
+                </p:txBody>
+              </p:sp>
+            </mc:Choice>
+            <mc:Fallback>
+              <p:sp>
+                <p:nvSpPr>
+                  <p:cNvPr id="40" name="TextBox 39">
+                    <a:extLst>
+                      <a:ext uri="{FF2B5EF4-FFF2-40B4-BE49-F238E27FC236}">
+                        <a16:creationId xmlns:a16="http://schemas.microsoft.com/office/drawing/2014/main" id="{03259B4A-DB09-6685-2996-78ACE8B54E4B}"/>
+                      </a:ext>
+                    </a:extLst>
+                  </p:cNvPr>
+                  <p:cNvSpPr txBox="1">
+                    <a:spLocks noRot="1" noChangeAspect="1" noMove="1" noResize="1" noEditPoints="1" noAdjustHandles="1" noChangeArrowheads="1" noChangeShapeType="1" noTextEdit="1"/>
+                  </p:cNvSpPr>
+                  <p:nvPr/>
+                </p:nvSpPr>
+                <p:spPr>
+                  <a:xfrm>
+                    <a:off x="2836493" y="3424852"/>
+                    <a:ext cx="313099" cy="253916"/>
+                  </a:xfrm>
+                  <a:prstGeom prst="rect">
+                    <a:avLst/>
+                  </a:prstGeom>
+                  <a:blipFill>
+                    <a:blip r:embed="rId5"/>
+                    <a:stretch>
+                      <a:fillRect/>
+                    </a:stretch>
+                  </a:blipFill>
+                </p:spPr>
+                <p:txBody>
+                  <a:bodyPr/>
+                  <a:lstStyle/>
+                  <a:p>
+                    <a:r>
+                      <a:rPr lang="ko-KR" altLang="en-US">
+                        <a:noFill/>
+                      </a:rPr>
+                      <a:t> </a:t>
+                    </a:r>
+                  </a:p>
+                </p:txBody>
+              </p:sp>
+            </mc:Fallback>
+          </mc:AlternateContent>
+          <mc:AlternateContent xmlns:mc="http://schemas.openxmlformats.org/markup-compatibility/2006">
+            <mc:Choice xmlns:a14="http://schemas.microsoft.com/office/drawing/2010/main" Requires="a14">
+              <p:sp>
+                <p:nvSpPr>
+                  <p:cNvPr id="42" name="TextBox 41">
+                    <a:extLst>
+                      <a:ext uri="{FF2B5EF4-FFF2-40B4-BE49-F238E27FC236}">
+                        <a16:creationId xmlns:a16="http://schemas.microsoft.com/office/drawing/2014/main" id="{7167550A-A20A-B47D-697B-807108B87335}"/>
+                      </a:ext>
+                    </a:extLst>
+                  </p:cNvPr>
+                  <p:cNvSpPr txBox="1"/>
+                  <p:nvPr/>
+                </p:nvSpPr>
+                <p:spPr>
+                  <a:xfrm>
+                    <a:off x="3726225" y="2758712"/>
+                    <a:ext cx="319383" cy="253916"/>
+                  </a:xfrm>
+                  <a:prstGeom prst="rect">
+                    <a:avLst/>
+                  </a:prstGeom>
+                  <a:noFill/>
+                </p:spPr>
+                <p:txBody>
+                  <a:bodyPr wrap="none" rtlCol="0">
+                    <a:spAutoFit/>
+                  </a:bodyPr>
+                  <a:lstStyle/>
+                  <a:p>
+                    <a:pPr/>
+                    <a14:m>
+                      <m:oMathPara xmlns:m="http://schemas.openxmlformats.org/officeDocument/2006/math">
+                        <m:oMathParaPr>
+                          <m:jc m:val="centerGroup"/>
+                        </m:oMathParaPr>
+                        <m:oMath xmlns:m="http://schemas.openxmlformats.org/officeDocument/2006/math">
+                          <m:r>
+                            <a:rPr lang="en-US" altLang="ko-KR" sz="1050" b="0" i="1" smtClean="0">
+                              <a:latin typeface="Cambria Math" panose="02040503050406030204" pitchFamily="18" charset="0"/>
+                            </a:rPr>
+                            <m:t>𝑃</m:t>
+                          </m:r>
+                        </m:oMath>
+                      </m:oMathPara>
+                    </a14:m>
+                    <a:endParaRPr lang="ko-KR" altLang="en-US" sz="1050" dirty="0"/>
+                  </a:p>
+                </p:txBody>
+              </p:sp>
+            </mc:Choice>
+            <mc:Fallback>
+              <p:sp>
+                <p:nvSpPr>
+                  <p:cNvPr id="42" name="TextBox 41">
+                    <a:extLst>
+                      <a:ext uri="{FF2B5EF4-FFF2-40B4-BE49-F238E27FC236}">
+                        <a16:creationId xmlns:a16="http://schemas.microsoft.com/office/drawing/2014/main" id="{7167550A-A20A-B47D-697B-807108B87335}"/>
+                      </a:ext>
+                    </a:extLst>
+                  </p:cNvPr>
+                  <p:cNvSpPr txBox="1">
+                    <a:spLocks noRot="1" noChangeAspect="1" noMove="1" noResize="1" noEditPoints="1" noAdjustHandles="1" noChangeArrowheads="1" noChangeShapeType="1" noTextEdit="1"/>
+                  </p:cNvSpPr>
+                  <p:nvPr/>
+                </p:nvSpPr>
+                <p:spPr>
+                  <a:xfrm>
+                    <a:off x="3726225" y="2758712"/>
+                    <a:ext cx="319383" cy="253916"/>
+                  </a:xfrm>
+                  <a:prstGeom prst="rect">
+                    <a:avLst/>
+                  </a:prstGeom>
+                  <a:blipFill>
+                    <a:blip r:embed="rId6"/>
+                    <a:stretch>
+                      <a:fillRect/>
+                    </a:stretch>
+                  </a:blipFill>
+                </p:spPr>
+                <p:txBody>
+                  <a:bodyPr/>
+                  <a:lstStyle/>
+                  <a:p>
+                    <a:r>
+                      <a:rPr lang="ko-KR" altLang="en-US">
+                        <a:noFill/>
+                      </a:rPr>
+                      <a:t> </a:t>
+                    </a:r>
+                  </a:p>
+                </p:txBody>
+              </p:sp>
+            </mc:Fallback>
+          </mc:AlternateContent>
+          <p:cxnSp>
+            <p:nvCxnSpPr>
+              <p:cNvPr id="27" name="직선 화살표 연결선 26">
+                <a:extLst>
+                  <a:ext uri="{FF2B5EF4-FFF2-40B4-BE49-F238E27FC236}">
+                    <a16:creationId xmlns:a16="http://schemas.microsoft.com/office/drawing/2014/main" id="{0DAC23D5-5307-CF82-E90C-51C9C4B7B5CF}"/>
+                  </a:ext>
+                </a:extLst>
+              </p:cNvPr>
+              <p:cNvCxnSpPr>
+                <a:cxnSpLocks/>
+                <a:stCxn id="30" idx="0"/>
+                <a:endCxn id="39" idx="2"/>
+              </p:cNvCxnSpPr>
+              <p:nvPr/>
+            </p:nvCxnSpPr>
+            <p:spPr>
+              <a:xfrm flipV="1">
+                <a:off x="1581672" y="1299101"/>
+                <a:ext cx="1118951" cy="2949760"/>
+              </a:xfrm>
+              <a:prstGeom prst="straightConnector1">
+                <a:avLst/>
+              </a:prstGeom>
+              <a:ln w="19050">
+                <a:tailEnd type="triangle"/>
+              </a:ln>
+            </p:spPr>
+            <p:style>
+              <a:lnRef idx="1">
+                <a:schemeClr val="accent2"/>
+              </a:lnRef>
+              <a:fillRef idx="0">
+                <a:schemeClr val="accent2"/>
+              </a:fillRef>
+              <a:effectRef idx="0">
+                <a:schemeClr val="accent2"/>
+              </a:effectRef>
+              <a:fontRef idx="minor">
+                <a:schemeClr val="tx1"/>
+              </a:fontRef>
+            </p:style>
+          </p:cxnSp>
+          <p:cxnSp>
+            <p:nvCxnSpPr>
+              <p:cNvPr id="45" name="직선 화살표 연결선 44">
+                <a:extLst>
+                  <a:ext uri="{FF2B5EF4-FFF2-40B4-BE49-F238E27FC236}">
+                    <a16:creationId xmlns:a16="http://schemas.microsoft.com/office/drawing/2014/main" id="{D895EDB2-CDCD-93BD-BE2D-9829FB3FA5AA}"/>
+                  </a:ext>
+                </a:extLst>
+              </p:cNvPr>
+              <p:cNvCxnSpPr>
+                <a:cxnSpLocks/>
+                <a:stCxn id="38" idx="7"/>
+                <a:endCxn id="70" idx="3"/>
+              </p:cNvCxnSpPr>
+              <p:nvPr/>
+            </p:nvCxnSpPr>
+            <p:spPr>
+              <a:xfrm flipV="1">
+                <a:off x="2295889" y="1867749"/>
+                <a:ext cx="304070" cy="518468"/>
+              </a:xfrm>
+              <a:prstGeom prst="straightConnector1">
+                <a:avLst/>
+              </a:prstGeom>
+              <a:ln w="19050">
+                <a:tailEnd type="triangle"/>
+              </a:ln>
+            </p:spPr>
+            <p:style>
+              <a:lnRef idx="1">
+                <a:schemeClr val="dk1"/>
+              </a:lnRef>
+              <a:fillRef idx="0">
+                <a:schemeClr val="dk1"/>
+              </a:fillRef>
+              <a:effectRef idx="0">
+                <a:schemeClr val="dk1"/>
+              </a:effectRef>
+              <a:fontRef idx="minor">
+                <a:schemeClr val="tx1"/>
+              </a:fontRef>
+            </p:style>
+          </p:cxnSp>
+        </p:grpSp>
+        <mc:AlternateContent xmlns:mc="http://schemas.openxmlformats.org/markup-compatibility/2006">
+          <mc:Choice xmlns:a14="http://schemas.microsoft.com/office/drawing/2010/main" Requires="a14">
+            <p:sp>
+              <p:nvSpPr>
+                <p:cNvPr id="69" name="TextBox 68">
+                  <a:extLst>
+                    <a:ext uri="{FF2B5EF4-FFF2-40B4-BE49-F238E27FC236}">
+                      <a16:creationId xmlns:a16="http://schemas.microsoft.com/office/drawing/2014/main" id="{3813C579-E033-89D0-00BF-B5535D1BE655}"/>
+                    </a:ext>
+                  </a:extLst>
+                </p:cNvPr>
+                <p:cNvSpPr txBox="1"/>
+                <p:nvPr/>
+              </p:nvSpPr>
+              <p:spPr>
+                <a:xfrm>
+                  <a:off x="2324572" y="927629"/>
+                  <a:ext cx="328102" cy="253916"/>
+                </a:xfrm>
+                <a:prstGeom prst="rect">
+                  <a:avLst/>
+                </a:prstGeom>
+                <a:noFill/>
+              </p:spPr>
+              <p:txBody>
+                <a:bodyPr wrap="none" rtlCol="0">
+                  <a:spAutoFit/>
+                </a:bodyPr>
+                <a:lstStyle/>
+                <a:p>
+                  <a:pPr/>
+                  <a14:m>
+                    <m:oMathPara xmlns:m="http://schemas.openxmlformats.org/officeDocument/2006/math">
+                      <m:oMathParaPr>
+                        <m:jc m:val="centerGroup"/>
+                      </m:oMathParaPr>
+                      <m:oMath xmlns:m="http://schemas.openxmlformats.org/officeDocument/2006/math">
+                        <m:r>
+                          <a:rPr lang="en-US" altLang="ko-KR" sz="1050" b="0" i="1" smtClean="0">
+                            <a:latin typeface="Cambria Math" panose="02040503050406030204" pitchFamily="18" charset="0"/>
+                          </a:rPr>
+                          <m:t>𝑄</m:t>
+                        </m:r>
+                      </m:oMath>
+                    </m:oMathPara>
+                  </a14:m>
+                  <a:endParaRPr lang="ko-KR" altLang="en-US" sz="1050" dirty="0"/>
+                </a:p>
+              </p:txBody>
+            </p:sp>
+          </mc:Choice>
+          <mc:Fallback>
+            <p:sp>
+              <p:nvSpPr>
+                <p:cNvPr id="69" name="TextBox 68">
+                  <a:extLst>
+                    <a:ext uri="{FF2B5EF4-FFF2-40B4-BE49-F238E27FC236}">
+                      <a16:creationId xmlns:a16="http://schemas.microsoft.com/office/drawing/2014/main" id="{3813C579-E033-89D0-00BF-B5535D1BE655}"/>
+                    </a:ext>
+                  </a:extLst>
+                </p:cNvPr>
+                <p:cNvSpPr txBox="1">
+                  <a:spLocks noRot="1" noChangeAspect="1" noMove="1" noResize="1" noEditPoints="1" noAdjustHandles="1" noChangeArrowheads="1" noChangeShapeType="1" noTextEdit="1"/>
+                </p:cNvSpPr>
+                <p:nvPr/>
+              </p:nvSpPr>
+              <p:spPr>
+                <a:xfrm>
+                  <a:off x="2324572" y="927629"/>
+                  <a:ext cx="328102" cy="253916"/>
+                </a:xfrm>
+                <a:prstGeom prst="rect">
+                  <a:avLst/>
+                </a:prstGeom>
+                <a:blipFill>
+                  <a:blip r:embed="rId7"/>
+                  <a:stretch>
+                    <a:fillRect b="-2381"/>
+                  </a:stretch>
+                </a:blipFill>
+              </p:spPr>
+              <p:txBody>
+                <a:bodyPr/>
+                <a:lstStyle/>
+                <a:p>
+                  <a:r>
+                    <a:rPr lang="ko-KR" altLang="en-US">
+                      <a:noFill/>
+                    </a:rPr>
+                    <a:t> </a:t>
+                  </a:r>
+                </a:p>
+              </p:txBody>
+            </p:sp>
+          </mc:Fallback>
+        </mc:AlternateContent>
+        <p:sp>
+          <p:nvSpPr>
+            <p:cNvPr id="70" name="타원 69">
+              <a:extLst>
+                <a:ext uri="{FF2B5EF4-FFF2-40B4-BE49-F238E27FC236}">
+                  <a16:creationId xmlns:a16="http://schemas.microsoft.com/office/drawing/2014/main" id="{3D87FFC2-4233-AEC7-5AA6-970D80320A31}"/>
+                </a:ext>
+              </a:extLst>
+            </p:cNvPr>
+            <p:cNvSpPr/>
+            <p:nvPr/>
+          </p:nvSpPr>
+          <p:spPr>
+            <a:xfrm>
+              <a:off x="2626900" y="1207396"/>
+              <a:ext cx="76199" cy="76199"/>
+            </a:xfrm>
+            <a:prstGeom prst="ellipse">
+              <a:avLst/>
+            </a:prstGeom>
+            <a:solidFill>
+              <a:schemeClr val="tx1"/>
+            </a:solidFill>
+            <a:ln>
+              <a:noFill/>
+            </a:ln>
+          </p:spPr>
+          <p:style>
+            <a:lnRef idx="2">
+              <a:schemeClr val="accent2">
+                <a:shade val="50000"/>
+              </a:schemeClr>
+            </a:lnRef>
+            <a:fillRef idx="1">
+              <a:schemeClr val="accent2"/>
+            </a:fillRef>
+            <a:effectRef idx="0">
+              <a:schemeClr val="accent2"/>
+            </a:effectRef>
+            <a:fontRef idx="minor">
+              <a:schemeClr val="lt1"/>
+            </a:fontRef>
+          </p:style>
+          <p:txBody>
+            <a:bodyPr rtlCol="0" anchor="ctr"/>
+            <a:lstStyle/>
+            <a:p>
+              <a:pPr algn="ctr"/>
+              <a:endParaRPr lang="ko-KR" altLang="en-US"/>
+            </a:p>
+          </p:txBody>
+        </p:sp>
+        <p:grpSp>
+          <p:nvGrpSpPr>
+            <p:cNvPr id="77" name="그룹 76">
+              <a:extLst>
+                <a:ext uri="{FF2B5EF4-FFF2-40B4-BE49-F238E27FC236}">
+                  <a16:creationId xmlns:a16="http://schemas.microsoft.com/office/drawing/2014/main" id="{64102ECE-BD5C-C233-7BC8-91897B363C48}"/>
+                </a:ext>
+              </a:extLst>
+            </p:cNvPr>
+            <p:cNvGrpSpPr/>
+            <p:nvPr/>
+          </p:nvGrpSpPr>
+          <p:grpSpPr>
+            <a:xfrm>
+              <a:off x="4594475" y="608415"/>
+              <a:ext cx="3151676" cy="3109967"/>
+              <a:chOff x="4520162" y="343610"/>
+              <a:chExt cx="3151676" cy="3109967"/>
+            </a:xfrm>
+          </p:grpSpPr>
+          <p:grpSp>
+            <p:nvGrpSpPr>
+              <p:cNvPr id="56" name="그룹 55">
+                <a:extLst>
+                  <a:ext uri="{FF2B5EF4-FFF2-40B4-BE49-F238E27FC236}">
+                    <a16:creationId xmlns:a16="http://schemas.microsoft.com/office/drawing/2014/main" id="{9649D187-4EFB-30F3-9800-3966B3DC8CDB}"/>
+                  </a:ext>
+                </a:extLst>
+              </p:cNvPr>
+              <p:cNvGrpSpPr/>
+              <p:nvPr/>
+            </p:nvGrpSpPr>
+            <p:grpSpPr>
+              <a:xfrm>
+                <a:off x="4520162" y="343610"/>
+                <a:ext cx="3151676" cy="3109967"/>
+                <a:chOff x="1813929" y="379993"/>
+                <a:chExt cx="3151676" cy="3109967"/>
+              </a:xfrm>
+            </p:grpSpPr>
+            <p:grpSp>
+              <p:nvGrpSpPr>
+                <p:cNvPr id="57" name="그룹 56">
+                  <a:extLst>
+                    <a:ext uri="{FF2B5EF4-FFF2-40B4-BE49-F238E27FC236}">
+                      <a16:creationId xmlns:a16="http://schemas.microsoft.com/office/drawing/2014/main" id="{ACA569BD-C991-359D-AB37-5735BDB93A68}"/>
+                    </a:ext>
+                  </a:extLst>
+                </p:cNvPr>
+                <p:cNvGrpSpPr/>
+                <p:nvPr/>
+              </p:nvGrpSpPr>
+              <p:grpSpPr>
+                <a:xfrm>
+                  <a:off x="1813929" y="655689"/>
+                  <a:ext cx="2834271" cy="2834271"/>
+                  <a:chOff x="4458069" y="1791069"/>
+                  <a:chExt cx="3275861" cy="3275861"/>
+                </a:xfrm>
+              </p:grpSpPr>
+              <p:sp>
+                <p:nvSpPr>
+                  <p:cNvPr id="63" name="타원 62">
+                    <a:extLst>
+                      <a:ext uri="{FF2B5EF4-FFF2-40B4-BE49-F238E27FC236}">
+                        <a16:creationId xmlns:a16="http://schemas.microsoft.com/office/drawing/2014/main" id="{02C245E6-7C6B-423B-129E-88D9EE1EF171}"/>
+                      </a:ext>
+                    </a:extLst>
+                  </p:cNvPr>
+                  <p:cNvSpPr/>
+                  <p:nvPr/>
+                </p:nvSpPr>
+                <p:spPr>
+                  <a:xfrm>
+                    <a:off x="4458069" y="1791069"/>
+                    <a:ext cx="3275861" cy="3275861"/>
+                  </a:xfrm>
+                  <a:prstGeom prst="ellipse">
+                    <a:avLst/>
+                  </a:prstGeom>
+                  <a:noFill/>
+                  <a:ln w="19050">
+                    <a:solidFill>
+                      <a:schemeClr val="tx1"/>
+                    </a:solidFill>
+                    <a:prstDash val="sysDash"/>
+                  </a:ln>
+                </p:spPr>
+                <p:style>
+                  <a:lnRef idx="2">
+                    <a:schemeClr val="accent1">
+                      <a:shade val="50000"/>
+                    </a:schemeClr>
+                  </a:lnRef>
+                  <a:fillRef idx="1">
+                    <a:schemeClr val="accent1"/>
+                  </a:fillRef>
+                  <a:effectRef idx="0">
+                    <a:schemeClr val="accent1"/>
+                  </a:effectRef>
+                  <a:fontRef idx="minor">
+                    <a:schemeClr val="lt1"/>
+                  </a:fontRef>
+                </p:style>
+                <p:txBody>
+                  <a:bodyPr rtlCol="0" anchor="ctr"/>
+                  <a:lstStyle/>
+                  <a:p>
+                    <a:pPr algn="ctr"/>
+                    <a:endParaRPr lang="ko-KR" altLang="en-US" dirty="0"/>
+                  </a:p>
+                </p:txBody>
+              </p:sp>
+              <p:cxnSp>
+                <p:nvCxnSpPr>
+                  <p:cNvPr id="64" name="직선 화살표 연결선 63">
+                    <a:extLst>
+                      <a:ext uri="{FF2B5EF4-FFF2-40B4-BE49-F238E27FC236}">
+                        <a16:creationId xmlns:a16="http://schemas.microsoft.com/office/drawing/2014/main" id="{6A0ACD5C-25FB-B557-7808-A03B65AEE550}"/>
+                      </a:ext>
+                    </a:extLst>
+                  </p:cNvPr>
+                  <p:cNvCxnSpPr>
+                    <a:cxnSpLocks/>
+                    <a:endCxn id="63" idx="0"/>
+                  </p:cNvCxnSpPr>
+                  <p:nvPr/>
+                </p:nvCxnSpPr>
+                <p:spPr>
+                  <a:xfrm flipV="1">
+                    <a:off x="6096000" y="1791069"/>
+                    <a:ext cx="0" cy="1637931"/>
+                  </a:xfrm>
+                  <a:prstGeom prst="straightConnector1">
+                    <a:avLst/>
+                  </a:prstGeom>
+                  <a:ln w="19050">
+                    <a:tailEnd type="triangle"/>
+                  </a:ln>
+                </p:spPr>
+                <p:style>
+                  <a:lnRef idx="1">
+                    <a:schemeClr val="dk1"/>
+                  </a:lnRef>
+                  <a:fillRef idx="0">
+                    <a:schemeClr val="dk1"/>
+                  </a:fillRef>
+                  <a:effectRef idx="0">
+                    <a:schemeClr val="dk1"/>
+                  </a:effectRef>
+                  <a:fontRef idx="minor">
+                    <a:schemeClr val="tx1"/>
+                  </a:fontRef>
+                </p:style>
+              </p:cxnSp>
+              <p:cxnSp>
+                <p:nvCxnSpPr>
+                  <p:cNvPr id="65" name="직선 화살표 연결선 64">
+                    <a:extLst>
+                      <a:ext uri="{FF2B5EF4-FFF2-40B4-BE49-F238E27FC236}">
+                        <a16:creationId xmlns:a16="http://schemas.microsoft.com/office/drawing/2014/main" id="{E4AC08BF-67BA-C361-2D5B-84B7F2EE5BA1}"/>
+                      </a:ext>
+                    </a:extLst>
+                  </p:cNvPr>
+                  <p:cNvCxnSpPr>
+                    <a:cxnSpLocks/>
+                    <a:endCxn id="63" idx="6"/>
+                  </p:cNvCxnSpPr>
+                  <p:nvPr/>
+                </p:nvCxnSpPr>
+                <p:spPr>
+                  <a:xfrm>
+                    <a:off x="6096000" y="3428999"/>
+                    <a:ext cx="1637930" cy="1"/>
+                  </a:xfrm>
+                  <a:prstGeom prst="straightConnector1">
+                    <a:avLst/>
+                  </a:prstGeom>
+                  <a:ln w="19050">
+                    <a:tailEnd type="triangle"/>
+                  </a:ln>
+                </p:spPr>
+                <p:style>
+                  <a:lnRef idx="1">
+                    <a:schemeClr val="dk1"/>
+                  </a:lnRef>
+                  <a:fillRef idx="0">
+                    <a:schemeClr val="dk1"/>
+                  </a:fillRef>
+                  <a:effectRef idx="0">
+                    <a:schemeClr val="dk1"/>
+                  </a:effectRef>
+                  <a:fontRef idx="minor">
+                    <a:schemeClr val="tx1"/>
+                  </a:fontRef>
+                </p:style>
+              </p:cxnSp>
+              <mc:AlternateContent xmlns:mc="http://schemas.openxmlformats.org/markup-compatibility/2006">
+                <mc:Choice xmlns:a14="http://schemas.microsoft.com/office/drawing/2010/main" Requires="a14">
+                  <p:sp>
+                    <p:nvSpPr>
+                      <p:cNvPr id="66" name="TextBox 65">
+                        <a:extLst>
+                          <a:ext uri="{FF2B5EF4-FFF2-40B4-BE49-F238E27FC236}">
+                            <a16:creationId xmlns:a16="http://schemas.microsoft.com/office/drawing/2014/main" id="{3FA578D4-8B79-E321-9FE3-4731C4E3CFEB}"/>
+                          </a:ext>
+                        </a:extLst>
+                      </p:cNvPr>
+                      <p:cNvSpPr txBox="1"/>
+                      <p:nvPr/>
+                    </p:nvSpPr>
+                    <p:spPr>
+                      <a:xfrm>
+                        <a:off x="6625700" y="3487428"/>
+                        <a:ext cx="711862" cy="307777"/>
+                      </a:xfrm>
+                      <a:prstGeom prst="rect">
+                        <a:avLst/>
+                      </a:prstGeom>
+                      <a:noFill/>
+                    </p:spPr>
+                    <p:txBody>
+                      <a:bodyPr wrap="none" rtlCol="0">
+                        <a:spAutoFit/>
+                      </a:bodyPr>
+                      <a:lstStyle/>
+                      <a:p>
+                        <a:pPr/>
+                        <a14:m>
+                          <m:oMathPara xmlns:m="http://schemas.openxmlformats.org/officeDocument/2006/math">
+                            <m:oMathParaPr>
+                              <m:jc m:val="centerGroup"/>
+                            </m:oMathParaPr>
+                            <m:oMath xmlns:m="http://schemas.openxmlformats.org/officeDocument/2006/math">
+                              <m:acc>
+                                <m:accPr>
+                                  <m:chr m:val="⃗"/>
+                                  <m:ctrlPr>
+                                    <a:rPr lang="en-US" altLang="ko-KR" sz="1400" b="0" i="1" smtClean="0">
+                                      <a:latin typeface="Cambria Math" panose="02040503050406030204" pitchFamily="18" charset="0"/>
+                                    </a:rPr>
+                                  </m:ctrlPr>
+                                </m:accPr>
+                                <m:e>
+                                  <m:r>
+                                    <a:rPr lang="en-US" altLang="ko-KR" sz="1400" b="0" i="1" smtClean="0">
+                                      <a:latin typeface="Cambria Math" panose="02040503050406030204" pitchFamily="18" charset="0"/>
+                                    </a:rPr>
+                                    <m:t>𝑢</m:t>
+                                  </m:r>
+                                </m:e>
+                              </m:acc>
+                              <m:r>
+                                <a:rPr lang="en-US" altLang="ko-KR" sz="1400" b="0" i="1" smtClean="0">
+                                  <a:latin typeface="Cambria Math" panose="02040503050406030204" pitchFamily="18" charset="0"/>
+                                </a:rPr>
+                                <m:t> −</m:t>
+                              </m:r>
+                              <m:acc>
+                                <m:accPr>
+                                  <m:chr m:val="⃗"/>
+                                  <m:ctrlPr>
+                                    <a:rPr lang="en-US" altLang="ko-KR" sz="1400" b="0" i="1" smtClean="0">
+                                      <a:latin typeface="Cambria Math" panose="02040503050406030204" pitchFamily="18" charset="0"/>
+                                    </a:rPr>
+                                  </m:ctrlPr>
+                                </m:accPr>
+                                <m:e>
+                                  <m:r>
+                                    <a:rPr lang="en-US" altLang="ko-KR" sz="1400" b="0" i="1" smtClean="0">
+                                      <a:latin typeface="Cambria Math" panose="02040503050406030204" pitchFamily="18" charset="0"/>
+                                    </a:rPr>
+                                    <m:t>𝑣</m:t>
+                                  </m:r>
+                                </m:e>
+                              </m:acc>
+                            </m:oMath>
+                          </m:oMathPara>
+                        </a14:m>
+                        <a:endParaRPr lang="ko-KR" altLang="en-US" sz="1400" dirty="0"/>
+                      </a:p>
+                    </p:txBody>
+                  </p:sp>
+                </mc:Choice>
+                <mc:Fallback>
+                  <p:sp>
+                    <p:nvSpPr>
+                      <p:cNvPr id="66" name="TextBox 65">
+                        <a:extLst>
+                          <a:ext uri="{FF2B5EF4-FFF2-40B4-BE49-F238E27FC236}">
+                            <a16:creationId xmlns:a16="http://schemas.microsoft.com/office/drawing/2014/main" id="{3FA578D4-8B79-E321-9FE3-4731C4E3CFEB}"/>
+                          </a:ext>
+                        </a:extLst>
+                      </p:cNvPr>
+                      <p:cNvSpPr txBox="1">
+                        <a:spLocks noRot="1" noChangeAspect="1" noMove="1" noResize="1" noEditPoints="1" noAdjustHandles="1" noChangeArrowheads="1" noChangeShapeType="1" noTextEdit="1"/>
+                      </p:cNvSpPr>
+                      <p:nvPr/>
+                    </p:nvSpPr>
+                    <p:spPr>
+                      <a:xfrm>
+                        <a:off x="6625700" y="3487428"/>
+                        <a:ext cx="711862" cy="307777"/>
+                      </a:xfrm>
+                      <a:prstGeom prst="rect">
+                        <a:avLst/>
+                      </a:prstGeom>
+                      <a:blipFill>
+                        <a:blip r:embed="rId8"/>
+                        <a:stretch>
+                          <a:fillRect t="-9302" r="-36634" b="-6977"/>
+                        </a:stretch>
+                      </a:blipFill>
+                    </p:spPr>
+                    <p:txBody>
+                      <a:bodyPr/>
+                      <a:lstStyle/>
+                      <a:p>
+                        <a:r>
+                          <a:rPr lang="ko-KR" altLang="en-US">
+                            <a:noFill/>
+                          </a:rPr>
+                          <a:t> </a:t>
+                        </a:r>
+                      </a:p>
+                    </p:txBody>
+                  </p:sp>
+                </mc:Fallback>
+              </mc:AlternateContent>
+            </p:grpSp>
+            <mc:AlternateContent xmlns:mc="http://schemas.openxmlformats.org/markup-compatibility/2006">
+              <mc:Choice xmlns:a14="http://schemas.microsoft.com/office/drawing/2010/main" Requires="a14">
+                <p:sp>
+                  <p:nvSpPr>
+                    <p:cNvPr id="58" name="TextBox 57">
+                      <a:extLst>
+                        <a:ext uri="{FF2B5EF4-FFF2-40B4-BE49-F238E27FC236}">
+                          <a16:creationId xmlns:a16="http://schemas.microsoft.com/office/drawing/2014/main" id="{FBD114DA-3D94-6638-B014-E20B50C05C97}"/>
+                        </a:ext>
+                      </a:extLst>
+                    </p:cNvPr>
+                    <p:cNvSpPr txBox="1"/>
+                    <p:nvPr/>
+                  </p:nvSpPr>
+                  <p:spPr>
+                    <a:xfrm>
+                      <a:off x="4646222" y="1945866"/>
+                      <a:ext cx="319383" cy="253916"/>
+                    </a:xfrm>
+                    <a:prstGeom prst="rect">
+                      <a:avLst/>
+                    </a:prstGeom>
+                    <a:noFill/>
+                  </p:spPr>
+                  <p:txBody>
+                    <a:bodyPr wrap="none" rtlCol="0">
+                      <a:spAutoFit/>
+                    </a:bodyPr>
+                    <a:lstStyle/>
+                    <a:p>
+                      <a:pPr/>
+                      <a14:m>
+                        <m:oMathPara xmlns:m="http://schemas.openxmlformats.org/officeDocument/2006/math">
+                          <m:oMathParaPr>
+                            <m:jc m:val="centerGroup"/>
+                          </m:oMathParaPr>
+                          <m:oMath xmlns:m="http://schemas.openxmlformats.org/officeDocument/2006/math">
+                            <m:r>
+                              <a:rPr lang="en-US" altLang="ko-KR" sz="1050" b="0" i="1" smtClean="0">
+                                <a:latin typeface="Cambria Math" panose="02040503050406030204" pitchFamily="18" charset="0"/>
+                              </a:rPr>
+                              <m:t>𝑃</m:t>
+                            </m:r>
+                          </m:oMath>
+                        </m:oMathPara>
+                      </a14:m>
+                      <a:endParaRPr lang="ko-KR" altLang="en-US" sz="1050" dirty="0"/>
+                    </a:p>
+                  </p:txBody>
+                </p:sp>
+              </mc:Choice>
+              <mc:Fallback>
+                <p:sp>
+                  <p:nvSpPr>
+                    <p:cNvPr id="58" name="TextBox 57">
+                      <a:extLst>
+                        <a:ext uri="{FF2B5EF4-FFF2-40B4-BE49-F238E27FC236}">
+                          <a16:creationId xmlns:a16="http://schemas.microsoft.com/office/drawing/2014/main" id="{FBD114DA-3D94-6638-B014-E20B50C05C97}"/>
+                        </a:ext>
+                      </a:extLst>
+                    </p:cNvPr>
+                    <p:cNvSpPr txBox="1">
+                      <a:spLocks noRot="1" noChangeAspect="1" noMove="1" noResize="1" noEditPoints="1" noAdjustHandles="1" noChangeArrowheads="1" noChangeShapeType="1" noTextEdit="1"/>
+                    </p:cNvSpPr>
+                    <p:nvPr/>
+                  </p:nvSpPr>
+                  <p:spPr>
+                    <a:xfrm>
+                      <a:off x="4646222" y="1945866"/>
+                      <a:ext cx="319383" cy="253916"/>
+                    </a:xfrm>
+                    <a:prstGeom prst="rect">
+                      <a:avLst/>
+                    </a:prstGeom>
+                    <a:blipFill>
+                      <a:blip r:embed="rId9"/>
+                      <a:stretch>
+                        <a:fillRect/>
+                      </a:stretch>
+                    </a:blipFill>
+                  </p:spPr>
+                  <p:txBody>
+                    <a:bodyPr/>
+                    <a:lstStyle/>
+                    <a:p>
+                      <a:r>
+                        <a:rPr lang="ko-KR" altLang="en-US">
+                          <a:noFill/>
+                        </a:rPr>
+                        <a:t> </a:t>
+                      </a:r>
+                    </a:p>
+                  </p:txBody>
+                </p:sp>
+              </mc:Fallback>
+            </mc:AlternateContent>
+            <mc:AlternateContent xmlns:mc="http://schemas.openxmlformats.org/markup-compatibility/2006">
+              <mc:Choice xmlns:a14="http://schemas.microsoft.com/office/drawing/2010/main" Requires="a14">
+                <p:sp>
+                  <p:nvSpPr>
+                    <p:cNvPr id="59" name="TextBox 58">
+                      <a:extLst>
+                        <a:ext uri="{FF2B5EF4-FFF2-40B4-BE49-F238E27FC236}">
+                          <a16:creationId xmlns:a16="http://schemas.microsoft.com/office/drawing/2014/main" id="{EA011FCA-8B9A-8D1E-C246-29DB439AA9E6}"/>
+                        </a:ext>
+                      </a:extLst>
+                    </p:cNvPr>
+                    <p:cNvSpPr txBox="1"/>
+                    <p:nvPr/>
+                  </p:nvSpPr>
+                  <p:spPr>
+                    <a:xfrm>
+                      <a:off x="3071965" y="379993"/>
+                      <a:ext cx="328102" cy="253916"/>
+                    </a:xfrm>
+                    <a:prstGeom prst="rect">
+                      <a:avLst/>
+                    </a:prstGeom>
+                    <a:noFill/>
+                  </p:spPr>
+                  <p:txBody>
+                    <a:bodyPr wrap="none" rtlCol="0">
+                      <a:spAutoFit/>
+                    </a:bodyPr>
+                    <a:lstStyle/>
+                    <a:p>
+                      <a:pPr/>
+                      <a14:m>
+                        <m:oMathPara xmlns:m="http://schemas.openxmlformats.org/officeDocument/2006/math">
+                          <m:oMathParaPr>
+                            <m:jc m:val="centerGroup"/>
+                          </m:oMathParaPr>
+                          <m:oMath xmlns:m="http://schemas.openxmlformats.org/officeDocument/2006/math">
+                            <m:r>
+                              <a:rPr lang="en-US" altLang="ko-KR" sz="1050" b="0" i="1" smtClean="0">
+                                <a:latin typeface="Cambria Math" panose="02040503050406030204" pitchFamily="18" charset="0"/>
+                              </a:rPr>
+                              <m:t>𝑄</m:t>
+                            </m:r>
+                          </m:oMath>
+                        </m:oMathPara>
+                      </a14:m>
+                      <a:endParaRPr lang="ko-KR" altLang="en-US" sz="1050" dirty="0"/>
+                    </a:p>
+                  </p:txBody>
+                </p:sp>
+              </mc:Choice>
+              <mc:Fallback>
+                <p:sp>
+                  <p:nvSpPr>
+                    <p:cNvPr id="59" name="TextBox 58">
+                      <a:extLst>
+                        <a:ext uri="{FF2B5EF4-FFF2-40B4-BE49-F238E27FC236}">
+                          <a16:creationId xmlns:a16="http://schemas.microsoft.com/office/drawing/2014/main" id="{EA011FCA-8B9A-8D1E-C246-29DB439AA9E6}"/>
+                        </a:ext>
+                      </a:extLst>
+                    </p:cNvPr>
+                    <p:cNvSpPr txBox="1">
+                      <a:spLocks noRot="1" noChangeAspect="1" noMove="1" noResize="1" noEditPoints="1" noAdjustHandles="1" noChangeArrowheads="1" noChangeShapeType="1" noTextEdit="1"/>
+                    </p:cNvSpPr>
+                    <p:nvPr/>
+                  </p:nvSpPr>
+                  <p:spPr>
+                    <a:xfrm>
+                      <a:off x="3071965" y="379993"/>
+                      <a:ext cx="328102" cy="253916"/>
+                    </a:xfrm>
+                    <a:prstGeom prst="rect">
+                      <a:avLst/>
+                    </a:prstGeom>
+                    <a:blipFill>
+                      <a:blip r:embed="rId10"/>
+                      <a:stretch>
+                        <a:fillRect b="-2439"/>
+                      </a:stretch>
+                    </a:blipFill>
+                  </p:spPr>
+                  <p:txBody>
+                    <a:bodyPr/>
+                    <a:lstStyle/>
+                    <a:p>
+                      <a:r>
+                        <a:rPr lang="ko-KR" altLang="en-US">
+                          <a:noFill/>
+                        </a:rPr>
+                        <a:t> </a:t>
+                      </a:r>
+                    </a:p>
+                  </p:txBody>
+                </p:sp>
+              </mc:Fallback>
+            </mc:AlternateContent>
+            <mc:AlternateContent xmlns:mc="http://schemas.openxmlformats.org/markup-compatibility/2006">
+              <mc:Choice xmlns:a14="http://schemas.microsoft.com/office/drawing/2010/main" Requires="a14">
+                <p:sp>
+                  <p:nvSpPr>
+                    <p:cNvPr id="60" name="TextBox 59">
+                      <a:extLst>
+                        <a:ext uri="{FF2B5EF4-FFF2-40B4-BE49-F238E27FC236}">
+                          <a16:creationId xmlns:a16="http://schemas.microsoft.com/office/drawing/2014/main" id="{92B64C5D-A522-6344-926A-C418F207EAA6}"/>
+                        </a:ext>
+                      </a:extLst>
+                    </p:cNvPr>
+                    <p:cNvSpPr txBox="1"/>
+                    <p:nvPr/>
+                  </p:nvSpPr>
+                  <p:spPr>
+                    <a:xfrm>
+                      <a:off x="2876622" y="1938367"/>
+                      <a:ext cx="359394" cy="253916"/>
+                    </a:xfrm>
+                    <a:prstGeom prst="rect">
+                      <a:avLst/>
+                    </a:prstGeom>
+                    <a:noFill/>
+                  </p:spPr>
+                  <p:txBody>
+                    <a:bodyPr wrap="none" rtlCol="0">
+                      <a:spAutoFit/>
+                    </a:bodyPr>
+                    <a:lstStyle/>
+                    <a:p>
+                      <a:pPr/>
+                      <a14:m>
+                        <m:oMathPara xmlns:m="http://schemas.openxmlformats.org/officeDocument/2006/math">
+                          <m:oMathParaPr>
+                            <m:jc m:val="centerGroup"/>
+                          </m:oMathParaPr>
+                          <m:oMath xmlns:m="http://schemas.openxmlformats.org/officeDocument/2006/math">
+                            <m:r>
+                              <a:rPr lang="en-US" altLang="ko-KR" sz="1050" b="0" i="1" smtClean="0">
+                                <a:latin typeface="Cambria Math" panose="02040503050406030204" pitchFamily="18" charset="0"/>
+                              </a:rPr>
+                              <m:t>𝑂</m:t>
+                            </m:r>
+                            <m:r>
+                              <a:rPr lang="en-US" altLang="ko-KR" sz="1050" b="0" i="1" smtClean="0">
+                                <a:latin typeface="Cambria Math" panose="02040503050406030204" pitchFamily="18" charset="0"/>
+                              </a:rPr>
+                              <m:t>′</m:t>
+                            </m:r>
+                          </m:oMath>
+                        </m:oMathPara>
+                      </a14:m>
+                      <a:endParaRPr lang="ko-KR" altLang="en-US" sz="1050" dirty="0"/>
+                    </a:p>
+                  </p:txBody>
+                </p:sp>
+              </mc:Choice>
+              <mc:Fallback>
+                <p:sp>
+                  <p:nvSpPr>
+                    <p:cNvPr id="60" name="TextBox 59">
+                      <a:extLst>
+                        <a:ext uri="{FF2B5EF4-FFF2-40B4-BE49-F238E27FC236}">
+                          <a16:creationId xmlns:a16="http://schemas.microsoft.com/office/drawing/2014/main" id="{92B64C5D-A522-6344-926A-C418F207EAA6}"/>
+                        </a:ext>
+                      </a:extLst>
+                    </p:cNvPr>
+                    <p:cNvSpPr txBox="1">
+                      <a:spLocks noRot="1" noChangeAspect="1" noMove="1" noResize="1" noEditPoints="1" noAdjustHandles="1" noChangeArrowheads="1" noChangeShapeType="1" noTextEdit="1"/>
+                    </p:cNvSpPr>
+                    <p:nvPr/>
+                  </p:nvSpPr>
+                  <p:spPr>
+                    <a:xfrm>
+                      <a:off x="2876622" y="1938367"/>
+                      <a:ext cx="359394" cy="253916"/>
+                    </a:xfrm>
+                    <a:prstGeom prst="rect">
+                      <a:avLst/>
+                    </a:prstGeom>
+                    <a:blipFill>
+                      <a:blip r:embed="rId11"/>
+                      <a:stretch>
+                        <a:fillRect/>
+                      </a:stretch>
+                    </a:blipFill>
+                  </p:spPr>
+                  <p:txBody>
+                    <a:bodyPr/>
+                    <a:lstStyle/>
+                    <a:p>
+                      <a:r>
+                        <a:rPr lang="ko-KR" altLang="en-US">
+                          <a:noFill/>
+                        </a:rPr>
+                        <a:t> </a:t>
+                      </a:r>
+                    </a:p>
+                  </p:txBody>
+                </p:sp>
+              </mc:Fallback>
+            </mc:AlternateContent>
+            <p:sp>
+              <p:nvSpPr>
+                <p:cNvPr id="61" name="타원 60">
+                  <a:extLst>
+                    <a:ext uri="{FF2B5EF4-FFF2-40B4-BE49-F238E27FC236}">
+                      <a16:creationId xmlns:a16="http://schemas.microsoft.com/office/drawing/2014/main" id="{1F63714D-CF94-3587-1F79-1833EC9AA34B}"/>
+                    </a:ext>
+                  </a:extLst>
+                </p:cNvPr>
+                <p:cNvSpPr/>
+                <p:nvPr/>
+              </p:nvSpPr>
+              <p:spPr>
+                <a:xfrm>
+                  <a:off x="4616374" y="2034724"/>
+                  <a:ext cx="76199" cy="76199"/>
+                </a:xfrm>
+                <a:prstGeom prst="ellipse">
+                  <a:avLst/>
+                </a:prstGeom>
+                <a:solidFill>
+                  <a:srgbClr val="0000FF"/>
+                </a:solidFill>
+                <a:ln>
+                  <a:noFill/>
+                </a:ln>
+              </p:spPr>
+              <p:style>
+                <a:lnRef idx="2">
+                  <a:schemeClr val="accent2">
+                    <a:shade val="50000"/>
+                  </a:schemeClr>
+                </a:lnRef>
+                <a:fillRef idx="1">
+                  <a:schemeClr val="accent2"/>
+                </a:fillRef>
+                <a:effectRef idx="0">
+                  <a:schemeClr val="accent2"/>
+                </a:effectRef>
+                <a:fontRef idx="minor">
+                  <a:schemeClr val="lt1"/>
+                </a:fontRef>
+              </p:style>
+              <p:txBody>
+                <a:bodyPr rtlCol="0" anchor="ctr"/>
+                <a:lstStyle/>
+                <a:p>
+                  <a:pPr algn="ctr"/>
+                  <a:endParaRPr lang="ko-KR" altLang="en-US"/>
+                </a:p>
+              </p:txBody>
+            </p:sp>
+            <p:sp>
+              <p:nvSpPr>
+                <p:cNvPr id="62" name="타원 61">
+                  <a:extLst>
+                    <a:ext uri="{FF2B5EF4-FFF2-40B4-BE49-F238E27FC236}">
+                      <a16:creationId xmlns:a16="http://schemas.microsoft.com/office/drawing/2014/main" id="{502F9C03-4450-2021-AD79-9ECE10423DD0}"/>
+                    </a:ext>
+                  </a:extLst>
+                </p:cNvPr>
+                <p:cNvSpPr/>
+                <p:nvPr/>
+              </p:nvSpPr>
+              <p:spPr>
+                <a:xfrm>
+                  <a:off x="3196855" y="612129"/>
+                  <a:ext cx="76199" cy="76199"/>
+                </a:xfrm>
+                <a:prstGeom prst="ellipse">
+                  <a:avLst/>
+                </a:prstGeom>
+                <a:solidFill>
+                  <a:schemeClr val="tx1"/>
+                </a:solidFill>
+                <a:ln>
+                  <a:noFill/>
+                </a:ln>
+              </p:spPr>
+              <p:style>
+                <a:lnRef idx="2">
+                  <a:schemeClr val="accent2">
+                    <a:shade val="50000"/>
+                  </a:schemeClr>
+                </a:lnRef>
+                <a:fillRef idx="1">
+                  <a:schemeClr val="accent2"/>
+                </a:fillRef>
+                <a:effectRef idx="0">
+                  <a:schemeClr val="accent2"/>
+                </a:effectRef>
+                <a:fontRef idx="minor">
+                  <a:schemeClr val="lt1"/>
+                </a:fontRef>
+              </p:style>
+              <p:txBody>
+                <a:bodyPr rtlCol="0" anchor="ctr"/>
+                <a:lstStyle/>
+                <a:p>
+                  <a:pPr algn="ctr"/>
+                  <a:endParaRPr lang="ko-KR" altLang="en-US"/>
+                </a:p>
+              </p:txBody>
+            </p:sp>
+          </p:grpSp>
+          <p:sp>
+            <p:nvSpPr>
+              <p:cNvPr id="72" name="직사각형 71">
+                <a:extLst>
+                  <a:ext uri="{FF2B5EF4-FFF2-40B4-BE49-F238E27FC236}">
+                    <a16:creationId xmlns:a16="http://schemas.microsoft.com/office/drawing/2014/main" id="{CB2EFB0E-9E70-2A42-A08D-2FD705BD2F76}"/>
+                  </a:ext>
+                </a:extLst>
+              </p:cNvPr>
+              <p:cNvSpPr/>
+              <p:nvPr/>
+            </p:nvSpPr>
+            <p:spPr>
+              <a:xfrm>
+                <a:off x="5945236" y="1934624"/>
+                <a:ext cx="96914" cy="103544"/>
+              </a:xfrm>
+              <a:prstGeom prst="rect">
+                <a:avLst/>
+              </a:prstGeom>
+              <a:noFill/>
+              <a:ln>
+                <a:solidFill>
+                  <a:schemeClr val="tx1"/>
+                </a:solidFill>
+              </a:ln>
+            </p:spPr>
+            <p:style>
+              <a:lnRef idx="2">
+                <a:schemeClr val="accent1">
+                  <a:shade val="50000"/>
+                </a:schemeClr>
+              </a:lnRef>
+              <a:fillRef idx="1">
+                <a:schemeClr val="accent1"/>
+              </a:fillRef>
+              <a:effectRef idx="0">
+                <a:schemeClr val="accent1"/>
+              </a:effectRef>
+              <a:fontRef idx="minor">
+                <a:schemeClr val="lt1"/>
+              </a:fontRef>
+            </p:style>
+            <p:txBody>
+              <a:bodyPr rtlCol="0" anchor="ctr"/>
+              <a:lstStyle/>
+              <a:p>
+                <a:pPr algn="ctr"/>
+                <a:endParaRPr lang="ko-KR" altLang="en-US"/>
+              </a:p>
+            </p:txBody>
+          </p:sp>
+          <p:sp>
+            <p:nvSpPr>
+              <p:cNvPr id="73" name="타원 72">
+                <a:extLst>
+                  <a:ext uri="{FF2B5EF4-FFF2-40B4-BE49-F238E27FC236}">
+                    <a16:creationId xmlns:a16="http://schemas.microsoft.com/office/drawing/2014/main" id="{CC0EB6BE-6329-DA05-1F09-C40454EC5775}"/>
+                  </a:ext>
+                </a:extLst>
+              </p:cNvPr>
+              <p:cNvSpPr/>
+              <p:nvPr/>
+            </p:nvSpPr>
+            <p:spPr>
+              <a:xfrm>
+                <a:off x="5869483" y="1967901"/>
+                <a:ext cx="139652" cy="139652"/>
+              </a:xfrm>
+              <a:prstGeom prst="ellipse">
+                <a:avLst/>
+              </a:prstGeom>
+              <a:noFill/>
+              <a:ln>
+                <a:solidFill>
+                  <a:srgbClr val="ED7D31"/>
+                </a:solidFill>
+              </a:ln>
+            </p:spPr>
+            <p:style>
+              <a:lnRef idx="2">
+                <a:schemeClr val="accent1">
+                  <a:shade val="50000"/>
+                </a:schemeClr>
+              </a:lnRef>
+              <a:fillRef idx="1">
+                <a:schemeClr val="accent1"/>
+              </a:fillRef>
+              <a:effectRef idx="0">
+                <a:schemeClr val="accent1"/>
+              </a:effectRef>
+              <a:fontRef idx="minor">
+                <a:schemeClr val="lt1"/>
+              </a:fontRef>
+            </p:style>
+            <p:txBody>
+              <a:bodyPr rtlCol="0" anchor="ctr"/>
+              <a:lstStyle/>
+              <a:p>
+                <a:pPr algn="ctr"/>
+                <a:endParaRPr lang="ko-KR" altLang="en-US"/>
+              </a:p>
+            </p:txBody>
+          </p:sp>
+          <p:sp>
+            <p:nvSpPr>
+              <p:cNvPr id="74" name="타원 73">
+                <a:extLst>
+                  <a:ext uri="{FF2B5EF4-FFF2-40B4-BE49-F238E27FC236}">
+                    <a16:creationId xmlns:a16="http://schemas.microsoft.com/office/drawing/2014/main" id="{C0B93115-5464-5191-D887-D8688537557E}"/>
+                  </a:ext>
+                </a:extLst>
+              </p:cNvPr>
+              <p:cNvSpPr/>
+              <p:nvPr/>
+            </p:nvSpPr>
+            <p:spPr>
+              <a:xfrm>
+                <a:off x="5902497" y="1999131"/>
+                <a:ext cx="76199" cy="76199"/>
+              </a:xfrm>
+              <a:prstGeom prst="ellipse">
+                <a:avLst/>
+              </a:prstGeom>
+              <a:solidFill>
+                <a:srgbClr val="ED7D31"/>
+              </a:solidFill>
+              <a:ln>
+                <a:solidFill>
+                  <a:srgbClr val="ED7D31"/>
+                </a:solidFill>
+              </a:ln>
+            </p:spPr>
+            <p:style>
+              <a:lnRef idx="2">
+                <a:schemeClr val="accent2">
+                  <a:shade val="50000"/>
+                </a:schemeClr>
+              </a:lnRef>
+              <a:fillRef idx="1">
+                <a:schemeClr val="accent2"/>
+              </a:fillRef>
+              <a:effectRef idx="0">
+                <a:schemeClr val="accent2"/>
+              </a:effectRef>
+              <a:fontRef idx="minor">
+                <a:schemeClr val="lt1"/>
+              </a:fontRef>
+            </p:style>
+            <p:txBody>
+              <a:bodyPr rtlCol="0" anchor="ctr"/>
+              <a:lstStyle/>
+              <a:p>
+                <a:pPr algn="ctr"/>
+                <a:endParaRPr lang="ko-KR" altLang="en-US"/>
+              </a:p>
+            </p:txBody>
+          </p:sp>
+          <mc:AlternateContent xmlns:mc="http://schemas.openxmlformats.org/markup-compatibility/2006">
+            <mc:Choice xmlns:a14="http://schemas.microsoft.com/office/drawing/2010/main" Requires="a14">
+              <p:sp>
+                <p:nvSpPr>
+                  <p:cNvPr id="75" name="TextBox 74">
+                    <a:extLst>
+                      <a:ext uri="{FF2B5EF4-FFF2-40B4-BE49-F238E27FC236}">
+                        <a16:creationId xmlns:a16="http://schemas.microsoft.com/office/drawing/2014/main" id="{3137CF7E-FEE4-6F28-FF77-068424528EB1}"/>
+                      </a:ext>
+                    </a:extLst>
+                  </p:cNvPr>
+                  <p:cNvSpPr txBox="1"/>
+                  <p:nvPr/>
+                </p:nvSpPr>
+                <p:spPr>
+                  <a:xfrm>
+                    <a:off x="5792309" y="2134475"/>
+                    <a:ext cx="312008" cy="253916"/>
+                  </a:xfrm>
+                  <a:prstGeom prst="rect">
+                    <a:avLst/>
+                  </a:prstGeom>
+                  <a:noFill/>
+                </p:spPr>
+                <p:txBody>
+                  <a:bodyPr wrap="none" rtlCol="0">
+                    <a:spAutoFit/>
+                  </a:bodyPr>
+                  <a:lstStyle/>
+                  <a:p>
+                    <a:pPr/>
+                    <a14:m>
+                      <m:oMathPara xmlns:m="http://schemas.openxmlformats.org/officeDocument/2006/math">
+                        <m:oMathParaPr>
+                          <m:jc m:val="centerGroup"/>
+                        </m:oMathParaPr>
+                        <m:oMath xmlns:m="http://schemas.openxmlformats.org/officeDocument/2006/math">
+                          <m:acc>
+                            <m:accPr>
+                              <m:chr m:val="⃗"/>
+                              <m:ctrlPr>
+                                <a:rPr lang="en-US" altLang="ko-KR" sz="1050" b="0" i="1" smtClean="0">
+                                  <a:solidFill>
+                                    <a:srgbClr val="ED7D31"/>
+                                  </a:solidFill>
+                                  <a:latin typeface="Cambria Math" panose="02040503050406030204" pitchFamily="18" charset="0"/>
+                                </a:rPr>
+                              </m:ctrlPr>
+                            </m:accPr>
+                            <m:e>
+                              <m:r>
+                                <a:rPr lang="en-US" altLang="ko-KR" sz="1050" b="0" i="1" smtClean="0">
+                                  <a:solidFill>
+                                    <a:srgbClr val="ED7D31"/>
+                                  </a:solidFill>
+                                  <a:latin typeface="Cambria Math" panose="02040503050406030204" pitchFamily="18" charset="0"/>
+                                </a:rPr>
+                                <m:t>𝑛</m:t>
+                              </m:r>
+                            </m:e>
+                          </m:acc>
+                        </m:oMath>
+                      </m:oMathPara>
+                    </a14:m>
+                    <a:endParaRPr lang="ko-KR" altLang="en-US" sz="1050" dirty="0">
+                      <a:solidFill>
+                        <a:srgbClr val="ED7D31"/>
+                      </a:solidFill>
+                    </a:endParaRPr>
+                  </a:p>
+                </p:txBody>
+              </p:sp>
+            </mc:Choice>
+            <mc:Fallback>
+              <p:sp>
+                <p:nvSpPr>
+                  <p:cNvPr id="75" name="TextBox 74">
+                    <a:extLst>
+                      <a:ext uri="{FF2B5EF4-FFF2-40B4-BE49-F238E27FC236}">
+                        <a16:creationId xmlns:a16="http://schemas.microsoft.com/office/drawing/2014/main" id="{3137CF7E-FEE4-6F28-FF77-068424528EB1}"/>
+                      </a:ext>
+                    </a:extLst>
+                  </p:cNvPr>
+                  <p:cNvSpPr txBox="1">
+                    <a:spLocks noRot="1" noChangeAspect="1" noMove="1" noResize="1" noEditPoints="1" noAdjustHandles="1" noChangeArrowheads="1" noChangeShapeType="1" noTextEdit="1"/>
+                  </p:cNvSpPr>
+                  <p:nvPr/>
+                </p:nvSpPr>
+                <p:spPr>
+                  <a:xfrm>
+                    <a:off x="5792309" y="2134475"/>
+                    <a:ext cx="312008" cy="253916"/>
+                  </a:xfrm>
+                  <a:prstGeom prst="rect">
+                    <a:avLst/>
+                  </a:prstGeom>
+                  <a:blipFill>
+                    <a:blip r:embed="rId12"/>
+                    <a:stretch>
+                      <a:fillRect/>
+                    </a:stretch>
+                  </a:blipFill>
+                </p:spPr>
+                <p:txBody>
+                  <a:bodyPr/>
+                  <a:lstStyle/>
+                  <a:p>
+                    <a:r>
+                      <a:rPr lang="ko-KR" altLang="en-US">
+                        <a:noFill/>
+                      </a:rPr>
+                      <a:t> </a:t>
+                    </a:r>
+                  </a:p>
+                </p:txBody>
+              </p:sp>
+            </mc:Fallback>
+          </mc:AlternateContent>
+        </p:grpSp>
+        <p:sp>
+          <p:nvSpPr>
+            <p:cNvPr id="83" name="평행 사변형 82">
+              <a:extLst>
+                <a:ext uri="{FF2B5EF4-FFF2-40B4-BE49-F238E27FC236}">
+                  <a16:creationId xmlns:a16="http://schemas.microsoft.com/office/drawing/2014/main" id="{5DABABCF-681C-B755-17AB-E9E80B7FA8E5}"/>
+                </a:ext>
+              </a:extLst>
+            </p:cNvPr>
+            <p:cNvSpPr/>
+            <p:nvPr/>
+          </p:nvSpPr>
+          <p:spPr>
+            <a:xfrm rot="1252217">
+              <a:off x="2335143" y="1738327"/>
+              <a:ext cx="83577" cy="85770"/>
+            </a:xfrm>
+            <a:prstGeom prst="parallelogram">
+              <a:avLst/>
+            </a:prstGeom>
+            <a:noFill/>
+            <a:ln>
+              <a:solidFill>
+                <a:schemeClr val="tx1"/>
+              </a:solidFill>
+            </a:ln>
+          </p:spPr>
+          <p:style>
+            <a:lnRef idx="2">
+              <a:schemeClr val="accent1">
+                <a:shade val="50000"/>
+              </a:schemeClr>
+            </a:lnRef>
+            <a:fillRef idx="1">
+              <a:schemeClr val="accent1"/>
+            </a:fillRef>
+            <a:effectRef idx="0">
+              <a:schemeClr val="accent1"/>
+            </a:effectRef>
+            <a:fontRef idx="minor">
+              <a:schemeClr val="lt1"/>
+            </a:fontRef>
+          </p:style>
+          <p:txBody>
+            <a:bodyPr rtlCol="0" anchor="ctr"/>
+            <a:lstStyle/>
+            <a:p>
+              <a:pPr algn="ctr"/>
+              <a:endParaRPr lang="ko-KR" altLang="en-US"/>
+            </a:p>
+          </p:txBody>
+        </p:sp>
+      </p:grpSp>
+    </p:spTree>
+    <p:extLst>
+      <p:ext uri="{BB962C8B-B14F-4D97-AF65-F5344CB8AC3E}">
+        <p14:creationId xmlns:p14="http://schemas.microsoft.com/office/powerpoint/2010/main" val="181275559"/>
+      </p:ext>
+    </p:extLst>
+  </p:cSld>
+  <p:clrMapOvr>
+    <a:masterClrMapping/>
+  </p:clrMapOvr>
+</p:sld>
+</file>
+
+<file path=ppt/slides/slide4.xml><?xml version="1.0" encoding="utf-8"?>
+<p:sld xmlns:a="http://schemas.openxmlformats.org/drawingml/2006/main" xmlns:r="http://schemas.openxmlformats.org/officeDocument/2006/relationships" xmlns:p="http://schemas.openxmlformats.org/presentationml/2006/main">
+  <p:cSld>
+    <p:spTree>
+      <p:nvGrpSpPr>
+        <p:cNvPr id="1" name=""/>
+        <p:cNvGrpSpPr/>
+        <p:nvPr/>
+      </p:nvGrpSpPr>
+      <p:grpSpPr>
+        <a:xfrm>
+          <a:off x="0" y="0"/>
+          <a:ext cx="0" cy="0"/>
+          <a:chOff x="0" y="0"/>
+          <a:chExt cx="0" cy="0"/>
+        </a:xfrm>
+      </p:grpSpPr>
+      <p:grpSp>
+        <p:nvGrpSpPr>
+          <p:cNvPr id="39" name="그룹 38">
+            <a:extLst>
+              <a:ext uri="{FF2B5EF4-FFF2-40B4-BE49-F238E27FC236}">
+                <a16:creationId xmlns:a16="http://schemas.microsoft.com/office/drawing/2014/main" id="{4F33CF4C-6861-4321-44FE-F5EE3B8562A2}"/>
+              </a:ext>
+            </a:extLst>
+          </p:cNvPr>
+          <p:cNvGrpSpPr/>
+          <p:nvPr/>
+        </p:nvGrpSpPr>
+        <p:grpSpPr>
+          <a:xfrm>
+            <a:off x="1376026" y="1488592"/>
+            <a:ext cx="3224136" cy="3138468"/>
+            <a:chOff x="1456989" y="1707667"/>
+            <a:chExt cx="3224136" cy="3138468"/>
+          </a:xfrm>
+        </p:grpSpPr>
+        <p:cxnSp>
+          <p:nvCxnSpPr>
+            <p:cNvPr id="19" name="직선 화살표 연결선 18">
+              <a:extLst>
+                <a:ext uri="{FF2B5EF4-FFF2-40B4-BE49-F238E27FC236}">
+                  <a16:creationId xmlns:a16="http://schemas.microsoft.com/office/drawing/2014/main" id="{150D969A-5DAB-A39F-13D3-A5D6DB61ADCE}"/>
+                </a:ext>
+              </a:extLst>
+            </p:cNvPr>
+            <p:cNvCxnSpPr>
+              <a:cxnSpLocks/>
+            </p:cNvCxnSpPr>
+            <p:nvPr/>
+          </p:nvCxnSpPr>
+          <p:spPr>
+            <a:xfrm rot="16200000">
+              <a:off x="2243061" y="2734646"/>
+              <a:ext cx="1417135" cy="1"/>
+            </a:xfrm>
+            <a:prstGeom prst="straightConnector1">
+              <a:avLst/>
+            </a:prstGeom>
+            <a:ln w="19050">
+              <a:tailEnd type="triangle"/>
+            </a:ln>
+          </p:spPr>
+          <p:style>
+            <a:lnRef idx="1">
+              <a:schemeClr val="dk1"/>
+            </a:lnRef>
+            <a:fillRef idx="0">
+              <a:schemeClr val="dk1"/>
+            </a:fillRef>
+            <a:effectRef idx="0">
+              <a:schemeClr val="dk1"/>
+            </a:effectRef>
+            <a:fontRef idx="minor">
+              <a:schemeClr val="tx1"/>
+            </a:fontRef>
+          </p:style>
+        </p:cxnSp>
+        <p:cxnSp>
+          <p:nvCxnSpPr>
+            <p:cNvPr id="27" name="직선 연결선 26">
+              <a:extLst>
+                <a:ext uri="{FF2B5EF4-FFF2-40B4-BE49-F238E27FC236}">
+                  <a16:creationId xmlns:a16="http://schemas.microsoft.com/office/drawing/2014/main" id="{A5A52874-5842-D11B-2E1B-A84920AED6FE}"/>
+                </a:ext>
+              </a:extLst>
+            </p:cNvPr>
+            <p:cNvCxnSpPr>
+              <a:cxnSpLocks/>
+              <a:endCxn id="10" idx="2"/>
+            </p:cNvCxnSpPr>
+            <p:nvPr/>
+          </p:nvCxnSpPr>
+          <p:spPr>
+            <a:xfrm>
+              <a:off x="2946585" y="2323941"/>
+              <a:ext cx="852532" cy="0"/>
+            </a:xfrm>
+            <a:prstGeom prst="line">
+              <a:avLst/>
+            </a:prstGeom>
+            <a:ln>
+              <a:solidFill>
+                <a:schemeClr val="tx1"/>
+              </a:solidFill>
+              <a:prstDash val="dash"/>
+            </a:ln>
+          </p:spPr>
+          <p:style>
+            <a:lnRef idx="1">
+              <a:schemeClr val="accent1"/>
+            </a:lnRef>
+            <a:fillRef idx="0">
+              <a:schemeClr val="accent1"/>
+            </a:fillRef>
+            <a:effectRef idx="0">
+              <a:schemeClr val="accent1"/>
+            </a:effectRef>
+            <a:fontRef idx="minor">
+              <a:schemeClr val="tx1"/>
+            </a:fontRef>
+          </p:style>
+        </p:cxnSp>
+        <p:cxnSp>
+          <p:nvCxnSpPr>
+            <p:cNvPr id="29" name="직선 연결선 28">
+              <a:extLst>
+                <a:ext uri="{FF2B5EF4-FFF2-40B4-BE49-F238E27FC236}">
+                  <a16:creationId xmlns:a16="http://schemas.microsoft.com/office/drawing/2014/main" id="{55406341-37CA-645C-724E-43B4B8CDE4CD}"/>
+                </a:ext>
+              </a:extLst>
+            </p:cNvPr>
+            <p:cNvCxnSpPr>
+              <a:cxnSpLocks/>
+            </p:cNvCxnSpPr>
+            <p:nvPr/>
+          </p:nvCxnSpPr>
+          <p:spPr>
+            <a:xfrm>
+              <a:off x="3833905" y="2362040"/>
+              <a:ext cx="0" cy="1066959"/>
+            </a:xfrm>
+            <a:prstGeom prst="line">
+              <a:avLst/>
+            </a:prstGeom>
+            <a:ln>
+              <a:solidFill>
+                <a:schemeClr val="tx1"/>
+              </a:solidFill>
+              <a:prstDash val="dash"/>
+            </a:ln>
+          </p:spPr>
+          <p:style>
+            <a:lnRef idx="1">
+              <a:schemeClr val="accent1"/>
+            </a:lnRef>
+            <a:fillRef idx="0">
+              <a:schemeClr val="accent1"/>
+            </a:fillRef>
+            <a:effectRef idx="0">
+              <a:schemeClr val="accent1"/>
+            </a:effectRef>
+            <a:fontRef idx="minor">
+              <a:schemeClr val="tx1"/>
+            </a:fontRef>
+          </p:style>
+        </p:cxnSp>
+        <p:grpSp>
+          <p:nvGrpSpPr>
+            <p:cNvPr id="4" name="그룹 3">
+              <a:extLst>
+                <a:ext uri="{FF2B5EF4-FFF2-40B4-BE49-F238E27FC236}">
+                  <a16:creationId xmlns:a16="http://schemas.microsoft.com/office/drawing/2014/main" id="{F6A1AFEA-1331-08E3-0DAB-C4323E356C83}"/>
+                </a:ext>
+              </a:extLst>
+            </p:cNvPr>
+            <p:cNvGrpSpPr/>
+            <p:nvPr/>
+          </p:nvGrpSpPr>
+          <p:grpSpPr>
+            <a:xfrm>
+              <a:off x="1529449" y="2011864"/>
+              <a:ext cx="3151676" cy="2834271"/>
+              <a:chOff x="1813929" y="655689"/>
+              <a:chExt cx="3151676" cy="2834271"/>
+            </a:xfrm>
+          </p:grpSpPr>
+          <p:grpSp>
+            <p:nvGrpSpPr>
+              <p:cNvPr id="5" name="그룹 4">
+                <a:extLst>
+                  <a:ext uri="{FF2B5EF4-FFF2-40B4-BE49-F238E27FC236}">
+                    <a16:creationId xmlns:a16="http://schemas.microsoft.com/office/drawing/2014/main" id="{101169F9-41E8-7010-E1D7-33C0C4D889B8}"/>
+                  </a:ext>
+                </a:extLst>
+              </p:cNvPr>
+              <p:cNvGrpSpPr/>
+              <p:nvPr/>
+            </p:nvGrpSpPr>
+            <p:grpSpPr>
+              <a:xfrm>
+                <a:off x="1813929" y="655689"/>
+                <a:ext cx="2834271" cy="2834271"/>
+                <a:chOff x="4458069" y="1791069"/>
+                <a:chExt cx="3275861" cy="3275861"/>
+              </a:xfrm>
+            </p:grpSpPr>
+            <p:sp>
+              <p:nvSpPr>
+                <p:cNvPr id="11" name="타원 10">
+                  <a:extLst>
+                    <a:ext uri="{FF2B5EF4-FFF2-40B4-BE49-F238E27FC236}">
+                      <a16:creationId xmlns:a16="http://schemas.microsoft.com/office/drawing/2014/main" id="{4E60596E-340E-D0A2-4B67-E64913D441E7}"/>
+                    </a:ext>
+                  </a:extLst>
+                </p:cNvPr>
+                <p:cNvSpPr/>
+                <p:nvPr/>
+              </p:nvSpPr>
+              <p:spPr>
+                <a:xfrm>
+                  <a:off x="4458069" y="1791069"/>
+                  <a:ext cx="3275861" cy="3275861"/>
+                </a:xfrm>
+                <a:prstGeom prst="ellipse">
+                  <a:avLst/>
+                </a:prstGeom>
+                <a:noFill/>
+                <a:ln w="19050">
+                  <a:solidFill>
+                    <a:schemeClr val="tx1"/>
+                  </a:solidFill>
+                  <a:prstDash val="sysDash"/>
+                </a:ln>
+              </p:spPr>
+              <p:style>
+                <a:lnRef idx="2">
+                  <a:schemeClr val="accent1">
+                    <a:shade val="50000"/>
+                  </a:schemeClr>
+                </a:lnRef>
+                <a:fillRef idx="1">
+                  <a:schemeClr val="accent1"/>
+                </a:fillRef>
+                <a:effectRef idx="0">
+                  <a:schemeClr val="accent1"/>
+                </a:effectRef>
+                <a:fontRef idx="minor">
+                  <a:schemeClr val="lt1"/>
+                </a:fontRef>
+              </p:style>
+              <p:txBody>
+                <a:bodyPr rtlCol="0" anchor="ctr"/>
+                <a:lstStyle/>
+                <a:p>
+                  <a:pPr algn="ctr"/>
+                  <a:endParaRPr lang="ko-KR" altLang="en-US" dirty="0"/>
+                </a:p>
+              </p:txBody>
+            </p:sp>
+            <p:cxnSp>
+              <p:nvCxnSpPr>
+                <p:cNvPr id="12" name="직선 화살표 연결선 11">
+                  <a:extLst>
+                    <a:ext uri="{FF2B5EF4-FFF2-40B4-BE49-F238E27FC236}">
+                      <a16:creationId xmlns:a16="http://schemas.microsoft.com/office/drawing/2014/main" id="{925B603F-7944-B48B-2C76-58006DC7A075}"/>
+                    </a:ext>
+                  </a:extLst>
+                </p:cNvPr>
+                <p:cNvCxnSpPr>
+                  <a:cxnSpLocks/>
+                </p:cNvCxnSpPr>
+                <p:nvPr/>
+              </p:nvCxnSpPr>
+              <p:spPr>
+                <a:xfrm flipV="1">
+                  <a:off x="6096000" y="2157274"/>
+                  <a:ext cx="1023891" cy="1271726"/>
+                </a:xfrm>
+                <a:prstGeom prst="straightConnector1">
+                  <a:avLst/>
+                </a:prstGeom>
+                <a:ln w="19050">
+                  <a:tailEnd type="triangle"/>
+                </a:ln>
+              </p:spPr>
+              <p:style>
+                <a:lnRef idx="1">
+                  <a:schemeClr val="dk1"/>
+                </a:lnRef>
+                <a:fillRef idx="0">
+                  <a:schemeClr val="dk1"/>
+                </a:fillRef>
+                <a:effectRef idx="0">
+                  <a:schemeClr val="dk1"/>
+                </a:effectRef>
+                <a:fontRef idx="minor">
+                  <a:schemeClr val="tx1"/>
+                </a:fontRef>
+              </p:style>
+            </p:cxnSp>
+            <p:cxnSp>
+              <p:nvCxnSpPr>
+                <p:cNvPr id="13" name="직선 화살표 연결선 12">
+                  <a:extLst>
+                    <a:ext uri="{FF2B5EF4-FFF2-40B4-BE49-F238E27FC236}">
+                      <a16:creationId xmlns:a16="http://schemas.microsoft.com/office/drawing/2014/main" id="{8104DCC4-D142-0164-235E-68B971BE8827}"/>
+                    </a:ext>
+                  </a:extLst>
+                </p:cNvPr>
+                <p:cNvCxnSpPr>
+                  <a:cxnSpLocks/>
+                  <a:endCxn id="11" idx="6"/>
+                </p:cNvCxnSpPr>
+                <p:nvPr/>
+              </p:nvCxnSpPr>
+              <p:spPr>
+                <a:xfrm>
+                  <a:off x="6096000" y="3428999"/>
+                  <a:ext cx="1637930" cy="1"/>
+                </a:xfrm>
+                <a:prstGeom prst="straightConnector1">
+                  <a:avLst/>
+                </a:prstGeom>
+                <a:ln w="19050">
+                  <a:tailEnd type="triangle"/>
+                </a:ln>
+              </p:spPr>
+              <p:style>
+                <a:lnRef idx="1">
+                  <a:schemeClr val="dk1"/>
+                </a:lnRef>
+                <a:fillRef idx="0">
+                  <a:schemeClr val="dk1"/>
+                </a:fillRef>
+                <a:effectRef idx="0">
+                  <a:schemeClr val="dk1"/>
+                </a:effectRef>
+                <a:fontRef idx="minor">
+                  <a:schemeClr val="tx1"/>
+                </a:fontRef>
+              </p:style>
+            </p:cxnSp>
+            <mc:AlternateContent xmlns:mc="http://schemas.openxmlformats.org/markup-compatibility/2006">
+              <mc:Choice xmlns:a14="http://schemas.microsoft.com/office/drawing/2010/main" Requires="a14">
+                <p:sp>
+                  <p:nvSpPr>
+                    <p:cNvPr id="14" name="TextBox 13">
+                      <a:extLst>
+                        <a:ext uri="{FF2B5EF4-FFF2-40B4-BE49-F238E27FC236}">
+                          <a16:creationId xmlns:a16="http://schemas.microsoft.com/office/drawing/2014/main" id="{547EEA28-469E-5508-AB40-9030744E1E00}"/>
+                        </a:ext>
+                      </a:extLst>
+                    </p:cNvPr>
+                    <p:cNvSpPr txBox="1"/>
+                    <p:nvPr/>
+                  </p:nvSpPr>
+                  <p:spPr>
+                    <a:xfrm>
+                      <a:off x="5921496" y="3829149"/>
+                      <a:ext cx="1209776" cy="328086"/>
+                    </a:xfrm>
+                    <a:prstGeom prst="rect">
+                      <a:avLst/>
+                    </a:prstGeom>
+                    <a:noFill/>
+                  </p:spPr>
+                  <p:txBody>
+                    <a:bodyPr wrap="none" rtlCol="0">
+                      <a:spAutoFit/>
+                    </a:bodyPr>
+                    <a:lstStyle/>
+                    <a:p>
+                      <a:pPr/>
+                      <a14:m>
+                        <m:oMathPara xmlns:m="http://schemas.openxmlformats.org/officeDocument/2006/math">
+                          <m:oMathParaPr>
+                            <m:jc m:val="centerGroup"/>
+                          </m:oMathParaPr>
+                          <m:oMath xmlns:m="http://schemas.openxmlformats.org/officeDocument/2006/math">
+                            <m:acc>
+                              <m:accPr>
+                                <m:chr m:val="⃗"/>
+                                <m:ctrlPr>
+                                  <a:rPr lang="en-US" altLang="ko-KR" sz="1100" b="0" i="1" smtClean="0">
+                                    <a:latin typeface="Cambria Math" panose="02040503050406030204" pitchFamily="18" charset="0"/>
+                                  </a:rPr>
+                                </m:ctrlPr>
+                              </m:accPr>
+                              <m:e>
+                                <m:sSup>
+                                  <m:sSupPr>
+                                    <m:ctrlPr>
+                                      <a:rPr lang="en-US" altLang="ko-KR" sz="1100" b="0" i="1" smtClean="0">
+                                        <a:latin typeface="Cambria Math" panose="02040503050406030204" pitchFamily="18" charset="0"/>
+                                      </a:rPr>
+                                    </m:ctrlPr>
+                                  </m:sSupPr>
+                                  <m:e>
+                                    <m:r>
+                                      <a:rPr lang="en-US" altLang="ko-KR" sz="1100" b="0" i="1" smtClean="0">
+                                        <a:latin typeface="Cambria Math" panose="02040503050406030204" pitchFamily="18" charset="0"/>
+                                      </a:rPr>
+                                      <m:t>𝑂</m:t>
+                                    </m:r>
+                                  </m:e>
+                                  <m:sup>
+                                    <m:r>
+                                      <a:rPr lang="en-US" altLang="ko-KR" sz="1100" b="0" i="1" smtClean="0">
+                                        <a:latin typeface="Cambria Math" panose="02040503050406030204" pitchFamily="18" charset="0"/>
+                                      </a:rPr>
+                                      <m:t>′</m:t>
+                                    </m:r>
+                                  </m:sup>
+                                </m:sSup>
+                                <m:r>
+                                  <a:rPr lang="en-US" altLang="ko-KR" sz="1100" b="0" i="1" smtClean="0">
+                                    <a:latin typeface="Cambria Math" panose="02040503050406030204" pitchFamily="18" charset="0"/>
+                                  </a:rPr>
+                                  <m:t>𝑃</m:t>
+                                </m:r>
+                              </m:e>
+                            </m:acc>
+                            <m:r>
+                              <a:rPr lang="en-US" altLang="ko-KR" sz="1100" b="0" i="1" smtClean="0">
+                                <a:latin typeface="Cambria Math" panose="02040503050406030204" pitchFamily="18" charset="0"/>
+                              </a:rPr>
+                              <m:t>= </m:t>
+                            </m:r>
+                            <m:acc>
+                              <m:accPr>
+                                <m:chr m:val="⃗"/>
+                                <m:ctrlPr>
+                                  <a:rPr lang="en-US" altLang="ko-KR" sz="1100" b="0" i="1" smtClean="0">
+                                    <a:latin typeface="Cambria Math" panose="02040503050406030204" pitchFamily="18" charset="0"/>
+                                  </a:rPr>
+                                </m:ctrlPr>
+                              </m:accPr>
+                              <m:e>
+                                <m:r>
+                                  <a:rPr lang="en-US" altLang="ko-KR" sz="1100" b="0" i="1" smtClean="0">
+                                    <a:latin typeface="Cambria Math" panose="02040503050406030204" pitchFamily="18" charset="0"/>
+                                  </a:rPr>
+                                  <m:t>𝑢</m:t>
+                                </m:r>
+                              </m:e>
+                            </m:acc>
+                            <m:r>
+                              <a:rPr lang="en-US" altLang="ko-KR" sz="1100" b="0" i="1" smtClean="0">
+                                <a:latin typeface="Cambria Math" panose="02040503050406030204" pitchFamily="18" charset="0"/>
+                              </a:rPr>
+                              <m:t> −</m:t>
+                            </m:r>
+                            <m:acc>
+                              <m:accPr>
+                                <m:chr m:val="⃗"/>
+                                <m:ctrlPr>
+                                  <a:rPr lang="en-US" altLang="ko-KR" sz="1100" b="0" i="1" smtClean="0">
+                                    <a:latin typeface="Cambria Math" panose="02040503050406030204" pitchFamily="18" charset="0"/>
+                                  </a:rPr>
+                                </m:ctrlPr>
+                              </m:accPr>
+                              <m:e>
+                                <m:r>
+                                  <a:rPr lang="en-US" altLang="ko-KR" sz="1100" b="0" i="1" smtClean="0">
+                                    <a:latin typeface="Cambria Math" panose="02040503050406030204" pitchFamily="18" charset="0"/>
+                                  </a:rPr>
+                                  <m:t>𝑣</m:t>
+                                </m:r>
+                              </m:e>
+                            </m:acc>
+                          </m:oMath>
+                        </m:oMathPara>
+                      </a14:m>
+                      <a:endParaRPr lang="ko-KR" altLang="en-US" sz="1100" dirty="0"/>
+                    </a:p>
+                  </p:txBody>
+                </p:sp>
+              </mc:Choice>
+              <mc:Fallback>
+                <p:sp>
+                  <p:nvSpPr>
+                    <p:cNvPr id="14" name="TextBox 13">
+                      <a:extLst>
+                        <a:ext uri="{FF2B5EF4-FFF2-40B4-BE49-F238E27FC236}">
+                          <a16:creationId xmlns:a16="http://schemas.microsoft.com/office/drawing/2014/main" id="{547EEA28-469E-5508-AB40-9030744E1E00}"/>
+                        </a:ext>
+                      </a:extLst>
+                    </p:cNvPr>
+                    <p:cNvSpPr txBox="1">
+                      <a:spLocks noRot="1" noChangeAspect="1" noMove="1" noResize="1" noEditPoints="1" noAdjustHandles="1" noChangeArrowheads="1" noChangeShapeType="1" noTextEdit="1"/>
+                    </p:cNvSpPr>
+                    <p:nvPr/>
+                  </p:nvSpPr>
+                  <p:spPr>
+                    <a:xfrm>
+                      <a:off x="5921496" y="3829149"/>
+                      <a:ext cx="1209776" cy="328086"/>
+                    </a:xfrm>
+                    <a:prstGeom prst="rect">
+                      <a:avLst/>
+                    </a:prstGeom>
+                    <a:blipFill>
+                      <a:blip r:embed="rId2"/>
+                      <a:stretch>
+                        <a:fillRect r="-10465"/>
+                      </a:stretch>
+                    </a:blipFill>
+                  </p:spPr>
+                  <p:txBody>
+                    <a:bodyPr/>
+                    <a:lstStyle/>
+                    <a:p>
+                      <a:r>
+                        <a:rPr lang="ko-KR" altLang="en-US">
+                          <a:noFill/>
+                        </a:rPr>
+                        <a:t> </a:t>
+                      </a:r>
+                    </a:p>
+                  </p:txBody>
+                </p:sp>
+              </mc:Fallback>
+            </mc:AlternateContent>
+            <mc:AlternateContent xmlns:mc="http://schemas.openxmlformats.org/markup-compatibility/2006">
+              <mc:Choice xmlns:a14="http://schemas.microsoft.com/office/drawing/2010/main" Requires="a14">
+                <p:sp>
+                  <p:nvSpPr>
+                    <p:cNvPr id="15" name="TextBox 14">
+                      <a:extLst>
+                        <a:ext uri="{FF2B5EF4-FFF2-40B4-BE49-F238E27FC236}">
+                          <a16:creationId xmlns:a16="http://schemas.microsoft.com/office/drawing/2014/main" id="{1B5B83A6-2147-B09B-C5E6-2FC8EC5AADF2}"/>
+                        </a:ext>
+                      </a:extLst>
+                    </p:cNvPr>
+                    <p:cNvSpPr txBox="1"/>
+                    <p:nvPr/>
+                  </p:nvSpPr>
+                  <p:spPr>
+                    <a:xfrm>
+                      <a:off x="6418822" y="3036431"/>
+                      <a:ext cx="378245" cy="338554"/>
+                    </a:xfrm>
+                    <a:prstGeom prst="rect">
+                      <a:avLst/>
+                    </a:prstGeom>
+                    <a:noFill/>
+                  </p:spPr>
+                  <p:txBody>
+                    <a:bodyPr wrap="none" rtlCol="0">
+                      <a:spAutoFit/>
+                    </a:bodyPr>
+                    <a:lstStyle/>
+                    <a:p>
+                      <a:pPr/>
+                      <a14:m>
+                        <m:oMathPara xmlns:m="http://schemas.openxmlformats.org/officeDocument/2006/math">
+                          <m:oMathParaPr>
+                            <m:jc m:val="centerGroup"/>
+                          </m:oMathParaPr>
+                          <m:oMath xmlns:m="http://schemas.openxmlformats.org/officeDocument/2006/math">
+                            <m:r>
+                              <a:rPr lang="en-US" altLang="ko-KR" sz="1600" b="0" i="1" smtClean="0">
+                                <a:latin typeface="Cambria Math" panose="02040503050406030204" pitchFamily="18" charset="0"/>
+                              </a:rPr>
+                              <m:t>𝜃</m:t>
+                            </m:r>
+                          </m:oMath>
+                        </m:oMathPara>
+                      </a14:m>
+                      <a:endParaRPr lang="ko-KR" altLang="en-US" sz="1600" dirty="0"/>
+                    </a:p>
+                  </p:txBody>
+                </p:sp>
+              </mc:Choice>
+              <mc:Fallback>
+                <p:sp>
+                  <p:nvSpPr>
+                    <p:cNvPr id="15" name="TextBox 14">
+                      <a:extLst>
+                        <a:ext uri="{FF2B5EF4-FFF2-40B4-BE49-F238E27FC236}">
+                          <a16:creationId xmlns:a16="http://schemas.microsoft.com/office/drawing/2014/main" id="{1B5B83A6-2147-B09B-C5E6-2FC8EC5AADF2}"/>
+                        </a:ext>
+                      </a:extLst>
+                    </p:cNvPr>
+                    <p:cNvSpPr txBox="1">
+                      <a:spLocks noRot="1" noChangeAspect="1" noMove="1" noResize="1" noEditPoints="1" noAdjustHandles="1" noChangeArrowheads="1" noChangeShapeType="1" noTextEdit="1"/>
+                    </p:cNvSpPr>
+                    <p:nvPr/>
+                  </p:nvSpPr>
+                  <p:spPr>
+                    <a:xfrm>
+                      <a:off x="6418822" y="3036431"/>
+                      <a:ext cx="378245" cy="338554"/>
+                    </a:xfrm>
+                    <a:prstGeom prst="rect">
+                      <a:avLst/>
+                    </a:prstGeom>
+                    <a:blipFill>
+                      <a:blip r:embed="rId3"/>
+                      <a:stretch>
+                        <a:fillRect b="-8333"/>
+                      </a:stretch>
+                    </a:blipFill>
+                  </p:spPr>
+                  <p:txBody>
+                    <a:bodyPr/>
+                    <a:lstStyle/>
+                    <a:p>
+                      <a:r>
+                        <a:rPr lang="ko-KR" altLang="en-US">
+                          <a:noFill/>
+                        </a:rPr>
+                        <a:t> </a:t>
+                      </a:r>
+                    </a:p>
+                  </p:txBody>
+                </p:sp>
+              </mc:Fallback>
+            </mc:AlternateContent>
+            <p:sp>
+              <p:nvSpPr>
+                <p:cNvPr id="16" name="부분 원형 15">
+                  <a:extLst>
+                    <a:ext uri="{FF2B5EF4-FFF2-40B4-BE49-F238E27FC236}">
+                      <a16:creationId xmlns:a16="http://schemas.microsoft.com/office/drawing/2014/main" id="{6E99F4B6-8A17-3FCA-1DA5-69A4E1DFAFC9}"/>
+                    </a:ext>
+                  </a:extLst>
+                </p:cNvPr>
+                <p:cNvSpPr/>
+                <p:nvPr/>
+              </p:nvSpPr>
+              <p:spPr>
+                <a:xfrm rot="5818006">
+                  <a:off x="5783596" y="3237311"/>
+                  <a:ext cx="624807" cy="383378"/>
+                </a:xfrm>
+                <a:prstGeom prst="pie">
+                  <a:avLst>
+                    <a:gd name="adj1" fmla="val 12785602"/>
+                    <a:gd name="adj2" fmla="val 15745783"/>
+                  </a:avLst>
+                </a:prstGeom>
+                <a:noFill/>
+                <a:ln>
+                  <a:solidFill>
+                    <a:schemeClr val="tx1"/>
+                  </a:solidFill>
+                </a:ln>
+              </p:spPr>
+              <p:style>
+                <a:lnRef idx="2">
+                  <a:schemeClr val="accent1">
+                    <a:shade val="50000"/>
+                  </a:schemeClr>
+                </a:lnRef>
+                <a:fillRef idx="1">
+                  <a:schemeClr val="accent1"/>
+                </a:fillRef>
+                <a:effectRef idx="0">
+                  <a:schemeClr val="accent1"/>
+                </a:effectRef>
+                <a:fontRef idx="minor">
+                  <a:schemeClr val="lt1"/>
+                </a:fontRef>
+              </p:style>
+              <p:txBody>
+                <a:bodyPr rtlCol="0" anchor="ctr"/>
+                <a:lstStyle/>
+                <a:p>
+                  <a:pPr algn="ctr"/>
+                  <a:endParaRPr lang="ko-KR" altLang="en-US">
+                    <a:solidFill>
+                      <a:schemeClr val="tx1"/>
+                    </a:solidFill>
+                  </a:endParaRPr>
+                </a:p>
+              </p:txBody>
+            </p:sp>
+          </p:grpSp>
+          <mc:AlternateContent xmlns:mc="http://schemas.openxmlformats.org/markup-compatibility/2006">
+            <mc:Choice xmlns:a14="http://schemas.microsoft.com/office/drawing/2010/main" Requires="a14">
+              <p:sp>
+                <p:nvSpPr>
+                  <p:cNvPr id="6" name="TextBox 5">
+                    <a:extLst>
+                      <a:ext uri="{FF2B5EF4-FFF2-40B4-BE49-F238E27FC236}">
+                        <a16:creationId xmlns:a16="http://schemas.microsoft.com/office/drawing/2014/main" id="{77BF3D68-91A7-D3E2-777C-10C127718239}"/>
+                      </a:ext>
+                    </a:extLst>
+                  </p:cNvPr>
+                  <p:cNvSpPr txBox="1"/>
+                  <p:nvPr/>
+                </p:nvSpPr>
+                <p:spPr>
+                  <a:xfrm>
+                    <a:off x="4646222" y="1945866"/>
+                    <a:ext cx="319383" cy="253916"/>
+                  </a:xfrm>
+                  <a:prstGeom prst="rect">
+                    <a:avLst/>
+                  </a:prstGeom>
+                  <a:noFill/>
+                </p:spPr>
+                <p:txBody>
+                  <a:bodyPr wrap="none" rtlCol="0">
+                    <a:spAutoFit/>
+                  </a:bodyPr>
+                  <a:lstStyle/>
+                  <a:p>
+                    <a:pPr/>
+                    <a14:m>
+                      <m:oMathPara xmlns:m="http://schemas.openxmlformats.org/officeDocument/2006/math">
+                        <m:oMathParaPr>
+                          <m:jc m:val="centerGroup"/>
+                        </m:oMathParaPr>
+                        <m:oMath xmlns:m="http://schemas.openxmlformats.org/officeDocument/2006/math">
+                          <m:r>
+                            <a:rPr lang="en-US" altLang="ko-KR" sz="1050" b="0" i="1" smtClean="0">
+                              <a:latin typeface="Cambria Math" panose="02040503050406030204" pitchFamily="18" charset="0"/>
+                            </a:rPr>
+                            <m:t>𝑃</m:t>
+                          </m:r>
+                        </m:oMath>
+                      </m:oMathPara>
+                    </a14:m>
+                    <a:endParaRPr lang="ko-KR" altLang="en-US" sz="1050" dirty="0"/>
+                  </a:p>
+                </p:txBody>
+              </p:sp>
+            </mc:Choice>
+            <mc:Fallback>
+              <p:sp>
+                <p:nvSpPr>
+                  <p:cNvPr id="6" name="TextBox 5">
+                    <a:extLst>
+                      <a:ext uri="{FF2B5EF4-FFF2-40B4-BE49-F238E27FC236}">
+                        <a16:creationId xmlns:a16="http://schemas.microsoft.com/office/drawing/2014/main" id="{77BF3D68-91A7-D3E2-777C-10C127718239}"/>
+                      </a:ext>
+                    </a:extLst>
+                  </p:cNvPr>
+                  <p:cNvSpPr txBox="1">
+                    <a:spLocks noRot="1" noChangeAspect="1" noMove="1" noResize="1" noEditPoints="1" noAdjustHandles="1" noChangeArrowheads="1" noChangeShapeType="1" noTextEdit="1"/>
+                  </p:cNvSpPr>
+                  <p:nvPr/>
+                </p:nvSpPr>
+                <p:spPr>
+                  <a:xfrm>
+                    <a:off x="4646222" y="1945866"/>
+                    <a:ext cx="319383" cy="253916"/>
+                  </a:xfrm>
+                  <a:prstGeom prst="rect">
+                    <a:avLst/>
+                  </a:prstGeom>
+                  <a:blipFill>
+                    <a:blip r:embed="rId4"/>
+                    <a:stretch>
+                      <a:fillRect/>
+                    </a:stretch>
+                  </a:blipFill>
+                </p:spPr>
+                <p:txBody>
+                  <a:bodyPr/>
+                  <a:lstStyle/>
+                  <a:p>
+                    <a:r>
+                      <a:rPr lang="ko-KR" altLang="en-US">
+                        <a:noFill/>
+                      </a:rPr>
+                      <a:t> </a:t>
+                    </a:r>
+                  </a:p>
+                </p:txBody>
+              </p:sp>
+            </mc:Fallback>
+          </mc:AlternateContent>
+          <mc:AlternateContent xmlns:mc="http://schemas.openxmlformats.org/markup-compatibility/2006">
+            <mc:Choice xmlns:a14="http://schemas.microsoft.com/office/drawing/2010/main" Requires="a14">
+              <p:sp>
+                <p:nvSpPr>
+                  <p:cNvPr id="7" name="TextBox 6">
+                    <a:extLst>
+                      <a:ext uri="{FF2B5EF4-FFF2-40B4-BE49-F238E27FC236}">
+                        <a16:creationId xmlns:a16="http://schemas.microsoft.com/office/drawing/2014/main" id="{9B41A549-097E-065E-C4B7-2D22F87BF451}"/>
+                      </a:ext>
+                    </a:extLst>
+                  </p:cNvPr>
+                  <p:cNvSpPr txBox="1"/>
+                  <p:nvPr/>
+                </p:nvSpPr>
+                <p:spPr>
+                  <a:xfrm>
+                    <a:off x="4059463" y="701366"/>
+                    <a:ext cx="351378" cy="253916"/>
+                  </a:xfrm>
+                  <a:prstGeom prst="rect">
+                    <a:avLst/>
+                  </a:prstGeom>
+                  <a:noFill/>
+                </p:spPr>
+                <p:txBody>
+                  <a:bodyPr wrap="none" rtlCol="0">
+                    <a:spAutoFit/>
+                  </a:bodyPr>
+                  <a:lstStyle/>
+                  <a:p>
+                    <a:pPr/>
+                    <a14:m>
+                      <m:oMathPara xmlns:m="http://schemas.openxmlformats.org/officeDocument/2006/math">
+                        <m:oMathParaPr>
+                          <m:jc m:val="centerGroup"/>
+                        </m:oMathParaPr>
+                        <m:oMath xmlns:m="http://schemas.openxmlformats.org/officeDocument/2006/math">
+                          <m:r>
+                            <a:rPr lang="en-US" altLang="ko-KR" sz="1050" b="0" i="1" smtClean="0">
+                              <a:latin typeface="Cambria Math" panose="02040503050406030204" pitchFamily="18" charset="0"/>
+                            </a:rPr>
+                            <m:t>𝑃</m:t>
+                          </m:r>
+                          <m:r>
+                            <a:rPr lang="en-US" altLang="ko-KR" sz="1050" b="0" i="1" smtClean="0">
+                              <a:latin typeface="Cambria Math" panose="02040503050406030204" pitchFamily="18" charset="0"/>
+                            </a:rPr>
+                            <m:t>′</m:t>
+                          </m:r>
+                        </m:oMath>
+                      </m:oMathPara>
+                    </a14:m>
+                    <a:endParaRPr lang="ko-KR" altLang="en-US" sz="1050" dirty="0"/>
+                  </a:p>
+                </p:txBody>
+              </p:sp>
+            </mc:Choice>
+            <mc:Fallback>
+              <p:sp>
+                <p:nvSpPr>
+                  <p:cNvPr id="7" name="TextBox 6">
+                    <a:extLst>
+                      <a:ext uri="{FF2B5EF4-FFF2-40B4-BE49-F238E27FC236}">
+                        <a16:creationId xmlns:a16="http://schemas.microsoft.com/office/drawing/2014/main" id="{9B41A549-097E-065E-C4B7-2D22F87BF451}"/>
+                      </a:ext>
+                    </a:extLst>
+                  </p:cNvPr>
+                  <p:cNvSpPr txBox="1">
+                    <a:spLocks noRot="1" noChangeAspect="1" noMove="1" noResize="1" noEditPoints="1" noAdjustHandles="1" noChangeArrowheads="1" noChangeShapeType="1" noTextEdit="1"/>
+                  </p:cNvSpPr>
+                  <p:nvPr/>
+                </p:nvSpPr>
+                <p:spPr>
+                  <a:xfrm>
+                    <a:off x="4059463" y="701366"/>
+                    <a:ext cx="351378" cy="253916"/>
+                  </a:xfrm>
+                  <a:prstGeom prst="rect">
+                    <a:avLst/>
+                  </a:prstGeom>
+                  <a:blipFill>
+                    <a:blip r:embed="rId5"/>
+                    <a:stretch>
+                      <a:fillRect/>
+                    </a:stretch>
+                  </a:blipFill>
+                </p:spPr>
+                <p:txBody>
+                  <a:bodyPr/>
+                  <a:lstStyle/>
+                  <a:p>
+                    <a:r>
+                      <a:rPr lang="ko-KR" altLang="en-US">
+                        <a:noFill/>
+                      </a:rPr>
+                      <a:t> </a:t>
+                    </a:r>
+                  </a:p>
+                </p:txBody>
+              </p:sp>
+            </mc:Fallback>
+          </mc:AlternateContent>
+          <mc:AlternateContent xmlns:mc="http://schemas.openxmlformats.org/markup-compatibility/2006">
+            <mc:Choice xmlns:a14="http://schemas.microsoft.com/office/drawing/2010/main" Requires="a14">
+              <p:sp>
+                <p:nvSpPr>
+                  <p:cNvPr id="8" name="TextBox 7">
+                    <a:extLst>
+                      <a:ext uri="{FF2B5EF4-FFF2-40B4-BE49-F238E27FC236}">
+                        <a16:creationId xmlns:a16="http://schemas.microsoft.com/office/drawing/2014/main" id="{D07D9D17-FDCE-69E8-4194-E64F9FFC804F}"/>
+                      </a:ext>
+                    </a:extLst>
+                  </p:cNvPr>
+                  <p:cNvSpPr txBox="1"/>
+                  <p:nvPr/>
+                </p:nvSpPr>
+                <p:spPr>
+                  <a:xfrm>
+                    <a:off x="2913660" y="1992587"/>
+                    <a:ext cx="359394" cy="253916"/>
+                  </a:xfrm>
+                  <a:prstGeom prst="rect">
+                    <a:avLst/>
+                  </a:prstGeom>
+                  <a:noFill/>
+                </p:spPr>
+                <p:txBody>
+                  <a:bodyPr wrap="none" rtlCol="0">
+                    <a:spAutoFit/>
+                  </a:bodyPr>
+                  <a:lstStyle/>
+                  <a:p>
+                    <a:pPr/>
+                    <a14:m>
+                      <m:oMathPara xmlns:m="http://schemas.openxmlformats.org/officeDocument/2006/math">
+                        <m:oMathParaPr>
+                          <m:jc m:val="centerGroup"/>
+                        </m:oMathParaPr>
+                        <m:oMath xmlns:m="http://schemas.openxmlformats.org/officeDocument/2006/math">
+                          <m:r>
+                            <a:rPr lang="en-US" altLang="ko-KR" sz="1050" b="0" i="1" smtClean="0">
+                              <a:latin typeface="Cambria Math" panose="02040503050406030204" pitchFamily="18" charset="0"/>
+                            </a:rPr>
+                            <m:t>𝑂</m:t>
+                          </m:r>
+                          <m:r>
+                            <a:rPr lang="en-US" altLang="ko-KR" sz="1050" b="0" i="1" smtClean="0">
+                              <a:latin typeface="Cambria Math" panose="02040503050406030204" pitchFamily="18" charset="0"/>
+                            </a:rPr>
+                            <m:t>′</m:t>
+                          </m:r>
+                        </m:oMath>
+                      </m:oMathPara>
+                    </a14:m>
+                    <a:endParaRPr lang="ko-KR" altLang="en-US" sz="1050" dirty="0"/>
+                  </a:p>
+                </p:txBody>
+              </p:sp>
+            </mc:Choice>
+            <mc:Fallback>
+              <p:sp>
+                <p:nvSpPr>
+                  <p:cNvPr id="8" name="TextBox 7">
+                    <a:extLst>
+                      <a:ext uri="{FF2B5EF4-FFF2-40B4-BE49-F238E27FC236}">
+                        <a16:creationId xmlns:a16="http://schemas.microsoft.com/office/drawing/2014/main" id="{D07D9D17-FDCE-69E8-4194-E64F9FFC804F}"/>
+                      </a:ext>
+                    </a:extLst>
+                  </p:cNvPr>
+                  <p:cNvSpPr txBox="1">
+                    <a:spLocks noRot="1" noChangeAspect="1" noMove="1" noResize="1" noEditPoints="1" noAdjustHandles="1" noChangeArrowheads="1" noChangeShapeType="1" noTextEdit="1"/>
+                  </p:cNvSpPr>
+                  <p:nvPr/>
+                </p:nvSpPr>
+                <p:spPr>
+                  <a:xfrm>
+                    <a:off x="2913660" y="1992587"/>
+                    <a:ext cx="359394" cy="253916"/>
+                  </a:xfrm>
+                  <a:prstGeom prst="rect">
+                    <a:avLst/>
+                  </a:prstGeom>
+                  <a:blipFill>
+                    <a:blip r:embed="rId6"/>
+                    <a:stretch>
+                      <a:fillRect/>
+                    </a:stretch>
+                  </a:blipFill>
+                </p:spPr>
+                <p:txBody>
+                  <a:bodyPr/>
+                  <a:lstStyle/>
+                  <a:p>
+                    <a:r>
+                      <a:rPr lang="ko-KR" altLang="en-US">
+                        <a:noFill/>
+                      </a:rPr>
+                      <a:t> </a:t>
+                    </a:r>
+                  </a:p>
+                </p:txBody>
+              </p:sp>
+            </mc:Fallback>
+          </mc:AlternateContent>
+          <p:sp>
+            <p:nvSpPr>
+              <p:cNvPr id="9" name="타원 8">
+                <a:extLst>
+                  <a:ext uri="{FF2B5EF4-FFF2-40B4-BE49-F238E27FC236}">
+                    <a16:creationId xmlns:a16="http://schemas.microsoft.com/office/drawing/2014/main" id="{3189F345-1EAF-451D-A8A6-9EE08F0B3FA5}"/>
+                  </a:ext>
+                </a:extLst>
+              </p:cNvPr>
+              <p:cNvSpPr/>
+              <p:nvPr/>
+            </p:nvSpPr>
+            <p:spPr>
+              <a:xfrm>
+                <a:off x="4616374" y="2034724"/>
+                <a:ext cx="76199" cy="76199"/>
+              </a:xfrm>
+              <a:prstGeom prst="ellipse">
+                <a:avLst/>
+              </a:prstGeom>
+              <a:solidFill>
+                <a:srgbClr val="0000FF"/>
+              </a:solidFill>
+              <a:ln>
+                <a:noFill/>
+              </a:ln>
+            </p:spPr>
+            <p:style>
+              <a:lnRef idx="2">
+                <a:schemeClr val="accent2">
+                  <a:shade val="50000"/>
+                </a:schemeClr>
+              </a:lnRef>
+              <a:fillRef idx="1">
+                <a:schemeClr val="accent2"/>
+              </a:fillRef>
+              <a:effectRef idx="0">
+                <a:schemeClr val="accent2"/>
+              </a:effectRef>
+              <a:fontRef idx="minor">
+                <a:schemeClr val="lt1"/>
+              </a:fontRef>
+            </p:style>
+            <p:txBody>
+              <a:bodyPr rtlCol="0" anchor="ctr"/>
+              <a:lstStyle/>
+              <a:p>
+                <a:pPr algn="ctr"/>
+                <a:endParaRPr lang="ko-KR" altLang="en-US"/>
+              </a:p>
+            </p:txBody>
+          </p:sp>
+          <p:sp>
+            <p:nvSpPr>
+              <p:cNvPr id="10" name="타원 9">
+                <a:extLst>
+                  <a:ext uri="{FF2B5EF4-FFF2-40B4-BE49-F238E27FC236}">
+                    <a16:creationId xmlns:a16="http://schemas.microsoft.com/office/drawing/2014/main" id="{8031BD1A-FE6A-4513-CD17-4E69E867CD1F}"/>
+                  </a:ext>
+                </a:extLst>
+              </p:cNvPr>
+              <p:cNvSpPr/>
+              <p:nvPr/>
+            </p:nvSpPr>
+            <p:spPr>
+              <a:xfrm>
+                <a:off x="4083597" y="929666"/>
+                <a:ext cx="76199" cy="76199"/>
+              </a:xfrm>
+              <a:prstGeom prst="ellipse">
+                <a:avLst/>
+              </a:prstGeom>
+              <a:solidFill>
+                <a:srgbClr val="FF0000"/>
+              </a:solidFill>
+              <a:ln>
+                <a:noFill/>
+              </a:ln>
+            </p:spPr>
+            <p:style>
+              <a:lnRef idx="2">
+                <a:schemeClr val="accent2">
+                  <a:shade val="50000"/>
+                </a:schemeClr>
+              </a:lnRef>
+              <a:fillRef idx="1">
+                <a:schemeClr val="accent2"/>
+              </a:fillRef>
+              <a:effectRef idx="0">
+                <a:schemeClr val="accent2"/>
+              </a:effectRef>
+              <a:fontRef idx="minor">
+                <a:schemeClr val="lt1"/>
+              </a:fontRef>
+            </p:style>
+            <p:txBody>
+              <a:bodyPr rtlCol="0" anchor="ctr"/>
+              <a:lstStyle/>
+              <a:p>
+                <a:pPr algn="ctr"/>
+                <a:endParaRPr lang="ko-KR" altLang="en-US"/>
+              </a:p>
+            </p:txBody>
+          </p:sp>
+          <p:sp>
+            <p:nvSpPr>
+              <p:cNvPr id="32" name="타원 31">
+                <a:extLst>
+                  <a:ext uri="{FF2B5EF4-FFF2-40B4-BE49-F238E27FC236}">
+                    <a16:creationId xmlns:a16="http://schemas.microsoft.com/office/drawing/2014/main" id="{1AA3AF04-11A4-CA43-FFC4-3803FFE5C035}"/>
+                  </a:ext>
+                </a:extLst>
+              </p:cNvPr>
+              <p:cNvSpPr/>
+              <p:nvPr/>
+            </p:nvSpPr>
+            <p:spPr>
+              <a:xfrm>
+                <a:off x="4083597" y="2033313"/>
+                <a:ext cx="76199" cy="76199"/>
+              </a:xfrm>
+              <a:prstGeom prst="ellipse">
+                <a:avLst/>
+              </a:prstGeom>
+              <a:solidFill>
+                <a:srgbClr val="70AD47"/>
+              </a:solidFill>
+              <a:ln>
+                <a:noFill/>
+              </a:ln>
+            </p:spPr>
+            <p:style>
+              <a:lnRef idx="2">
+                <a:schemeClr val="accent2">
+                  <a:shade val="50000"/>
+                </a:schemeClr>
+              </a:lnRef>
+              <a:fillRef idx="1">
+                <a:schemeClr val="accent2"/>
+              </a:fillRef>
+              <a:effectRef idx="0">
+                <a:schemeClr val="accent2"/>
+              </a:effectRef>
+              <a:fontRef idx="minor">
+                <a:schemeClr val="lt1"/>
+              </a:fontRef>
+            </p:style>
+            <p:txBody>
+              <a:bodyPr rtlCol="0" anchor="ctr"/>
+              <a:lstStyle/>
+              <a:p>
+                <a:pPr algn="ctr"/>
+                <a:endParaRPr lang="ko-KR" altLang="en-US"/>
+              </a:p>
+            </p:txBody>
+          </p:sp>
+          <p:sp>
+            <p:nvSpPr>
+              <p:cNvPr id="31" name="타원 30">
+                <a:extLst>
+                  <a:ext uri="{FF2B5EF4-FFF2-40B4-BE49-F238E27FC236}">
+                    <a16:creationId xmlns:a16="http://schemas.microsoft.com/office/drawing/2014/main" id="{9280A50E-F74C-A9A2-0F12-CD82AEF8439C}"/>
+                  </a:ext>
+                </a:extLst>
+              </p:cNvPr>
+              <p:cNvSpPr/>
+              <p:nvPr/>
+            </p:nvSpPr>
+            <p:spPr>
+              <a:xfrm>
+                <a:off x="3198008" y="929666"/>
+                <a:ext cx="76199" cy="76199"/>
+              </a:xfrm>
+              <a:prstGeom prst="ellipse">
+                <a:avLst/>
+              </a:prstGeom>
+              <a:solidFill>
+                <a:srgbClr val="FFC000"/>
+              </a:solidFill>
+              <a:ln>
+                <a:noFill/>
+              </a:ln>
+            </p:spPr>
+            <p:style>
+              <a:lnRef idx="2">
+                <a:schemeClr val="accent2">
+                  <a:shade val="50000"/>
+                </a:schemeClr>
+              </a:lnRef>
+              <a:fillRef idx="1">
+                <a:schemeClr val="accent2"/>
+              </a:fillRef>
+              <a:effectRef idx="0">
+                <a:schemeClr val="accent2"/>
+              </a:effectRef>
+              <a:fontRef idx="minor">
+                <a:schemeClr val="lt1"/>
+              </a:fontRef>
+            </p:style>
+            <p:txBody>
+              <a:bodyPr rtlCol="0" anchor="ctr"/>
+              <a:lstStyle/>
+              <a:p>
+                <a:pPr algn="ctr"/>
+                <a:endParaRPr lang="ko-KR" altLang="en-US"/>
+              </a:p>
+            </p:txBody>
+          </p:sp>
+        </p:grpSp>
+        <p:cxnSp>
+          <p:nvCxnSpPr>
+            <p:cNvPr id="22" name="직선 화살표 연결선 21">
+              <a:extLst>
+                <a:ext uri="{FF2B5EF4-FFF2-40B4-BE49-F238E27FC236}">
+                  <a16:creationId xmlns:a16="http://schemas.microsoft.com/office/drawing/2014/main" id="{E43A72BE-565B-8D63-4B58-CD9C09448881}"/>
+                </a:ext>
+              </a:extLst>
+            </p:cNvPr>
+            <p:cNvCxnSpPr>
+              <a:cxnSpLocks/>
+            </p:cNvCxnSpPr>
+            <p:nvPr/>
+          </p:nvCxnSpPr>
+          <p:spPr>
+            <a:xfrm flipV="1">
+              <a:off x="2952702" y="2318600"/>
+              <a:ext cx="0" cy="1094403"/>
+            </a:xfrm>
+            <a:prstGeom prst="straightConnector1">
+              <a:avLst/>
+            </a:prstGeom>
+            <a:ln w="19050">
+              <a:solidFill>
+                <a:schemeClr val="accent4"/>
+              </a:solidFill>
+              <a:tailEnd type="triangle"/>
+            </a:ln>
+          </p:spPr>
+          <p:style>
+            <a:lnRef idx="1">
+              <a:schemeClr val="dk1"/>
+            </a:lnRef>
+            <a:fillRef idx="0">
+              <a:schemeClr val="dk1"/>
+            </a:fillRef>
+            <a:effectRef idx="0">
+              <a:schemeClr val="dk1"/>
+            </a:effectRef>
+            <a:fontRef idx="minor">
+              <a:schemeClr val="tx1"/>
+            </a:fontRef>
+          </p:style>
+        </p:cxnSp>
+        <p:cxnSp>
+          <p:nvCxnSpPr>
+            <p:cNvPr id="25" name="직선 화살표 연결선 24">
+              <a:extLst>
+                <a:ext uri="{FF2B5EF4-FFF2-40B4-BE49-F238E27FC236}">
+                  <a16:creationId xmlns:a16="http://schemas.microsoft.com/office/drawing/2014/main" id="{7070355C-BE00-14F8-C085-52F50381D1BB}"/>
+                </a:ext>
+              </a:extLst>
+            </p:cNvPr>
+            <p:cNvCxnSpPr>
+              <a:cxnSpLocks/>
+            </p:cNvCxnSpPr>
+            <p:nvPr/>
+          </p:nvCxnSpPr>
+          <p:spPr>
+            <a:xfrm>
+              <a:off x="2946585" y="3429000"/>
+              <a:ext cx="867269" cy="0"/>
+            </a:xfrm>
+            <a:prstGeom prst="straightConnector1">
+              <a:avLst/>
+            </a:prstGeom>
+            <a:ln w="19050">
+              <a:solidFill>
+                <a:schemeClr val="accent6"/>
+              </a:solidFill>
+              <a:tailEnd type="triangle"/>
+            </a:ln>
+          </p:spPr>
+          <p:style>
+            <a:lnRef idx="1">
+              <a:schemeClr val="dk1"/>
+            </a:lnRef>
+            <a:fillRef idx="0">
+              <a:schemeClr val="dk1"/>
+            </a:fillRef>
+            <a:effectRef idx="0">
+              <a:schemeClr val="dk1"/>
+            </a:effectRef>
+            <a:fontRef idx="minor">
+              <a:schemeClr val="tx1"/>
+            </a:fontRef>
+          </p:style>
+        </p:cxnSp>
+        <mc:AlternateContent xmlns:mc="http://schemas.openxmlformats.org/markup-compatibility/2006">
+          <mc:Choice xmlns:a14="http://schemas.microsoft.com/office/drawing/2010/main" Requires="a14">
+            <p:sp>
+              <p:nvSpPr>
+                <p:cNvPr id="33" name="TextBox 32">
+                  <a:extLst>
+                    <a:ext uri="{FF2B5EF4-FFF2-40B4-BE49-F238E27FC236}">
+                      <a16:creationId xmlns:a16="http://schemas.microsoft.com/office/drawing/2014/main" id="{9EF0E676-E6EF-9108-81EC-9B1ED3377DDE}"/>
+                    </a:ext>
+                  </a:extLst>
+                </p:cNvPr>
+                <p:cNvSpPr txBox="1"/>
+                <p:nvPr/>
+              </p:nvSpPr>
+              <p:spPr>
+                <a:xfrm>
+                  <a:off x="2803392" y="3507499"/>
+                  <a:ext cx="1039323" cy="301236"/>
+                </a:xfrm>
+                <a:prstGeom prst="rect">
+                  <a:avLst/>
+                </a:prstGeom>
+                <a:noFill/>
+              </p:spPr>
+              <p:txBody>
+                <a:bodyPr wrap="none" rtlCol="0">
+                  <a:spAutoFit/>
+                </a:bodyPr>
+                <a:lstStyle/>
+                <a:p>
+                  <a:pPr/>
+                  <a14:m>
+                    <m:oMathPara xmlns:m="http://schemas.openxmlformats.org/officeDocument/2006/math">
+                      <m:oMathParaPr>
+                        <m:jc m:val="centerGroup"/>
+                      </m:oMathParaPr>
+                      <m:oMath xmlns:m="http://schemas.openxmlformats.org/officeDocument/2006/math">
+                        <m:func>
+                          <m:funcPr>
+                            <m:ctrlPr>
+                              <a:rPr lang="en-US" altLang="ko-KR" sz="1200" b="0" i="1" smtClean="0">
+                                <a:solidFill>
+                                  <a:srgbClr val="70AD47"/>
+                                </a:solidFill>
+                                <a:latin typeface="Cambria Math" panose="02040503050406030204" pitchFamily="18" charset="0"/>
+                              </a:rPr>
+                            </m:ctrlPr>
+                          </m:funcPr>
+                          <m:fName>
+                            <m:r>
+                              <m:rPr>
+                                <m:sty m:val="p"/>
+                              </m:rPr>
+                              <a:rPr lang="en-US" altLang="ko-KR" sz="1200" i="0" smtClean="0">
+                                <a:solidFill>
+                                  <a:srgbClr val="70AD47"/>
+                                </a:solidFill>
+                                <a:latin typeface="Cambria Math" panose="02040503050406030204" pitchFamily="18" charset="0"/>
+                              </a:rPr>
+                              <m:t>cos</m:t>
+                            </m:r>
+                          </m:fName>
+                          <m:e>
+                            <m:r>
+                              <a:rPr lang="en-US" altLang="ko-KR" sz="1200" b="0" i="1" smtClean="0">
+                                <a:solidFill>
+                                  <a:srgbClr val="70AD47"/>
+                                </a:solidFill>
+                                <a:latin typeface="Cambria Math" panose="02040503050406030204" pitchFamily="18" charset="0"/>
+                              </a:rPr>
+                              <m:t>(</m:t>
+                            </m:r>
+                            <m:r>
+                              <a:rPr lang="en-US" altLang="ko-KR" sz="1200" b="0" i="1" smtClean="0">
+                                <a:solidFill>
+                                  <a:srgbClr val="70AD47"/>
+                                </a:solidFill>
+                                <a:latin typeface="Cambria Math" panose="02040503050406030204" pitchFamily="18" charset="0"/>
+                              </a:rPr>
+                              <m:t>𝜃</m:t>
+                            </m:r>
+                            <m:r>
+                              <a:rPr lang="en-US" altLang="ko-KR" sz="1200" b="0" i="1" smtClean="0">
+                                <a:solidFill>
+                                  <a:srgbClr val="70AD47"/>
+                                </a:solidFill>
+                                <a:latin typeface="Cambria Math" panose="02040503050406030204" pitchFamily="18" charset="0"/>
+                              </a:rPr>
+                              <m:t>)</m:t>
+                            </m:r>
+                          </m:e>
+                        </m:func>
+                        <m:r>
+                          <a:rPr lang="en-US" altLang="ko-KR" sz="1200" b="0" i="1" smtClean="0">
+                            <a:solidFill>
+                              <a:srgbClr val="70AD47"/>
+                            </a:solidFill>
+                            <a:latin typeface="Cambria Math" panose="02040503050406030204" pitchFamily="18" charset="0"/>
+                          </a:rPr>
+                          <m:t>⋅</m:t>
+                        </m:r>
+                        <m:acc>
+                          <m:accPr>
+                            <m:chr m:val="⃗"/>
+                            <m:ctrlPr>
+                              <a:rPr lang="en-US" altLang="ko-KR" sz="1200" b="0" i="1" smtClean="0">
+                                <a:solidFill>
+                                  <a:srgbClr val="70AD47"/>
+                                </a:solidFill>
+                                <a:latin typeface="Cambria Math" panose="02040503050406030204" pitchFamily="18" charset="0"/>
+                              </a:rPr>
+                            </m:ctrlPr>
+                          </m:accPr>
+                          <m:e>
+                            <m:sSup>
+                              <m:sSupPr>
+                                <m:ctrlPr>
+                                  <a:rPr lang="en-US" altLang="ko-KR" sz="1200" b="0" i="1" smtClean="0">
+                                    <a:solidFill>
+                                      <a:srgbClr val="70AD47"/>
+                                    </a:solidFill>
+                                    <a:latin typeface="Cambria Math" panose="02040503050406030204" pitchFamily="18" charset="0"/>
+                                  </a:rPr>
+                                </m:ctrlPr>
+                              </m:sSupPr>
+                              <m:e>
+                                <m:r>
+                                  <a:rPr lang="en-US" altLang="ko-KR" sz="1200" b="0" i="1" smtClean="0">
+                                    <a:solidFill>
+                                      <a:srgbClr val="70AD47"/>
+                                    </a:solidFill>
+                                    <a:latin typeface="Cambria Math" panose="02040503050406030204" pitchFamily="18" charset="0"/>
+                                  </a:rPr>
+                                  <m:t>𝑂</m:t>
+                                </m:r>
+                              </m:e>
+                              <m:sup>
+                                <m:r>
+                                  <a:rPr lang="en-US" altLang="ko-KR" sz="1200" b="0" i="1" smtClean="0">
+                                    <a:solidFill>
+                                      <a:srgbClr val="70AD47"/>
+                                    </a:solidFill>
+                                    <a:latin typeface="Cambria Math" panose="02040503050406030204" pitchFamily="18" charset="0"/>
+                                  </a:rPr>
+                                  <m:t>′</m:t>
+                                </m:r>
+                              </m:sup>
+                            </m:sSup>
+                            <m:r>
+                              <a:rPr lang="en-US" altLang="ko-KR" sz="1200" b="0" i="1" smtClean="0">
+                                <a:solidFill>
+                                  <a:srgbClr val="70AD47"/>
+                                </a:solidFill>
+                                <a:latin typeface="Cambria Math" panose="02040503050406030204" pitchFamily="18" charset="0"/>
+                              </a:rPr>
+                              <m:t>𝑃</m:t>
+                            </m:r>
+                          </m:e>
+                        </m:acc>
+                      </m:oMath>
+                    </m:oMathPara>
+                  </a14:m>
+                  <a:endParaRPr lang="ko-KR" altLang="en-US" sz="1200" dirty="0">
+                    <a:solidFill>
+                      <a:srgbClr val="70AD47"/>
+                    </a:solidFill>
+                  </a:endParaRPr>
+                </a:p>
+              </p:txBody>
+            </p:sp>
+          </mc:Choice>
+          <mc:Fallback>
+            <p:sp>
+              <p:nvSpPr>
+                <p:cNvPr id="33" name="TextBox 32">
+                  <a:extLst>
+                    <a:ext uri="{FF2B5EF4-FFF2-40B4-BE49-F238E27FC236}">
+                      <a16:creationId xmlns:a16="http://schemas.microsoft.com/office/drawing/2014/main" id="{9EF0E676-E6EF-9108-81EC-9B1ED3377DDE}"/>
+                    </a:ext>
+                  </a:extLst>
+                </p:cNvPr>
+                <p:cNvSpPr txBox="1">
+                  <a:spLocks noRot="1" noChangeAspect="1" noMove="1" noResize="1" noEditPoints="1" noAdjustHandles="1" noChangeArrowheads="1" noChangeShapeType="1" noTextEdit="1"/>
+                </p:cNvSpPr>
+                <p:nvPr/>
+              </p:nvSpPr>
+              <p:spPr>
+                <a:xfrm>
+                  <a:off x="2803392" y="3507499"/>
+                  <a:ext cx="1039323" cy="301236"/>
+                </a:xfrm>
+                <a:prstGeom prst="rect">
+                  <a:avLst/>
+                </a:prstGeom>
+                <a:blipFill>
+                  <a:blip r:embed="rId7"/>
+                  <a:stretch>
+                    <a:fillRect b="-8000"/>
+                  </a:stretch>
+                </a:blipFill>
+              </p:spPr>
+              <p:txBody>
+                <a:bodyPr/>
+                <a:lstStyle/>
+                <a:p>
+                  <a:r>
+                    <a:rPr lang="ko-KR" altLang="en-US">
+                      <a:noFill/>
+                    </a:rPr>
+                    <a:t> </a:t>
+                  </a:r>
+                </a:p>
+              </p:txBody>
+            </p:sp>
+          </mc:Fallback>
+        </mc:AlternateContent>
+        <mc:AlternateContent xmlns:mc="http://schemas.openxmlformats.org/markup-compatibility/2006">
+          <mc:Choice xmlns:a14="http://schemas.microsoft.com/office/drawing/2010/main" Requires="a14">
+            <p:sp>
+              <p:nvSpPr>
+                <p:cNvPr id="35" name="TextBox 34">
+                  <a:extLst>
+                    <a:ext uri="{FF2B5EF4-FFF2-40B4-BE49-F238E27FC236}">
+                      <a16:creationId xmlns:a16="http://schemas.microsoft.com/office/drawing/2014/main" id="{A872915C-C0D6-A8DF-254D-8139833960CA}"/>
+                    </a:ext>
+                  </a:extLst>
+                </p:cNvPr>
+                <p:cNvSpPr txBox="1"/>
+                <p:nvPr/>
+              </p:nvSpPr>
+              <p:spPr>
+                <a:xfrm>
+                  <a:off x="2796177" y="1707667"/>
+                  <a:ext cx="328102" cy="253916"/>
+                </a:xfrm>
+                <a:prstGeom prst="rect">
+                  <a:avLst/>
+                </a:prstGeom>
+                <a:noFill/>
+              </p:spPr>
+              <p:txBody>
+                <a:bodyPr wrap="none" rtlCol="0">
+                  <a:spAutoFit/>
+                </a:bodyPr>
+                <a:lstStyle/>
+                <a:p>
+                  <a:pPr/>
+                  <a14:m>
+                    <m:oMathPara xmlns:m="http://schemas.openxmlformats.org/officeDocument/2006/math">
+                      <m:oMathParaPr>
+                        <m:jc m:val="centerGroup"/>
+                      </m:oMathParaPr>
+                      <m:oMath xmlns:m="http://schemas.openxmlformats.org/officeDocument/2006/math">
+                        <m:r>
+                          <a:rPr lang="en-US" altLang="ko-KR" sz="1050" b="0" i="1" smtClean="0">
+                            <a:latin typeface="Cambria Math" panose="02040503050406030204" pitchFamily="18" charset="0"/>
+                          </a:rPr>
+                          <m:t>𝑄</m:t>
+                        </m:r>
+                      </m:oMath>
+                    </m:oMathPara>
+                  </a14:m>
+                  <a:endParaRPr lang="ko-KR" altLang="en-US" sz="1050" dirty="0"/>
+                </a:p>
+              </p:txBody>
+            </p:sp>
+          </mc:Choice>
+          <mc:Fallback>
+            <p:sp>
+              <p:nvSpPr>
+                <p:cNvPr id="35" name="TextBox 34">
+                  <a:extLst>
+                    <a:ext uri="{FF2B5EF4-FFF2-40B4-BE49-F238E27FC236}">
+                      <a16:creationId xmlns:a16="http://schemas.microsoft.com/office/drawing/2014/main" id="{A872915C-C0D6-A8DF-254D-8139833960CA}"/>
+                    </a:ext>
+                  </a:extLst>
+                </p:cNvPr>
+                <p:cNvSpPr txBox="1">
+                  <a:spLocks noRot="1" noChangeAspect="1" noMove="1" noResize="1" noEditPoints="1" noAdjustHandles="1" noChangeArrowheads="1" noChangeShapeType="1" noTextEdit="1"/>
+                </p:cNvSpPr>
+                <p:nvPr/>
+              </p:nvSpPr>
+              <p:spPr>
+                <a:xfrm>
+                  <a:off x="2796177" y="1707667"/>
+                  <a:ext cx="328102" cy="253916"/>
+                </a:xfrm>
+                <a:prstGeom prst="rect">
+                  <a:avLst/>
+                </a:prstGeom>
+                <a:blipFill>
+                  <a:blip r:embed="rId8"/>
+                  <a:stretch>
+                    <a:fillRect b="-2381"/>
+                  </a:stretch>
+                </a:blipFill>
+              </p:spPr>
+              <p:txBody>
+                <a:bodyPr/>
+                <a:lstStyle/>
+                <a:p>
+                  <a:r>
+                    <a:rPr lang="ko-KR" altLang="en-US">
+                      <a:noFill/>
+                    </a:rPr>
+                    <a:t> </a:t>
+                  </a:r>
+                </a:p>
+              </p:txBody>
+            </p:sp>
+          </mc:Fallback>
+        </mc:AlternateContent>
+        <p:sp>
+          <p:nvSpPr>
+            <p:cNvPr id="36" name="타원 35">
+              <a:extLst>
+                <a:ext uri="{FF2B5EF4-FFF2-40B4-BE49-F238E27FC236}">
+                  <a16:creationId xmlns:a16="http://schemas.microsoft.com/office/drawing/2014/main" id="{650305DC-5053-4449-E3DE-83242F7CA441}"/>
+                </a:ext>
+              </a:extLst>
+            </p:cNvPr>
+            <p:cNvSpPr/>
+            <p:nvPr/>
+          </p:nvSpPr>
+          <p:spPr>
+            <a:xfrm>
+              <a:off x="2917768" y="1969344"/>
+              <a:ext cx="76199" cy="76199"/>
+            </a:xfrm>
+            <a:prstGeom prst="ellipse">
+              <a:avLst/>
+            </a:prstGeom>
+            <a:solidFill>
+              <a:srgbClr val="7030A0"/>
+            </a:solidFill>
+            <a:ln>
+              <a:noFill/>
+            </a:ln>
+          </p:spPr>
+          <p:style>
+            <a:lnRef idx="2">
+              <a:schemeClr val="accent2">
+                <a:shade val="50000"/>
+              </a:schemeClr>
+            </a:lnRef>
+            <a:fillRef idx="1">
+              <a:schemeClr val="accent2"/>
+            </a:fillRef>
+            <a:effectRef idx="0">
+              <a:schemeClr val="accent2"/>
+            </a:effectRef>
+            <a:fontRef idx="minor">
+              <a:schemeClr val="lt1"/>
+            </a:fontRef>
+          </p:style>
+          <p:txBody>
+            <a:bodyPr rtlCol="0" anchor="ctr"/>
+            <a:lstStyle/>
+            <a:p>
+              <a:pPr algn="ctr"/>
+              <a:endParaRPr lang="ko-KR" altLang="en-US"/>
+            </a:p>
+          </p:txBody>
+        </p:sp>
+        <mc:AlternateContent xmlns:mc="http://schemas.openxmlformats.org/markup-compatibility/2006">
+          <mc:Choice xmlns:a14="http://schemas.microsoft.com/office/drawing/2010/main" Requires="a14">
+            <p:sp>
+              <p:nvSpPr>
+                <p:cNvPr id="37" name="TextBox 36">
+                  <a:extLst>
+                    <a:ext uri="{FF2B5EF4-FFF2-40B4-BE49-F238E27FC236}">
+                      <a16:creationId xmlns:a16="http://schemas.microsoft.com/office/drawing/2014/main" id="{222FCCC4-6E93-2709-2E6F-B7342511EACC}"/>
+                    </a:ext>
+                  </a:extLst>
+                </p:cNvPr>
+                <p:cNvSpPr txBox="1"/>
+                <p:nvPr/>
+              </p:nvSpPr>
+              <p:spPr>
+                <a:xfrm>
+                  <a:off x="1456989" y="2562819"/>
+                  <a:ext cx="1389803" cy="283860"/>
+                </a:xfrm>
+                <a:prstGeom prst="rect">
+                  <a:avLst/>
+                </a:prstGeom>
+                <a:solidFill>
+                  <a:schemeClr val="bg1"/>
+                </a:solidFill>
+              </p:spPr>
+              <p:txBody>
+                <a:bodyPr wrap="none" rtlCol="0">
+                  <a:spAutoFit/>
+                </a:bodyPr>
+                <a:lstStyle/>
+                <a:p>
+                  <a:pPr/>
+                  <a14:m>
+                    <m:oMathPara xmlns:m="http://schemas.openxmlformats.org/officeDocument/2006/math">
+                      <m:oMathParaPr>
+                        <m:jc m:val="centerGroup"/>
+                      </m:oMathParaPr>
+                      <m:oMath xmlns:m="http://schemas.openxmlformats.org/officeDocument/2006/math">
+                        <m:acc>
+                          <m:accPr>
+                            <m:chr m:val="⃗"/>
+                            <m:ctrlPr>
+                              <a:rPr lang="en-US" altLang="ko-KR" sz="1100" b="0" i="1" smtClean="0">
+                                <a:latin typeface="Cambria Math" panose="02040503050406030204" pitchFamily="18" charset="0"/>
+                              </a:rPr>
+                            </m:ctrlPr>
+                          </m:accPr>
+                          <m:e>
+                            <m:sSup>
+                              <m:sSupPr>
+                                <m:ctrlPr>
+                                  <a:rPr lang="en-US" altLang="ko-KR" sz="1100" b="0" i="1" smtClean="0">
+                                    <a:latin typeface="Cambria Math" panose="02040503050406030204" pitchFamily="18" charset="0"/>
+                                  </a:rPr>
+                                </m:ctrlPr>
+                              </m:sSupPr>
+                              <m:e>
+                                <m:r>
+                                  <a:rPr lang="en-US" altLang="ko-KR" sz="1100" b="0" i="1" smtClean="0">
+                                    <a:latin typeface="Cambria Math" panose="02040503050406030204" pitchFamily="18" charset="0"/>
+                                  </a:rPr>
+                                  <m:t>𝑂</m:t>
+                                </m:r>
+                              </m:e>
+                              <m:sup>
+                                <m:r>
+                                  <a:rPr lang="en-US" altLang="ko-KR" sz="1100" b="0" i="1" smtClean="0">
+                                    <a:latin typeface="Cambria Math" panose="02040503050406030204" pitchFamily="18" charset="0"/>
+                                  </a:rPr>
+                                  <m:t>′</m:t>
+                                </m:r>
+                              </m:sup>
+                            </m:sSup>
+                            <m:r>
+                              <a:rPr lang="en-US" altLang="ko-KR" sz="1100" b="0" i="1" smtClean="0">
+                                <a:latin typeface="Cambria Math" panose="02040503050406030204" pitchFamily="18" charset="0"/>
+                              </a:rPr>
+                              <m:t>𝑄</m:t>
+                            </m:r>
+                          </m:e>
+                        </m:acc>
+                        <m:r>
+                          <a:rPr lang="en-US" altLang="ko-KR" sz="1100" b="0" i="1" smtClean="0">
+                            <a:latin typeface="Cambria Math" panose="02040503050406030204" pitchFamily="18" charset="0"/>
+                          </a:rPr>
+                          <m:t>=</m:t>
+                        </m:r>
+                        <m:acc>
+                          <m:accPr>
+                            <m:chr m:val="̂"/>
+                            <m:ctrlPr>
+                              <a:rPr lang="en-US" altLang="ko-KR" sz="1100" b="0" i="1" smtClean="0">
+                                <a:latin typeface="Cambria Math" panose="02040503050406030204" pitchFamily="18" charset="0"/>
+                              </a:rPr>
+                            </m:ctrlPr>
+                          </m:accPr>
+                          <m:e>
+                            <m:r>
+                              <a:rPr lang="en-US" altLang="ko-KR" sz="1100" b="0" i="1" smtClean="0">
+                                <a:latin typeface="Cambria Math" panose="02040503050406030204" pitchFamily="18" charset="0"/>
+                              </a:rPr>
+                              <m:t>𝑛</m:t>
+                            </m:r>
+                          </m:e>
+                        </m:acc>
+                        <m:r>
+                          <a:rPr lang="en-US" altLang="ko-KR" sz="1100" b="0" i="1" smtClean="0">
+                            <a:latin typeface="Cambria Math" panose="02040503050406030204" pitchFamily="18" charset="0"/>
+                          </a:rPr>
+                          <m:t>×(</m:t>
+                        </m:r>
+                        <m:acc>
+                          <m:accPr>
+                            <m:chr m:val="⃗"/>
+                            <m:ctrlPr>
+                              <a:rPr lang="en-US" altLang="ko-KR" sz="1100" b="0" i="1" smtClean="0">
+                                <a:latin typeface="Cambria Math" panose="02040503050406030204" pitchFamily="18" charset="0"/>
+                              </a:rPr>
+                            </m:ctrlPr>
+                          </m:accPr>
+                          <m:e>
+                            <m:r>
+                              <a:rPr lang="en-US" altLang="ko-KR" sz="1100" b="0" i="1" smtClean="0">
+                                <a:latin typeface="Cambria Math" panose="02040503050406030204" pitchFamily="18" charset="0"/>
+                              </a:rPr>
+                              <m:t>𝑢</m:t>
+                            </m:r>
+                          </m:e>
+                        </m:acc>
+                        <m:r>
+                          <a:rPr lang="en-US" altLang="ko-KR" sz="1100" b="0" i="1" smtClean="0">
+                            <a:latin typeface="Cambria Math" panose="02040503050406030204" pitchFamily="18" charset="0"/>
+                          </a:rPr>
+                          <m:t> −</m:t>
+                        </m:r>
+                        <m:acc>
+                          <m:accPr>
+                            <m:chr m:val="⃗"/>
+                            <m:ctrlPr>
+                              <a:rPr lang="en-US" altLang="ko-KR" sz="1100" b="0" i="1" smtClean="0">
+                                <a:latin typeface="Cambria Math" panose="02040503050406030204" pitchFamily="18" charset="0"/>
+                              </a:rPr>
+                            </m:ctrlPr>
+                          </m:accPr>
+                          <m:e>
+                            <m:r>
+                              <a:rPr lang="en-US" altLang="ko-KR" sz="1100" b="0" i="1" smtClean="0">
+                                <a:latin typeface="Cambria Math" panose="02040503050406030204" pitchFamily="18" charset="0"/>
+                              </a:rPr>
+                              <m:t>𝑣</m:t>
+                            </m:r>
+                          </m:e>
+                        </m:acc>
+                        <m:r>
+                          <a:rPr lang="en-US" altLang="ko-KR" sz="1100" b="0" i="1" smtClean="0">
+                            <a:latin typeface="Cambria Math" panose="02040503050406030204" pitchFamily="18" charset="0"/>
+                          </a:rPr>
+                          <m:t>)</m:t>
+                        </m:r>
+                      </m:oMath>
+                    </m:oMathPara>
+                  </a14:m>
+                  <a:endParaRPr lang="ko-KR" altLang="en-US" sz="1100" dirty="0"/>
+                </a:p>
+              </p:txBody>
+            </p:sp>
+          </mc:Choice>
+          <mc:Fallback>
+            <p:sp>
+              <p:nvSpPr>
+                <p:cNvPr id="37" name="TextBox 36">
+                  <a:extLst>
+                    <a:ext uri="{FF2B5EF4-FFF2-40B4-BE49-F238E27FC236}">
+                      <a16:creationId xmlns:a16="http://schemas.microsoft.com/office/drawing/2014/main" id="{222FCCC4-6E93-2709-2E6F-B7342511EACC}"/>
+                    </a:ext>
+                  </a:extLst>
+                </p:cNvPr>
+                <p:cNvSpPr txBox="1">
+                  <a:spLocks noRot="1" noChangeAspect="1" noMove="1" noResize="1" noEditPoints="1" noAdjustHandles="1" noChangeArrowheads="1" noChangeShapeType="1" noTextEdit="1"/>
+                </p:cNvSpPr>
+                <p:nvPr/>
+              </p:nvSpPr>
+              <p:spPr>
+                <a:xfrm>
+                  <a:off x="1456989" y="2562819"/>
+                  <a:ext cx="1389803" cy="283860"/>
+                </a:xfrm>
+                <a:prstGeom prst="rect">
+                  <a:avLst/>
+                </a:prstGeom>
+                <a:blipFill>
+                  <a:blip r:embed="rId9"/>
+                  <a:stretch>
+                    <a:fillRect r="-3070" b="-6383"/>
+                  </a:stretch>
+                </a:blipFill>
+              </p:spPr>
+              <p:txBody>
+                <a:bodyPr/>
+                <a:lstStyle/>
+                <a:p>
+                  <a:r>
+                    <a:rPr lang="ko-KR" altLang="en-US">
+                      <a:noFill/>
+                    </a:rPr>
+                    <a:t> </a:t>
+                  </a:r>
+                </a:p>
+              </p:txBody>
+            </p:sp>
+          </mc:Fallback>
+        </mc:AlternateContent>
+        <mc:AlternateContent xmlns:mc="http://schemas.openxmlformats.org/markup-compatibility/2006">
+          <mc:Choice xmlns:a14="http://schemas.microsoft.com/office/drawing/2010/main" Requires="a14">
+            <p:sp>
+              <p:nvSpPr>
+                <p:cNvPr id="38" name="TextBox 37">
+                  <a:extLst>
+                    <a:ext uri="{FF2B5EF4-FFF2-40B4-BE49-F238E27FC236}">
+                      <a16:creationId xmlns:a16="http://schemas.microsoft.com/office/drawing/2014/main" id="{A63857EE-D055-76F1-301F-D3905F812A6B}"/>
+                    </a:ext>
+                  </a:extLst>
+                </p:cNvPr>
+                <p:cNvSpPr txBox="1"/>
+                <p:nvPr/>
+              </p:nvSpPr>
+              <p:spPr>
+                <a:xfrm>
+                  <a:off x="1703790" y="2885543"/>
+                  <a:ext cx="911788" cy="283860"/>
+                </a:xfrm>
+                <a:prstGeom prst="rect">
+                  <a:avLst/>
+                </a:prstGeom>
+                <a:solidFill>
+                  <a:schemeClr val="bg1"/>
+                </a:solidFill>
+              </p:spPr>
+              <p:txBody>
+                <a:bodyPr wrap="none" rtlCol="0">
+                  <a:spAutoFit/>
+                </a:bodyPr>
+                <a:lstStyle/>
+                <a:p>
+                  <a:pPr/>
+                  <a14:m>
+                    <m:oMathPara xmlns:m="http://schemas.openxmlformats.org/officeDocument/2006/math">
+                      <m:oMathParaPr>
+                        <m:jc m:val="centerGroup"/>
+                      </m:oMathParaPr>
+                      <m:oMath xmlns:m="http://schemas.openxmlformats.org/officeDocument/2006/math">
+                        <m:func>
+                          <m:funcPr>
+                            <m:ctrlPr>
+                              <a:rPr lang="en-US" altLang="ko-KR" sz="1100" b="0" i="1" smtClean="0">
+                                <a:solidFill>
+                                  <a:srgbClr val="FFC000"/>
+                                </a:solidFill>
+                                <a:latin typeface="Cambria Math" panose="02040503050406030204" pitchFamily="18" charset="0"/>
+                              </a:rPr>
+                            </m:ctrlPr>
+                          </m:funcPr>
+                          <m:fName>
+                            <m:r>
+                              <m:rPr>
+                                <m:sty m:val="p"/>
+                              </m:rPr>
+                              <a:rPr lang="en-US" altLang="ko-KR" sz="1100" b="0" i="0" smtClean="0">
+                                <a:solidFill>
+                                  <a:srgbClr val="FFC000"/>
+                                </a:solidFill>
+                                <a:latin typeface="Cambria Math" panose="02040503050406030204" pitchFamily="18" charset="0"/>
+                              </a:rPr>
+                              <m:t>sin</m:t>
+                            </m:r>
+                          </m:fName>
+                          <m:e>
+                            <m:r>
+                              <a:rPr lang="en-US" altLang="ko-KR" sz="1100" b="0" i="1" smtClean="0">
+                                <a:solidFill>
+                                  <a:srgbClr val="FFC000"/>
+                                </a:solidFill>
+                                <a:latin typeface="Cambria Math" panose="02040503050406030204" pitchFamily="18" charset="0"/>
+                              </a:rPr>
+                              <m:t>(</m:t>
+                            </m:r>
+                            <m:r>
+                              <a:rPr lang="en-US" altLang="ko-KR" sz="1100" b="0" i="1" smtClean="0">
+                                <a:solidFill>
+                                  <a:srgbClr val="FFC000"/>
+                                </a:solidFill>
+                                <a:latin typeface="Cambria Math" panose="02040503050406030204" pitchFamily="18" charset="0"/>
+                              </a:rPr>
+                              <m:t>𝜃</m:t>
+                            </m:r>
+                            <m:r>
+                              <a:rPr lang="en-US" altLang="ko-KR" sz="1100" b="0" i="1" smtClean="0">
+                                <a:solidFill>
+                                  <a:srgbClr val="FFC000"/>
+                                </a:solidFill>
+                                <a:latin typeface="Cambria Math" panose="02040503050406030204" pitchFamily="18" charset="0"/>
+                              </a:rPr>
+                              <m:t>)</m:t>
+                            </m:r>
+                          </m:e>
+                        </m:func>
+                        <m:r>
+                          <a:rPr lang="en-US" altLang="ko-KR" sz="1100" b="0" i="1" smtClean="0">
+                            <a:solidFill>
+                              <a:srgbClr val="FFC000"/>
+                            </a:solidFill>
+                            <a:latin typeface="Cambria Math" panose="02040503050406030204" pitchFamily="18" charset="0"/>
+                          </a:rPr>
+                          <m:t> </m:t>
+                        </m:r>
+                        <m:acc>
+                          <m:accPr>
+                            <m:chr m:val="⃗"/>
+                            <m:ctrlPr>
+                              <a:rPr lang="en-US" altLang="ko-KR" sz="1100" b="0" i="1" smtClean="0">
+                                <a:solidFill>
+                                  <a:srgbClr val="FFC000"/>
+                                </a:solidFill>
+                                <a:latin typeface="Cambria Math" panose="02040503050406030204" pitchFamily="18" charset="0"/>
+                              </a:rPr>
+                            </m:ctrlPr>
+                          </m:accPr>
+                          <m:e>
+                            <m:sSup>
+                              <m:sSupPr>
+                                <m:ctrlPr>
+                                  <a:rPr lang="en-US" altLang="ko-KR" sz="1100" b="0" i="1" smtClean="0">
+                                    <a:solidFill>
+                                      <a:srgbClr val="FFC000"/>
+                                    </a:solidFill>
+                                    <a:latin typeface="Cambria Math" panose="02040503050406030204" pitchFamily="18" charset="0"/>
+                                  </a:rPr>
+                                </m:ctrlPr>
+                              </m:sSupPr>
+                              <m:e>
+                                <m:r>
+                                  <a:rPr lang="en-US" altLang="ko-KR" sz="1100" b="0" i="1" smtClean="0">
+                                    <a:solidFill>
+                                      <a:srgbClr val="FFC000"/>
+                                    </a:solidFill>
+                                    <a:latin typeface="Cambria Math" panose="02040503050406030204" pitchFamily="18" charset="0"/>
+                                  </a:rPr>
+                                  <m:t>𝑂</m:t>
+                                </m:r>
+                              </m:e>
+                              <m:sup>
+                                <m:r>
+                                  <a:rPr lang="en-US" altLang="ko-KR" sz="1100" b="0" i="1" smtClean="0">
+                                    <a:solidFill>
+                                      <a:srgbClr val="FFC000"/>
+                                    </a:solidFill>
+                                    <a:latin typeface="Cambria Math" panose="02040503050406030204" pitchFamily="18" charset="0"/>
+                                  </a:rPr>
+                                  <m:t>′</m:t>
+                                </m:r>
+                              </m:sup>
+                            </m:sSup>
+                            <m:r>
+                              <a:rPr lang="en-US" altLang="ko-KR" sz="1100" b="0" i="1" smtClean="0">
+                                <a:solidFill>
+                                  <a:srgbClr val="FFC000"/>
+                                </a:solidFill>
+                                <a:latin typeface="Cambria Math" panose="02040503050406030204" pitchFamily="18" charset="0"/>
+                              </a:rPr>
+                              <m:t>𝑄</m:t>
+                            </m:r>
+                          </m:e>
+                        </m:acc>
+                      </m:oMath>
+                    </m:oMathPara>
+                  </a14:m>
+                  <a:endParaRPr lang="ko-KR" altLang="en-US" sz="1100" dirty="0">
+                    <a:solidFill>
+                      <a:srgbClr val="FFC000"/>
+                    </a:solidFill>
+                  </a:endParaRPr>
+                </a:p>
+              </p:txBody>
+            </p:sp>
+          </mc:Choice>
+          <mc:Fallback>
+            <p:sp>
+              <p:nvSpPr>
+                <p:cNvPr id="38" name="TextBox 37">
+                  <a:extLst>
+                    <a:ext uri="{FF2B5EF4-FFF2-40B4-BE49-F238E27FC236}">
+                      <a16:creationId xmlns:a16="http://schemas.microsoft.com/office/drawing/2014/main" id="{A63857EE-D055-76F1-301F-D3905F812A6B}"/>
+                    </a:ext>
+                  </a:extLst>
+                </p:cNvPr>
+                <p:cNvSpPr txBox="1">
+                  <a:spLocks noRot="1" noChangeAspect="1" noMove="1" noResize="1" noEditPoints="1" noAdjustHandles="1" noChangeArrowheads="1" noChangeShapeType="1" noTextEdit="1"/>
+                </p:cNvSpPr>
+                <p:nvPr/>
+              </p:nvSpPr>
+              <p:spPr>
+                <a:xfrm>
+                  <a:off x="1703790" y="2885543"/>
+                  <a:ext cx="911788" cy="283860"/>
+                </a:xfrm>
+                <a:prstGeom prst="rect">
+                  <a:avLst/>
+                </a:prstGeom>
+                <a:blipFill>
+                  <a:blip r:embed="rId10"/>
+                  <a:stretch>
+                    <a:fillRect b="-6383"/>
+                  </a:stretch>
+                </a:blipFill>
+              </p:spPr>
+              <p:txBody>
+                <a:bodyPr/>
+                <a:lstStyle/>
+                <a:p>
+                  <a:r>
+                    <a:rPr lang="ko-KR" altLang="en-US">
+                      <a:noFill/>
+                    </a:rPr>
+                    <a:t> </a:t>
+                  </a:r>
+                </a:p>
+              </p:txBody>
+            </p:sp>
+          </mc:Fallback>
+        </mc:AlternateContent>
+      </p:grpSp>
+    </p:spTree>
+    <p:extLst>
+      <p:ext uri="{BB962C8B-B14F-4D97-AF65-F5344CB8AC3E}">
+        <p14:creationId xmlns:p14="http://schemas.microsoft.com/office/powerpoint/2010/main" val="914622902"/>
       </p:ext>
     </p:extLst>
   </p:cSld>

--- a/assets/img/vision/concept/axis_angle_rotation/axis_angle_rotation.pptx
+++ b/assets/img/vision/concept/axis_angle_rotation/axis_angle_rotation.pptx
@@ -9,6 +9,7 @@
     <p:sldId id="257" r:id="rId3"/>
     <p:sldId id="258" r:id="rId4"/>
     <p:sldId id="259" r:id="rId5"/>
+    <p:sldId id="264" r:id="rId6"/>
   </p:sldIdLst>
   <p:sldSz cx="12192000" cy="6858000"/>
   <p:notesSz cx="6858000" cy="9144000"/>
@@ -273,7 +274,7 @@
           <a:p>
             <a:fld id="{6FD87DA4-F2F6-4932-8726-65DB9545054F}" type="datetimeFigureOut">
               <a:rPr lang="ko-KR" altLang="en-US" smtClean="0"/>
-              <a:t>2023-04-23</a:t>
+              <a:t>2023-05-08</a:t>
             </a:fld>
             <a:endParaRPr lang="ko-KR" altLang="en-US"/>
           </a:p>
@@ -471,7 +472,7 @@
           <a:p>
             <a:fld id="{6FD87DA4-F2F6-4932-8726-65DB9545054F}" type="datetimeFigureOut">
               <a:rPr lang="ko-KR" altLang="en-US" smtClean="0"/>
-              <a:t>2023-04-23</a:t>
+              <a:t>2023-05-08</a:t>
             </a:fld>
             <a:endParaRPr lang="ko-KR" altLang="en-US"/>
           </a:p>
@@ -679,7 +680,7 @@
           <a:p>
             <a:fld id="{6FD87DA4-F2F6-4932-8726-65DB9545054F}" type="datetimeFigureOut">
               <a:rPr lang="ko-KR" altLang="en-US" smtClean="0"/>
-              <a:t>2023-04-23</a:t>
+              <a:t>2023-05-08</a:t>
             </a:fld>
             <a:endParaRPr lang="ko-KR" altLang="en-US"/>
           </a:p>
@@ -877,7 +878,7 @@
           <a:p>
             <a:fld id="{6FD87DA4-F2F6-4932-8726-65DB9545054F}" type="datetimeFigureOut">
               <a:rPr lang="ko-KR" altLang="en-US" smtClean="0"/>
-              <a:t>2023-04-23</a:t>
+              <a:t>2023-05-08</a:t>
             </a:fld>
             <a:endParaRPr lang="ko-KR" altLang="en-US"/>
           </a:p>
@@ -1152,7 +1153,7 @@
           <a:p>
             <a:fld id="{6FD87DA4-F2F6-4932-8726-65DB9545054F}" type="datetimeFigureOut">
               <a:rPr lang="ko-KR" altLang="en-US" smtClean="0"/>
-              <a:t>2023-04-23</a:t>
+              <a:t>2023-05-08</a:t>
             </a:fld>
             <a:endParaRPr lang="ko-KR" altLang="en-US"/>
           </a:p>
@@ -1417,7 +1418,7 @@
           <a:p>
             <a:fld id="{6FD87DA4-F2F6-4932-8726-65DB9545054F}" type="datetimeFigureOut">
               <a:rPr lang="ko-KR" altLang="en-US" smtClean="0"/>
-              <a:t>2023-04-23</a:t>
+              <a:t>2023-05-08</a:t>
             </a:fld>
             <a:endParaRPr lang="ko-KR" altLang="en-US"/>
           </a:p>
@@ -1829,7 +1830,7 @@
           <a:p>
             <a:fld id="{6FD87DA4-F2F6-4932-8726-65DB9545054F}" type="datetimeFigureOut">
               <a:rPr lang="ko-KR" altLang="en-US" smtClean="0"/>
-              <a:t>2023-04-23</a:t>
+              <a:t>2023-05-08</a:t>
             </a:fld>
             <a:endParaRPr lang="ko-KR" altLang="en-US"/>
           </a:p>
@@ -1970,7 +1971,7 @@
           <a:p>
             <a:fld id="{6FD87DA4-F2F6-4932-8726-65DB9545054F}" type="datetimeFigureOut">
               <a:rPr lang="ko-KR" altLang="en-US" smtClean="0"/>
-              <a:t>2023-04-23</a:t>
+              <a:t>2023-05-08</a:t>
             </a:fld>
             <a:endParaRPr lang="ko-KR" altLang="en-US"/>
           </a:p>
@@ -2083,7 +2084,7 @@
           <a:p>
             <a:fld id="{6FD87DA4-F2F6-4932-8726-65DB9545054F}" type="datetimeFigureOut">
               <a:rPr lang="ko-KR" altLang="en-US" smtClean="0"/>
-              <a:t>2023-04-23</a:t>
+              <a:t>2023-05-08</a:t>
             </a:fld>
             <a:endParaRPr lang="ko-KR" altLang="en-US"/>
           </a:p>
@@ -2394,7 +2395,7 @@
           <a:p>
             <a:fld id="{6FD87DA4-F2F6-4932-8726-65DB9545054F}" type="datetimeFigureOut">
               <a:rPr lang="ko-KR" altLang="en-US" smtClean="0"/>
-              <a:t>2023-04-23</a:t>
+              <a:t>2023-05-08</a:t>
             </a:fld>
             <a:endParaRPr lang="ko-KR" altLang="en-US"/>
           </a:p>
@@ -2682,7 +2683,7 @@
           <a:p>
             <a:fld id="{6FD87DA4-F2F6-4932-8726-65DB9545054F}" type="datetimeFigureOut">
               <a:rPr lang="ko-KR" altLang="en-US" smtClean="0"/>
-              <a:t>2023-04-23</a:t>
+              <a:t>2023-05-08</a:t>
             </a:fld>
             <a:endParaRPr lang="ko-KR" altLang="en-US"/>
           </a:p>
@@ -2923,7 +2924,7 @@
           <a:p>
             <a:fld id="{6FD87DA4-F2F6-4932-8726-65DB9545054F}" type="datetimeFigureOut">
               <a:rPr lang="ko-KR" altLang="en-US" smtClean="0"/>
-              <a:t>2023-04-23</a:t>
+              <a:t>2023-05-08</a:t>
             </a:fld>
             <a:endParaRPr lang="ko-KR" altLang="en-US"/>
           </a:p>
@@ -4518,8 +4519,8 @@
             </p:sp>
           </mc:Fallback>
         </mc:AlternateContent>
-        <mc:AlternateContent xmlns:mc="http://schemas.openxmlformats.org/markup-compatibility/2006">
-          <mc:Choice xmlns:a14="http://schemas.microsoft.com/office/drawing/2010/main" Requires="a14">
+        <mc:AlternateContent xmlns:mc="http://schemas.openxmlformats.org/markup-compatibility/2006" xmlns:a14="http://schemas.microsoft.com/office/drawing/2010/main">
+          <mc:Choice Requires="a14">
             <p:sp>
               <p:nvSpPr>
                 <p:cNvPr id="22" name="TextBox 21">
@@ -4569,7 +4570,7 @@
               </p:txBody>
             </p:sp>
           </mc:Choice>
-          <mc:Fallback>
+          <mc:Fallback xmlns="">
             <p:sp>
               <p:nvSpPr>
                 <p:cNvPr id="22" name="TextBox 21">
@@ -4614,8 +4615,8 @@
             </p:sp>
           </mc:Fallback>
         </mc:AlternateContent>
-        <mc:AlternateContent xmlns:mc="http://schemas.openxmlformats.org/markup-compatibility/2006">
-          <mc:Choice xmlns:a14="http://schemas.microsoft.com/office/drawing/2010/main" Requires="a14">
+        <mc:AlternateContent xmlns:mc="http://schemas.openxmlformats.org/markup-compatibility/2006" xmlns:a14="http://schemas.microsoft.com/office/drawing/2010/main">
+          <mc:Choice Requires="a14">
             <p:sp>
               <p:nvSpPr>
                 <p:cNvPr id="23" name="TextBox 22">
@@ -4671,7 +4672,7 @@
               </p:txBody>
             </p:sp>
           </mc:Choice>
-          <mc:Fallback>
+          <mc:Fallback xmlns="">
             <p:sp>
               <p:nvSpPr>
                 <p:cNvPr id="23" name="TextBox 22">
@@ -5106,8 +5107,8 @@
                 </a:p>
               </p:txBody>
             </p:sp>
-            <mc:AlternateContent xmlns:mc="http://schemas.openxmlformats.org/markup-compatibility/2006">
-              <mc:Choice xmlns:a14="http://schemas.microsoft.com/office/drawing/2010/main" Requires="a14">
+            <mc:AlternateContent xmlns:mc="http://schemas.openxmlformats.org/markup-compatibility/2006" xmlns:a14="http://schemas.microsoft.com/office/drawing/2010/main">
+              <mc:Choice Requires="a14">
                 <p:sp>
                   <p:nvSpPr>
                     <p:cNvPr id="34" name="TextBox 33">
@@ -5157,7 +5158,7 @@
                   </p:txBody>
                 </p:sp>
               </mc:Choice>
-              <mc:Fallback>
+              <mc:Fallback xmlns="">
                 <p:sp>
                   <p:nvSpPr>
                     <p:cNvPr id="34" name="TextBox 33">
@@ -5202,8 +5203,8 @@
                 </p:sp>
               </mc:Fallback>
             </mc:AlternateContent>
-            <mc:AlternateContent xmlns:mc="http://schemas.openxmlformats.org/markup-compatibility/2006">
-              <mc:Choice xmlns:a14="http://schemas.microsoft.com/office/drawing/2010/main" Requires="a14">
+            <mc:AlternateContent xmlns:mc="http://schemas.openxmlformats.org/markup-compatibility/2006" xmlns:a14="http://schemas.microsoft.com/office/drawing/2010/main">
+              <mc:Choice Requires="a14">
                 <p:sp>
                   <p:nvSpPr>
                     <p:cNvPr id="35" name="TextBox 34">
@@ -5259,7 +5260,7 @@
                   </p:txBody>
                 </p:sp>
               </mc:Choice>
-              <mc:Fallback>
+              <mc:Fallback xmlns="">
                 <p:sp>
                   <p:nvSpPr>
                     <p:cNvPr id="35" name="TextBox 34">
@@ -5356,8 +5357,8 @@
                 </a:p>
               </p:txBody>
             </p:sp>
-            <mc:AlternateContent xmlns:mc="http://schemas.openxmlformats.org/markup-compatibility/2006">
-              <mc:Choice xmlns:a14="http://schemas.microsoft.com/office/drawing/2010/main" Requires="a14">
+            <mc:AlternateContent xmlns:mc="http://schemas.openxmlformats.org/markup-compatibility/2006" xmlns:a14="http://schemas.microsoft.com/office/drawing/2010/main">
+              <mc:Choice Requires="a14">
                 <p:sp>
                   <p:nvSpPr>
                     <p:cNvPr id="37" name="TextBox 36">
@@ -5425,7 +5426,7 @@
                   </p:txBody>
                 </p:sp>
               </mc:Choice>
-              <mc:Fallback>
+              <mc:Fallback xmlns="">
                 <p:sp>
                   <p:nvSpPr>
                     <p:cNvPr id="37" name="TextBox 36">
@@ -5470,8 +5471,8 @@
                 </p:sp>
               </mc:Fallback>
             </mc:AlternateContent>
-            <mc:AlternateContent xmlns:mc="http://schemas.openxmlformats.org/markup-compatibility/2006">
-              <mc:Choice xmlns:a14="http://schemas.microsoft.com/office/drawing/2010/main" Requires="a14">
+            <mc:AlternateContent xmlns:mc="http://schemas.openxmlformats.org/markup-compatibility/2006" xmlns:a14="http://schemas.microsoft.com/office/drawing/2010/main">
+              <mc:Choice Requires="a14">
                 <p:sp>
                   <p:nvSpPr>
                     <p:cNvPr id="38" name="TextBox 37">
@@ -5533,7 +5534,7 @@
                   </p:txBody>
                 </p:sp>
               </mc:Choice>
-              <mc:Fallback>
+              <mc:Fallback xmlns="">
                 <p:sp>
                   <p:nvSpPr>
                     <p:cNvPr id="38" name="TextBox 37">
@@ -5578,8 +5579,8 @@
                 </p:sp>
               </mc:Fallback>
             </mc:AlternateContent>
-            <mc:AlternateContent xmlns:mc="http://schemas.openxmlformats.org/markup-compatibility/2006">
-              <mc:Choice xmlns:a14="http://schemas.microsoft.com/office/drawing/2010/main" Requires="a14">
+            <mc:AlternateContent xmlns:mc="http://schemas.openxmlformats.org/markup-compatibility/2006" xmlns:a14="http://schemas.microsoft.com/office/drawing/2010/main">
+              <mc:Choice Requires="a14">
                 <p:sp>
                   <p:nvSpPr>
                     <p:cNvPr id="40" name="TextBox 39">
@@ -5629,7 +5630,7 @@
                   </p:txBody>
                 </p:sp>
               </mc:Choice>
-              <mc:Fallback>
+              <mc:Fallback xmlns="">
                 <p:sp>
                   <p:nvSpPr>
                     <p:cNvPr id="40" name="TextBox 39">
@@ -5716,8 +5717,8 @@
                 </a:fontRef>
               </p:style>
             </p:cxnSp>
-            <mc:AlternateContent xmlns:mc="http://schemas.openxmlformats.org/markup-compatibility/2006">
-              <mc:Choice xmlns:a14="http://schemas.microsoft.com/office/drawing/2010/main" Requires="a14">
+            <mc:AlternateContent xmlns:mc="http://schemas.openxmlformats.org/markup-compatibility/2006" xmlns:a14="http://schemas.microsoft.com/office/drawing/2010/main">
+              <mc:Choice Requires="a14">
                 <p:sp>
                   <p:nvSpPr>
                     <p:cNvPr id="54" name="TextBox 53">
@@ -5902,7 +5903,7 @@
                   </p:txBody>
                 </p:sp>
               </mc:Choice>
-              <mc:Fallback>
+              <mc:Fallback xmlns="">
                 <p:sp>
                   <p:nvSpPr>
                     <p:cNvPr id="54" name="TextBox 53">
@@ -5948,8 +5949,8 @@
               </mc:Fallback>
             </mc:AlternateContent>
           </p:grpSp>
-          <mc:AlternateContent xmlns:mc="http://schemas.openxmlformats.org/markup-compatibility/2006">
-            <mc:Choice xmlns:a14="http://schemas.microsoft.com/office/drawing/2010/main" Requires="a14">
+          <mc:AlternateContent xmlns:mc="http://schemas.openxmlformats.org/markup-compatibility/2006" xmlns:a14="http://schemas.microsoft.com/office/drawing/2010/main">
+            <mc:Choice Requires="a14">
               <p:sp>
                 <p:nvSpPr>
                   <p:cNvPr id="59" name="TextBox 58">
@@ -6011,7 +6012,7 @@
                 </p:txBody>
               </p:sp>
             </mc:Choice>
-            <mc:Fallback>
+            <mc:Fallback xmlns="">
               <p:sp>
                 <p:nvSpPr>
                   <p:cNvPr id="59" name="TextBox 58">
@@ -6057,8 +6058,8 @@
             </mc:Fallback>
           </mc:AlternateContent>
         </p:grpSp>
-        <mc:AlternateContent xmlns:mc="http://schemas.openxmlformats.org/markup-compatibility/2006">
-          <mc:Choice xmlns:a14="http://schemas.microsoft.com/office/drawing/2010/main" Requires="a14">
+        <mc:AlternateContent xmlns:mc="http://schemas.openxmlformats.org/markup-compatibility/2006" xmlns:a14="http://schemas.microsoft.com/office/drawing/2010/main">
+          <mc:Choice Requires="a14">
             <p:sp>
               <p:nvSpPr>
                 <p:cNvPr id="61" name="TextBox 60">
@@ -6144,7 +6145,7 @@
               </p:txBody>
             </p:sp>
           </mc:Choice>
-          <mc:Fallback>
+          <mc:Fallback xmlns="">
             <p:sp>
               <p:nvSpPr>
                 <p:cNvPr id="61" name="TextBox 60">
@@ -6396,8 +6397,8 @@
               </a:fontRef>
             </p:style>
           </p:cxnSp>
-          <mc:AlternateContent xmlns:mc="http://schemas.openxmlformats.org/markup-compatibility/2006">
-            <mc:Choice xmlns:a14="http://schemas.microsoft.com/office/drawing/2010/main" Requires="a14">
+          <mc:AlternateContent xmlns:mc="http://schemas.openxmlformats.org/markup-compatibility/2006" xmlns:a14="http://schemas.microsoft.com/office/drawing/2010/main">
+            <mc:Choice Requires="a14">
               <p:sp>
                 <p:nvSpPr>
                   <p:cNvPr id="11" name="TextBox 10">
@@ -6483,7 +6484,7 @@
                 </p:txBody>
               </p:sp>
             </mc:Choice>
-            <mc:Fallback>
+            <mc:Fallback xmlns="">
               <p:sp>
                 <p:nvSpPr>
                   <p:cNvPr id="11" name="TextBox 10">
@@ -6528,8 +6529,8 @@
               </p:sp>
             </mc:Fallback>
           </mc:AlternateContent>
-          <mc:AlternateContent xmlns:mc="http://schemas.openxmlformats.org/markup-compatibility/2006">
-            <mc:Choice xmlns:a14="http://schemas.microsoft.com/office/drawing/2010/main" Requires="a14">
+          <mc:AlternateContent xmlns:mc="http://schemas.openxmlformats.org/markup-compatibility/2006" xmlns:a14="http://schemas.microsoft.com/office/drawing/2010/main">
+            <mc:Choice Requires="a14">
               <p:sp>
                 <p:nvSpPr>
                   <p:cNvPr id="12" name="TextBox 11">
@@ -6579,7 +6580,7 @@
                 </p:txBody>
               </p:sp>
             </mc:Choice>
-            <mc:Fallback>
+            <mc:Fallback xmlns="">
               <p:sp>
                 <p:nvSpPr>
                   <p:cNvPr id="12" name="TextBox 11">
@@ -6684,8 +6685,8 @@
             </p:txBody>
           </p:sp>
         </p:grpSp>
-        <mc:AlternateContent xmlns:mc="http://schemas.openxmlformats.org/markup-compatibility/2006">
-          <mc:Choice xmlns:a14="http://schemas.microsoft.com/office/drawing/2010/main" Requires="a14">
+        <mc:AlternateContent xmlns:mc="http://schemas.openxmlformats.org/markup-compatibility/2006" xmlns:a14="http://schemas.microsoft.com/office/drawing/2010/main">
+          <mc:Choice Requires="a14">
             <p:sp>
               <p:nvSpPr>
                 <p:cNvPr id="15" name="TextBox 14">
@@ -6735,7 +6736,7 @@
               </p:txBody>
             </p:sp>
           </mc:Choice>
-          <mc:Fallback>
+          <mc:Fallback xmlns="">
             <p:sp>
               <p:nvSpPr>
                 <p:cNvPr id="15" name="TextBox 14">
@@ -6780,8 +6781,8 @@
             </p:sp>
           </mc:Fallback>
         </mc:AlternateContent>
-        <mc:AlternateContent xmlns:mc="http://schemas.openxmlformats.org/markup-compatibility/2006">
-          <mc:Choice xmlns:a14="http://schemas.microsoft.com/office/drawing/2010/main" Requires="a14">
+        <mc:AlternateContent xmlns:mc="http://schemas.openxmlformats.org/markup-compatibility/2006" xmlns:a14="http://schemas.microsoft.com/office/drawing/2010/main">
+          <mc:Choice Requires="a14">
             <p:sp>
               <p:nvSpPr>
                 <p:cNvPr id="16" name="TextBox 15">
@@ -6837,7 +6838,7 @@
               </p:txBody>
             </p:sp>
           </mc:Choice>
-          <mc:Fallback>
+          <mc:Fallback xmlns="">
             <p:sp>
               <p:nvSpPr>
                 <p:cNvPr id="16" name="TextBox 15">
@@ -6882,8 +6883,8 @@
             </p:sp>
           </mc:Fallback>
         </mc:AlternateContent>
-        <mc:AlternateContent xmlns:mc="http://schemas.openxmlformats.org/markup-compatibility/2006">
-          <mc:Choice xmlns:a14="http://schemas.microsoft.com/office/drawing/2010/main" Requires="a14">
+        <mc:AlternateContent xmlns:mc="http://schemas.openxmlformats.org/markup-compatibility/2006" xmlns:a14="http://schemas.microsoft.com/office/drawing/2010/main">
+          <mc:Choice Requires="a14">
             <p:sp>
               <p:nvSpPr>
                 <p:cNvPr id="17" name="TextBox 16">
@@ -6939,7 +6940,7 @@
               </p:txBody>
             </p:sp>
           </mc:Choice>
-          <mc:Fallback>
+          <mc:Fallback xmlns="">
             <p:sp>
               <p:nvSpPr>
                 <p:cNvPr id="17" name="TextBox 16">
@@ -7305,8 +7306,8 @@
               </a:fontRef>
             </p:style>
           </p:cxnSp>
-          <mc:AlternateContent xmlns:mc="http://schemas.openxmlformats.org/markup-compatibility/2006">
-            <mc:Choice xmlns:a14="http://schemas.microsoft.com/office/drawing/2010/main" Requires="a14">
+          <mc:AlternateContent xmlns:mc="http://schemas.openxmlformats.org/markup-compatibility/2006" xmlns:a14="http://schemas.microsoft.com/office/drawing/2010/main">
+            <mc:Choice Requires="a14">
               <p:sp>
                 <p:nvSpPr>
                   <p:cNvPr id="31" name="TextBox 30">
@@ -7444,7 +7445,7 @@
                 </p:txBody>
               </p:sp>
             </mc:Choice>
-            <mc:Fallback>
+            <mc:Fallback xmlns="">
               <p:sp>
                 <p:nvSpPr>
                   <p:cNvPr id="31" name="TextBox 30">
@@ -7489,8 +7490,8 @@
               </p:sp>
             </mc:Fallback>
           </mc:AlternateContent>
-          <mc:AlternateContent xmlns:mc="http://schemas.openxmlformats.org/markup-compatibility/2006">
-            <mc:Choice xmlns:a14="http://schemas.microsoft.com/office/drawing/2010/main" Requires="a14">
+          <mc:AlternateContent xmlns:mc="http://schemas.openxmlformats.org/markup-compatibility/2006" xmlns:a14="http://schemas.microsoft.com/office/drawing/2010/main">
+            <mc:Choice Requires="a14">
               <p:sp>
                 <p:nvSpPr>
                   <p:cNvPr id="32" name="TextBox 31">
@@ -7540,7 +7541,7 @@
                 </p:txBody>
               </p:sp>
             </mc:Choice>
-            <mc:Fallback>
+            <mc:Fallback xmlns="">
               <p:sp>
                 <p:nvSpPr>
                   <p:cNvPr id="32" name="TextBox 31">
@@ -7645,8 +7646,8 @@
             </p:txBody>
           </p:sp>
         </p:grpSp>
-        <mc:AlternateContent xmlns:mc="http://schemas.openxmlformats.org/markup-compatibility/2006">
-          <mc:Choice xmlns:a14="http://schemas.microsoft.com/office/drawing/2010/main" Requires="a14">
+        <mc:AlternateContent xmlns:mc="http://schemas.openxmlformats.org/markup-compatibility/2006" xmlns:a14="http://schemas.microsoft.com/office/drawing/2010/main">
+          <mc:Choice Requires="a14">
             <p:sp>
               <p:nvSpPr>
                 <p:cNvPr id="23" name="TextBox 22">
@@ -7696,7 +7697,7 @@
               </p:txBody>
             </p:sp>
           </mc:Choice>
-          <mc:Fallback>
+          <mc:Fallback xmlns="">
             <p:sp>
               <p:nvSpPr>
                 <p:cNvPr id="23" name="TextBox 22">
@@ -7741,8 +7742,8 @@
             </p:sp>
           </mc:Fallback>
         </mc:AlternateContent>
-        <mc:AlternateContent xmlns:mc="http://schemas.openxmlformats.org/markup-compatibility/2006">
-          <mc:Choice xmlns:a14="http://schemas.microsoft.com/office/drawing/2010/main" Requires="a14">
+        <mc:AlternateContent xmlns:mc="http://schemas.openxmlformats.org/markup-compatibility/2006" xmlns:a14="http://schemas.microsoft.com/office/drawing/2010/main">
+          <mc:Choice Requires="a14">
             <p:sp>
               <p:nvSpPr>
                 <p:cNvPr id="24" name="TextBox 23">
@@ -7798,7 +7799,7 @@
               </p:txBody>
             </p:sp>
           </mc:Choice>
-          <mc:Fallback>
+          <mc:Fallback xmlns="">
             <p:sp>
               <p:nvSpPr>
                 <p:cNvPr id="24" name="TextBox 23">
@@ -7843,8 +7844,8 @@
             </p:sp>
           </mc:Fallback>
         </mc:AlternateContent>
-        <mc:AlternateContent xmlns:mc="http://schemas.openxmlformats.org/markup-compatibility/2006">
-          <mc:Choice xmlns:a14="http://schemas.microsoft.com/office/drawing/2010/main" Requires="a14">
+        <mc:AlternateContent xmlns:mc="http://schemas.openxmlformats.org/markup-compatibility/2006" xmlns:a14="http://schemas.microsoft.com/office/drawing/2010/main">
+          <mc:Choice Requires="a14">
             <p:sp>
               <p:nvSpPr>
                 <p:cNvPr id="25" name="TextBox 24">
@@ -7900,7 +7901,7 @@
               </p:txBody>
             </p:sp>
           </mc:Choice>
-          <mc:Fallback>
+          <mc:Fallback xmlns="">
             <p:sp>
               <p:nvSpPr>
                 <p:cNvPr id="25" name="TextBox 24">
@@ -8417,8 +8418,8 @@
               </a:p>
             </p:txBody>
           </p:sp>
-          <mc:AlternateContent xmlns:mc="http://schemas.openxmlformats.org/markup-compatibility/2006">
-            <mc:Choice xmlns:a14="http://schemas.microsoft.com/office/drawing/2010/main" Requires="a14">
+          <mc:AlternateContent xmlns:mc="http://schemas.openxmlformats.org/markup-compatibility/2006" xmlns:a14="http://schemas.microsoft.com/office/drawing/2010/main">
+            <mc:Choice Requires="a14">
               <p:sp>
                 <p:nvSpPr>
                   <p:cNvPr id="36" name="TextBox 35">
@@ -8468,7 +8469,7 @@
                 </p:txBody>
               </p:sp>
             </mc:Choice>
-            <mc:Fallback>
+            <mc:Fallback xmlns="">
               <p:sp>
                 <p:nvSpPr>
                   <p:cNvPr id="36" name="TextBox 35">
@@ -8513,8 +8514,8 @@
               </p:sp>
             </mc:Fallback>
           </mc:AlternateContent>
-          <mc:AlternateContent xmlns:mc="http://schemas.openxmlformats.org/markup-compatibility/2006">
-            <mc:Choice xmlns:a14="http://schemas.microsoft.com/office/drawing/2010/main" Requires="a14">
+          <mc:AlternateContent xmlns:mc="http://schemas.openxmlformats.org/markup-compatibility/2006" xmlns:a14="http://schemas.microsoft.com/office/drawing/2010/main">
+            <mc:Choice Requires="a14">
               <p:sp>
                 <p:nvSpPr>
                   <p:cNvPr id="37" name="TextBox 36">
@@ -8570,7 +8571,7 @@
                 </p:txBody>
               </p:sp>
             </mc:Choice>
-            <mc:Fallback>
+            <mc:Fallback xmlns="">
               <p:sp>
                 <p:nvSpPr>
                   <p:cNvPr id="37" name="TextBox 36">
@@ -8667,8 +8668,8 @@
               </a:p>
             </p:txBody>
           </p:sp>
-          <mc:AlternateContent xmlns:mc="http://schemas.openxmlformats.org/markup-compatibility/2006">
-            <mc:Choice xmlns:a14="http://schemas.microsoft.com/office/drawing/2010/main" Requires="a14">
+          <mc:AlternateContent xmlns:mc="http://schemas.openxmlformats.org/markup-compatibility/2006" xmlns:a14="http://schemas.microsoft.com/office/drawing/2010/main">
+            <mc:Choice Requires="a14">
               <p:sp>
                 <p:nvSpPr>
                   <p:cNvPr id="39" name="TextBox 38">
@@ -8730,7 +8731,7 @@
                 </p:txBody>
               </p:sp>
             </mc:Choice>
-            <mc:Fallback>
+            <mc:Fallback xmlns="">
               <p:sp>
                 <p:nvSpPr>
                   <p:cNvPr id="39" name="TextBox 38">
@@ -8775,8 +8776,8 @@
               </p:sp>
             </mc:Fallback>
           </mc:AlternateContent>
-          <mc:AlternateContent xmlns:mc="http://schemas.openxmlformats.org/markup-compatibility/2006">
-            <mc:Choice xmlns:a14="http://schemas.microsoft.com/office/drawing/2010/main" Requires="a14">
+          <mc:AlternateContent xmlns:mc="http://schemas.openxmlformats.org/markup-compatibility/2006" xmlns:a14="http://schemas.microsoft.com/office/drawing/2010/main">
+            <mc:Choice Requires="a14">
               <p:sp>
                 <p:nvSpPr>
                   <p:cNvPr id="40" name="TextBox 39">
@@ -8838,7 +8839,7 @@
                 </p:txBody>
               </p:sp>
             </mc:Choice>
-            <mc:Fallback>
+            <mc:Fallback xmlns="">
               <p:sp>
                 <p:nvSpPr>
                   <p:cNvPr id="40" name="TextBox 39">
@@ -8883,8 +8884,8 @@
               </p:sp>
             </mc:Fallback>
           </mc:AlternateContent>
-          <mc:AlternateContent xmlns:mc="http://schemas.openxmlformats.org/markup-compatibility/2006">
-            <mc:Choice xmlns:a14="http://schemas.microsoft.com/office/drawing/2010/main" Requires="a14">
+          <mc:AlternateContent xmlns:mc="http://schemas.openxmlformats.org/markup-compatibility/2006" xmlns:a14="http://schemas.microsoft.com/office/drawing/2010/main">
+            <mc:Choice Requires="a14">
               <p:sp>
                 <p:nvSpPr>
                   <p:cNvPr id="42" name="TextBox 41">
@@ -8934,7 +8935,7 @@
                 </p:txBody>
               </p:sp>
             </mc:Choice>
-            <mc:Fallback>
+            <mc:Fallback xmlns="">
               <p:sp>
                 <p:nvSpPr>
                   <p:cNvPr id="42" name="TextBox 41">
@@ -9066,8 +9067,8 @@
             </p:style>
           </p:cxnSp>
         </p:grpSp>
-        <mc:AlternateContent xmlns:mc="http://schemas.openxmlformats.org/markup-compatibility/2006">
-          <mc:Choice xmlns:a14="http://schemas.microsoft.com/office/drawing/2010/main" Requires="a14">
+        <mc:AlternateContent xmlns:mc="http://schemas.openxmlformats.org/markup-compatibility/2006" xmlns:a14="http://schemas.microsoft.com/office/drawing/2010/main">
+          <mc:Choice Requires="a14">
             <p:sp>
               <p:nvSpPr>
                 <p:cNvPr id="69" name="TextBox 68">
@@ -9117,7 +9118,7 @@
               </p:txBody>
             </p:sp>
           </mc:Choice>
-          <mc:Fallback>
+          <mc:Fallback xmlns="">
             <p:sp>
               <p:nvSpPr>
                 <p:cNvPr id="69" name="TextBox 68">
@@ -9411,8 +9412,8 @@
                   </a:fontRef>
                 </p:style>
               </p:cxnSp>
-              <mc:AlternateContent xmlns:mc="http://schemas.openxmlformats.org/markup-compatibility/2006">
-                <mc:Choice xmlns:a14="http://schemas.microsoft.com/office/drawing/2010/main" Requires="a14">
+              <mc:AlternateContent xmlns:mc="http://schemas.openxmlformats.org/markup-compatibility/2006" xmlns:a14="http://schemas.microsoft.com/office/drawing/2010/main">
+                <mc:Choice Requires="a14">
                   <p:sp>
                     <p:nvSpPr>
                       <p:cNvPr id="66" name="TextBox 65">
@@ -9498,7 +9499,7 @@
                     </p:txBody>
                   </p:sp>
                 </mc:Choice>
-                <mc:Fallback>
+                <mc:Fallback xmlns="">
                   <p:sp>
                     <p:nvSpPr>
                       <p:cNvPr id="66" name="TextBox 65">
@@ -9544,8 +9545,8 @@
                 </mc:Fallback>
               </mc:AlternateContent>
             </p:grpSp>
-            <mc:AlternateContent xmlns:mc="http://schemas.openxmlformats.org/markup-compatibility/2006">
-              <mc:Choice xmlns:a14="http://schemas.microsoft.com/office/drawing/2010/main" Requires="a14">
+            <mc:AlternateContent xmlns:mc="http://schemas.openxmlformats.org/markup-compatibility/2006" xmlns:a14="http://schemas.microsoft.com/office/drawing/2010/main">
+              <mc:Choice Requires="a14">
                 <p:sp>
                   <p:nvSpPr>
                     <p:cNvPr id="58" name="TextBox 57">
@@ -9595,7 +9596,7 @@
                   </p:txBody>
                 </p:sp>
               </mc:Choice>
-              <mc:Fallback>
+              <mc:Fallback xmlns="">
                 <p:sp>
                   <p:nvSpPr>
                     <p:cNvPr id="58" name="TextBox 57">
@@ -9640,8 +9641,8 @@
                 </p:sp>
               </mc:Fallback>
             </mc:AlternateContent>
-            <mc:AlternateContent xmlns:mc="http://schemas.openxmlformats.org/markup-compatibility/2006">
-              <mc:Choice xmlns:a14="http://schemas.microsoft.com/office/drawing/2010/main" Requires="a14">
+            <mc:AlternateContent xmlns:mc="http://schemas.openxmlformats.org/markup-compatibility/2006" xmlns:a14="http://schemas.microsoft.com/office/drawing/2010/main">
+              <mc:Choice Requires="a14">
                 <p:sp>
                   <p:nvSpPr>
                     <p:cNvPr id="59" name="TextBox 58">
@@ -9691,7 +9692,7 @@
                   </p:txBody>
                 </p:sp>
               </mc:Choice>
-              <mc:Fallback>
+              <mc:Fallback xmlns="">
                 <p:sp>
                   <p:nvSpPr>
                     <p:cNvPr id="59" name="TextBox 58">
@@ -9736,8 +9737,8 @@
                 </p:sp>
               </mc:Fallback>
             </mc:AlternateContent>
-            <mc:AlternateContent xmlns:mc="http://schemas.openxmlformats.org/markup-compatibility/2006">
-              <mc:Choice xmlns:a14="http://schemas.microsoft.com/office/drawing/2010/main" Requires="a14">
+            <mc:AlternateContent xmlns:mc="http://schemas.openxmlformats.org/markup-compatibility/2006" xmlns:a14="http://schemas.microsoft.com/office/drawing/2010/main">
+              <mc:Choice Requires="a14">
                 <p:sp>
                   <p:nvSpPr>
                     <p:cNvPr id="60" name="TextBox 59">
@@ -9793,7 +9794,7 @@
                   </p:txBody>
                 </p:sp>
               </mc:Choice>
-              <mc:Fallback>
+              <mc:Fallback xmlns="">
                 <p:sp>
                   <p:nvSpPr>
                     <p:cNvPr id="60" name="TextBox 59">
@@ -10101,8 +10102,8 @@
               </a:p>
             </p:txBody>
           </p:sp>
-          <mc:AlternateContent xmlns:mc="http://schemas.openxmlformats.org/markup-compatibility/2006">
-            <mc:Choice xmlns:a14="http://schemas.microsoft.com/office/drawing/2010/main" Requires="a14">
+          <mc:AlternateContent xmlns:mc="http://schemas.openxmlformats.org/markup-compatibility/2006" xmlns:a14="http://schemas.microsoft.com/office/drawing/2010/main">
+            <mc:Choice Requires="a14">
               <p:sp>
                 <p:nvSpPr>
                   <p:cNvPr id="75" name="TextBox 74">
@@ -10174,7 +10175,7 @@
                 </p:txBody>
               </p:sp>
             </mc:Choice>
-            <mc:Fallback>
+            <mc:Fallback xmlns="">
               <p:sp>
                 <p:nvSpPr>
                   <p:cNvPr id="75" name="TextBox 74">
@@ -10629,8 +10630,8 @@
                 </a:fontRef>
               </p:style>
             </p:cxnSp>
-            <mc:AlternateContent xmlns:mc="http://schemas.openxmlformats.org/markup-compatibility/2006">
-              <mc:Choice xmlns:a14="http://schemas.microsoft.com/office/drawing/2010/main" Requires="a14">
+            <mc:AlternateContent xmlns:mc="http://schemas.openxmlformats.org/markup-compatibility/2006" xmlns:a14="http://schemas.microsoft.com/office/drawing/2010/main">
+              <mc:Choice Requires="a14">
                 <p:sp>
                   <p:nvSpPr>
                     <p:cNvPr id="14" name="TextBox 13">
@@ -10765,7 +10766,7 @@
                   </p:txBody>
                 </p:sp>
               </mc:Choice>
-              <mc:Fallback>
+              <mc:Fallback xmlns="">
                 <p:sp>
                   <p:nvSpPr>
                     <p:cNvPr id="14" name="TextBox 13">
@@ -10810,8 +10811,8 @@
                 </p:sp>
               </mc:Fallback>
             </mc:AlternateContent>
-            <mc:AlternateContent xmlns:mc="http://schemas.openxmlformats.org/markup-compatibility/2006">
-              <mc:Choice xmlns:a14="http://schemas.microsoft.com/office/drawing/2010/main" Requires="a14">
+            <mc:AlternateContent xmlns:mc="http://schemas.openxmlformats.org/markup-compatibility/2006" xmlns:a14="http://schemas.microsoft.com/office/drawing/2010/main">
+              <mc:Choice Requires="a14">
                 <p:sp>
                   <p:nvSpPr>
                     <p:cNvPr id="15" name="TextBox 14">
@@ -10861,7 +10862,7 @@
                   </p:txBody>
                 </p:sp>
               </mc:Choice>
-              <mc:Fallback>
+              <mc:Fallback xmlns="">
                 <p:sp>
                   <p:nvSpPr>
                     <p:cNvPr id="15" name="TextBox 14">
@@ -10966,8 +10967,8 @@
               </p:txBody>
             </p:sp>
           </p:grpSp>
-          <mc:AlternateContent xmlns:mc="http://schemas.openxmlformats.org/markup-compatibility/2006">
-            <mc:Choice xmlns:a14="http://schemas.microsoft.com/office/drawing/2010/main" Requires="a14">
+          <mc:AlternateContent xmlns:mc="http://schemas.openxmlformats.org/markup-compatibility/2006" xmlns:a14="http://schemas.microsoft.com/office/drawing/2010/main">
+            <mc:Choice Requires="a14">
               <p:sp>
                 <p:nvSpPr>
                   <p:cNvPr id="6" name="TextBox 5">
@@ -11017,7 +11018,7 @@
                 </p:txBody>
               </p:sp>
             </mc:Choice>
-            <mc:Fallback>
+            <mc:Fallback xmlns="">
               <p:sp>
                 <p:nvSpPr>
                   <p:cNvPr id="6" name="TextBox 5">
@@ -11062,8 +11063,8 @@
               </p:sp>
             </mc:Fallback>
           </mc:AlternateContent>
-          <mc:AlternateContent xmlns:mc="http://schemas.openxmlformats.org/markup-compatibility/2006">
-            <mc:Choice xmlns:a14="http://schemas.microsoft.com/office/drawing/2010/main" Requires="a14">
+          <mc:AlternateContent xmlns:mc="http://schemas.openxmlformats.org/markup-compatibility/2006" xmlns:a14="http://schemas.microsoft.com/office/drawing/2010/main">
+            <mc:Choice Requires="a14">
               <p:sp>
                 <p:nvSpPr>
                   <p:cNvPr id="7" name="TextBox 6">
@@ -11119,7 +11120,7 @@
                 </p:txBody>
               </p:sp>
             </mc:Choice>
-            <mc:Fallback>
+            <mc:Fallback xmlns="">
               <p:sp>
                 <p:nvSpPr>
                   <p:cNvPr id="7" name="TextBox 6">
@@ -11164,8 +11165,8 @@
               </p:sp>
             </mc:Fallback>
           </mc:AlternateContent>
-          <mc:AlternateContent xmlns:mc="http://schemas.openxmlformats.org/markup-compatibility/2006">
-            <mc:Choice xmlns:a14="http://schemas.microsoft.com/office/drawing/2010/main" Requires="a14">
+          <mc:AlternateContent xmlns:mc="http://schemas.openxmlformats.org/markup-compatibility/2006" xmlns:a14="http://schemas.microsoft.com/office/drawing/2010/main">
+            <mc:Choice Requires="a14">
               <p:sp>
                 <p:nvSpPr>
                   <p:cNvPr id="8" name="TextBox 7">
@@ -11221,7 +11222,7 @@
                 </p:txBody>
               </p:sp>
             </mc:Choice>
-            <mc:Fallback>
+            <mc:Fallback xmlns="">
               <p:sp>
                 <p:nvSpPr>
                   <p:cNvPr id="8" name="TextBox 7">
@@ -11563,8 +11564,8 @@
             </a:fontRef>
           </p:style>
         </p:cxnSp>
-        <mc:AlternateContent xmlns:mc="http://schemas.openxmlformats.org/markup-compatibility/2006">
-          <mc:Choice xmlns:a14="http://schemas.microsoft.com/office/drawing/2010/main" Requires="a14">
+        <mc:AlternateContent xmlns:mc="http://schemas.openxmlformats.org/markup-compatibility/2006" xmlns:a14="http://schemas.microsoft.com/office/drawing/2010/main">
+          <mc:Choice Requires="a14">
             <p:sp>
               <p:nvSpPr>
                 <p:cNvPr id="33" name="TextBox 32">
@@ -11734,7 +11735,7 @@
               </p:txBody>
             </p:sp>
           </mc:Choice>
-          <mc:Fallback>
+          <mc:Fallback xmlns="">
             <p:sp>
               <p:nvSpPr>
                 <p:cNvPr id="33" name="TextBox 32">
@@ -11779,8 +11780,8 @@
             </p:sp>
           </mc:Fallback>
         </mc:AlternateContent>
-        <mc:AlternateContent xmlns:mc="http://schemas.openxmlformats.org/markup-compatibility/2006">
-          <mc:Choice xmlns:a14="http://schemas.microsoft.com/office/drawing/2010/main" Requires="a14">
+        <mc:AlternateContent xmlns:mc="http://schemas.openxmlformats.org/markup-compatibility/2006" xmlns:a14="http://schemas.microsoft.com/office/drawing/2010/main">
+          <mc:Choice Requires="a14">
             <p:sp>
               <p:nvSpPr>
                 <p:cNvPr id="35" name="TextBox 34">
@@ -11830,7 +11831,7 @@
               </p:txBody>
             </p:sp>
           </mc:Choice>
-          <mc:Fallback>
+          <mc:Fallback xmlns="">
             <p:sp>
               <p:nvSpPr>
                 <p:cNvPr id="35" name="TextBox 34">
@@ -11927,8 +11928,8 @@
             </a:p>
           </p:txBody>
         </p:sp>
-        <mc:AlternateContent xmlns:mc="http://schemas.openxmlformats.org/markup-compatibility/2006">
-          <mc:Choice xmlns:a14="http://schemas.microsoft.com/office/drawing/2010/main" Requires="a14">
+        <mc:AlternateContent xmlns:mc="http://schemas.openxmlformats.org/markup-compatibility/2006" xmlns:a14="http://schemas.microsoft.com/office/drawing/2010/main">
+          <mc:Choice Requires="a14">
             <p:sp>
               <p:nvSpPr>
                 <p:cNvPr id="37" name="TextBox 36">
@@ -12095,7 +12096,7 @@
               </p:txBody>
             </p:sp>
           </mc:Choice>
-          <mc:Fallback>
+          <mc:Fallback xmlns="">
             <p:sp>
               <p:nvSpPr>
                 <p:cNvPr id="37" name="TextBox 36">
@@ -12140,8 +12141,8 @@
             </p:sp>
           </mc:Fallback>
         </mc:AlternateContent>
-        <mc:AlternateContent xmlns:mc="http://schemas.openxmlformats.org/markup-compatibility/2006">
-          <mc:Choice xmlns:a14="http://schemas.microsoft.com/office/drawing/2010/main" Requires="a14">
+        <mc:AlternateContent xmlns:mc="http://schemas.openxmlformats.org/markup-compatibility/2006" xmlns:a14="http://schemas.microsoft.com/office/drawing/2010/main">
+          <mc:Choice Requires="a14">
             <p:sp>
               <p:nvSpPr>
                 <p:cNvPr id="38" name="TextBox 37">
@@ -12313,7 +12314,7 @@
               </p:txBody>
             </p:sp>
           </mc:Choice>
-          <mc:Fallback>
+          <mc:Fallback xmlns="">
             <p:sp>
               <p:nvSpPr>
                 <p:cNvPr id="38" name="TextBox 37">
@@ -12363,6 +12364,553 @@
     <p:extLst>
       <p:ext uri="{BB962C8B-B14F-4D97-AF65-F5344CB8AC3E}">
         <p14:creationId xmlns:p14="http://schemas.microsoft.com/office/powerpoint/2010/main" val="914622902"/>
+      </p:ext>
+    </p:extLst>
+  </p:cSld>
+  <p:clrMapOvr>
+    <a:masterClrMapping/>
+  </p:clrMapOvr>
+</p:sld>
+</file>
+
+<file path=ppt/slides/slide5.xml><?xml version="1.0" encoding="utf-8"?>
+<p:sld xmlns:a="http://schemas.openxmlformats.org/drawingml/2006/main" xmlns:r="http://schemas.openxmlformats.org/officeDocument/2006/relationships" xmlns:p="http://schemas.openxmlformats.org/presentationml/2006/main">
+  <p:cSld>
+    <p:spTree>
+      <p:nvGrpSpPr>
+        <p:cNvPr id="1" name=""/>
+        <p:cNvGrpSpPr/>
+        <p:nvPr/>
+      </p:nvGrpSpPr>
+      <p:grpSpPr>
+        <a:xfrm>
+          <a:off x="0" y="0"/>
+          <a:ext cx="0" cy="0"/>
+          <a:chOff x="0" y="0"/>
+          <a:chExt cx="0" cy="0"/>
+        </a:xfrm>
+      </p:grpSpPr>
+      <p:grpSp>
+        <p:nvGrpSpPr>
+          <p:cNvPr id="17" name="그룹 16">
+            <a:extLst>
+              <a:ext uri="{FF2B5EF4-FFF2-40B4-BE49-F238E27FC236}">
+                <a16:creationId xmlns:a16="http://schemas.microsoft.com/office/drawing/2014/main" id="{16FBB768-531B-DAC2-E6D9-DFD51A10B11E}"/>
+              </a:ext>
+            </a:extLst>
+          </p:cNvPr>
+          <p:cNvGrpSpPr/>
+          <p:nvPr/>
+        </p:nvGrpSpPr>
+        <p:grpSpPr>
+          <a:xfrm>
+            <a:off x="72010" y="0"/>
+            <a:ext cx="12047979" cy="6858000"/>
+            <a:chOff x="0" y="60844"/>
+            <a:chExt cx="12047979" cy="6858000"/>
+          </a:xfrm>
+        </p:grpSpPr>
+        <p:pic>
+          <p:nvPicPr>
+            <p:cNvPr id="9" name="그림 8">
+              <a:extLst>
+                <a:ext uri="{FF2B5EF4-FFF2-40B4-BE49-F238E27FC236}">
+                  <a16:creationId xmlns:a16="http://schemas.microsoft.com/office/drawing/2014/main" id="{82A8A06E-FA98-F0F0-0B13-B095E141C82D}"/>
+                </a:ext>
+              </a:extLst>
+            </p:cNvPr>
+            <p:cNvPicPr>
+              <a:picLocks noChangeAspect="1"/>
+            </p:cNvPicPr>
+            <p:nvPr/>
+          </p:nvPicPr>
+          <p:blipFill rotWithShape="1">
+            <a:blip r:embed="rId2"/>
+            <a:srcRect r="50703"/>
+            <a:stretch/>
+          </p:blipFill>
+          <p:spPr>
+            <a:xfrm>
+              <a:off x="0" y="60844"/>
+              <a:ext cx="5850381" cy="6858000"/>
+            </a:xfrm>
+            <a:prstGeom prst="rect">
+              <a:avLst/>
+            </a:prstGeom>
+          </p:spPr>
+        </p:pic>
+        <p:pic>
+          <p:nvPicPr>
+            <p:cNvPr id="11" name="그림 10">
+              <a:extLst>
+                <a:ext uri="{FF2B5EF4-FFF2-40B4-BE49-F238E27FC236}">
+                  <a16:creationId xmlns:a16="http://schemas.microsoft.com/office/drawing/2014/main" id="{FA5E72FA-027D-40F0-F0B8-27B8E160EAAF}"/>
+                </a:ext>
+              </a:extLst>
+            </p:cNvPr>
+            <p:cNvPicPr>
+              <a:picLocks noChangeAspect="1"/>
+            </p:cNvPicPr>
+            <p:nvPr/>
+          </p:nvPicPr>
+          <p:blipFill rotWithShape="1">
+            <a:blip r:embed="rId3"/>
+            <a:srcRect r="51181"/>
+            <a:stretch/>
+          </p:blipFill>
+          <p:spPr>
+            <a:xfrm>
+              <a:off x="6096000" y="205855"/>
+              <a:ext cx="5951979" cy="4998489"/>
+            </a:xfrm>
+            <a:prstGeom prst="rect">
+              <a:avLst/>
+            </a:prstGeom>
+          </p:spPr>
+        </p:pic>
+        <p:sp>
+          <p:nvSpPr>
+            <p:cNvPr id="12" name="직사각형 11">
+              <a:extLst>
+                <a:ext uri="{FF2B5EF4-FFF2-40B4-BE49-F238E27FC236}">
+                  <a16:creationId xmlns:a16="http://schemas.microsoft.com/office/drawing/2014/main" id="{EE330DDE-03F5-D56E-56BD-4E1E84B349F7}"/>
+                </a:ext>
+              </a:extLst>
+            </p:cNvPr>
+            <p:cNvSpPr/>
+            <p:nvPr/>
+          </p:nvSpPr>
+          <p:spPr>
+            <a:xfrm>
+              <a:off x="330200" y="3926956"/>
+              <a:ext cx="2133600" cy="2931044"/>
+            </a:xfrm>
+            <a:prstGeom prst="rect">
+              <a:avLst/>
+            </a:prstGeom>
+            <a:noFill/>
+            <a:ln w="28575">
+              <a:solidFill>
+                <a:srgbClr val="FF0000"/>
+              </a:solidFill>
+            </a:ln>
+          </p:spPr>
+          <p:style>
+            <a:lnRef idx="2">
+              <a:schemeClr val="accent1">
+                <a:shade val="50000"/>
+              </a:schemeClr>
+            </a:lnRef>
+            <a:fillRef idx="1">
+              <a:schemeClr val="accent1"/>
+            </a:fillRef>
+            <a:effectRef idx="0">
+              <a:schemeClr val="accent1"/>
+            </a:effectRef>
+            <a:fontRef idx="minor">
+              <a:schemeClr val="lt1"/>
+            </a:fontRef>
+          </p:style>
+          <p:txBody>
+            <a:bodyPr rtlCol="0" anchor="ctr"/>
+            <a:lstStyle/>
+            <a:p>
+              <a:pPr algn="ctr"/>
+              <a:endParaRPr lang="ko-KR" altLang="en-US"/>
+            </a:p>
+          </p:txBody>
+        </p:sp>
+        <p:sp>
+          <p:nvSpPr>
+            <p:cNvPr id="13" name="직사각형 12">
+              <a:extLst>
+                <a:ext uri="{FF2B5EF4-FFF2-40B4-BE49-F238E27FC236}">
+                  <a16:creationId xmlns:a16="http://schemas.microsoft.com/office/drawing/2014/main" id="{5A9AE6F3-275B-AE56-A741-5181960102A3}"/>
+                </a:ext>
+              </a:extLst>
+            </p:cNvPr>
+            <p:cNvSpPr/>
+            <p:nvPr/>
+          </p:nvSpPr>
+          <p:spPr>
+            <a:xfrm>
+              <a:off x="6341620" y="4076700"/>
+              <a:ext cx="3259579" cy="1127644"/>
+            </a:xfrm>
+            <a:prstGeom prst="rect">
+              <a:avLst/>
+            </a:prstGeom>
+            <a:noFill/>
+            <a:ln w="28575">
+              <a:solidFill>
+                <a:srgbClr val="FF0000"/>
+              </a:solidFill>
+            </a:ln>
+          </p:spPr>
+          <p:style>
+            <a:lnRef idx="2">
+              <a:schemeClr val="accent1">
+                <a:shade val="50000"/>
+              </a:schemeClr>
+            </a:lnRef>
+            <a:fillRef idx="1">
+              <a:schemeClr val="accent1"/>
+            </a:fillRef>
+            <a:effectRef idx="0">
+              <a:schemeClr val="accent1"/>
+            </a:effectRef>
+            <a:fontRef idx="minor">
+              <a:schemeClr val="lt1"/>
+            </a:fontRef>
+          </p:style>
+          <p:txBody>
+            <a:bodyPr rtlCol="0" anchor="ctr"/>
+            <a:lstStyle/>
+            <a:p>
+              <a:pPr algn="ctr"/>
+              <a:endParaRPr lang="ko-KR" altLang="en-US"/>
+            </a:p>
+          </p:txBody>
+        </p:sp>
+        <mc:AlternateContent xmlns:mc="http://schemas.openxmlformats.org/markup-compatibility/2006" xmlns:a14="http://schemas.microsoft.com/office/drawing/2010/main">
+          <mc:Choice Requires="a14">
+            <p:sp>
+              <p:nvSpPr>
+                <p:cNvPr id="15" name="TextBox 14">
+                  <a:extLst>
+                    <a:ext uri="{FF2B5EF4-FFF2-40B4-BE49-F238E27FC236}">
+                      <a16:creationId xmlns:a16="http://schemas.microsoft.com/office/drawing/2014/main" id="{B7172047-0D27-E728-C278-A992363198F4}"/>
+                    </a:ext>
+                  </a:extLst>
+                </p:cNvPr>
+                <p:cNvSpPr txBox="1"/>
+                <p:nvPr/>
+              </p:nvSpPr>
+              <p:spPr>
+                <a:xfrm>
+                  <a:off x="3092954" y="4148079"/>
+                  <a:ext cx="1603772" cy="492443"/>
+                </a:xfrm>
+                <a:prstGeom prst="rect">
+                  <a:avLst/>
+                </a:prstGeom>
+                <a:noFill/>
+              </p:spPr>
+              <p:txBody>
+                <a:bodyPr wrap="none" lIns="0" tIns="0" rIns="0" bIns="0" rtlCol="0">
+                  <a:spAutoFit/>
+                </a:bodyPr>
+                <a:lstStyle/>
+                <a:p>
+                  <a:pPr/>
+                  <a14:m>
+                    <m:oMathPara xmlns:m="http://schemas.openxmlformats.org/officeDocument/2006/math">
+                      <m:oMathParaPr>
+                        <m:jc m:val="centerGroup"/>
+                      </m:oMathParaPr>
+                      <m:oMath xmlns:m="http://schemas.openxmlformats.org/officeDocument/2006/math">
+                        <m:d>
+                          <m:dPr>
+                            <m:ctrlPr>
+                              <a:rPr lang="en-US" altLang="ko-KR" sz="3200" b="0" i="1" smtClean="0">
+                                <a:latin typeface="Cambria Math" panose="02040503050406030204" pitchFamily="18" charset="0"/>
+                              </a:rPr>
+                            </m:ctrlPr>
+                          </m:dPr>
+                          <m:e>
+                            <m:acc>
+                              <m:accPr>
+                                <m:chr m:val="⃗"/>
+                                <m:ctrlPr>
+                                  <a:rPr lang="en-US" altLang="ko-KR" sz="3200" b="0" i="1" smtClean="0">
+                                    <a:latin typeface="Cambria Math" panose="02040503050406030204" pitchFamily="18" charset="0"/>
+                                  </a:rPr>
+                                </m:ctrlPr>
+                              </m:accPr>
+                              <m:e>
+                                <m:r>
+                                  <a:rPr lang="en-US" altLang="ko-KR" sz="3200" b="0" i="1" smtClean="0">
+                                    <a:latin typeface="Cambria Math" panose="02040503050406030204" pitchFamily="18" charset="0"/>
+                                  </a:rPr>
+                                  <m:t>𝑢</m:t>
+                                </m:r>
+                              </m:e>
+                            </m:acc>
+                            <m:r>
+                              <a:rPr lang="en-US" altLang="ko-KR" sz="3200" b="0" i="1" smtClean="0">
+                                <a:latin typeface="Cambria Math" panose="02040503050406030204" pitchFamily="18" charset="0"/>
+                              </a:rPr>
+                              <m:t>⋅</m:t>
+                            </m:r>
+                            <m:acc>
+                              <m:accPr>
+                                <m:chr m:val="̂"/>
+                                <m:ctrlPr>
+                                  <a:rPr lang="en-US" altLang="ko-KR" sz="3200" b="0" i="1" smtClean="0">
+                                    <a:latin typeface="Cambria Math" panose="02040503050406030204" pitchFamily="18" charset="0"/>
+                                  </a:rPr>
+                                </m:ctrlPr>
+                              </m:accPr>
+                              <m:e>
+                                <m:r>
+                                  <a:rPr lang="en-US" altLang="ko-KR" sz="3200" b="0" i="1" smtClean="0">
+                                    <a:latin typeface="Cambria Math" panose="02040503050406030204" pitchFamily="18" charset="0"/>
+                                  </a:rPr>
+                                  <m:t>𝑛</m:t>
+                                </m:r>
+                              </m:e>
+                            </m:acc>
+                          </m:e>
+                        </m:d>
+                        <m:r>
+                          <a:rPr lang="en-US" altLang="ko-KR" sz="3200" b="0" i="1" smtClean="0">
+                            <a:latin typeface="Cambria Math" panose="02040503050406030204" pitchFamily="18" charset="0"/>
+                          </a:rPr>
+                          <m:t> </m:t>
+                        </m:r>
+                        <m:acc>
+                          <m:accPr>
+                            <m:chr m:val="̂"/>
+                            <m:ctrlPr>
+                              <a:rPr lang="en-US" altLang="ko-KR" sz="3200" i="1">
+                                <a:latin typeface="Cambria Math" panose="02040503050406030204" pitchFamily="18" charset="0"/>
+                              </a:rPr>
+                            </m:ctrlPr>
+                          </m:accPr>
+                          <m:e>
+                            <m:r>
+                              <a:rPr lang="en-US" altLang="ko-KR" sz="3200" i="1">
+                                <a:latin typeface="Cambria Math" panose="02040503050406030204" pitchFamily="18" charset="0"/>
+                              </a:rPr>
+                              <m:t>𝑛</m:t>
+                            </m:r>
+                          </m:e>
+                        </m:acc>
+                      </m:oMath>
+                    </m:oMathPara>
+                  </a14:m>
+                  <a:endParaRPr lang="ko-KR" altLang="en-US" sz="3200" dirty="0"/>
+                </a:p>
+              </p:txBody>
+            </p:sp>
+          </mc:Choice>
+          <mc:Fallback xmlns="">
+            <p:sp>
+              <p:nvSpPr>
+                <p:cNvPr id="15" name="TextBox 14">
+                  <a:extLst>
+                    <a:ext uri="{FF2B5EF4-FFF2-40B4-BE49-F238E27FC236}">
+                      <a16:creationId xmlns:a16="http://schemas.microsoft.com/office/drawing/2014/main" id="{B7172047-0D27-E728-C278-A992363198F4}"/>
+                    </a:ext>
+                  </a:extLst>
+                </p:cNvPr>
+                <p:cNvSpPr txBox="1">
+                  <a:spLocks noRot="1" noChangeAspect="1" noMove="1" noResize="1" noEditPoints="1" noAdjustHandles="1" noChangeArrowheads="1" noChangeShapeType="1" noTextEdit="1"/>
+                </p:cNvSpPr>
+                <p:nvPr/>
+              </p:nvSpPr>
+              <p:spPr>
+                <a:xfrm>
+                  <a:off x="3092954" y="4148079"/>
+                  <a:ext cx="1603772" cy="492443"/>
+                </a:xfrm>
+                <a:prstGeom prst="rect">
+                  <a:avLst/>
+                </a:prstGeom>
+                <a:blipFill>
+                  <a:blip r:embed="rId4"/>
+                  <a:stretch>
+                    <a:fillRect/>
+                  </a:stretch>
+                </a:blipFill>
+              </p:spPr>
+              <p:txBody>
+                <a:bodyPr/>
+                <a:lstStyle/>
+                <a:p>
+                  <a:r>
+                    <a:rPr lang="ko-KR" altLang="en-US">
+                      <a:noFill/>
+                    </a:rPr>
+                    <a:t> </a:t>
+                  </a:r>
+                </a:p>
+              </p:txBody>
+            </p:sp>
+          </mc:Fallback>
+        </mc:AlternateContent>
+        <mc:AlternateContent xmlns:mc="http://schemas.openxmlformats.org/markup-compatibility/2006" xmlns:a14="http://schemas.microsoft.com/office/drawing/2010/main">
+          <mc:Choice Requires="a14">
+            <p:sp>
+              <p:nvSpPr>
+                <p:cNvPr id="16" name="TextBox 15">
+                  <a:extLst>
+                    <a:ext uri="{FF2B5EF4-FFF2-40B4-BE49-F238E27FC236}">
+                      <a16:creationId xmlns:a16="http://schemas.microsoft.com/office/drawing/2014/main" id="{B2026513-E588-C1E0-1E03-FC1045E1F8A1}"/>
+                    </a:ext>
+                  </a:extLst>
+                </p:cNvPr>
+                <p:cNvSpPr txBox="1"/>
+                <p:nvPr/>
+              </p:nvSpPr>
+              <p:spPr>
+                <a:xfrm>
+                  <a:off x="9876028" y="4262379"/>
+                  <a:ext cx="1897122" cy="492443"/>
+                </a:xfrm>
+                <a:prstGeom prst="rect">
+                  <a:avLst/>
+                </a:prstGeom>
+                <a:noFill/>
+              </p:spPr>
+              <p:txBody>
+                <a:bodyPr wrap="none" lIns="0" tIns="0" rIns="0" bIns="0" rtlCol="0">
+                  <a:spAutoFit/>
+                </a:bodyPr>
+                <a:lstStyle/>
+                <a:p>
+                  <a:pPr/>
+                  <a14:m>
+                    <m:oMathPara xmlns:m="http://schemas.openxmlformats.org/officeDocument/2006/math">
+                      <m:oMathParaPr>
+                        <m:jc m:val="centerGroup"/>
+                      </m:oMathParaPr>
+                      <m:oMath xmlns:m="http://schemas.openxmlformats.org/officeDocument/2006/math">
+                        <m:d>
+                          <m:dPr>
+                            <m:ctrlPr>
+                              <a:rPr lang="en-US" altLang="ko-KR" sz="3200" b="0" i="1" smtClean="0">
+                                <a:latin typeface="Cambria Math" panose="02040503050406030204" pitchFamily="18" charset="0"/>
+                              </a:rPr>
+                            </m:ctrlPr>
+                          </m:dPr>
+                          <m:e>
+                            <m:acc>
+                              <m:accPr>
+                                <m:chr m:val="̂"/>
+                                <m:ctrlPr>
+                                  <a:rPr lang="en-US" altLang="ko-KR" sz="3200" i="1" smtClean="0">
+                                    <a:latin typeface="Cambria Math" panose="02040503050406030204" pitchFamily="18" charset="0"/>
+                                  </a:rPr>
+                                </m:ctrlPr>
+                              </m:accPr>
+                              <m:e>
+                                <m:r>
+                                  <a:rPr lang="en-US" altLang="ko-KR" sz="3200" i="1">
+                                    <a:latin typeface="Cambria Math" panose="02040503050406030204" pitchFamily="18" charset="0"/>
+                                  </a:rPr>
+                                  <m:t>𝑛</m:t>
+                                </m:r>
+                              </m:e>
+                            </m:acc>
+                            <m:r>
+                              <a:rPr lang="en-US" altLang="ko-KR" sz="3200" b="0" i="1" smtClean="0">
+                                <a:latin typeface="Cambria Math" panose="02040503050406030204" pitchFamily="18" charset="0"/>
+                              </a:rPr>
+                              <m:t>⊗</m:t>
+                            </m:r>
+                            <m:acc>
+                              <m:accPr>
+                                <m:chr m:val="̂"/>
+                                <m:ctrlPr>
+                                  <a:rPr lang="en-US" altLang="ko-KR" sz="3200" b="0" i="1" smtClean="0">
+                                    <a:latin typeface="Cambria Math" panose="02040503050406030204" pitchFamily="18" charset="0"/>
+                                  </a:rPr>
+                                </m:ctrlPr>
+                              </m:accPr>
+                              <m:e>
+                                <m:r>
+                                  <a:rPr lang="en-US" altLang="ko-KR" sz="3200" b="0" i="1" smtClean="0">
+                                    <a:latin typeface="Cambria Math" panose="02040503050406030204" pitchFamily="18" charset="0"/>
+                                  </a:rPr>
+                                  <m:t>𝑛</m:t>
+                                </m:r>
+                              </m:e>
+                            </m:acc>
+                          </m:e>
+                        </m:d>
+                        <m:r>
+                          <a:rPr lang="en-US" altLang="ko-KR" sz="3200" b="0" i="1" smtClean="0">
+                            <a:latin typeface="Cambria Math" panose="02040503050406030204" pitchFamily="18" charset="0"/>
+                          </a:rPr>
+                          <m:t> </m:t>
+                        </m:r>
+                        <m:acc>
+                          <m:accPr>
+                            <m:chr m:val="⃗"/>
+                            <m:ctrlPr>
+                              <a:rPr lang="en-US" altLang="ko-KR" sz="3200" b="0" i="1" smtClean="0">
+                                <a:latin typeface="Cambria Math" panose="02040503050406030204" pitchFamily="18" charset="0"/>
+                              </a:rPr>
+                            </m:ctrlPr>
+                          </m:accPr>
+                          <m:e>
+                            <m:r>
+                              <a:rPr lang="en-US" altLang="ko-KR" sz="3200" b="0" i="1" smtClean="0">
+                                <a:latin typeface="Cambria Math" panose="02040503050406030204" pitchFamily="18" charset="0"/>
+                              </a:rPr>
+                              <m:t>𝑢</m:t>
+                            </m:r>
+                          </m:e>
+                        </m:acc>
+                      </m:oMath>
+                    </m:oMathPara>
+                  </a14:m>
+                  <a:endParaRPr lang="ko-KR" altLang="en-US" sz="3200" dirty="0"/>
+                </a:p>
+              </p:txBody>
+            </p:sp>
+          </mc:Choice>
+          <mc:Fallback xmlns="">
+            <p:sp>
+              <p:nvSpPr>
+                <p:cNvPr id="16" name="TextBox 15">
+                  <a:extLst>
+                    <a:ext uri="{FF2B5EF4-FFF2-40B4-BE49-F238E27FC236}">
+                      <a16:creationId xmlns:a16="http://schemas.microsoft.com/office/drawing/2014/main" id="{B2026513-E588-C1E0-1E03-FC1045E1F8A1}"/>
+                    </a:ext>
+                  </a:extLst>
+                </p:cNvPr>
+                <p:cNvSpPr txBox="1">
+                  <a:spLocks noRot="1" noChangeAspect="1" noMove="1" noResize="1" noEditPoints="1" noAdjustHandles="1" noChangeArrowheads="1" noChangeShapeType="1" noTextEdit="1"/>
+                </p:cNvSpPr>
+                <p:nvPr/>
+              </p:nvSpPr>
+              <p:spPr>
+                <a:xfrm>
+                  <a:off x="9876028" y="4262379"/>
+                  <a:ext cx="1897122" cy="492443"/>
+                </a:xfrm>
+                <a:prstGeom prst="rect">
+                  <a:avLst/>
+                </a:prstGeom>
+                <a:blipFill>
+                  <a:blip r:embed="rId5"/>
+                  <a:stretch>
+                    <a:fillRect/>
+                  </a:stretch>
+                </a:blipFill>
+              </p:spPr>
+              <p:txBody>
+                <a:bodyPr/>
+                <a:lstStyle/>
+                <a:p>
+                  <a:r>
+                    <a:rPr lang="ko-KR" altLang="en-US">
+                      <a:noFill/>
+                    </a:rPr>
+                    <a:t> </a:t>
+                  </a:r>
+                </a:p>
+              </p:txBody>
+            </p:sp>
+          </mc:Fallback>
+        </mc:AlternateContent>
+      </p:grpSp>
+    </p:spTree>
+    <p:extLst>
+      <p:ext uri="{BB962C8B-B14F-4D97-AF65-F5344CB8AC3E}">
+        <p14:creationId xmlns:p14="http://schemas.microsoft.com/office/powerpoint/2010/main" val="117362734"/>
       </p:ext>
     </p:extLst>
   </p:cSld>
